--- a/제출자료/최종 발표 프레젠테이션(김정훈).pptx
+++ b/제출자료/최종 발표 프레젠테이션(김정훈).pptx
@@ -5,25 +5,28 @@
     <p:sldMasterId id="2147483660" r:id="rId1"/>
   </p:sldMasterIdLst>
   <p:notesMasterIdLst>
-    <p:notesMasterId r:id="rId4"/>
+    <p:notesMasterId r:id="rId7"/>
   </p:notesMasterIdLst>
   <p:sldIdLst>
     <p:sldId id="256" r:id="rId2"/>
     <p:sldId id="257" r:id="rId3"/>
+    <p:sldId id="258" r:id="rId4"/>
+    <p:sldId id="259" r:id="rId5"/>
+    <p:sldId id="260" r:id="rId6"/>
   </p:sldIdLst>
   <p:sldSz cx="9144000" cy="5143500" type="screen16x9"/>
   <p:notesSz cx="6858000" cy="9144000"/>
   <p:embeddedFontLst>
     <p:embeddedFont>
       <p:font typeface="Century Gothic" panose="020B0502020202020204" pitchFamily="34" charset="0"/>
-      <p:regular r:id="rId5"/>
-      <p:bold r:id="rId6"/>
-      <p:italic r:id="rId7"/>
-      <p:boldItalic r:id="rId8"/>
+      <p:regular r:id="rId8"/>
+      <p:bold r:id="rId9"/>
+      <p:italic r:id="rId10"/>
+      <p:boldItalic r:id="rId11"/>
     </p:embeddedFont>
     <p:embeddedFont>
       <p:font typeface="Wingdings 3" panose="05040102010807070707" pitchFamily="18" charset="2"/>
-      <p:regular r:id="rId9"/>
+      <p:regular r:id="rId12"/>
     </p:embeddedFont>
   </p:embeddedFontLst>
   <p:defaultTextStyle>
@@ -981,7 +984,7 @@
             <a:fld id="{B61BEF0D-F0BB-DE4B-95CE-6DB70DBA9567}" type="datetimeFigureOut">
               <a:rPr lang="en-US" dirty="0"/>
               <a:pPr/>
-              <a:t>8/19/2023</a:t>
+              <a:t>8/20/2023</a:t>
             </a:fld>
             <a:endParaRPr lang="en-US" dirty="0"/>
           </a:p>
@@ -1428,7 +1431,7 @@
             <a:fld id="{B61BEF0D-F0BB-DE4B-95CE-6DB70DBA9567}" type="datetimeFigureOut">
               <a:rPr lang="en-US" dirty="0"/>
               <a:pPr/>
-              <a:t>8/19/2023</a:t>
+              <a:t>8/20/2023</a:t>
             </a:fld>
             <a:endParaRPr lang="en-US" dirty="0"/>
           </a:p>
@@ -1689,7 +1692,7 @@
             <a:fld id="{B61BEF0D-F0BB-DE4B-95CE-6DB70DBA9567}" type="datetimeFigureOut">
               <a:rPr lang="en-US" dirty="0"/>
               <a:pPr/>
-              <a:t>8/19/2023</a:t>
+              <a:t>8/20/2023</a:t>
             </a:fld>
             <a:endParaRPr lang="en-US" dirty="0"/>
           </a:p>
@@ -2008,7 +2011,7 @@
             <a:fld id="{B61BEF0D-F0BB-DE4B-95CE-6DB70DBA9567}" type="datetimeFigureOut">
               <a:rPr lang="en-US" dirty="0"/>
               <a:pPr/>
-              <a:t>8/19/2023</a:t>
+              <a:t>8/20/2023</a:t>
             </a:fld>
             <a:endParaRPr lang="en-US" dirty="0"/>
           </a:p>
@@ -2337,7 +2340,7 @@
             <a:fld id="{B61BEF0D-F0BB-DE4B-95CE-6DB70DBA9567}" type="datetimeFigureOut">
               <a:rPr lang="en-US" dirty="0"/>
               <a:pPr/>
-              <a:t>8/19/2023</a:t>
+              <a:t>8/20/2023</a:t>
             </a:fld>
             <a:endParaRPr lang="en-US" dirty="0"/>
           </a:p>
@@ -2650,7 +2653,7 @@
             <a:fld id="{B61BEF0D-F0BB-DE4B-95CE-6DB70DBA9567}" type="datetimeFigureOut">
               <a:rPr lang="en-US" dirty="0"/>
               <a:pPr/>
-              <a:t>8/19/2023</a:t>
+              <a:t>8/20/2023</a:t>
             </a:fld>
             <a:endParaRPr lang="en-US" dirty="0"/>
           </a:p>
@@ -3028,7 +3031,7 @@
             <a:fld id="{B61BEF0D-F0BB-DE4B-95CE-6DB70DBA9567}" type="datetimeFigureOut">
               <a:rPr lang="en-US" dirty="0"/>
               <a:pPr/>
-              <a:t>8/19/2023</a:t>
+              <a:t>8/20/2023</a:t>
             </a:fld>
             <a:endParaRPr lang="en-US" dirty="0"/>
           </a:p>
@@ -3213,7 +3216,7 @@
             <a:fld id="{B61BEF0D-F0BB-DE4B-95CE-6DB70DBA9567}" type="datetimeFigureOut">
               <a:rPr lang="en-US" dirty="0"/>
               <a:pPr/>
-              <a:t>8/19/2023</a:t>
+              <a:t>8/20/2023</a:t>
             </a:fld>
             <a:endParaRPr lang="en-US" dirty="0"/>
           </a:p>
@@ -3404,7 +3407,7 @@
             <a:fld id="{B61BEF0D-F0BB-DE4B-95CE-6DB70DBA9567}" type="datetimeFigureOut">
               <a:rPr lang="en-US" dirty="0"/>
               <a:pPr/>
-              <a:t>8/19/2023</a:t>
+              <a:t>8/20/2023</a:t>
             </a:fld>
             <a:endParaRPr lang="en-US" dirty="0"/>
           </a:p>
@@ -3952,7 +3955,7 @@
             <a:fld id="{B61BEF0D-F0BB-DE4B-95CE-6DB70DBA9567}" type="datetimeFigureOut">
               <a:rPr lang="en-US" dirty="0"/>
               <a:pPr/>
-              <a:t>8/19/2023</a:t>
+              <a:t>8/20/2023</a:t>
             </a:fld>
             <a:endParaRPr lang="en-US" dirty="0"/>
           </a:p>
@@ -4213,7 +4216,7 @@
             <a:fld id="{B61BEF0D-F0BB-DE4B-95CE-6DB70DBA9567}" type="datetimeFigureOut">
               <a:rPr lang="en-US" dirty="0"/>
               <a:pPr/>
-              <a:t>8/19/2023</a:t>
+              <a:t>8/20/2023</a:t>
             </a:fld>
             <a:endParaRPr lang="en-US" dirty="0"/>
           </a:p>
@@ -4460,7 +4463,7 @@
             <a:fld id="{B61BEF0D-F0BB-DE4B-95CE-6DB70DBA9567}" type="datetimeFigureOut">
               <a:rPr lang="en-US" dirty="0"/>
               <a:pPr/>
-              <a:t>8/19/2023</a:t>
+              <a:t>8/20/2023</a:t>
             </a:fld>
             <a:endParaRPr lang="en-US" dirty="0"/>
           </a:p>
@@ -4853,7 +4856,7 @@
             <a:fld id="{B61BEF0D-F0BB-DE4B-95CE-6DB70DBA9567}" type="datetimeFigureOut">
               <a:rPr lang="en-US" dirty="0"/>
               <a:pPr/>
-              <a:t>8/19/2023</a:t>
+              <a:t>8/20/2023</a:t>
             </a:fld>
             <a:endParaRPr lang="en-US" dirty="0"/>
           </a:p>
@@ -4982,7 +4985,7 @@
             <a:fld id="{B61BEF0D-F0BB-DE4B-95CE-6DB70DBA9567}" type="datetimeFigureOut">
               <a:rPr lang="en-US" dirty="0"/>
               <a:pPr/>
-              <a:t>8/19/2023</a:t>
+              <a:t>8/20/2023</a:t>
             </a:fld>
             <a:endParaRPr lang="en-US" dirty="0"/>
           </a:p>
@@ -5088,7 +5091,7 @@
             <a:fld id="{B61BEF0D-F0BB-DE4B-95CE-6DB70DBA9567}" type="datetimeFigureOut">
               <a:rPr lang="en-US" dirty="0"/>
               <a:pPr/>
-              <a:t>8/19/2023</a:t>
+              <a:t>8/20/2023</a:t>
             </a:fld>
             <a:endParaRPr lang="en-US" dirty="0"/>
           </a:p>
@@ -5354,7 +5357,7 @@
             <a:fld id="{B61BEF0D-F0BB-DE4B-95CE-6DB70DBA9567}" type="datetimeFigureOut">
               <a:rPr lang="en-US" dirty="0"/>
               <a:pPr/>
-              <a:t>8/19/2023</a:t>
+              <a:t>8/20/2023</a:t>
             </a:fld>
             <a:endParaRPr lang="en-US" dirty="0"/>
           </a:p>
@@ -5648,7 +5651,7 @@
             <a:fld id="{B61BEF0D-F0BB-DE4B-95CE-6DB70DBA9567}" type="datetimeFigureOut">
               <a:rPr lang="en-US" dirty="0"/>
               <a:pPr/>
-              <a:t>8/19/2023</a:t>
+              <a:t>8/20/2023</a:t>
             </a:fld>
             <a:endParaRPr lang="en-US" dirty="0"/>
           </a:p>
@@ -6065,7 +6068,7 @@
             <a:fld id="{B61BEF0D-F0BB-DE4B-95CE-6DB70DBA9567}" type="datetimeFigureOut">
               <a:rPr lang="en-US" dirty="0"/>
               <a:pPr/>
-              <a:t>8/19/2023</a:t>
+              <a:t>8/20/2023</a:t>
             </a:fld>
             <a:endParaRPr lang="en-US" dirty="0"/>
           </a:p>
@@ -6917,6 +6920,246 @@
         </p:txBody>
       </p:sp>
     </p:spTree>
+  </p:cSld>
+  <p:clrMapOvr>
+    <a:masterClrMapping/>
+  </p:clrMapOvr>
+</p:sld>
+</file>
+
+<file path=ppt/slides/slide3.xml><?xml version="1.0" encoding="utf-8"?>
+<p:sld xmlns:a="http://schemas.openxmlformats.org/drawingml/2006/main" xmlns:r="http://schemas.openxmlformats.org/officeDocument/2006/relationships" xmlns:p="http://schemas.openxmlformats.org/presentationml/2006/main">
+  <p:cSld>
+    <p:spTree>
+      <p:nvGrpSpPr>
+        <p:cNvPr id="1" name=""/>
+        <p:cNvGrpSpPr/>
+        <p:nvPr/>
+      </p:nvGrpSpPr>
+      <p:grpSpPr>
+        <a:xfrm>
+          <a:off x="0" y="0"/>
+          <a:ext cx="0" cy="0"/>
+          <a:chOff x="0" y="0"/>
+          <a:chExt cx="0" cy="0"/>
+        </a:xfrm>
+      </p:grpSpPr>
+      <p:sp>
+        <p:nvSpPr>
+          <p:cNvPr id="2" name="제목 1">
+            <a:extLst>
+              <a:ext uri="{FF2B5EF4-FFF2-40B4-BE49-F238E27FC236}">
+                <a16:creationId xmlns:a16="http://schemas.microsoft.com/office/drawing/2014/main" id="{9DAD700F-252B-6246-8B62-23FD0112F39F}"/>
+              </a:ext>
+            </a:extLst>
+          </p:cNvPr>
+          <p:cNvSpPr>
+            <a:spLocks noGrp="1"/>
+          </p:cNvSpPr>
+          <p:nvPr>
+            <p:ph type="title"/>
+          </p:nvPr>
+        </p:nvSpPr>
+        <p:spPr/>
+        <p:txBody>
+          <a:bodyPr/>
+          <a:lstStyle/>
+          <a:p>
+            <a:endParaRPr lang="ko-KR" altLang="en-US"/>
+          </a:p>
+        </p:txBody>
+      </p:sp>
+      <p:sp>
+        <p:nvSpPr>
+          <p:cNvPr id="3" name="텍스트 개체 틀 2">
+            <a:extLst>
+              <a:ext uri="{FF2B5EF4-FFF2-40B4-BE49-F238E27FC236}">
+                <a16:creationId xmlns:a16="http://schemas.microsoft.com/office/drawing/2014/main" id="{59279C71-4478-9D02-D67F-3E800301038C}"/>
+              </a:ext>
+            </a:extLst>
+          </p:cNvPr>
+          <p:cNvSpPr>
+            <a:spLocks noGrp="1"/>
+          </p:cNvSpPr>
+          <p:nvPr>
+            <p:ph type="body" idx="1"/>
+          </p:nvPr>
+        </p:nvSpPr>
+        <p:spPr/>
+        <p:txBody>
+          <a:bodyPr/>
+          <a:lstStyle/>
+          <a:p>
+            <a:endParaRPr lang="ko-KR" altLang="en-US"/>
+          </a:p>
+        </p:txBody>
+      </p:sp>
+    </p:spTree>
+    <p:extLst>
+      <p:ext uri="{BB962C8B-B14F-4D97-AF65-F5344CB8AC3E}">
+        <p14:creationId xmlns:p14="http://schemas.microsoft.com/office/powerpoint/2010/main" val="2032593575"/>
+      </p:ext>
+    </p:extLst>
+  </p:cSld>
+  <p:clrMapOvr>
+    <a:masterClrMapping/>
+  </p:clrMapOvr>
+</p:sld>
+</file>
+
+<file path=ppt/slides/slide4.xml><?xml version="1.0" encoding="utf-8"?>
+<p:sld xmlns:a="http://schemas.openxmlformats.org/drawingml/2006/main" xmlns:r="http://schemas.openxmlformats.org/officeDocument/2006/relationships" xmlns:p="http://schemas.openxmlformats.org/presentationml/2006/main">
+  <p:cSld>
+    <p:spTree>
+      <p:nvGrpSpPr>
+        <p:cNvPr id="1" name=""/>
+        <p:cNvGrpSpPr/>
+        <p:nvPr/>
+      </p:nvGrpSpPr>
+      <p:grpSpPr>
+        <a:xfrm>
+          <a:off x="0" y="0"/>
+          <a:ext cx="0" cy="0"/>
+          <a:chOff x="0" y="0"/>
+          <a:chExt cx="0" cy="0"/>
+        </a:xfrm>
+      </p:grpSpPr>
+      <p:sp>
+        <p:nvSpPr>
+          <p:cNvPr id="2" name="제목 1">
+            <a:extLst>
+              <a:ext uri="{FF2B5EF4-FFF2-40B4-BE49-F238E27FC236}">
+                <a16:creationId xmlns:a16="http://schemas.microsoft.com/office/drawing/2014/main" id="{45001CA4-ACA0-07F0-0D42-0057D9D45265}"/>
+              </a:ext>
+            </a:extLst>
+          </p:cNvPr>
+          <p:cNvSpPr>
+            <a:spLocks noGrp="1"/>
+          </p:cNvSpPr>
+          <p:nvPr>
+            <p:ph type="title"/>
+          </p:nvPr>
+        </p:nvSpPr>
+        <p:spPr/>
+        <p:txBody>
+          <a:bodyPr/>
+          <a:lstStyle/>
+          <a:p>
+            <a:endParaRPr lang="ko-KR" altLang="en-US"/>
+          </a:p>
+        </p:txBody>
+      </p:sp>
+      <p:sp>
+        <p:nvSpPr>
+          <p:cNvPr id="3" name="텍스트 개체 틀 2">
+            <a:extLst>
+              <a:ext uri="{FF2B5EF4-FFF2-40B4-BE49-F238E27FC236}">
+                <a16:creationId xmlns:a16="http://schemas.microsoft.com/office/drawing/2014/main" id="{968E094E-C1B1-18CF-B8EE-E70C35BB2A59}"/>
+              </a:ext>
+            </a:extLst>
+          </p:cNvPr>
+          <p:cNvSpPr>
+            <a:spLocks noGrp="1"/>
+          </p:cNvSpPr>
+          <p:nvPr>
+            <p:ph type="body" idx="1"/>
+          </p:nvPr>
+        </p:nvSpPr>
+        <p:spPr/>
+        <p:txBody>
+          <a:bodyPr/>
+          <a:lstStyle/>
+          <a:p>
+            <a:endParaRPr lang="ko-KR" altLang="en-US"/>
+          </a:p>
+        </p:txBody>
+      </p:sp>
+    </p:spTree>
+    <p:extLst>
+      <p:ext uri="{BB962C8B-B14F-4D97-AF65-F5344CB8AC3E}">
+        <p14:creationId xmlns:p14="http://schemas.microsoft.com/office/powerpoint/2010/main" val="2714636715"/>
+      </p:ext>
+    </p:extLst>
+  </p:cSld>
+  <p:clrMapOvr>
+    <a:masterClrMapping/>
+  </p:clrMapOvr>
+</p:sld>
+</file>
+
+<file path=ppt/slides/slide5.xml><?xml version="1.0" encoding="utf-8"?>
+<p:sld xmlns:a="http://schemas.openxmlformats.org/drawingml/2006/main" xmlns:r="http://schemas.openxmlformats.org/officeDocument/2006/relationships" xmlns:p="http://schemas.openxmlformats.org/presentationml/2006/main">
+  <p:cSld>
+    <p:spTree>
+      <p:nvGrpSpPr>
+        <p:cNvPr id="1" name=""/>
+        <p:cNvGrpSpPr/>
+        <p:nvPr/>
+      </p:nvGrpSpPr>
+      <p:grpSpPr>
+        <a:xfrm>
+          <a:off x="0" y="0"/>
+          <a:ext cx="0" cy="0"/>
+          <a:chOff x="0" y="0"/>
+          <a:chExt cx="0" cy="0"/>
+        </a:xfrm>
+      </p:grpSpPr>
+      <p:sp>
+        <p:nvSpPr>
+          <p:cNvPr id="2" name="제목 1">
+            <a:extLst>
+              <a:ext uri="{FF2B5EF4-FFF2-40B4-BE49-F238E27FC236}">
+                <a16:creationId xmlns:a16="http://schemas.microsoft.com/office/drawing/2014/main" id="{46EF2929-9B0A-68FC-9471-EF98ABF2EB7F}"/>
+              </a:ext>
+            </a:extLst>
+          </p:cNvPr>
+          <p:cNvSpPr>
+            <a:spLocks noGrp="1"/>
+          </p:cNvSpPr>
+          <p:nvPr>
+            <p:ph type="title"/>
+          </p:nvPr>
+        </p:nvSpPr>
+        <p:spPr/>
+        <p:txBody>
+          <a:bodyPr/>
+          <a:lstStyle/>
+          <a:p>
+            <a:endParaRPr lang="ko-KR" altLang="en-US"/>
+          </a:p>
+        </p:txBody>
+      </p:sp>
+      <p:sp>
+        <p:nvSpPr>
+          <p:cNvPr id="3" name="텍스트 개체 틀 2">
+            <a:extLst>
+              <a:ext uri="{FF2B5EF4-FFF2-40B4-BE49-F238E27FC236}">
+                <a16:creationId xmlns:a16="http://schemas.microsoft.com/office/drawing/2014/main" id="{C6AE93B9-0D23-87BF-8648-AB3F1FEAFF4C}"/>
+              </a:ext>
+            </a:extLst>
+          </p:cNvPr>
+          <p:cNvSpPr>
+            <a:spLocks noGrp="1"/>
+          </p:cNvSpPr>
+          <p:nvPr>
+            <p:ph type="body" idx="1"/>
+          </p:nvPr>
+        </p:nvSpPr>
+        <p:spPr/>
+        <p:txBody>
+          <a:bodyPr/>
+          <a:lstStyle/>
+          <a:p>
+            <a:endParaRPr lang="ko-KR" altLang="en-US"/>
+          </a:p>
+        </p:txBody>
+      </p:sp>
+    </p:spTree>
+    <p:extLst>
+      <p:ext uri="{BB962C8B-B14F-4D97-AF65-F5344CB8AC3E}">
+        <p14:creationId xmlns:p14="http://schemas.microsoft.com/office/powerpoint/2010/main" val="1532860426"/>
+      </p:ext>
+    </p:extLst>
   </p:cSld>
   <p:clrMapOvr>
     <a:masterClrMapping/>

--- a/제출자료/최종 발표 프레젠테이션(김정훈).pptx
+++ b/제출자료/최종 발표 프레젠테이션(김정훈).pptx
@@ -5,7 +5,7 @@
     <p:sldMasterId id="2147483660" r:id="rId1"/>
   </p:sldMasterIdLst>
   <p:notesMasterIdLst>
-    <p:notesMasterId r:id="rId7"/>
+    <p:notesMasterId r:id="rId10"/>
   </p:notesMasterIdLst>
   <p:sldIdLst>
     <p:sldId id="256" r:id="rId2"/>
@@ -13,20 +13,23 @@
     <p:sldId id="258" r:id="rId4"/>
     <p:sldId id="259" r:id="rId5"/>
     <p:sldId id="260" r:id="rId6"/>
+    <p:sldId id="261" r:id="rId7"/>
+    <p:sldId id="262" r:id="rId8"/>
+    <p:sldId id="264" r:id="rId9"/>
   </p:sldIdLst>
   <p:sldSz cx="9144000" cy="5143500" type="screen16x9"/>
   <p:notesSz cx="6858000" cy="9144000"/>
   <p:embeddedFontLst>
     <p:embeddedFont>
       <p:font typeface="Century Gothic" panose="020B0502020202020204" pitchFamily="34" charset="0"/>
-      <p:regular r:id="rId8"/>
-      <p:bold r:id="rId9"/>
-      <p:italic r:id="rId10"/>
-      <p:boldItalic r:id="rId11"/>
+      <p:regular r:id="rId11"/>
+      <p:bold r:id="rId12"/>
+      <p:italic r:id="rId13"/>
+      <p:boldItalic r:id="rId14"/>
     </p:embeddedFont>
     <p:embeddedFont>
       <p:font typeface="Wingdings 3" panose="05040102010807070707" pitchFamily="18" charset="2"/>
-      <p:regular r:id="rId12"/>
+      <p:regular r:id="rId15"/>
     </p:embeddedFont>
   </p:embeddedFontLst>
   <p:defaultTextStyle>
@@ -6625,6 +6628,10 @@
           </p:nvPr>
         </p:nvSpPr>
         <p:spPr>
+          <a:xfrm>
+            <a:off x="508763" y="1185984"/>
+            <a:ext cx="6000750" cy="1024305"/>
+          </a:xfrm>
           <a:prstGeom prst="rect">
             <a:avLst/>
           </a:prstGeom>
@@ -6645,8 +6652,20 @@
               <a:buNone/>
             </a:pPr>
             <a:r>
-              <a:rPr lang="ko"/>
-              <a:t>CICD 파이프라인 프로젝트</a:t>
+              <a:rPr lang="en-US" altLang="ko" dirty="0"/>
+              <a:t>SONAR x </a:t>
+            </a:r>
+            <a:r>
+              <a:rPr lang="en-US" altLang="ko" dirty="0" err="1"/>
+              <a:t>jENKINS</a:t>
+            </a:r>
+            <a:r>
+              <a:rPr lang="en-US" altLang="ko" dirty="0"/>
+              <a:t> </a:t>
+            </a:r>
+            <a:r>
+              <a:rPr lang="ko" dirty="0"/>
+              <a:t>프로젝트</a:t>
             </a:r>
             <a:endParaRPr dirty="0"/>
           </a:p>
@@ -6663,6 +6682,10 @@
           </p:nvPr>
         </p:nvSpPr>
         <p:spPr>
+          <a:xfrm>
+            <a:off x="689006" y="3011365"/>
+            <a:ext cx="4800600" cy="1460500"/>
+          </a:xfrm>
           <a:prstGeom prst="rect">
             <a:avLst/>
           </a:prstGeom>
@@ -6683,18 +6706,90 @@
               <a:buNone/>
             </a:pPr>
             <a:r>
-              <a:rPr lang="ko" dirty="0"/>
+              <a:rPr lang="ko" dirty="0">
+                <a:solidFill>
+                  <a:schemeClr val="tx1"/>
+                </a:solidFill>
+              </a:rPr>
               <a:t>2023년 08월 </a:t>
             </a:r>
             <a:r>
-              <a:rPr lang="en-US" altLang="ko" dirty="0"/>
-              <a:t>25</a:t>
-            </a:r>
-            <a:r>
-              <a:rPr lang="ko" dirty="0"/>
+              <a:rPr lang="en-US" altLang="ko" dirty="0">
+                <a:solidFill>
+                  <a:schemeClr val="tx1"/>
+                </a:solidFill>
+              </a:rPr>
+              <a:t>22</a:t>
+            </a:r>
+            <a:r>
+              <a:rPr lang="ko" dirty="0">
+                <a:solidFill>
+                  <a:schemeClr val="tx1"/>
+                </a:solidFill>
+              </a:rPr>
               <a:t>일</a:t>
             </a:r>
-            <a:endParaRPr dirty="0"/>
+            <a:endParaRPr lang="en-US" altLang="ko" dirty="0">
+              <a:solidFill>
+                <a:schemeClr val="tx1"/>
+              </a:solidFill>
+            </a:endParaRPr>
+          </a:p>
+          <a:p>
+            <a:pPr marL="0" lvl="0" indent="0" algn="l" rtl="0">
+              <a:spcBef>
+                <a:spcPts val="0"/>
+              </a:spcBef>
+              <a:spcAft>
+                <a:spcPts val="0"/>
+              </a:spcAft>
+              <a:buNone/>
+            </a:pPr>
+            <a:endParaRPr lang="en-US" dirty="0">
+              <a:solidFill>
+                <a:schemeClr val="tx1"/>
+              </a:solidFill>
+            </a:endParaRPr>
+          </a:p>
+          <a:p>
+            <a:pPr marL="0" lvl="0" indent="0" algn="l" rtl="0">
+              <a:spcBef>
+                <a:spcPts val="0"/>
+              </a:spcBef>
+              <a:spcAft>
+                <a:spcPts val="0"/>
+              </a:spcAft>
+              <a:buNone/>
+            </a:pPr>
+            <a:r>
+              <a:rPr lang="ko-KR" altLang="en-US" dirty="0">
+                <a:solidFill>
+                  <a:schemeClr val="tx1"/>
+                </a:solidFill>
+              </a:rPr>
+              <a:t>진행자 </a:t>
+            </a:r>
+            <a:r>
+              <a:rPr lang="en-US" altLang="ko-KR" dirty="0">
+                <a:solidFill>
+                  <a:schemeClr val="tx1"/>
+                </a:solidFill>
+              </a:rPr>
+              <a:t>: </a:t>
+            </a:r>
+            <a:r>
+              <a:rPr lang="ko-KR" altLang="en-US" dirty="0">
+                <a:solidFill>
+                  <a:schemeClr val="tx1"/>
+                </a:solidFill>
+              </a:rPr>
+              <a:t>김정훈</a:t>
+            </a:r>
+            <a:endParaRPr dirty="0">
+              <a:solidFill>
+                <a:schemeClr val="tx1"/>
+              </a:solidFill>
+            </a:endParaRPr>
           </a:p>
         </p:txBody>
       </p:sp>
@@ -6754,10 +6849,10 @@
               <a:buNone/>
             </a:pPr>
             <a:r>
-              <a:rPr lang="ko"/>
-              <a:t>목차</a:t>
-            </a:r>
-            <a:endParaRPr/>
+              <a:rPr lang="en-US" dirty="0"/>
+              <a:t>index</a:t>
+            </a:r>
+            <a:endParaRPr dirty="0"/>
           </a:p>
         </p:txBody>
       </p:sp>
@@ -6772,6 +6867,10 @@
           </p:nvPr>
         </p:nvSpPr>
         <p:spPr>
+          <a:xfrm>
+            <a:off x="471900" y="1694575"/>
+            <a:ext cx="8222100" cy="2710200"/>
+          </a:xfrm>
           <a:prstGeom prst="rect">
             <a:avLst/>
           </a:prstGeom>
@@ -6793,10 +6892,24 @@
               <a:buAutoNum type="arabicPeriod"/>
             </a:pPr>
             <a:r>
-              <a:rPr lang="ko"/>
+              <a:rPr lang="ko" dirty="0">
+                <a:solidFill>
+                  <a:schemeClr val="accent4">
+                    <a:lumMod val="40000"/>
+                    <a:lumOff val="60000"/>
+                  </a:schemeClr>
+                </a:solidFill>
+              </a:rPr>
               <a:t>프로젝트 개요</a:t>
             </a:r>
-            <a:endParaRPr/>
+            <a:endParaRPr dirty="0">
+              <a:solidFill>
+                <a:schemeClr val="accent4">
+                  <a:lumMod val="40000"/>
+                  <a:lumOff val="60000"/>
+                </a:schemeClr>
+              </a:solidFill>
+            </a:endParaRPr>
           </a:p>
           <a:p>
             <a:pPr marL="457200" lvl="0" indent="-342900" algn="l" rtl="0">
@@ -6810,10 +6923,24 @@
               <a:buAutoNum type="arabicPeriod"/>
             </a:pPr>
             <a:r>
-              <a:rPr lang="ko"/>
+              <a:rPr lang="ko" dirty="0">
+                <a:solidFill>
+                  <a:schemeClr val="accent4">
+                    <a:lumMod val="40000"/>
+                    <a:lumOff val="60000"/>
+                  </a:schemeClr>
+                </a:solidFill>
+              </a:rPr>
               <a:t>프로젝트 목표</a:t>
             </a:r>
-            <a:endParaRPr/>
+            <a:endParaRPr dirty="0">
+              <a:solidFill>
+                <a:schemeClr val="accent4">
+                  <a:lumMod val="40000"/>
+                  <a:lumOff val="60000"/>
+                </a:schemeClr>
+              </a:solidFill>
+            </a:endParaRPr>
           </a:p>
           <a:p>
             <a:pPr marL="457200" lvl="0" indent="-342900" algn="l" rtl="0">
@@ -6827,10 +6954,24 @@
               <a:buAutoNum type="arabicPeriod"/>
             </a:pPr>
             <a:r>
-              <a:rPr lang="ko"/>
+              <a:rPr lang="ko" dirty="0">
+                <a:solidFill>
+                  <a:schemeClr val="accent4">
+                    <a:lumMod val="40000"/>
+                    <a:lumOff val="60000"/>
+                  </a:schemeClr>
+                </a:solidFill>
+              </a:rPr>
               <a:t>프로젝트 수행</a:t>
             </a:r>
-            <a:endParaRPr/>
+            <a:endParaRPr dirty="0">
+              <a:solidFill>
+                <a:schemeClr val="accent4">
+                  <a:lumMod val="40000"/>
+                  <a:lumOff val="60000"/>
+                </a:schemeClr>
+              </a:solidFill>
+            </a:endParaRPr>
           </a:p>
           <a:p>
             <a:pPr marL="914400" lvl="1" indent="-317500" algn="l" rtl="0">
@@ -6844,10 +6985,24 @@
               <a:buAutoNum type="alphaLcPeriod"/>
             </a:pPr>
             <a:r>
-              <a:rPr lang="ko"/>
+              <a:rPr lang="ko" dirty="0">
+                <a:solidFill>
+                  <a:schemeClr val="accent4">
+                    <a:lumMod val="40000"/>
+                    <a:lumOff val="60000"/>
+                  </a:schemeClr>
+                </a:solidFill>
+              </a:rPr>
               <a:t>수행 계획</a:t>
             </a:r>
-            <a:endParaRPr/>
+            <a:endParaRPr dirty="0">
+              <a:solidFill>
+                <a:schemeClr val="accent4">
+                  <a:lumMod val="40000"/>
+                  <a:lumOff val="60000"/>
+                </a:schemeClr>
+              </a:solidFill>
+            </a:endParaRPr>
           </a:p>
           <a:p>
             <a:pPr marL="914400" lvl="1" indent="-317500" algn="l" rtl="0">
@@ -6861,10 +7016,24 @@
               <a:buAutoNum type="alphaLcPeriod"/>
             </a:pPr>
             <a:r>
-              <a:rPr lang="ko"/>
+              <a:rPr lang="ko" dirty="0">
+                <a:solidFill>
+                  <a:schemeClr val="accent4">
+                    <a:lumMod val="40000"/>
+                    <a:lumOff val="60000"/>
+                  </a:schemeClr>
+                </a:solidFill>
+              </a:rPr>
               <a:t>수행 일정</a:t>
             </a:r>
-            <a:endParaRPr/>
+            <a:endParaRPr dirty="0">
+              <a:solidFill>
+                <a:schemeClr val="accent4">
+                  <a:lumMod val="40000"/>
+                  <a:lumOff val="60000"/>
+                </a:schemeClr>
+              </a:solidFill>
+            </a:endParaRPr>
           </a:p>
           <a:p>
             <a:pPr marL="914400" lvl="1" indent="-317500" algn="l" rtl="0">
@@ -6878,10 +7047,24 @@
               <a:buAutoNum type="alphaLcPeriod"/>
             </a:pPr>
             <a:r>
-              <a:rPr lang="ko"/>
+              <a:rPr lang="ko" dirty="0">
+                <a:solidFill>
+                  <a:schemeClr val="accent4">
+                    <a:lumMod val="40000"/>
+                    <a:lumOff val="60000"/>
+                  </a:schemeClr>
+                </a:solidFill>
+              </a:rPr>
               <a:t>수행 결과</a:t>
             </a:r>
-            <a:endParaRPr/>
+            <a:endParaRPr dirty="0">
+              <a:solidFill>
+                <a:schemeClr val="accent4">
+                  <a:lumMod val="40000"/>
+                  <a:lumOff val="60000"/>
+                </a:schemeClr>
+              </a:solidFill>
+            </a:endParaRPr>
           </a:p>
           <a:p>
             <a:pPr marL="457200" lvl="0" indent="-342900" algn="l" rtl="0">
@@ -6895,10 +7078,24 @@
               <a:buAutoNum type="arabicPeriod"/>
             </a:pPr>
             <a:r>
-              <a:rPr lang="ko"/>
+              <a:rPr lang="ko" dirty="0">
+                <a:solidFill>
+                  <a:schemeClr val="accent4">
+                    <a:lumMod val="40000"/>
+                    <a:lumOff val="60000"/>
+                  </a:schemeClr>
+                </a:solidFill>
+              </a:rPr>
               <a:t>결과 데모 시연</a:t>
             </a:r>
-            <a:endParaRPr/>
+            <a:endParaRPr dirty="0">
+              <a:solidFill>
+                <a:schemeClr val="accent4">
+                  <a:lumMod val="40000"/>
+                  <a:lumOff val="60000"/>
+                </a:schemeClr>
+              </a:solidFill>
+            </a:endParaRPr>
           </a:p>
           <a:p>
             <a:pPr marL="457200" lvl="0" indent="-342900" algn="l" rtl="0">
@@ -6912,13 +7109,241 @@
               <a:buAutoNum type="arabicPeriod"/>
             </a:pPr>
             <a:r>
-              <a:rPr lang="ko"/>
+              <a:rPr lang="ko" dirty="0">
+                <a:solidFill>
+                  <a:schemeClr val="accent4">
+                    <a:lumMod val="40000"/>
+                    <a:lumOff val="60000"/>
+                  </a:schemeClr>
+                </a:solidFill>
+              </a:rPr>
               <a:t>보완점</a:t>
             </a:r>
-            <a:endParaRPr/>
-          </a:p>
-        </p:txBody>
-      </p:sp>
+            <a:endParaRPr dirty="0">
+              <a:solidFill>
+                <a:schemeClr val="accent4">
+                  <a:lumMod val="40000"/>
+                  <a:lumOff val="60000"/>
+                </a:schemeClr>
+              </a:solidFill>
+            </a:endParaRPr>
+          </a:p>
+        </p:txBody>
+      </p:sp>
+      <p:pic>
+        <p:nvPicPr>
+          <p:cNvPr id="5" name="그림 4">
+            <a:extLst>
+              <a:ext uri="{FF2B5EF4-FFF2-40B4-BE49-F238E27FC236}">
+                <a16:creationId xmlns:a16="http://schemas.microsoft.com/office/drawing/2014/main" id="{70030385-0945-1B16-083C-BFC5F257F0FB}"/>
+              </a:ext>
+            </a:extLst>
+          </p:cNvPr>
+          <p:cNvPicPr>
+            <a:picLocks noChangeAspect="1"/>
+          </p:cNvPicPr>
+          <p:nvPr/>
+        </p:nvPicPr>
+        <p:blipFill>
+          <a:blip r:embed="rId3"/>
+          <a:stretch>
+            <a:fillRect/>
+          </a:stretch>
+        </p:blipFill>
+        <p:spPr>
+          <a:xfrm>
+            <a:off x="3008921" y="1989669"/>
+            <a:ext cx="2631344" cy="1315673"/>
+          </a:xfrm>
+          <a:prstGeom prst="rect">
+            <a:avLst/>
+          </a:prstGeom>
+        </p:spPr>
+      </p:pic>
+      <p:pic>
+        <p:nvPicPr>
+          <p:cNvPr id="7" name="그림 6">
+            <a:extLst>
+              <a:ext uri="{FF2B5EF4-FFF2-40B4-BE49-F238E27FC236}">
+                <a16:creationId xmlns:a16="http://schemas.microsoft.com/office/drawing/2014/main" id="{B34751A6-7EA4-2128-1A6F-EC64CE7B804B}"/>
+              </a:ext>
+            </a:extLst>
+          </p:cNvPr>
+          <p:cNvPicPr>
+            <a:picLocks noChangeAspect="1"/>
+          </p:cNvPicPr>
+          <p:nvPr/>
+        </p:nvPicPr>
+        <p:blipFill>
+          <a:blip r:embed="rId4"/>
+          <a:stretch>
+            <a:fillRect/>
+          </a:stretch>
+        </p:blipFill>
+        <p:spPr>
+          <a:xfrm>
+            <a:off x="4045313" y="3186119"/>
+            <a:ext cx="3154241" cy="1741404"/>
+          </a:xfrm>
+          <a:prstGeom prst="rect">
+            <a:avLst/>
+          </a:prstGeom>
+        </p:spPr>
+      </p:pic>
+      <p:pic>
+        <p:nvPicPr>
+          <p:cNvPr id="9" name="그림 8">
+            <a:extLst>
+              <a:ext uri="{FF2B5EF4-FFF2-40B4-BE49-F238E27FC236}">
+                <a16:creationId xmlns:a16="http://schemas.microsoft.com/office/drawing/2014/main" id="{3658C874-4E28-0CDD-79BD-9E4CB225366D}"/>
+              </a:ext>
+            </a:extLst>
+          </p:cNvPr>
+          <p:cNvPicPr>
+            <a:picLocks noChangeAspect="1"/>
+          </p:cNvPicPr>
+          <p:nvPr/>
+        </p:nvPicPr>
+        <p:blipFill>
+          <a:blip r:embed="rId5"/>
+          <a:stretch>
+            <a:fillRect/>
+          </a:stretch>
+        </p:blipFill>
+        <p:spPr>
+          <a:xfrm>
+            <a:off x="6419236" y="612695"/>
+            <a:ext cx="1967279" cy="1107702"/>
+          </a:xfrm>
+          <a:prstGeom prst="rect">
+            <a:avLst/>
+          </a:prstGeom>
+        </p:spPr>
+      </p:pic>
+      <p:pic>
+        <p:nvPicPr>
+          <p:cNvPr id="11" name="그림 10">
+            <a:extLst>
+              <a:ext uri="{FF2B5EF4-FFF2-40B4-BE49-F238E27FC236}">
+                <a16:creationId xmlns:a16="http://schemas.microsoft.com/office/drawing/2014/main" id="{1BDEF9CA-AB0D-E6CF-3741-F6B1E7B157D4}"/>
+              </a:ext>
+            </a:extLst>
+          </p:cNvPr>
+          <p:cNvPicPr>
+            <a:picLocks noChangeAspect="1"/>
+          </p:cNvPicPr>
+          <p:nvPr/>
+        </p:nvPicPr>
+        <p:blipFill>
+          <a:blip r:embed="rId6"/>
+          <a:stretch>
+            <a:fillRect/>
+          </a:stretch>
+        </p:blipFill>
+        <p:spPr>
+          <a:xfrm>
+            <a:off x="4176099" y="776576"/>
+            <a:ext cx="1921119" cy="1080629"/>
+          </a:xfrm>
+          <a:prstGeom prst="rect">
+            <a:avLst/>
+          </a:prstGeom>
+        </p:spPr>
+      </p:pic>
+      <p:sp>
+        <p:nvSpPr>
+          <p:cNvPr id="12" name="화살표: 오른쪽으로 구부러짐 11">
+            <a:extLst>
+              <a:ext uri="{FF2B5EF4-FFF2-40B4-BE49-F238E27FC236}">
+                <a16:creationId xmlns:a16="http://schemas.microsoft.com/office/drawing/2014/main" id="{3E6D6BFB-5E3D-C050-C0F9-0E0D6323478A}"/>
+              </a:ext>
+            </a:extLst>
+          </p:cNvPr>
+          <p:cNvSpPr/>
+          <p:nvPr/>
+        </p:nvSpPr>
+        <p:spPr>
+          <a:xfrm>
+            <a:off x="5780695" y="1644471"/>
+            <a:ext cx="1323243" cy="2083777"/>
+          </a:xfrm>
+          <a:prstGeom prst="curvedRightArrow">
+            <a:avLst/>
+          </a:prstGeom>
+          <a:solidFill>
+            <a:schemeClr val="accent4">
+              <a:lumMod val="40000"/>
+              <a:lumOff val="60000"/>
+            </a:schemeClr>
+          </a:solidFill>
+          <a:ln>
+            <a:solidFill>
+              <a:schemeClr val="accent4">
+                <a:lumMod val="60000"/>
+                <a:lumOff val="40000"/>
+              </a:schemeClr>
+            </a:solidFill>
+          </a:ln>
+        </p:spPr>
+        <p:style>
+          <a:lnRef idx="2">
+            <a:schemeClr val="accent1">
+              <a:shade val="15000"/>
+            </a:schemeClr>
+          </a:lnRef>
+          <a:fillRef idx="1">
+            <a:schemeClr val="accent1"/>
+          </a:fillRef>
+          <a:effectRef idx="0">
+            <a:schemeClr val="accent1"/>
+          </a:effectRef>
+          <a:fontRef idx="minor">
+            <a:schemeClr val="lt1"/>
+          </a:fontRef>
+        </p:style>
+        <p:txBody>
+          <a:bodyPr rtlCol="0" anchor="ctr"/>
+          <a:lstStyle/>
+          <a:p>
+            <a:pPr algn="ctr"/>
+            <a:endParaRPr lang="ko-KR" altLang="en-US" dirty="0">
+              <a:solidFill>
+                <a:schemeClr val="tx1"/>
+              </a:solidFill>
+            </a:endParaRPr>
+          </a:p>
+        </p:txBody>
+      </p:sp>
+      <p:pic>
+        <p:nvPicPr>
+          <p:cNvPr id="13" name="그림 12">
+            <a:extLst>
+              <a:ext uri="{FF2B5EF4-FFF2-40B4-BE49-F238E27FC236}">
+                <a16:creationId xmlns:a16="http://schemas.microsoft.com/office/drawing/2014/main" id="{6FF52F71-73A9-B3CB-B0DE-868D9CDB3F4C}"/>
+              </a:ext>
+            </a:extLst>
+          </p:cNvPr>
+          <p:cNvPicPr>
+            <a:picLocks noChangeAspect="1"/>
+          </p:cNvPicPr>
+          <p:nvPr/>
+        </p:nvPicPr>
+        <p:blipFill>
+          <a:blip r:embed="rId7"/>
+          <a:stretch>
+            <a:fillRect/>
+          </a:stretch>
+        </p:blipFill>
+        <p:spPr>
+          <a:xfrm>
+            <a:off x="7614138" y="4109464"/>
+            <a:ext cx="1023600" cy="767700"/>
+          </a:xfrm>
+          <a:prstGeom prst="rect">
+            <a:avLst/>
+          </a:prstGeom>
+        </p:spPr>
+      </p:pic>
     </p:spTree>
   </p:cSld>
   <p:clrMapOvr>
@@ -6965,7 +7390,10 @@
           <a:bodyPr/>
           <a:lstStyle/>
           <a:p>
-            <a:endParaRPr lang="ko-KR" altLang="en-US"/>
+            <a:r>
+              <a:rPr lang="ko-KR" altLang="en-US" dirty="0"/>
+              <a:t>프로젝트 개요</a:t>
+            </a:r>
           </a:p>
         </p:txBody>
       </p:sp>
@@ -6985,12 +7413,394 @@
             <p:ph type="body" idx="1"/>
           </p:nvPr>
         </p:nvSpPr>
-        <p:spPr/>
+        <p:spPr>
+          <a:xfrm>
+            <a:off x="471900" y="1828800"/>
+            <a:ext cx="8604367" cy="3020608"/>
+          </a:xfrm>
+        </p:spPr>
         <p:txBody>
           <a:bodyPr/>
           <a:lstStyle/>
           <a:p>
-            <a:endParaRPr lang="ko-KR" altLang="en-US"/>
+            <a:r>
+              <a:rPr lang="ko-KR" altLang="en-US" dirty="0">
+                <a:solidFill>
+                  <a:schemeClr val="accent4">
+                    <a:lumMod val="40000"/>
+                    <a:lumOff val="60000"/>
+                  </a:schemeClr>
+                </a:solidFill>
+              </a:rPr>
+              <a:t>프로젝트명 </a:t>
+            </a:r>
+            <a:r>
+              <a:rPr lang="en-US" altLang="ko-KR" dirty="0">
+                <a:solidFill>
+                  <a:schemeClr val="accent4">
+                    <a:lumMod val="40000"/>
+                    <a:lumOff val="60000"/>
+                  </a:schemeClr>
+                </a:solidFill>
+              </a:rPr>
+              <a:t>: Sonar X Jenkins </a:t>
+            </a:r>
+            <a:r>
+              <a:rPr lang="ko-KR" altLang="en-US" dirty="0">
+                <a:solidFill>
+                  <a:schemeClr val="accent4">
+                    <a:lumMod val="40000"/>
+                    <a:lumOff val="60000"/>
+                  </a:schemeClr>
+                </a:solidFill>
+              </a:rPr>
+              <a:t>프로젝트</a:t>
+            </a:r>
+            <a:endParaRPr lang="en-US" altLang="ko-KR" dirty="0">
+              <a:solidFill>
+                <a:schemeClr val="accent4">
+                  <a:lumMod val="40000"/>
+                  <a:lumOff val="60000"/>
+                </a:schemeClr>
+              </a:solidFill>
+            </a:endParaRPr>
+          </a:p>
+          <a:p>
+            <a:endParaRPr lang="en-US" altLang="ko-KR" dirty="0">
+              <a:solidFill>
+                <a:schemeClr val="accent4">
+                  <a:lumMod val="40000"/>
+                  <a:lumOff val="60000"/>
+                </a:schemeClr>
+              </a:solidFill>
+            </a:endParaRPr>
+          </a:p>
+          <a:p>
+            <a:endParaRPr lang="en-US" altLang="ko-KR" dirty="0">
+              <a:solidFill>
+                <a:schemeClr val="accent4">
+                  <a:lumMod val="40000"/>
+                  <a:lumOff val="60000"/>
+                </a:schemeClr>
+              </a:solidFill>
+            </a:endParaRPr>
+          </a:p>
+          <a:p>
+            <a:r>
+              <a:rPr lang="ko-KR" altLang="en-US" dirty="0">
+                <a:solidFill>
+                  <a:schemeClr val="accent4">
+                    <a:lumMod val="40000"/>
+                    <a:lumOff val="60000"/>
+                  </a:schemeClr>
+                </a:solidFill>
+              </a:rPr>
+              <a:t>프로젝트 기간 </a:t>
+            </a:r>
+            <a:r>
+              <a:rPr lang="en-US" altLang="ko-KR" dirty="0">
+                <a:solidFill>
+                  <a:schemeClr val="accent4">
+                    <a:lumMod val="40000"/>
+                    <a:lumOff val="60000"/>
+                  </a:schemeClr>
+                </a:solidFill>
+              </a:rPr>
+              <a:t>: 2023</a:t>
+            </a:r>
+            <a:r>
+              <a:rPr lang="ko-KR" altLang="en-US" dirty="0">
+                <a:solidFill>
+                  <a:schemeClr val="accent4">
+                    <a:lumMod val="40000"/>
+                    <a:lumOff val="60000"/>
+                  </a:schemeClr>
+                </a:solidFill>
+              </a:rPr>
+              <a:t>년</a:t>
+            </a:r>
+            <a:r>
+              <a:rPr lang="en-US" altLang="ko-KR" dirty="0">
+                <a:solidFill>
+                  <a:schemeClr val="accent4">
+                    <a:lumMod val="40000"/>
+                    <a:lumOff val="60000"/>
+                  </a:schemeClr>
+                </a:solidFill>
+              </a:rPr>
+              <a:t> 8</a:t>
+            </a:r>
+            <a:r>
+              <a:rPr lang="ko-KR" altLang="en-US" dirty="0">
+                <a:solidFill>
+                  <a:schemeClr val="accent4">
+                    <a:lumMod val="40000"/>
+                    <a:lumOff val="60000"/>
+                  </a:schemeClr>
+                </a:solidFill>
+              </a:rPr>
+              <a:t>월 </a:t>
+            </a:r>
+            <a:r>
+              <a:rPr lang="en-US" altLang="ko-KR" dirty="0">
+                <a:solidFill>
+                  <a:schemeClr val="accent4">
+                    <a:lumMod val="40000"/>
+                    <a:lumOff val="60000"/>
+                  </a:schemeClr>
+                </a:solidFill>
+              </a:rPr>
+              <a:t>15</a:t>
+            </a:r>
+            <a:r>
+              <a:rPr lang="ko-KR" altLang="en-US" dirty="0">
+                <a:solidFill>
+                  <a:schemeClr val="accent4">
+                    <a:lumMod val="40000"/>
+                    <a:lumOff val="60000"/>
+                  </a:schemeClr>
+                </a:solidFill>
+              </a:rPr>
+              <a:t>일 </a:t>
+            </a:r>
+            <a:r>
+              <a:rPr lang="en-US" altLang="ko-KR" dirty="0">
+                <a:solidFill>
+                  <a:schemeClr val="accent4">
+                    <a:lumMod val="40000"/>
+                    <a:lumOff val="60000"/>
+                  </a:schemeClr>
+                </a:solidFill>
+              </a:rPr>
+              <a:t>~ 2023</a:t>
+            </a:r>
+            <a:r>
+              <a:rPr lang="ko-KR" altLang="en-US" dirty="0">
+                <a:solidFill>
+                  <a:schemeClr val="accent4">
+                    <a:lumMod val="40000"/>
+                    <a:lumOff val="60000"/>
+                  </a:schemeClr>
+                </a:solidFill>
+              </a:rPr>
+              <a:t>년 </a:t>
+            </a:r>
+            <a:r>
+              <a:rPr lang="en-US" altLang="ko-KR" dirty="0">
+                <a:solidFill>
+                  <a:schemeClr val="accent4">
+                    <a:lumMod val="40000"/>
+                    <a:lumOff val="60000"/>
+                  </a:schemeClr>
+                </a:solidFill>
+              </a:rPr>
+              <a:t>8</a:t>
+            </a:r>
+            <a:r>
+              <a:rPr lang="ko-KR" altLang="en-US" dirty="0">
+                <a:solidFill>
+                  <a:schemeClr val="accent4">
+                    <a:lumMod val="40000"/>
+                    <a:lumOff val="60000"/>
+                  </a:schemeClr>
+                </a:solidFill>
+              </a:rPr>
+              <a:t>월 </a:t>
+            </a:r>
+            <a:r>
+              <a:rPr lang="en-US" altLang="ko-KR" dirty="0">
+                <a:solidFill>
+                  <a:schemeClr val="accent4">
+                    <a:lumMod val="40000"/>
+                    <a:lumOff val="60000"/>
+                  </a:schemeClr>
+                </a:solidFill>
+              </a:rPr>
+              <a:t>28</a:t>
+            </a:r>
+            <a:r>
+              <a:rPr lang="ko-KR" altLang="en-US" dirty="0">
+                <a:solidFill>
+                  <a:schemeClr val="accent4">
+                    <a:lumMod val="40000"/>
+                    <a:lumOff val="60000"/>
+                  </a:schemeClr>
+                </a:solidFill>
+              </a:rPr>
+              <a:t>일</a:t>
+            </a:r>
+            <a:endParaRPr lang="en-US" altLang="ko-KR" dirty="0">
+              <a:solidFill>
+                <a:schemeClr val="accent4">
+                  <a:lumMod val="40000"/>
+                  <a:lumOff val="60000"/>
+                </a:schemeClr>
+              </a:solidFill>
+            </a:endParaRPr>
+          </a:p>
+          <a:p>
+            <a:endParaRPr lang="en-US" altLang="ko-KR" dirty="0">
+              <a:solidFill>
+                <a:schemeClr val="accent4">
+                  <a:lumMod val="40000"/>
+                  <a:lumOff val="60000"/>
+                </a:schemeClr>
+              </a:solidFill>
+            </a:endParaRPr>
+          </a:p>
+          <a:p>
+            <a:endParaRPr lang="en-US" altLang="ko-KR" dirty="0">
+              <a:solidFill>
+                <a:schemeClr val="accent4">
+                  <a:lumMod val="40000"/>
+                  <a:lumOff val="60000"/>
+                </a:schemeClr>
+              </a:solidFill>
+            </a:endParaRPr>
+          </a:p>
+          <a:p>
+            <a:r>
+              <a:rPr lang="ko-KR" altLang="en-US" dirty="0">
+                <a:solidFill>
+                  <a:schemeClr val="accent4">
+                    <a:lumMod val="40000"/>
+                    <a:lumOff val="60000"/>
+                  </a:schemeClr>
+                </a:solidFill>
+              </a:rPr>
+              <a:t>프로젝트 주안점 </a:t>
+            </a:r>
+            <a:r>
+              <a:rPr lang="en-US" altLang="ko-KR" dirty="0">
+                <a:solidFill>
+                  <a:schemeClr val="accent4">
+                    <a:lumMod val="40000"/>
+                    <a:lumOff val="60000"/>
+                  </a:schemeClr>
+                </a:solidFill>
+              </a:rPr>
+              <a:t>: SonarQube</a:t>
+            </a:r>
+            <a:r>
+              <a:rPr lang="ko-KR" altLang="en-US" dirty="0">
+                <a:solidFill>
+                  <a:schemeClr val="accent4">
+                    <a:lumMod val="40000"/>
+                    <a:lumOff val="60000"/>
+                  </a:schemeClr>
+                </a:solidFill>
+              </a:rPr>
+              <a:t>와 </a:t>
+            </a:r>
+            <a:r>
+              <a:rPr lang="en-US" altLang="ko-KR" dirty="0">
+                <a:solidFill>
+                  <a:schemeClr val="accent4">
+                    <a:lumMod val="40000"/>
+                    <a:lumOff val="60000"/>
+                  </a:schemeClr>
+                </a:solidFill>
+              </a:rPr>
+              <a:t>Jenkins</a:t>
+            </a:r>
+            <a:r>
+              <a:rPr lang="ko-KR" altLang="en-US" dirty="0">
+                <a:solidFill>
+                  <a:schemeClr val="accent4">
+                    <a:lumMod val="40000"/>
+                    <a:lumOff val="60000"/>
+                  </a:schemeClr>
+                </a:solidFill>
+              </a:rPr>
+              <a:t>를 통한 </a:t>
+            </a:r>
+            <a:r>
+              <a:rPr lang="en-US" altLang="ko-KR" dirty="0">
+                <a:solidFill>
+                  <a:schemeClr val="accent4">
+                    <a:lumMod val="40000"/>
+                    <a:lumOff val="60000"/>
+                  </a:schemeClr>
+                </a:solidFill>
+              </a:rPr>
+              <a:t>Python </a:t>
+            </a:r>
+            <a:r>
+              <a:rPr lang="ko-KR" altLang="en-US" dirty="0">
+                <a:solidFill>
+                  <a:schemeClr val="accent4">
+                    <a:lumMod val="40000"/>
+                    <a:lumOff val="60000"/>
+                  </a:schemeClr>
+                </a:solidFill>
+              </a:rPr>
+              <a:t>코드 분석 및 </a:t>
+            </a:r>
+            <a:endParaRPr lang="en-US" altLang="ko-KR" dirty="0">
+              <a:solidFill>
+                <a:schemeClr val="accent4">
+                  <a:lumMod val="40000"/>
+                  <a:lumOff val="60000"/>
+                </a:schemeClr>
+              </a:solidFill>
+            </a:endParaRPr>
+          </a:p>
+          <a:p>
+            <a:pPr marL="114300" indent="0">
+              <a:buNone/>
+            </a:pPr>
+            <a:r>
+              <a:rPr lang="ko-KR" altLang="en-US" dirty="0">
+                <a:solidFill>
+                  <a:schemeClr val="accent4">
+                    <a:lumMod val="40000"/>
+                    <a:lumOff val="60000"/>
+                  </a:schemeClr>
+                </a:solidFill>
+              </a:rPr>
+              <a:t>       이메일 결과 알림 기능</a:t>
+            </a:r>
+            <a:r>
+              <a:rPr lang="en-US" altLang="ko-KR" dirty="0">
+                <a:solidFill>
+                  <a:schemeClr val="accent4">
+                    <a:lumMod val="40000"/>
+                    <a:lumOff val="60000"/>
+                  </a:schemeClr>
+                </a:solidFill>
+              </a:rPr>
+              <a:t>, Docker </a:t>
+            </a:r>
+            <a:r>
+              <a:rPr lang="ko-KR" altLang="en-US" dirty="0">
+                <a:solidFill>
+                  <a:schemeClr val="accent4">
+                    <a:lumMod val="40000"/>
+                    <a:lumOff val="60000"/>
+                  </a:schemeClr>
+                </a:solidFill>
+              </a:rPr>
+              <a:t>서버를 통한 코드 분석 결과 배포 기능</a:t>
+            </a:r>
+            <a:r>
+              <a:rPr lang="en-US" altLang="ko-KR" dirty="0">
+                <a:solidFill>
+                  <a:schemeClr val="accent4">
+                    <a:lumMod val="40000"/>
+                    <a:lumOff val="60000"/>
+                  </a:schemeClr>
+                </a:solidFill>
+              </a:rPr>
+              <a:t>.</a:t>
+            </a:r>
+            <a:endParaRPr lang="ko-KR" altLang="en-US" dirty="0">
+              <a:solidFill>
+                <a:schemeClr val="accent4">
+                  <a:lumMod val="40000"/>
+                  <a:lumOff val="60000"/>
+                </a:schemeClr>
+              </a:solidFill>
+            </a:endParaRPr>
           </a:p>
         </p:txBody>
       </p:sp>
@@ -7040,12 +7850,20 @@
             <p:ph type="title"/>
           </p:nvPr>
         </p:nvSpPr>
-        <p:spPr/>
+        <p:spPr>
+          <a:xfrm>
+            <a:off x="493881" y="646405"/>
+            <a:ext cx="8222100" cy="767700"/>
+          </a:xfrm>
+        </p:spPr>
         <p:txBody>
           <a:bodyPr/>
           <a:lstStyle/>
           <a:p>
-            <a:endParaRPr lang="ko-KR" altLang="en-US"/>
+            <a:r>
+              <a:rPr lang="ko-KR" altLang="en-US" dirty="0"/>
+              <a:t>프로젝트 목표</a:t>
+            </a:r>
           </a:p>
         </p:txBody>
       </p:sp>
@@ -7065,12 +7883,264 @@
             <p:ph type="body" idx="1"/>
           </p:nvPr>
         </p:nvSpPr>
-        <p:spPr/>
+        <p:spPr>
+          <a:xfrm>
+            <a:off x="168566" y="1849876"/>
+            <a:ext cx="8222100" cy="2710200"/>
+          </a:xfrm>
+        </p:spPr>
         <p:txBody>
           <a:bodyPr/>
           <a:lstStyle/>
           <a:p>
-            <a:endParaRPr lang="ko-KR" altLang="en-US"/>
+            <a:r>
+              <a:rPr lang="en-US" altLang="ko-KR" dirty="0">
+                <a:solidFill>
+                  <a:schemeClr val="accent4">
+                    <a:lumMod val="40000"/>
+                    <a:lumOff val="60000"/>
+                  </a:schemeClr>
+                </a:solidFill>
+              </a:rPr>
+              <a:t>SonarQube</a:t>
+            </a:r>
+            <a:r>
+              <a:rPr lang="ko-KR" altLang="en-US" dirty="0">
+                <a:solidFill>
+                  <a:schemeClr val="accent4">
+                    <a:lumMod val="40000"/>
+                    <a:lumOff val="60000"/>
+                  </a:schemeClr>
+                </a:solidFill>
+              </a:rPr>
+              <a:t>를 활용해 개발팀의 편리한 </a:t>
+            </a:r>
+            <a:r>
+              <a:rPr lang="en-US" altLang="ko-KR" dirty="0">
+                <a:solidFill>
+                  <a:schemeClr val="accent4">
+                    <a:lumMod val="40000"/>
+                    <a:lumOff val="60000"/>
+                  </a:schemeClr>
+                </a:solidFill>
+              </a:rPr>
+              <a:t>Python</a:t>
+            </a:r>
+            <a:r>
+              <a:rPr lang="ko-KR" altLang="en-US" dirty="0">
+                <a:solidFill>
+                  <a:schemeClr val="accent4">
+                    <a:lumMod val="40000"/>
+                    <a:lumOff val="60000"/>
+                  </a:schemeClr>
+                </a:solidFill>
+              </a:rPr>
+              <a:t> 코드 분석 환경 만들기</a:t>
+            </a:r>
+            <a:endParaRPr lang="en-US" altLang="ko-KR" dirty="0">
+              <a:solidFill>
+                <a:schemeClr val="accent4">
+                  <a:lumMod val="40000"/>
+                  <a:lumOff val="60000"/>
+                </a:schemeClr>
+              </a:solidFill>
+            </a:endParaRPr>
+          </a:p>
+          <a:p>
+            <a:endParaRPr lang="en-US" altLang="ko-KR" dirty="0">
+              <a:solidFill>
+                <a:schemeClr val="accent4">
+                  <a:lumMod val="40000"/>
+                  <a:lumOff val="60000"/>
+                </a:schemeClr>
+              </a:solidFill>
+            </a:endParaRPr>
+          </a:p>
+          <a:p>
+            <a:endParaRPr lang="en-US" altLang="ko-KR" dirty="0">
+              <a:solidFill>
+                <a:schemeClr val="accent4">
+                  <a:lumMod val="40000"/>
+                  <a:lumOff val="60000"/>
+                </a:schemeClr>
+              </a:solidFill>
+            </a:endParaRPr>
+          </a:p>
+          <a:p>
+            <a:r>
+              <a:rPr lang="ko-KR" altLang="en-US" dirty="0">
+                <a:solidFill>
+                  <a:schemeClr val="accent4">
+                    <a:lumMod val="40000"/>
+                    <a:lumOff val="60000"/>
+                  </a:schemeClr>
+                </a:solidFill>
+              </a:rPr>
+              <a:t>짧은 기간 동안의 반복적이고 지속적인 코드 분석 요구에 대처하기 위한 </a:t>
+            </a:r>
+            <a:r>
+              <a:rPr lang="en-US" altLang="ko-KR" dirty="0">
+                <a:solidFill>
+                  <a:schemeClr val="accent4">
+                    <a:lumMod val="40000"/>
+                    <a:lumOff val="60000"/>
+                  </a:schemeClr>
+                </a:solidFill>
+              </a:rPr>
+              <a:t>Jenkins flask-CI/CD </a:t>
+            </a:r>
+            <a:r>
+              <a:rPr lang="ko-KR" altLang="en-US" dirty="0">
+                <a:solidFill>
+                  <a:schemeClr val="accent4">
+                    <a:lumMod val="40000"/>
+                    <a:lumOff val="60000"/>
+                  </a:schemeClr>
+                </a:solidFill>
+              </a:rPr>
+              <a:t>파이프라인 구축하기</a:t>
+            </a:r>
+            <a:endParaRPr lang="en-US" altLang="ko-KR" dirty="0">
+              <a:solidFill>
+                <a:schemeClr val="accent4">
+                  <a:lumMod val="40000"/>
+                  <a:lumOff val="60000"/>
+                </a:schemeClr>
+              </a:solidFill>
+            </a:endParaRPr>
+          </a:p>
+          <a:p>
+            <a:endParaRPr lang="en-US" altLang="ko-KR" dirty="0">
+              <a:solidFill>
+                <a:schemeClr val="accent4">
+                  <a:lumMod val="40000"/>
+                  <a:lumOff val="60000"/>
+                </a:schemeClr>
+              </a:solidFill>
+            </a:endParaRPr>
+          </a:p>
+          <a:p>
+            <a:r>
+              <a:rPr lang="ko-KR" altLang="en-US" dirty="0">
+                <a:solidFill>
+                  <a:schemeClr val="accent4">
+                    <a:lumMod val="40000"/>
+                    <a:lumOff val="60000"/>
+                  </a:schemeClr>
+                </a:solidFill>
+              </a:rPr>
+              <a:t>알림 대상자들에게 신속한 이메일 알람을 통해 코드 분석이 완료되었다는 정보를 </a:t>
+            </a:r>
+            <a:endParaRPr lang="en-US" altLang="ko-KR" dirty="0">
+              <a:solidFill>
+                <a:schemeClr val="accent4">
+                  <a:lumMod val="40000"/>
+                  <a:lumOff val="60000"/>
+                </a:schemeClr>
+              </a:solidFill>
+            </a:endParaRPr>
+          </a:p>
+          <a:p>
+            <a:pPr marL="114300" indent="0">
+              <a:buNone/>
+            </a:pPr>
+            <a:r>
+              <a:rPr lang="en-US" altLang="ko-KR" dirty="0">
+                <a:solidFill>
+                  <a:schemeClr val="accent4">
+                    <a:lumMod val="40000"/>
+                    <a:lumOff val="60000"/>
+                  </a:schemeClr>
+                </a:solidFill>
+              </a:rPr>
+              <a:t>      </a:t>
+            </a:r>
+            <a:r>
+              <a:rPr lang="ko-KR" altLang="en-US" dirty="0">
+                <a:solidFill>
+                  <a:schemeClr val="accent4">
+                    <a:lumMod val="40000"/>
+                    <a:lumOff val="60000"/>
+                  </a:schemeClr>
+                </a:solidFill>
+              </a:rPr>
+              <a:t>신속하게 전달하기</a:t>
+            </a:r>
+            <a:endParaRPr lang="en-US" altLang="ko-KR" dirty="0">
+              <a:solidFill>
+                <a:schemeClr val="accent4">
+                  <a:lumMod val="40000"/>
+                  <a:lumOff val="60000"/>
+                </a:schemeClr>
+              </a:solidFill>
+            </a:endParaRPr>
+          </a:p>
+          <a:p>
+            <a:endParaRPr lang="en-US" altLang="ko-KR" dirty="0">
+              <a:solidFill>
+                <a:schemeClr val="accent4">
+                  <a:lumMod val="40000"/>
+                  <a:lumOff val="60000"/>
+                </a:schemeClr>
+              </a:solidFill>
+            </a:endParaRPr>
+          </a:p>
+          <a:p>
+            <a:r>
+              <a:rPr lang="ko-KR" altLang="en-US" dirty="0">
+                <a:solidFill>
+                  <a:schemeClr val="accent4">
+                    <a:lumMod val="40000"/>
+                    <a:lumOff val="60000"/>
+                  </a:schemeClr>
+                </a:solidFill>
+              </a:rPr>
+              <a:t>분석 결과를 </a:t>
+            </a:r>
+            <a:r>
+              <a:rPr lang="en-US" altLang="ko-KR" dirty="0">
+                <a:solidFill>
+                  <a:schemeClr val="accent4">
+                    <a:lumMod val="40000"/>
+                    <a:lumOff val="60000"/>
+                  </a:schemeClr>
+                </a:solidFill>
+              </a:rPr>
+              <a:t>Docker </a:t>
+            </a:r>
+            <a:r>
+              <a:rPr lang="ko-KR" altLang="en-US" dirty="0">
+                <a:solidFill>
+                  <a:schemeClr val="accent4">
+                    <a:lumMod val="40000"/>
+                    <a:lumOff val="60000"/>
+                  </a:schemeClr>
+                </a:solidFill>
+              </a:rPr>
+              <a:t>등을 통해 배포함으로써 많은 타</a:t>
+            </a:r>
+            <a:r>
+              <a:rPr lang="en-US" altLang="ko-KR" dirty="0">
+                <a:solidFill>
+                  <a:schemeClr val="accent4">
+                    <a:lumMod val="40000"/>
+                    <a:lumOff val="60000"/>
+                  </a:schemeClr>
+                </a:solidFill>
+              </a:rPr>
+              <a:t> </a:t>
+            </a:r>
+            <a:r>
+              <a:rPr lang="ko-KR" altLang="en-US" dirty="0">
+                <a:solidFill>
+                  <a:schemeClr val="accent4">
+                    <a:lumMod val="40000"/>
+                    <a:lumOff val="60000"/>
+                  </a:schemeClr>
+                </a:solidFill>
+              </a:rPr>
+              <a:t>사용자들의 열람을 유도하기</a:t>
+            </a:r>
           </a:p>
         </p:txBody>
       </p:sp>
@@ -7125,7 +8195,10 @@
           <a:bodyPr/>
           <a:lstStyle/>
           <a:p>
-            <a:endParaRPr lang="ko-KR" altLang="en-US"/>
+            <a:r>
+              <a:rPr lang="ko-KR" altLang="en-US" dirty="0"/>
+              <a:t>프로젝트 수행</a:t>
+            </a:r>
           </a:p>
         </p:txBody>
       </p:sp>
@@ -7145,19 +8218,514 @@
             <p:ph type="body" idx="1"/>
           </p:nvPr>
         </p:nvSpPr>
-        <p:spPr/>
+        <p:spPr>
+          <a:xfrm>
+            <a:off x="5411522" y="1506425"/>
+            <a:ext cx="2979081" cy="2703760"/>
+          </a:xfrm>
+        </p:spPr>
         <p:txBody>
           <a:bodyPr/>
           <a:lstStyle/>
           <a:p>
-            <a:endParaRPr lang="ko-KR" altLang="en-US"/>
-          </a:p>
-        </p:txBody>
-      </p:sp>
+            <a:r>
+              <a:rPr lang="en-US" altLang="ko-KR" dirty="0">
+                <a:solidFill>
+                  <a:schemeClr val="accent4">
+                    <a:lumMod val="40000"/>
+                    <a:lumOff val="60000"/>
+                  </a:schemeClr>
+                </a:solidFill>
+              </a:rPr>
+              <a:t>Jenkins </a:t>
+            </a:r>
+            <a:r>
+              <a:rPr lang="ko-KR" altLang="en-US" dirty="0">
+                <a:solidFill>
+                  <a:schemeClr val="accent4">
+                    <a:lumMod val="40000"/>
+                    <a:lumOff val="60000"/>
+                  </a:schemeClr>
+                </a:solidFill>
+              </a:rPr>
+              <a:t>서버를 구축하여 </a:t>
+            </a:r>
+            <a:r>
+              <a:rPr lang="en-US" altLang="ko-KR" dirty="0">
+                <a:solidFill>
+                  <a:schemeClr val="accent4">
+                    <a:lumMod val="40000"/>
+                    <a:lumOff val="60000"/>
+                  </a:schemeClr>
+                </a:solidFill>
+              </a:rPr>
+              <a:t>Python</a:t>
+            </a:r>
+            <a:r>
+              <a:rPr lang="ko-KR" altLang="en-US" dirty="0">
+                <a:solidFill>
+                  <a:schemeClr val="accent4">
+                    <a:lumMod val="40000"/>
+                    <a:lumOff val="60000"/>
+                  </a:schemeClr>
+                </a:solidFill>
+              </a:rPr>
+              <a:t> 기반 </a:t>
+            </a:r>
+            <a:r>
+              <a:rPr lang="en-US" altLang="ko-KR" dirty="0">
+                <a:solidFill>
+                  <a:schemeClr val="accent4">
+                    <a:lumMod val="40000"/>
+                    <a:lumOff val="60000"/>
+                  </a:schemeClr>
+                </a:solidFill>
+              </a:rPr>
+              <a:t>flask CI/CD </a:t>
+            </a:r>
+            <a:r>
+              <a:rPr lang="ko-KR" altLang="en-US" dirty="0">
+                <a:solidFill>
+                  <a:schemeClr val="accent4">
+                    <a:lumMod val="40000"/>
+                    <a:lumOff val="60000"/>
+                  </a:schemeClr>
+                </a:solidFill>
+              </a:rPr>
+              <a:t>파이프라인 서비스 구성</a:t>
+            </a:r>
+            <a:endParaRPr lang="en-US" altLang="ko-KR" dirty="0">
+              <a:solidFill>
+                <a:schemeClr val="accent4">
+                  <a:lumMod val="40000"/>
+                  <a:lumOff val="60000"/>
+                </a:schemeClr>
+              </a:solidFill>
+            </a:endParaRPr>
+          </a:p>
+          <a:p>
+            <a:endParaRPr lang="en-US" altLang="ko-KR" dirty="0">
+              <a:solidFill>
+                <a:schemeClr val="accent4">
+                  <a:lumMod val="40000"/>
+                  <a:lumOff val="60000"/>
+                </a:schemeClr>
+              </a:solidFill>
+            </a:endParaRPr>
+          </a:p>
+          <a:p>
+            <a:r>
+              <a:rPr lang="en-US" altLang="ko-KR" dirty="0">
+                <a:solidFill>
+                  <a:schemeClr val="accent4">
+                    <a:lumMod val="40000"/>
+                    <a:lumOff val="60000"/>
+                  </a:schemeClr>
+                </a:solidFill>
+              </a:rPr>
+              <a:t>NFS</a:t>
+            </a:r>
+            <a:r>
+              <a:rPr lang="ko-KR" altLang="en-US" dirty="0">
+                <a:solidFill>
+                  <a:schemeClr val="accent4">
+                    <a:lumMod val="40000"/>
+                    <a:lumOff val="60000"/>
+                  </a:schemeClr>
+                </a:solidFill>
+              </a:rPr>
+              <a:t>를 </a:t>
+            </a:r>
+            <a:r>
+              <a:rPr lang="en-US" altLang="ko-KR" dirty="0">
+                <a:solidFill>
+                  <a:schemeClr val="accent4">
+                    <a:lumMod val="40000"/>
+                    <a:lumOff val="60000"/>
+                  </a:schemeClr>
+                </a:solidFill>
+              </a:rPr>
+              <a:t>Jenkins </a:t>
+            </a:r>
+            <a:r>
+              <a:rPr lang="ko-KR" altLang="en-US" dirty="0">
+                <a:solidFill>
+                  <a:schemeClr val="accent4">
+                    <a:lumMod val="40000"/>
+                    <a:lumOff val="60000"/>
+                  </a:schemeClr>
+                </a:solidFill>
+              </a:rPr>
+              <a:t>서버와 연결하여 유사시 파일 공유를 수행</a:t>
+            </a:r>
+            <a:r>
+              <a:rPr lang="en-US" altLang="ko-KR" dirty="0">
+                <a:solidFill>
+                  <a:schemeClr val="accent4">
+                    <a:lumMod val="40000"/>
+                    <a:lumOff val="60000"/>
+                  </a:schemeClr>
+                </a:solidFill>
+              </a:rPr>
+              <a:t>.</a:t>
+            </a:r>
+          </a:p>
+          <a:p>
+            <a:endParaRPr lang="en-US" altLang="ko-KR" dirty="0">
+              <a:solidFill>
+                <a:schemeClr val="accent4">
+                  <a:lumMod val="40000"/>
+                  <a:lumOff val="60000"/>
+                </a:schemeClr>
+              </a:solidFill>
+            </a:endParaRPr>
+          </a:p>
+          <a:p>
+            <a:r>
+              <a:rPr lang="en-US" altLang="ko-KR" dirty="0">
+                <a:solidFill>
+                  <a:schemeClr val="accent4">
+                    <a:lumMod val="40000"/>
+                    <a:lumOff val="60000"/>
+                  </a:schemeClr>
+                </a:solidFill>
+              </a:rPr>
+              <a:t>Docker </a:t>
+            </a:r>
+            <a:r>
+              <a:rPr lang="ko-KR" altLang="en-US" dirty="0">
+                <a:solidFill>
+                  <a:schemeClr val="accent4">
+                    <a:lumMod val="40000"/>
+                    <a:lumOff val="60000"/>
+                  </a:schemeClr>
+                </a:solidFill>
+              </a:rPr>
+              <a:t>서버 활용을 병행하여 고급 </a:t>
+            </a:r>
+            <a:r>
+              <a:rPr lang="en-US" altLang="ko-KR" dirty="0">
+                <a:solidFill>
+                  <a:schemeClr val="accent4">
+                    <a:lumMod val="40000"/>
+                    <a:lumOff val="60000"/>
+                  </a:schemeClr>
+                </a:solidFill>
+              </a:rPr>
+              <a:t>CI/CD </a:t>
+            </a:r>
+            <a:r>
+              <a:rPr lang="ko-KR" altLang="en-US" dirty="0">
+                <a:solidFill>
+                  <a:schemeClr val="accent4">
+                    <a:lumMod val="40000"/>
+                    <a:lumOff val="60000"/>
+                  </a:schemeClr>
+                </a:solidFill>
+              </a:rPr>
+              <a:t>파이프라인 구축하기</a:t>
+            </a:r>
+            <a:r>
+              <a:rPr lang="en-US" altLang="ko-KR" dirty="0">
+                <a:solidFill>
+                  <a:schemeClr val="accent4">
+                    <a:lumMod val="40000"/>
+                    <a:lumOff val="60000"/>
+                  </a:schemeClr>
+                </a:solidFill>
+              </a:rPr>
+              <a:t>.</a:t>
+            </a:r>
+            <a:endParaRPr lang="ko-KR" altLang="en-US" dirty="0">
+              <a:solidFill>
+                <a:schemeClr val="accent4">
+                  <a:lumMod val="40000"/>
+                  <a:lumOff val="60000"/>
+                </a:schemeClr>
+              </a:solidFill>
+            </a:endParaRPr>
+          </a:p>
+        </p:txBody>
+      </p:sp>
+      <p:pic>
+        <p:nvPicPr>
+          <p:cNvPr id="5" name="그림 4">
+            <a:extLst>
+              <a:ext uri="{FF2B5EF4-FFF2-40B4-BE49-F238E27FC236}">
+                <a16:creationId xmlns:a16="http://schemas.microsoft.com/office/drawing/2014/main" id="{EA0963FF-B009-4E27-02C0-B95C6007386A}"/>
+              </a:ext>
+            </a:extLst>
+          </p:cNvPr>
+          <p:cNvPicPr>
+            <a:picLocks noChangeAspect="1"/>
+          </p:cNvPicPr>
+          <p:nvPr/>
+        </p:nvPicPr>
+        <p:blipFill>
+          <a:blip r:embed="rId2"/>
+          <a:stretch>
+            <a:fillRect/>
+          </a:stretch>
+        </p:blipFill>
+        <p:spPr>
+          <a:xfrm>
+            <a:off x="536331" y="1586446"/>
+            <a:ext cx="4875191" cy="2541475"/>
+          </a:xfrm>
+          <a:prstGeom prst="rect">
+            <a:avLst/>
+          </a:prstGeom>
+        </p:spPr>
+      </p:pic>
     </p:spTree>
     <p:extLst>
       <p:ext uri="{BB962C8B-B14F-4D97-AF65-F5344CB8AC3E}">
         <p14:creationId xmlns:p14="http://schemas.microsoft.com/office/powerpoint/2010/main" val="1532860426"/>
+      </p:ext>
+    </p:extLst>
+  </p:cSld>
+  <p:clrMapOvr>
+    <a:masterClrMapping/>
+  </p:clrMapOvr>
+</p:sld>
+</file>
+
+<file path=ppt/slides/slide6.xml><?xml version="1.0" encoding="utf-8"?>
+<p:sld xmlns:a="http://schemas.openxmlformats.org/drawingml/2006/main" xmlns:r="http://schemas.openxmlformats.org/officeDocument/2006/relationships" xmlns:p="http://schemas.openxmlformats.org/presentationml/2006/main">
+  <p:cSld>
+    <p:spTree>
+      <p:nvGrpSpPr>
+        <p:cNvPr id="1" name=""/>
+        <p:cNvGrpSpPr/>
+        <p:nvPr/>
+      </p:nvGrpSpPr>
+      <p:grpSpPr>
+        <a:xfrm>
+          <a:off x="0" y="0"/>
+          <a:ext cx="0" cy="0"/>
+          <a:chOff x="0" y="0"/>
+          <a:chExt cx="0" cy="0"/>
+        </a:xfrm>
+      </p:grpSpPr>
+      <p:sp>
+        <p:nvSpPr>
+          <p:cNvPr id="2" name="제목 1">
+            <a:extLst>
+              <a:ext uri="{FF2B5EF4-FFF2-40B4-BE49-F238E27FC236}">
+                <a16:creationId xmlns:a16="http://schemas.microsoft.com/office/drawing/2014/main" id="{A9BDBCF8-810A-9EF2-E7C5-4BF628817D4A}"/>
+              </a:ext>
+            </a:extLst>
+          </p:cNvPr>
+          <p:cNvSpPr>
+            <a:spLocks noGrp="1"/>
+          </p:cNvSpPr>
+          <p:nvPr>
+            <p:ph type="title"/>
+          </p:nvPr>
+        </p:nvSpPr>
+        <p:spPr/>
+        <p:txBody>
+          <a:bodyPr/>
+          <a:lstStyle/>
+          <a:p>
+            <a:r>
+              <a:rPr lang="ko-KR" altLang="en-US" dirty="0"/>
+              <a:t>결과 데모 시연</a:t>
+            </a:r>
+          </a:p>
+        </p:txBody>
+      </p:sp>
+      <p:sp>
+        <p:nvSpPr>
+          <p:cNvPr id="3" name="텍스트 개체 틀 2">
+            <a:extLst>
+              <a:ext uri="{FF2B5EF4-FFF2-40B4-BE49-F238E27FC236}">
+                <a16:creationId xmlns:a16="http://schemas.microsoft.com/office/drawing/2014/main" id="{4183921B-281E-EF63-18F9-E5D7D94267CF}"/>
+              </a:ext>
+            </a:extLst>
+          </p:cNvPr>
+          <p:cNvSpPr>
+            <a:spLocks noGrp="1"/>
+          </p:cNvSpPr>
+          <p:nvPr>
+            <p:ph type="body" idx="1"/>
+          </p:nvPr>
+        </p:nvSpPr>
+        <p:spPr/>
+        <p:txBody>
+          <a:bodyPr/>
+          <a:lstStyle/>
+          <a:p>
+            <a:endParaRPr lang="ko-KR" altLang="en-US"/>
+          </a:p>
+        </p:txBody>
+      </p:sp>
+    </p:spTree>
+    <p:extLst>
+      <p:ext uri="{BB962C8B-B14F-4D97-AF65-F5344CB8AC3E}">
+        <p14:creationId xmlns:p14="http://schemas.microsoft.com/office/powerpoint/2010/main" val="1854440406"/>
+      </p:ext>
+    </p:extLst>
+  </p:cSld>
+  <p:clrMapOvr>
+    <a:masterClrMapping/>
+  </p:clrMapOvr>
+</p:sld>
+</file>
+
+<file path=ppt/slides/slide7.xml><?xml version="1.0" encoding="utf-8"?>
+<p:sld xmlns:a="http://schemas.openxmlformats.org/drawingml/2006/main" xmlns:r="http://schemas.openxmlformats.org/officeDocument/2006/relationships" xmlns:p="http://schemas.openxmlformats.org/presentationml/2006/main">
+  <p:cSld>
+    <p:spTree>
+      <p:nvGrpSpPr>
+        <p:cNvPr id="1" name=""/>
+        <p:cNvGrpSpPr/>
+        <p:nvPr/>
+      </p:nvGrpSpPr>
+      <p:grpSpPr>
+        <a:xfrm>
+          <a:off x="0" y="0"/>
+          <a:ext cx="0" cy="0"/>
+          <a:chOff x="0" y="0"/>
+          <a:chExt cx="0" cy="0"/>
+        </a:xfrm>
+      </p:grpSpPr>
+      <p:sp>
+        <p:nvSpPr>
+          <p:cNvPr id="2" name="제목 1">
+            <a:extLst>
+              <a:ext uri="{FF2B5EF4-FFF2-40B4-BE49-F238E27FC236}">
+                <a16:creationId xmlns:a16="http://schemas.microsoft.com/office/drawing/2014/main" id="{4689DFAA-FA40-3F7E-FE04-84C1489C647D}"/>
+              </a:ext>
+            </a:extLst>
+          </p:cNvPr>
+          <p:cNvSpPr>
+            <a:spLocks noGrp="1"/>
+          </p:cNvSpPr>
+          <p:nvPr>
+            <p:ph type="title"/>
+          </p:nvPr>
+        </p:nvSpPr>
+        <p:spPr/>
+        <p:txBody>
+          <a:bodyPr/>
+          <a:lstStyle/>
+          <a:p>
+            <a:r>
+              <a:rPr lang="ko-KR" altLang="en-US" dirty="0"/>
+              <a:t>보완점</a:t>
+            </a:r>
+          </a:p>
+        </p:txBody>
+      </p:sp>
+      <p:sp>
+        <p:nvSpPr>
+          <p:cNvPr id="3" name="텍스트 개체 틀 2">
+            <a:extLst>
+              <a:ext uri="{FF2B5EF4-FFF2-40B4-BE49-F238E27FC236}">
+                <a16:creationId xmlns:a16="http://schemas.microsoft.com/office/drawing/2014/main" id="{A3FBF26A-E50E-05FF-7801-D1216EA756DE}"/>
+              </a:ext>
+            </a:extLst>
+          </p:cNvPr>
+          <p:cNvSpPr>
+            <a:spLocks noGrp="1"/>
+          </p:cNvSpPr>
+          <p:nvPr>
+            <p:ph type="body" idx="1"/>
+          </p:nvPr>
+        </p:nvSpPr>
+        <p:spPr/>
+        <p:txBody>
+          <a:bodyPr/>
+          <a:lstStyle/>
+          <a:p>
+            <a:endParaRPr lang="ko-KR" altLang="en-US"/>
+          </a:p>
+        </p:txBody>
+      </p:sp>
+    </p:spTree>
+    <p:extLst>
+      <p:ext uri="{BB962C8B-B14F-4D97-AF65-F5344CB8AC3E}">
+        <p14:creationId xmlns:p14="http://schemas.microsoft.com/office/powerpoint/2010/main" val="4070003616"/>
+      </p:ext>
+    </p:extLst>
+  </p:cSld>
+  <p:clrMapOvr>
+    <a:masterClrMapping/>
+  </p:clrMapOvr>
+</p:sld>
+</file>
+
+<file path=ppt/slides/slide8.xml><?xml version="1.0" encoding="utf-8"?>
+<p:sld xmlns:a="http://schemas.openxmlformats.org/drawingml/2006/main" xmlns:r="http://schemas.openxmlformats.org/officeDocument/2006/relationships" xmlns:p="http://schemas.openxmlformats.org/presentationml/2006/main">
+  <p:cSld>
+    <p:spTree>
+      <p:nvGrpSpPr>
+        <p:cNvPr id="1" name=""/>
+        <p:cNvGrpSpPr/>
+        <p:nvPr/>
+      </p:nvGrpSpPr>
+      <p:grpSpPr>
+        <a:xfrm>
+          <a:off x="0" y="0"/>
+          <a:ext cx="0" cy="0"/>
+          <a:chOff x="0" y="0"/>
+          <a:chExt cx="0" cy="0"/>
+        </a:xfrm>
+      </p:grpSpPr>
+      <p:sp>
+        <p:nvSpPr>
+          <p:cNvPr id="2" name="제목 1">
+            <a:extLst>
+              <a:ext uri="{FF2B5EF4-FFF2-40B4-BE49-F238E27FC236}">
+                <a16:creationId xmlns:a16="http://schemas.microsoft.com/office/drawing/2014/main" id="{4073F668-8095-7F5E-5207-4567B3C5D08D}"/>
+              </a:ext>
+            </a:extLst>
+          </p:cNvPr>
+          <p:cNvSpPr>
+            <a:spLocks noGrp="1"/>
+          </p:cNvSpPr>
+          <p:nvPr>
+            <p:ph type="title"/>
+          </p:nvPr>
+        </p:nvSpPr>
+        <p:spPr>
+          <a:xfrm>
+            <a:off x="921900" y="1881725"/>
+            <a:ext cx="8222100" cy="767700"/>
+          </a:xfrm>
+        </p:spPr>
+        <p:txBody>
+          <a:bodyPr/>
+          <a:lstStyle/>
+          <a:p>
+            <a:r>
+              <a:rPr lang="en-US" altLang="ko-KR" dirty="0"/>
+              <a:t>Sonar X Jenkins </a:t>
+            </a:r>
+            <a:r>
+              <a:rPr lang="ko-KR" altLang="en-US" dirty="0"/>
+              <a:t>프로젝트 </a:t>
+            </a:r>
+            <a:br>
+              <a:rPr lang="en-US" altLang="ko-KR" dirty="0"/>
+            </a:br>
+            <a:r>
+              <a:rPr lang="ko-KR" altLang="en-US" dirty="0"/>
+              <a:t>발표를 마치겠습니다</a:t>
+            </a:r>
+            <a:r>
+              <a:rPr lang="en-US" altLang="ko-KR" dirty="0"/>
+              <a:t>.</a:t>
+            </a:r>
+            <a:endParaRPr lang="ko-KR" altLang="en-US" dirty="0"/>
+          </a:p>
+        </p:txBody>
+      </p:sp>
+    </p:spTree>
+    <p:extLst>
+      <p:ext uri="{BB962C8B-B14F-4D97-AF65-F5344CB8AC3E}">
+        <p14:creationId xmlns:p14="http://schemas.microsoft.com/office/powerpoint/2010/main" val="1744755321"/>
       </p:ext>
     </p:extLst>
   </p:cSld>

--- a/제출자료/최종 발표 프레젠테이션(김정훈).pptx
+++ b/제출자료/최종 발표 프레젠테이션(김정훈).pptx
@@ -6894,20 +6894,14 @@
             <a:r>
               <a:rPr lang="ko" dirty="0">
                 <a:solidFill>
-                  <a:schemeClr val="accent4">
-                    <a:lumMod val="40000"/>
-                    <a:lumOff val="60000"/>
-                  </a:schemeClr>
+                  <a:schemeClr val="tx1"/>
                 </a:solidFill>
               </a:rPr>
               <a:t>프로젝트 개요</a:t>
             </a:r>
             <a:endParaRPr dirty="0">
               <a:solidFill>
-                <a:schemeClr val="accent4">
-                  <a:lumMod val="40000"/>
-                  <a:lumOff val="60000"/>
-                </a:schemeClr>
+                <a:schemeClr val="tx1"/>
               </a:solidFill>
             </a:endParaRPr>
           </a:p>
@@ -6925,20 +6919,14 @@
             <a:r>
               <a:rPr lang="ko" dirty="0">
                 <a:solidFill>
-                  <a:schemeClr val="accent4">
-                    <a:lumMod val="40000"/>
-                    <a:lumOff val="60000"/>
-                  </a:schemeClr>
+                  <a:schemeClr val="tx1"/>
                 </a:solidFill>
               </a:rPr>
               <a:t>프로젝트 목표</a:t>
             </a:r>
             <a:endParaRPr dirty="0">
               <a:solidFill>
-                <a:schemeClr val="accent4">
-                  <a:lumMod val="40000"/>
-                  <a:lumOff val="60000"/>
-                </a:schemeClr>
+                <a:schemeClr val="tx1"/>
               </a:solidFill>
             </a:endParaRPr>
           </a:p>
@@ -6956,20 +6944,14 @@
             <a:r>
               <a:rPr lang="ko" dirty="0">
                 <a:solidFill>
-                  <a:schemeClr val="accent4">
-                    <a:lumMod val="40000"/>
-                    <a:lumOff val="60000"/>
-                  </a:schemeClr>
+                  <a:schemeClr val="tx1"/>
                 </a:solidFill>
               </a:rPr>
               <a:t>프로젝트 수행</a:t>
             </a:r>
             <a:endParaRPr dirty="0">
               <a:solidFill>
-                <a:schemeClr val="accent4">
-                  <a:lumMod val="40000"/>
-                  <a:lumOff val="60000"/>
-                </a:schemeClr>
+                <a:schemeClr val="tx1"/>
               </a:solidFill>
             </a:endParaRPr>
           </a:p>
@@ -6987,20 +6969,14 @@
             <a:r>
               <a:rPr lang="ko" dirty="0">
                 <a:solidFill>
-                  <a:schemeClr val="accent4">
-                    <a:lumMod val="40000"/>
-                    <a:lumOff val="60000"/>
-                  </a:schemeClr>
+                  <a:schemeClr val="tx1"/>
                 </a:solidFill>
               </a:rPr>
               <a:t>수행 계획</a:t>
             </a:r>
             <a:endParaRPr dirty="0">
               <a:solidFill>
-                <a:schemeClr val="accent4">
-                  <a:lumMod val="40000"/>
-                  <a:lumOff val="60000"/>
-                </a:schemeClr>
+                <a:schemeClr val="tx1"/>
               </a:solidFill>
             </a:endParaRPr>
           </a:p>
@@ -7018,20 +6994,14 @@
             <a:r>
               <a:rPr lang="ko" dirty="0">
                 <a:solidFill>
-                  <a:schemeClr val="accent4">
-                    <a:lumMod val="40000"/>
-                    <a:lumOff val="60000"/>
-                  </a:schemeClr>
+                  <a:schemeClr val="tx1"/>
                 </a:solidFill>
               </a:rPr>
               <a:t>수행 일정</a:t>
             </a:r>
             <a:endParaRPr dirty="0">
               <a:solidFill>
-                <a:schemeClr val="accent4">
-                  <a:lumMod val="40000"/>
-                  <a:lumOff val="60000"/>
-                </a:schemeClr>
+                <a:schemeClr val="tx1"/>
               </a:solidFill>
             </a:endParaRPr>
           </a:p>
@@ -7049,20 +7019,14 @@
             <a:r>
               <a:rPr lang="ko" dirty="0">
                 <a:solidFill>
-                  <a:schemeClr val="accent4">
-                    <a:lumMod val="40000"/>
-                    <a:lumOff val="60000"/>
-                  </a:schemeClr>
+                  <a:schemeClr val="tx1"/>
                 </a:solidFill>
               </a:rPr>
               <a:t>수행 결과</a:t>
             </a:r>
             <a:endParaRPr dirty="0">
               <a:solidFill>
-                <a:schemeClr val="accent4">
-                  <a:lumMod val="40000"/>
-                  <a:lumOff val="60000"/>
-                </a:schemeClr>
+                <a:schemeClr val="tx1"/>
               </a:solidFill>
             </a:endParaRPr>
           </a:p>
@@ -7080,20 +7044,14 @@
             <a:r>
               <a:rPr lang="ko" dirty="0">
                 <a:solidFill>
-                  <a:schemeClr val="accent4">
-                    <a:lumMod val="40000"/>
-                    <a:lumOff val="60000"/>
-                  </a:schemeClr>
+                  <a:schemeClr val="tx1"/>
                 </a:solidFill>
               </a:rPr>
               <a:t>결과 데모 시연</a:t>
             </a:r>
             <a:endParaRPr dirty="0">
               <a:solidFill>
-                <a:schemeClr val="accent4">
-                  <a:lumMod val="40000"/>
-                  <a:lumOff val="60000"/>
-                </a:schemeClr>
+                <a:schemeClr val="tx1"/>
               </a:solidFill>
             </a:endParaRPr>
           </a:p>
@@ -7111,20 +7069,14 @@
             <a:r>
               <a:rPr lang="ko" dirty="0">
                 <a:solidFill>
-                  <a:schemeClr val="accent4">
-                    <a:lumMod val="40000"/>
-                    <a:lumOff val="60000"/>
-                  </a:schemeClr>
+                  <a:schemeClr val="tx1"/>
                 </a:solidFill>
               </a:rPr>
               <a:t>보완점</a:t>
             </a:r>
             <a:endParaRPr dirty="0">
               <a:solidFill>
-                <a:schemeClr val="accent4">
-                  <a:lumMod val="40000"/>
-                  <a:lumOff val="60000"/>
-                </a:schemeClr>
+                <a:schemeClr val="tx1"/>
               </a:solidFill>
             </a:endParaRPr>
           </a:p>
@@ -7426,10 +7378,7 @@
             <a:r>
               <a:rPr lang="ko-KR" altLang="en-US" dirty="0">
                 <a:solidFill>
-                  <a:schemeClr val="accent4">
-                    <a:lumMod val="40000"/>
-                    <a:lumOff val="60000"/>
-                  </a:schemeClr>
+                  <a:schemeClr val="tx1"/>
                 </a:solidFill>
               </a:rPr>
               <a:t>프로젝트명 </a:t>
@@ -7437,10 +7386,7 @@
             <a:r>
               <a:rPr lang="en-US" altLang="ko-KR" dirty="0">
                 <a:solidFill>
-                  <a:schemeClr val="accent4">
-                    <a:lumMod val="40000"/>
-                    <a:lumOff val="60000"/>
-                  </a:schemeClr>
+                  <a:schemeClr val="tx1"/>
                 </a:solidFill>
               </a:rPr>
               <a:t>: Sonar X Jenkins </a:t>
@@ -7448,40 +7394,28 @@
             <a:r>
               <a:rPr lang="ko-KR" altLang="en-US" dirty="0">
                 <a:solidFill>
-                  <a:schemeClr val="accent4">
-                    <a:lumMod val="40000"/>
-                    <a:lumOff val="60000"/>
-                  </a:schemeClr>
+                  <a:schemeClr val="tx1"/>
                 </a:solidFill>
               </a:rPr>
               <a:t>프로젝트</a:t>
             </a:r>
             <a:endParaRPr lang="en-US" altLang="ko-KR" dirty="0">
               <a:solidFill>
-                <a:schemeClr val="accent4">
-                  <a:lumMod val="40000"/>
-                  <a:lumOff val="60000"/>
-                </a:schemeClr>
+                <a:schemeClr val="tx1"/>
               </a:solidFill>
             </a:endParaRPr>
           </a:p>
           <a:p>
             <a:endParaRPr lang="en-US" altLang="ko-KR" dirty="0">
               <a:solidFill>
-                <a:schemeClr val="accent4">
-                  <a:lumMod val="40000"/>
-                  <a:lumOff val="60000"/>
-                </a:schemeClr>
+                <a:schemeClr val="tx1"/>
               </a:solidFill>
             </a:endParaRPr>
           </a:p>
           <a:p>
             <a:endParaRPr lang="en-US" altLang="ko-KR" dirty="0">
               <a:solidFill>
-                <a:schemeClr val="accent4">
-                  <a:lumMod val="40000"/>
-                  <a:lumOff val="60000"/>
-                </a:schemeClr>
+                <a:schemeClr val="tx1"/>
               </a:solidFill>
             </a:endParaRPr>
           </a:p>
@@ -7489,10 +7423,7 @@
             <a:r>
               <a:rPr lang="ko-KR" altLang="en-US" dirty="0">
                 <a:solidFill>
-                  <a:schemeClr val="accent4">
-                    <a:lumMod val="40000"/>
-                    <a:lumOff val="60000"/>
-                  </a:schemeClr>
+                  <a:schemeClr val="tx1"/>
                 </a:solidFill>
               </a:rPr>
               <a:t>프로젝트 기간 </a:t>
@@ -7500,10 +7431,7 @@
             <a:r>
               <a:rPr lang="en-US" altLang="ko-KR" dirty="0">
                 <a:solidFill>
-                  <a:schemeClr val="accent4">
-                    <a:lumMod val="40000"/>
-                    <a:lumOff val="60000"/>
-                  </a:schemeClr>
+                  <a:schemeClr val="tx1"/>
                 </a:solidFill>
               </a:rPr>
               <a:t>: 2023</a:t>
@@ -7511,10 +7439,7 @@
             <a:r>
               <a:rPr lang="ko-KR" altLang="en-US" dirty="0">
                 <a:solidFill>
-                  <a:schemeClr val="accent4">
-                    <a:lumMod val="40000"/>
-                    <a:lumOff val="60000"/>
-                  </a:schemeClr>
+                  <a:schemeClr val="tx1"/>
                 </a:solidFill>
               </a:rPr>
               <a:t>년</a:t>
@@ -7522,10 +7447,7 @@
             <a:r>
               <a:rPr lang="en-US" altLang="ko-KR" dirty="0">
                 <a:solidFill>
-                  <a:schemeClr val="accent4">
-                    <a:lumMod val="40000"/>
-                    <a:lumOff val="60000"/>
-                  </a:schemeClr>
+                  <a:schemeClr val="tx1"/>
                 </a:solidFill>
               </a:rPr>
               <a:t> 8</a:t>
@@ -7533,10 +7455,7 @@
             <a:r>
               <a:rPr lang="ko-KR" altLang="en-US" dirty="0">
                 <a:solidFill>
-                  <a:schemeClr val="accent4">
-                    <a:lumMod val="40000"/>
-                    <a:lumOff val="60000"/>
-                  </a:schemeClr>
+                  <a:schemeClr val="tx1"/>
                 </a:solidFill>
               </a:rPr>
               <a:t>월 </a:t>
@@ -7544,10 +7463,7 @@
             <a:r>
               <a:rPr lang="en-US" altLang="ko-KR" dirty="0">
                 <a:solidFill>
-                  <a:schemeClr val="accent4">
-                    <a:lumMod val="40000"/>
-                    <a:lumOff val="60000"/>
-                  </a:schemeClr>
+                  <a:schemeClr val="tx1"/>
                 </a:solidFill>
               </a:rPr>
               <a:t>15</a:t>
@@ -7555,10 +7471,7 @@
             <a:r>
               <a:rPr lang="ko-KR" altLang="en-US" dirty="0">
                 <a:solidFill>
-                  <a:schemeClr val="accent4">
-                    <a:lumMod val="40000"/>
-                    <a:lumOff val="60000"/>
-                  </a:schemeClr>
+                  <a:schemeClr val="tx1"/>
                 </a:solidFill>
               </a:rPr>
               <a:t>일 </a:t>
@@ -7566,10 +7479,7 @@
             <a:r>
               <a:rPr lang="en-US" altLang="ko-KR" dirty="0">
                 <a:solidFill>
-                  <a:schemeClr val="accent4">
-                    <a:lumMod val="40000"/>
-                    <a:lumOff val="60000"/>
-                  </a:schemeClr>
+                  <a:schemeClr val="tx1"/>
                 </a:solidFill>
               </a:rPr>
               <a:t>~ 2023</a:t>
@@ -7577,10 +7487,7 @@
             <a:r>
               <a:rPr lang="ko-KR" altLang="en-US" dirty="0">
                 <a:solidFill>
-                  <a:schemeClr val="accent4">
-                    <a:lumMod val="40000"/>
-                    <a:lumOff val="60000"/>
-                  </a:schemeClr>
+                  <a:schemeClr val="tx1"/>
                 </a:solidFill>
               </a:rPr>
               <a:t>년 </a:t>
@@ -7588,10 +7495,7 @@
             <a:r>
               <a:rPr lang="en-US" altLang="ko-KR" dirty="0">
                 <a:solidFill>
-                  <a:schemeClr val="accent4">
-                    <a:lumMod val="40000"/>
-                    <a:lumOff val="60000"/>
-                  </a:schemeClr>
+                  <a:schemeClr val="tx1"/>
                 </a:solidFill>
               </a:rPr>
               <a:t>8</a:t>
@@ -7599,10 +7503,7 @@
             <a:r>
               <a:rPr lang="ko-KR" altLang="en-US" dirty="0">
                 <a:solidFill>
-                  <a:schemeClr val="accent4">
-                    <a:lumMod val="40000"/>
-                    <a:lumOff val="60000"/>
-                  </a:schemeClr>
+                  <a:schemeClr val="tx1"/>
                 </a:solidFill>
               </a:rPr>
               <a:t>월 </a:t>
@@ -7610,10 +7511,7 @@
             <a:r>
               <a:rPr lang="en-US" altLang="ko-KR" dirty="0">
                 <a:solidFill>
-                  <a:schemeClr val="accent4">
-                    <a:lumMod val="40000"/>
-                    <a:lumOff val="60000"/>
-                  </a:schemeClr>
+                  <a:schemeClr val="tx1"/>
                 </a:solidFill>
               </a:rPr>
               <a:t>28</a:t>
@@ -7621,40 +7519,28 @@
             <a:r>
               <a:rPr lang="ko-KR" altLang="en-US" dirty="0">
                 <a:solidFill>
-                  <a:schemeClr val="accent4">
-                    <a:lumMod val="40000"/>
-                    <a:lumOff val="60000"/>
-                  </a:schemeClr>
+                  <a:schemeClr val="tx1"/>
                 </a:solidFill>
               </a:rPr>
               <a:t>일</a:t>
             </a:r>
             <a:endParaRPr lang="en-US" altLang="ko-KR" dirty="0">
               <a:solidFill>
-                <a:schemeClr val="accent4">
-                  <a:lumMod val="40000"/>
-                  <a:lumOff val="60000"/>
-                </a:schemeClr>
+                <a:schemeClr val="tx1"/>
               </a:solidFill>
             </a:endParaRPr>
           </a:p>
           <a:p>
             <a:endParaRPr lang="en-US" altLang="ko-KR" dirty="0">
               <a:solidFill>
-                <a:schemeClr val="accent4">
-                  <a:lumMod val="40000"/>
-                  <a:lumOff val="60000"/>
-                </a:schemeClr>
+                <a:schemeClr val="tx1"/>
               </a:solidFill>
             </a:endParaRPr>
           </a:p>
           <a:p>
             <a:endParaRPr lang="en-US" altLang="ko-KR" dirty="0">
               <a:solidFill>
-                <a:schemeClr val="accent4">
-                  <a:lumMod val="40000"/>
-                  <a:lumOff val="60000"/>
-                </a:schemeClr>
+                <a:schemeClr val="tx1"/>
               </a:solidFill>
             </a:endParaRPr>
           </a:p>
@@ -7662,10 +7548,7 @@
             <a:r>
               <a:rPr lang="ko-KR" altLang="en-US" dirty="0">
                 <a:solidFill>
-                  <a:schemeClr val="accent4">
-                    <a:lumMod val="40000"/>
-                    <a:lumOff val="60000"/>
-                  </a:schemeClr>
+                  <a:schemeClr val="tx1"/>
                 </a:solidFill>
               </a:rPr>
               <a:t>프로젝트 주안점 </a:t>
@@ -7673,10 +7556,7 @@
             <a:r>
               <a:rPr lang="en-US" altLang="ko-KR" dirty="0">
                 <a:solidFill>
-                  <a:schemeClr val="accent4">
-                    <a:lumMod val="40000"/>
-                    <a:lumOff val="60000"/>
-                  </a:schemeClr>
+                  <a:schemeClr val="tx1"/>
                 </a:solidFill>
               </a:rPr>
               <a:t>: SonarQube</a:t>
@@ -7684,10 +7564,7 @@
             <a:r>
               <a:rPr lang="ko-KR" altLang="en-US" dirty="0">
                 <a:solidFill>
-                  <a:schemeClr val="accent4">
-                    <a:lumMod val="40000"/>
-                    <a:lumOff val="60000"/>
-                  </a:schemeClr>
+                  <a:schemeClr val="tx1"/>
                 </a:solidFill>
               </a:rPr>
               <a:t>와 </a:t>
@@ -7695,10 +7572,7 @@
             <a:r>
               <a:rPr lang="en-US" altLang="ko-KR" dirty="0">
                 <a:solidFill>
-                  <a:schemeClr val="accent4">
-                    <a:lumMod val="40000"/>
-                    <a:lumOff val="60000"/>
-                  </a:schemeClr>
+                  <a:schemeClr val="tx1"/>
                 </a:solidFill>
               </a:rPr>
               <a:t>Jenkins</a:t>
@@ -7706,10 +7580,7 @@
             <a:r>
               <a:rPr lang="ko-KR" altLang="en-US" dirty="0">
                 <a:solidFill>
-                  <a:schemeClr val="accent4">
-                    <a:lumMod val="40000"/>
-                    <a:lumOff val="60000"/>
-                  </a:schemeClr>
+                  <a:schemeClr val="tx1"/>
                 </a:solidFill>
               </a:rPr>
               <a:t>를 통한 </a:t>
@@ -7717,10 +7588,7 @@
             <a:r>
               <a:rPr lang="en-US" altLang="ko-KR" dirty="0">
                 <a:solidFill>
-                  <a:schemeClr val="accent4">
-                    <a:lumMod val="40000"/>
-                    <a:lumOff val="60000"/>
-                  </a:schemeClr>
+                  <a:schemeClr val="tx1"/>
                 </a:solidFill>
               </a:rPr>
               <a:t>Python </a:t>
@@ -7728,20 +7596,14 @@
             <a:r>
               <a:rPr lang="ko-KR" altLang="en-US" dirty="0">
                 <a:solidFill>
-                  <a:schemeClr val="accent4">
-                    <a:lumMod val="40000"/>
-                    <a:lumOff val="60000"/>
-                  </a:schemeClr>
+                  <a:schemeClr val="tx1"/>
                 </a:solidFill>
               </a:rPr>
               <a:t>코드 분석 및 </a:t>
             </a:r>
             <a:endParaRPr lang="en-US" altLang="ko-KR" dirty="0">
               <a:solidFill>
-                <a:schemeClr val="accent4">
-                  <a:lumMod val="40000"/>
-                  <a:lumOff val="60000"/>
-                </a:schemeClr>
+                <a:schemeClr val="tx1"/>
               </a:solidFill>
             </a:endParaRPr>
           </a:p>
@@ -7752,10 +7614,7 @@
             <a:r>
               <a:rPr lang="ko-KR" altLang="en-US" dirty="0">
                 <a:solidFill>
-                  <a:schemeClr val="accent4">
-                    <a:lumMod val="40000"/>
-                    <a:lumOff val="60000"/>
-                  </a:schemeClr>
+                  <a:schemeClr val="tx1"/>
                 </a:solidFill>
               </a:rPr>
               <a:t>       이메일 결과 알림 기능</a:t>
@@ -7763,10 +7622,7 @@
             <a:r>
               <a:rPr lang="en-US" altLang="ko-KR" dirty="0">
                 <a:solidFill>
-                  <a:schemeClr val="accent4">
-                    <a:lumMod val="40000"/>
-                    <a:lumOff val="60000"/>
-                  </a:schemeClr>
+                  <a:schemeClr val="tx1"/>
                 </a:solidFill>
               </a:rPr>
               <a:t>, Docker </a:t>
@@ -7774,10 +7630,7 @@
             <a:r>
               <a:rPr lang="ko-KR" altLang="en-US" dirty="0">
                 <a:solidFill>
-                  <a:schemeClr val="accent4">
-                    <a:lumMod val="40000"/>
-                    <a:lumOff val="60000"/>
-                  </a:schemeClr>
+                  <a:schemeClr val="tx1"/>
                 </a:solidFill>
               </a:rPr>
               <a:t>서버를 통한 코드 분석 결과 배포 기능</a:t>
@@ -7785,20 +7638,14 @@
             <a:r>
               <a:rPr lang="en-US" altLang="ko-KR" dirty="0">
                 <a:solidFill>
-                  <a:schemeClr val="accent4">
-                    <a:lumMod val="40000"/>
-                    <a:lumOff val="60000"/>
-                  </a:schemeClr>
+                  <a:schemeClr val="tx1"/>
                 </a:solidFill>
               </a:rPr>
               <a:t>.</a:t>
             </a:r>
             <a:endParaRPr lang="ko-KR" altLang="en-US" dirty="0">
               <a:solidFill>
-                <a:schemeClr val="accent4">
-                  <a:lumMod val="40000"/>
-                  <a:lumOff val="60000"/>
-                </a:schemeClr>
+                <a:schemeClr val="tx1"/>
               </a:solidFill>
             </a:endParaRPr>
           </a:p>
@@ -7896,10 +7743,7 @@
             <a:r>
               <a:rPr lang="en-US" altLang="ko-KR" dirty="0">
                 <a:solidFill>
-                  <a:schemeClr val="accent4">
-                    <a:lumMod val="40000"/>
-                    <a:lumOff val="60000"/>
-                  </a:schemeClr>
+                  <a:schemeClr val="tx1"/>
                 </a:solidFill>
               </a:rPr>
               <a:t>SonarQube</a:t>
@@ -7907,10 +7751,7 @@
             <a:r>
               <a:rPr lang="ko-KR" altLang="en-US" dirty="0">
                 <a:solidFill>
-                  <a:schemeClr val="accent4">
-                    <a:lumMod val="40000"/>
-                    <a:lumOff val="60000"/>
-                  </a:schemeClr>
+                  <a:schemeClr val="tx1"/>
                 </a:solidFill>
               </a:rPr>
               <a:t>를 활용해 개발팀의 편리한 </a:t>
@@ -7918,10 +7759,7 @@
             <a:r>
               <a:rPr lang="en-US" altLang="ko-KR" dirty="0">
                 <a:solidFill>
-                  <a:schemeClr val="accent4">
-                    <a:lumMod val="40000"/>
-                    <a:lumOff val="60000"/>
-                  </a:schemeClr>
+                  <a:schemeClr val="tx1"/>
                 </a:solidFill>
               </a:rPr>
               <a:t>Python</a:t>
@@ -7929,40 +7767,28 @@
             <a:r>
               <a:rPr lang="ko-KR" altLang="en-US" dirty="0">
                 <a:solidFill>
-                  <a:schemeClr val="accent4">
-                    <a:lumMod val="40000"/>
-                    <a:lumOff val="60000"/>
-                  </a:schemeClr>
+                  <a:schemeClr val="tx1"/>
                 </a:solidFill>
               </a:rPr>
               <a:t> 코드 분석 환경 만들기</a:t>
             </a:r>
             <a:endParaRPr lang="en-US" altLang="ko-KR" dirty="0">
               <a:solidFill>
-                <a:schemeClr val="accent4">
-                  <a:lumMod val="40000"/>
-                  <a:lumOff val="60000"/>
-                </a:schemeClr>
+                <a:schemeClr val="tx1"/>
               </a:solidFill>
             </a:endParaRPr>
           </a:p>
           <a:p>
             <a:endParaRPr lang="en-US" altLang="ko-KR" dirty="0">
               <a:solidFill>
-                <a:schemeClr val="accent4">
-                  <a:lumMod val="40000"/>
-                  <a:lumOff val="60000"/>
-                </a:schemeClr>
+                <a:schemeClr val="tx1"/>
               </a:solidFill>
             </a:endParaRPr>
           </a:p>
           <a:p>
             <a:endParaRPr lang="en-US" altLang="ko-KR" dirty="0">
               <a:solidFill>
-                <a:schemeClr val="accent4">
-                  <a:lumMod val="40000"/>
-                  <a:lumOff val="60000"/>
-                </a:schemeClr>
+                <a:schemeClr val="tx1"/>
               </a:solidFill>
             </a:endParaRPr>
           </a:p>
@@ -7970,10 +7796,7 @@
             <a:r>
               <a:rPr lang="ko-KR" altLang="en-US" dirty="0">
                 <a:solidFill>
-                  <a:schemeClr val="accent4">
-                    <a:lumMod val="40000"/>
-                    <a:lumOff val="60000"/>
-                  </a:schemeClr>
+                  <a:schemeClr val="tx1"/>
                 </a:solidFill>
               </a:rPr>
               <a:t>짧은 기간 동안의 반복적이고 지속적인 코드 분석 요구에 대처하기 위한 </a:t>
@@ -7981,10 +7804,7 @@
             <a:r>
               <a:rPr lang="en-US" altLang="ko-KR" dirty="0">
                 <a:solidFill>
-                  <a:schemeClr val="accent4">
-                    <a:lumMod val="40000"/>
-                    <a:lumOff val="60000"/>
-                  </a:schemeClr>
+                  <a:schemeClr val="tx1"/>
                 </a:solidFill>
               </a:rPr>
               <a:t>Jenkins flask-CI/CD </a:t>
@@ -7992,30 +7812,21 @@
             <a:r>
               <a:rPr lang="ko-KR" altLang="en-US" dirty="0">
                 <a:solidFill>
-                  <a:schemeClr val="accent4">
-                    <a:lumMod val="40000"/>
-                    <a:lumOff val="60000"/>
-                  </a:schemeClr>
+                  <a:schemeClr val="tx1"/>
                 </a:solidFill>
               </a:rPr>
               <a:t>파이프라인 구축하기</a:t>
             </a:r>
             <a:endParaRPr lang="en-US" altLang="ko-KR" dirty="0">
               <a:solidFill>
-                <a:schemeClr val="accent4">
-                  <a:lumMod val="40000"/>
-                  <a:lumOff val="60000"/>
-                </a:schemeClr>
+                <a:schemeClr val="tx1"/>
               </a:solidFill>
             </a:endParaRPr>
           </a:p>
           <a:p>
             <a:endParaRPr lang="en-US" altLang="ko-KR" dirty="0">
               <a:solidFill>
-                <a:schemeClr val="accent4">
-                  <a:lumMod val="40000"/>
-                  <a:lumOff val="60000"/>
-                </a:schemeClr>
+                <a:schemeClr val="tx1"/>
               </a:solidFill>
             </a:endParaRPr>
           </a:p>
@@ -8023,20 +7834,14 @@
             <a:r>
               <a:rPr lang="ko-KR" altLang="en-US" dirty="0">
                 <a:solidFill>
-                  <a:schemeClr val="accent4">
-                    <a:lumMod val="40000"/>
-                    <a:lumOff val="60000"/>
-                  </a:schemeClr>
+                  <a:schemeClr val="tx1"/>
                 </a:solidFill>
               </a:rPr>
               <a:t>알림 대상자들에게 신속한 이메일 알람을 통해 코드 분석이 완료되었다는 정보를 </a:t>
             </a:r>
             <a:endParaRPr lang="en-US" altLang="ko-KR" dirty="0">
               <a:solidFill>
-                <a:schemeClr val="accent4">
-                  <a:lumMod val="40000"/>
-                  <a:lumOff val="60000"/>
-                </a:schemeClr>
+                <a:schemeClr val="tx1"/>
               </a:solidFill>
             </a:endParaRPr>
           </a:p>
@@ -8047,10 +7852,7 @@
             <a:r>
               <a:rPr lang="en-US" altLang="ko-KR" dirty="0">
                 <a:solidFill>
-                  <a:schemeClr val="accent4">
-                    <a:lumMod val="40000"/>
-                    <a:lumOff val="60000"/>
-                  </a:schemeClr>
+                  <a:schemeClr val="tx1"/>
                 </a:solidFill>
               </a:rPr>
               <a:t>      </a:t>
@@ -8058,30 +7860,21 @@
             <a:r>
               <a:rPr lang="ko-KR" altLang="en-US" dirty="0">
                 <a:solidFill>
-                  <a:schemeClr val="accent4">
-                    <a:lumMod val="40000"/>
-                    <a:lumOff val="60000"/>
-                  </a:schemeClr>
+                  <a:schemeClr val="tx1"/>
                 </a:solidFill>
               </a:rPr>
               <a:t>신속하게 전달하기</a:t>
             </a:r>
             <a:endParaRPr lang="en-US" altLang="ko-KR" dirty="0">
               <a:solidFill>
-                <a:schemeClr val="accent4">
-                  <a:lumMod val="40000"/>
-                  <a:lumOff val="60000"/>
-                </a:schemeClr>
+                <a:schemeClr val="tx1"/>
               </a:solidFill>
             </a:endParaRPr>
           </a:p>
           <a:p>
             <a:endParaRPr lang="en-US" altLang="ko-KR" dirty="0">
               <a:solidFill>
-                <a:schemeClr val="accent4">
-                  <a:lumMod val="40000"/>
-                  <a:lumOff val="60000"/>
-                </a:schemeClr>
+                <a:schemeClr val="tx1"/>
               </a:solidFill>
             </a:endParaRPr>
           </a:p>
@@ -8089,10 +7882,7 @@
             <a:r>
               <a:rPr lang="ko-KR" altLang="en-US" dirty="0">
                 <a:solidFill>
-                  <a:schemeClr val="accent4">
-                    <a:lumMod val="40000"/>
-                    <a:lumOff val="60000"/>
-                  </a:schemeClr>
+                  <a:schemeClr val="tx1"/>
                 </a:solidFill>
               </a:rPr>
               <a:t>분석 결과를 </a:t>
@@ -8100,10 +7890,7 @@
             <a:r>
               <a:rPr lang="en-US" altLang="ko-KR" dirty="0">
                 <a:solidFill>
-                  <a:schemeClr val="accent4">
-                    <a:lumMod val="40000"/>
-                    <a:lumOff val="60000"/>
-                  </a:schemeClr>
+                  <a:schemeClr val="tx1"/>
                 </a:solidFill>
               </a:rPr>
               <a:t>Docker </a:t>
@@ -8111,10 +7898,7 @@
             <a:r>
               <a:rPr lang="ko-KR" altLang="en-US" dirty="0">
                 <a:solidFill>
-                  <a:schemeClr val="accent4">
-                    <a:lumMod val="40000"/>
-                    <a:lumOff val="60000"/>
-                  </a:schemeClr>
+                  <a:schemeClr val="tx1"/>
                 </a:solidFill>
               </a:rPr>
               <a:t>등을 통해 배포함으로써 많은 타</a:t>
@@ -8122,10 +7906,7 @@
             <a:r>
               <a:rPr lang="en-US" altLang="ko-KR" dirty="0">
                 <a:solidFill>
-                  <a:schemeClr val="accent4">
-                    <a:lumMod val="40000"/>
-                    <a:lumOff val="60000"/>
-                  </a:schemeClr>
+                  <a:schemeClr val="tx1"/>
                 </a:solidFill>
               </a:rPr>
               <a:t> </a:t>
@@ -8133,10 +7914,7 @@
             <a:r>
               <a:rPr lang="ko-KR" altLang="en-US" dirty="0">
                 <a:solidFill>
-                  <a:schemeClr val="accent4">
-                    <a:lumMod val="40000"/>
-                    <a:lumOff val="60000"/>
-                  </a:schemeClr>
+                  <a:schemeClr val="tx1"/>
                 </a:solidFill>
               </a:rPr>
               <a:t>사용자들의 열람을 유도하기</a:t>
@@ -8231,10 +8009,7 @@
             <a:r>
               <a:rPr lang="en-US" altLang="ko-KR" dirty="0">
                 <a:solidFill>
-                  <a:schemeClr val="accent4">
-                    <a:lumMod val="40000"/>
-                    <a:lumOff val="60000"/>
-                  </a:schemeClr>
+                  <a:schemeClr val="tx1"/>
                 </a:solidFill>
               </a:rPr>
               <a:t>Jenkins </a:t>
@@ -8242,10 +8017,7 @@
             <a:r>
               <a:rPr lang="ko-KR" altLang="en-US" dirty="0">
                 <a:solidFill>
-                  <a:schemeClr val="accent4">
-                    <a:lumMod val="40000"/>
-                    <a:lumOff val="60000"/>
-                  </a:schemeClr>
+                  <a:schemeClr val="tx1"/>
                 </a:solidFill>
               </a:rPr>
               <a:t>서버를 구축하여 </a:t>
@@ -8253,10 +8025,7 @@
             <a:r>
               <a:rPr lang="en-US" altLang="ko-KR" dirty="0">
                 <a:solidFill>
-                  <a:schemeClr val="accent4">
-                    <a:lumMod val="40000"/>
-                    <a:lumOff val="60000"/>
-                  </a:schemeClr>
+                  <a:schemeClr val="tx1"/>
                 </a:solidFill>
               </a:rPr>
               <a:t>Python</a:t>
@@ -8264,10 +8033,7 @@
             <a:r>
               <a:rPr lang="ko-KR" altLang="en-US" dirty="0">
                 <a:solidFill>
-                  <a:schemeClr val="accent4">
-                    <a:lumMod val="40000"/>
-                    <a:lumOff val="60000"/>
-                  </a:schemeClr>
+                  <a:schemeClr val="tx1"/>
                 </a:solidFill>
               </a:rPr>
               <a:t> 기반 </a:t>
@@ -8275,10 +8041,7 @@
             <a:r>
               <a:rPr lang="en-US" altLang="ko-KR" dirty="0">
                 <a:solidFill>
-                  <a:schemeClr val="accent4">
-                    <a:lumMod val="40000"/>
-                    <a:lumOff val="60000"/>
-                  </a:schemeClr>
+                  <a:schemeClr val="tx1"/>
                 </a:solidFill>
               </a:rPr>
               <a:t>flask CI/CD </a:t>
@@ -8286,30 +8049,21 @@
             <a:r>
               <a:rPr lang="ko-KR" altLang="en-US" dirty="0">
                 <a:solidFill>
-                  <a:schemeClr val="accent4">
-                    <a:lumMod val="40000"/>
-                    <a:lumOff val="60000"/>
-                  </a:schemeClr>
+                  <a:schemeClr val="tx1"/>
                 </a:solidFill>
               </a:rPr>
               <a:t>파이프라인 서비스 구성</a:t>
             </a:r>
             <a:endParaRPr lang="en-US" altLang="ko-KR" dirty="0">
               <a:solidFill>
-                <a:schemeClr val="accent4">
-                  <a:lumMod val="40000"/>
-                  <a:lumOff val="60000"/>
-                </a:schemeClr>
+                <a:schemeClr val="tx1"/>
               </a:solidFill>
             </a:endParaRPr>
           </a:p>
           <a:p>
             <a:endParaRPr lang="en-US" altLang="ko-KR" dirty="0">
               <a:solidFill>
-                <a:schemeClr val="accent4">
-                  <a:lumMod val="40000"/>
-                  <a:lumOff val="60000"/>
-                </a:schemeClr>
+                <a:schemeClr val="tx1"/>
               </a:solidFill>
             </a:endParaRPr>
           </a:p>
@@ -8317,10 +8071,7 @@
             <a:r>
               <a:rPr lang="en-US" altLang="ko-KR" dirty="0">
                 <a:solidFill>
-                  <a:schemeClr val="accent4">
-                    <a:lumMod val="40000"/>
-                    <a:lumOff val="60000"/>
-                  </a:schemeClr>
+                  <a:schemeClr val="tx1"/>
                 </a:solidFill>
               </a:rPr>
               <a:t>NFS</a:t>
@@ -8328,10 +8079,7 @@
             <a:r>
               <a:rPr lang="ko-KR" altLang="en-US" dirty="0">
                 <a:solidFill>
-                  <a:schemeClr val="accent4">
-                    <a:lumMod val="40000"/>
-                    <a:lumOff val="60000"/>
-                  </a:schemeClr>
+                  <a:schemeClr val="tx1"/>
                 </a:solidFill>
               </a:rPr>
               <a:t>를 </a:t>
@@ -8339,10 +8087,7 @@
             <a:r>
               <a:rPr lang="en-US" altLang="ko-KR" dirty="0">
                 <a:solidFill>
-                  <a:schemeClr val="accent4">
-                    <a:lumMod val="40000"/>
-                    <a:lumOff val="60000"/>
-                  </a:schemeClr>
+                  <a:schemeClr val="tx1"/>
                 </a:solidFill>
               </a:rPr>
               <a:t>Jenkins </a:t>
@@ -8350,10 +8095,7 @@
             <a:r>
               <a:rPr lang="ko-KR" altLang="en-US" dirty="0">
                 <a:solidFill>
-                  <a:schemeClr val="accent4">
-                    <a:lumMod val="40000"/>
-                    <a:lumOff val="60000"/>
-                  </a:schemeClr>
+                  <a:schemeClr val="tx1"/>
                 </a:solidFill>
               </a:rPr>
               <a:t>서버와 연결하여 유사시 파일 공유를 수행</a:t>
@@ -8361,10 +8103,7 @@
             <a:r>
               <a:rPr lang="en-US" altLang="ko-KR" dirty="0">
                 <a:solidFill>
-                  <a:schemeClr val="accent4">
-                    <a:lumMod val="40000"/>
-                    <a:lumOff val="60000"/>
-                  </a:schemeClr>
+                  <a:schemeClr val="tx1"/>
                 </a:solidFill>
               </a:rPr>
               <a:t>.</a:t>
@@ -8373,10 +8112,7 @@
           <a:p>
             <a:endParaRPr lang="en-US" altLang="ko-KR" dirty="0">
               <a:solidFill>
-                <a:schemeClr val="accent4">
-                  <a:lumMod val="40000"/>
-                  <a:lumOff val="60000"/>
-                </a:schemeClr>
+                <a:schemeClr val="tx1"/>
               </a:solidFill>
             </a:endParaRPr>
           </a:p>
@@ -8384,10 +8120,7 @@
             <a:r>
               <a:rPr lang="en-US" altLang="ko-KR" dirty="0">
                 <a:solidFill>
-                  <a:schemeClr val="accent4">
-                    <a:lumMod val="40000"/>
-                    <a:lumOff val="60000"/>
-                  </a:schemeClr>
+                  <a:schemeClr val="tx1"/>
                 </a:solidFill>
               </a:rPr>
               <a:t>Docker </a:t>
@@ -8395,10 +8128,7 @@
             <a:r>
               <a:rPr lang="ko-KR" altLang="en-US" dirty="0">
                 <a:solidFill>
-                  <a:schemeClr val="accent4">
-                    <a:lumMod val="40000"/>
-                    <a:lumOff val="60000"/>
-                  </a:schemeClr>
+                  <a:schemeClr val="tx1"/>
                 </a:solidFill>
               </a:rPr>
               <a:t>서버 활용을 병행하여 고급 </a:t>
@@ -8406,10 +8136,7 @@
             <a:r>
               <a:rPr lang="en-US" altLang="ko-KR" dirty="0">
                 <a:solidFill>
-                  <a:schemeClr val="accent4">
-                    <a:lumMod val="40000"/>
-                    <a:lumOff val="60000"/>
-                  </a:schemeClr>
+                  <a:schemeClr val="tx1"/>
                 </a:solidFill>
               </a:rPr>
               <a:t>CI/CD </a:t>
@@ -8417,10 +8144,7 @@
             <a:r>
               <a:rPr lang="ko-KR" altLang="en-US" dirty="0">
                 <a:solidFill>
-                  <a:schemeClr val="accent4">
-                    <a:lumMod val="40000"/>
-                    <a:lumOff val="60000"/>
-                  </a:schemeClr>
+                  <a:schemeClr val="tx1"/>
                 </a:solidFill>
               </a:rPr>
               <a:t>파이프라인 구축하기</a:t>
@@ -8428,20 +8152,14 @@
             <a:r>
               <a:rPr lang="en-US" altLang="ko-KR" dirty="0">
                 <a:solidFill>
-                  <a:schemeClr val="accent4">
-                    <a:lumMod val="40000"/>
-                    <a:lumOff val="60000"/>
-                  </a:schemeClr>
+                  <a:schemeClr val="tx1"/>
                 </a:solidFill>
               </a:rPr>
               <a:t>.</a:t>
             </a:r>
             <a:endParaRPr lang="ko-KR" altLang="en-US" dirty="0">
               <a:solidFill>
-                <a:schemeClr val="accent4">
-                  <a:lumMod val="40000"/>
-                  <a:lumOff val="60000"/>
-                </a:schemeClr>
+                <a:schemeClr val="tx1"/>
               </a:solidFill>
             </a:endParaRPr>
           </a:p>

--- a/제출자료/최종 발표 프레젠테이션(김정훈).pptx
+++ b/제출자료/최종 발표 프레젠테이션(김정훈).pptx
@@ -5,7 +5,7 @@
     <p:sldMasterId id="2147483660" r:id="rId1"/>
   </p:sldMasterIdLst>
   <p:notesMasterIdLst>
-    <p:notesMasterId r:id="rId10"/>
+    <p:notesMasterId r:id="rId12"/>
   </p:notesMasterIdLst>
   <p:sldIdLst>
     <p:sldId id="256" r:id="rId2"/>
@@ -14,22 +14,24 @@
     <p:sldId id="259" r:id="rId5"/>
     <p:sldId id="260" r:id="rId6"/>
     <p:sldId id="261" r:id="rId7"/>
-    <p:sldId id="262" r:id="rId8"/>
-    <p:sldId id="264" r:id="rId9"/>
+    <p:sldId id="265" r:id="rId8"/>
+    <p:sldId id="266" r:id="rId9"/>
+    <p:sldId id="262" r:id="rId10"/>
+    <p:sldId id="264" r:id="rId11"/>
   </p:sldIdLst>
   <p:sldSz cx="9144000" cy="5143500" type="screen16x9"/>
   <p:notesSz cx="6858000" cy="9144000"/>
   <p:embeddedFontLst>
     <p:embeddedFont>
       <p:font typeface="Century Gothic" panose="020B0502020202020204" pitchFamily="34" charset="0"/>
-      <p:regular r:id="rId11"/>
-      <p:bold r:id="rId12"/>
-      <p:italic r:id="rId13"/>
-      <p:boldItalic r:id="rId14"/>
+      <p:regular r:id="rId13"/>
+      <p:bold r:id="rId14"/>
+      <p:italic r:id="rId15"/>
+      <p:boldItalic r:id="rId16"/>
     </p:embeddedFont>
     <p:embeddedFont>
       <p:font typeface="Wingdings 3" panose="05040102010807070707" pitchFamily="18" charset="2"/>
-      <p:regular r:id="rId15"/>
+      <p:regular r:id="rId17"/>
     </p:embeddedFont>
   </p:embeddedFontLst>
   <p:defaultTextStyle>
@@ -6801,6 +6803,109 @@
 </p:sld>
 </file>
 
+<file path=ppt/slides/slide10.xml><?xml version="1.0" encoding="utf-8"?>
+<p:sld xmlns:a="http://schemas.openxmlformats.org/drawingml/2006/main" xmlns:r="http://schemas.openxmlformats.org/officeDocument/2006/relationships" xmlns:p="http://schemas.openxmlformats.org/presentationml/2006/main">
+  <p:cSld>
+    <p:spTree>
+      <p:nvGrpSpPr>
+        <p:cNvPr id="1" name=""/>
+        <p:cNvGrpSpPr/>
+        <p:nvPr/>
+      </p:nvGrpSpPr>
+      <p:grpSpPr>
+        <a:xfrm>
+          <a:off x="0" y="0"/>
+          <a:ext cx="0" cy="0"/>
+          <a:chOff x="0" y="0"/>
+          <a:chExt cx="0" cy="0"/>
+        </a:xfrm>
+      </p:grpSpPr>
+      <p:sp>
+        <p:nvSpPr>
+          <p:cNvPr id="2" name="제목 1">
+            <a:extLst>
+              <a:ext uri="{FF2B5EF4-FFF2-40B4-BE49-F238E27FC236}">
+                <a16:creationId xmlns:a16="http://schemas.microsoft.com/office/drawing/2014/main" id="{4073F668-8095-7F5E-5207-4567B3C5D08D}"/>
+              </a:ext>
+            </a:extLst>
+          </p:cNvPr>
+          <p:cNvSpPr>
+            <a:spLocks noGrp="1"/>
+          </p:cNvSpPr>
+          <p:nvPr>
+            <p:ph type="title"/>
+          </p:nvPr>
+        </p:nvSpPr>
+        <p:spPr>
+          <a:xfrm>
+            <a:off x="921900" y="2536752"/>
+            <a:ext cx="8222100" cy="767700"/>
+          </a:xfrm>
+        </p:spPr>
+        <p:txBody>
+          <a:bodyPr/>
+          <a:lstStyle/>
+          <a:p>
+            <a:br>
+              <a:rPr lang="en-US" altLang="ko-KR" dirty="0"/>
+            </a:br>
+            <a:br>
+              <a:rPr lang="en-US" altLang="ko-KR" dirty="0"/>
+            </a:br>
+            <a:br>
+              <a:rPr lang="en-US" altLang="ko-KR" dirty="0"/>
+            </a:br>
+            <a:br>
+              <a:rPr lang="en-US" altLang="ko-KR" dirty="0"/>
+            </a:br>
+            <a:br>
+              <a:rPr lang="en-US" altLang="ko-KR" dirty="0"/>
+            </a:br>
+            <a:br>
+              <a:rPr lang="en-US" altLang="ko-KR" dirty="0"/>
+            </a:br>
+            <a:br>
+              <a:rPr lang="en-US" altLang="ko-KR" dirty="0"/>
+            </a:br>
+            <a:br>
+              <a:rPr lang="en-US" altLang="ko-KR" dirty="0"/>
+            </a:br>
+            <a:r>
+              <a:rPr lang="en-US" altLang="ko-KR" dirty="0"/>
+              <a:t>Sonar X Jenkins </a:t>
+            </a:r>
+            <a:r>
+              <a:rPr lang="ko-KR" altLang="en-US" dirty="0"/>
+              <a:t>프로젝트 </a:t>
+            </a:r>
+            <a:br>
+              <a:rPr lang="en-US" altLang="ko-KR" dirty="0"/>
+            </a:br>
+            <a:r>
+              <a:rPr lang="ko-KR" altLang="en-US" dirty="0"/>
+              <a:t>발표를 마치겠습니다</a:t>
+            </a:r>
+            <a:r>
+              <a:rPr lang="en-US" altLang="ko-KR" dirty="0"/>
+              <a:t>.</a:t>
+            </a:r>
+            <a:endParaRPr lang="ko-KR" altLang="en-US" dirty="0"/>
+          </a:p>
+        </p:txBody>
+      </p:sp>
+    </p:spTree>
+    <p:extLst>
+      <p:ext uri="{BB962C8B-B14F-4D97-AF65-F5344CB8AC3E}">
+        <p14:creationId xmlns:p14="http://schemas.microsoft.com/office/powerpoint/2010/main" val="1744755321"/>
+      </p:ext>
+    </p:extLst>
+  </p:cSld>
+  <p:clrMapOvr>
+    <a:masterClrMapping/>
+  </p:clrMapOvr>
+</p:sld>
+</file>
+
 <file path=ppt/slides/slide2.xml><?xml version="1.0" encoding="utf-8"?>
 <p:sld xmlns:a="http://schemas.openxmlformats.org/drawingml/2006/main" xmlns:r="http://schemas.openxmlformats.org/officeDocument/2006/relationships" xmlns:p="http://schemas.openxmlformats.org/presentationml/2006/main">
   <p:cSld>
@@ -8313,7 +8418,7 @@
           <p:cNvPr id="2" name="제목 1">
             <a:extLst>
               <a:ext uri="{FF2B5EF4-FFF2-40B4-BE49-F238E27FC236}">
-                <a16:creationId xmlns:a16="http://schemas.microsoft.com/office/drawing/2014/main" id="{4689DFAA-FA40-3F7E-FE04-84C1489C647D}"/>
+                <a16:creationId xmlns:a16="http://schemas.microsoft.com/office/drawing/2014/main" id="{48EA5622-D5B3-8915-67BB-8E2DDF3947A3}"/>
               </a:ext>
             </a:extLst>
           </p:cNvPr>
@@ -8329,10 +8434,7 @@
           <a:bodyPr/>
           <a:lstStyle/>
           <a:p>
-            <a:r>
-              <a:rPr lang="ko-KR" altLang="en-US" dirty="0"/>
-              <a:t>보완점</a:t>
-            </a:r>
+            <a:endParaRPr lang="ko-KR" altLang="en-US"/>
           </a:p>
         </p:txBody>
       </p:sp>
@@ -8341,7 +8443,7 @@
           <p:cNvPr id="3" name="텍스트 개체 틀 2">
             <a:extLst>
               <a:ext uri="{FF2B5EF4-FFF2-40B4-BE49-F238E27FC236}">
-                <a16:creationId xmlns:a16="http://schemas.microsoft.com/office/drawing/2014/main" id="{A3FBF26A-E50E-05FF-7801-D1216EA756DE}"/>
+                <a16:creationId xmlns:a16="http://schemas.microsoft.com/office/drawing/2014/main" id="{F729CA9C-DBC8-D1D7-3A7C-FC3BFEEC5E91}"/>
               </a:ext>
             </a:extLst>
           </p:cNvPr>
@@ -8364,7 +8466,7 @@
     </p:spTree>
     <p:extLst>
       <p:ext uri="{BB962C8B-B14F-4D97-AF65-F5344CB8AC3E}">
-        <p14:creationId xmlns:p14="http://schemas.microsoft.com/office/powerpoint/2010/main" val="4070003616"/>
+        <p14:creationId xmlns:p14="http://schemas.microsoft.com/office/powerpoint/2010/main" val="892853445"/>
       </p:ext>
     </p:extLst>
   </p:cSld>
@@ -8396,7 +8498,7 @@
           <p:cNvPr id="2" name="제목 1">
             <a:extLst>
               <a:ext uri="{FF2B5EF4-FFF2-40B4-BE49-F238E27FC236}">
-                <a16:creationId xmlns:a16="http://schemas.microsoft.com/office/drawing/2014/main" id="{4073F668-8095-7F5E-5207-4567B3C5D08D}"/>
+                <a16:creationId xmlns:a16="http://schemas.microsoft.com/office/drawing/2014/main" id="{0C81F427-66E0-C113-A952-CA2C169C7E13}"/>
               </a:ext>
             </a:extLst>
           </p:cNvPr>
@@ -8407,43 +8509,127 @@
             <p:ph type="title"/>
           </p:nvPr>
         </p:nvSpPr>
-        <p:spPr>
-          <a:xfrm>
-            <a:off x="921900" y="1881725"/>
-            <a:ext cx="8222100" cy="767700"/>
-          </a:xfrm>
-        </p:spPr>
+        <p:spPr/>
         <p:txBody>
           <a:bodyPr/>
           <a:lstStyle/>
           <a:p>
-            <a:r>
-              <a:rPr lang="en-US" altLang="ko-KR" dirty="0"/>
-              <a:t>Sonar X Jenkins </a:t>
-            </a:r>
-            <a:r>
-              <a:rPr lang="ko-KR" altLang="en-US" dirty="0"/>
-              <a:t>프로젝트 </a:t>
-            </a:r>
-            <a:br>
-              <a:rPr lang="en-US" altLang="ko-KR" dirty="0"/>
-            </a:br>
-            <a:r>
-              <a:rPr lang="ko-KR" altLang="en-US" dirty="0"/>
-              <a:t>발표를 마치겠습니다</a:t>
-            </a:r>
-            <a:r>
-              <a:rPr lang="en-US" altLang="ko-KR" dirty="0"/>
-              <a:t>.</a:t>
-            </a:r>
-            <a:endParaRPr lang="ko-KR" altLang="en-US" dirty="0"/>
+            <a:endParaRPr lang="ko-KR" altLang="en-US"/>
+          </a:p>
+        </p:txBody>
+      </p:sp>
+      <p:sp>
+        <p:nvSpPr>
+          <p:cNvPr id="3" name="텍스트 개체 틀 2">
+            <a:extLst>
+              <a:ext uri="{FF2B5EF4-FFF2-40B4-BE49-F238E27FC236}">
+                <a16:creationId xmlns:a16="http://schemas.microsoft.com/office/drawing/2014/main" id="{CD7D8745-B44C-D064-5238-9DD0E220BB87}"/>
+              </a:ext>
+            </a:extLst>
+          </p:cNvPr>
+          <p:cNvSpPr>
+            <a:spLocks noGrp="1"/>
+          </p:cNvSpPr>
+          <p:nvPr>
+            <p:ph type="body" idx="1"/>
+          </p:nvPr>
+        </p:nvSpPr>
+        <p:spPr/>
+        <p:txBody>
+          <a:bodyPr/>
+          <a:lstStyle/>
+          <a:p>
+            <a:endParaRPr lang="ko-KR" altLang="en-US"/>
           </a:p>
         </p:txBody>
       </p:sp>
     </p:spTree>
     <p:extLst>
       <p:ext uri="{BB962C8B-B14F-4D97-AF65-F5344CB8AC3E}">
-        <p14:creationId xmlns:p14="http://schemas.microsoft.com/office/powerpoint/2010/main" val="1744755321"/>
+        <p14:creationId xmlns:p14="http://schemas.microsoft.com/office/powerpoint/2010/main" val="1022108122"/>
+      </p:ext>
+    </p:extLst>
+  </p:cSld>
+  <p:clrMapOvr>
+    <a:masterClrMapping/>
+  </p:clrMapOvr>
+</p:sld>
+</file>
+
+<file path=ppt/slides/slide9.xml><?xml version="1.0" encoding="utf-8"?>
+<p:sld xmlns:a="http://schemas.openxmlformats.org/drawingml/2006/main" xmlns:r="http://schemas.openxmlformats.org/officeDocument/2006/relationships" xmlns:p="http://schemas.openxmlformats.org/presentationml/2006/main">
+  <p:cSld>
+    <p:spTree>
+      <p:nvGrpSpPr>
+        <p:cNvPr id="1" name=""/>
+        <p:cNvGrpSpPr/>
+        <p:nvPr/>
+      </p:nvGrpSpPr>
+      <p:grpSpPr>
+        <a:xfrm>
+          <a:off x="0" y="0"/>
+          <a:ext cx="0" cy="0"/>
+          <a:chOff x="0" y="0"/>
+          <a:chExt cx="0" cy="0"/>
+        </a:xfrm>
+      </p:grpSpPr>
+      <p:sp>
+        <p:nvSpPr>
+          <p:cNvPr id="2" name="제목 1">
+            <a:extLst>
+              <a:ext uri="{FF2B5EF4-FFF2-40B4-BE49-F238E27FC236}">
+                <a16:creationId xmlns:a16="http://schemas.microsoft.com/office/drawing/2014/main" id="{4689DFAA-FA40-3F7E-FE04-84C1489C647D}"/>
+              </a:ext>
+            </a:extLst>
+          </p:cNvPr>
+          <p:cNvSpPr>
+            <a:spLocks noGrp="1"/>
+          </p:cNvSpPr>
+          <p:nvPr>
+            <p:ph type="title"/>
+          </p:nvPr>
+        </p:nvSpPr>
+        <p:spPr/>
+        <p:txBody>
+          <a:bodyPr/>
+          <a:lstStyle/>
+          <a:p>
+            <a:r>
+              <a:rPr lang="ko-KR" altLang="en-US" dirty="0"/>
+              <a:t>보완점</a:t>
+            </a:r>
+          </a:p>
+        </p:txBody>
+      </p:sp>
+      <p:sp>
+        <p:nvSpPr>
+          <p:cNvPr id="3" name="텍스트 개체 틀 2">
+            <a:extLst>
+              <a:ext uri="{FF2B5EF4-FFF2-40B4-BE49-F238E27FC236}">
+                <a16:creationId xmlns:a16="http://schemas.microsoft.com/office/drawing/2014/main" id="{A3FBF26A-E50E-05FF-7801-D1216EA756DE}"/>
+              </a:ext>
+            </a:extLst>
+          </p:cNvPr>
+          <p:cNvSpPr>
+            <a:spLocks noGrp="1"/>
+          </p:cNvSpPr>
+          <p:nvPr>
+            <p:ph type="body" idx="1"/>
+          </p:nvPr>
+        </p:nvSpPr>
+        <p:spPr/>
+        <p:txBody>
+          <a:bodyPr/>
+          <a:lstStyle/>
+          <a:p>
+            <a:endParaRPr lang="ko-KR" altLang="en-US"/>
+          </a:p>
+        </p:txBody>
+      </p:sp>
+    </p:spTree>
+    <p:extLst>
+      <p:ext uri="{BB962C8B-B14F-4D97-AF65-F5344CB8AC3E}">
+        <p14:creationId xmlns:p14="http://schemas.microsoft.com/office/powerpoint/2010/main" val="4070003616"/>
       </p:ext>
     </p:extLst>
   </p:cSld>

--- a/제출자료/최종 발표 프레젠테이션(김정훈).pptx
+++ b/제출자료/최종 발표 프레젠테이션(김정훈).pptx
@@ -5,33 +5,34 @@
     <p:sldMasterId id="2147483660" r:id="rId1"/>
   </p:sldMasterIdLst>
   <p:notesMasterIdLst>
-    <p:notesMasterId r:id="rId12"/>
+    <p:notesMasterId r:id="rId13"/>
   </p:notesMasterIdLst>
   <p:sldIdLst>
     <p:sldId id="256" r:id="rId2"/>
     <p:sldId id="257" r:id="rId3"/>
     <p:sldId id="258" r:id="rId4"/>
     <p:sldId id="259" r:id="rId5"/>
-    <p:sldId id="260" r:id="rId6"/>
-    <p:sldId id="261" r:id="rId7"/>
-    <p:sldId id="265" r:id="rId8"/>
-    <p:sldId id="266" r:id="rId9"/>
-    <p:sldId id="262" r:id="rId10"/>
-    <p:sldId id="264" r:id="rId11"/>
+    <p:sldId id="267" r:id="rId6"/>
+    <p:sldId id="260" r:id="rId7"/>
+    <p:sldId id="261" r:id="rId8"/>
+    <p:sldId id="265" r:id="rId9"/>
+    <p:sldId id="266" r:id="rId10"/>
+    <p:sldId id="262" r:id="rId11"/>
+    <p:sldId id="264" r:id="rId12"/>
   </p:sldIdLst>
   <p:sldSz cx="9144000" cy="5143500" type="screen16x9"/>
   <p:notesSz cx="6858000" cy="9144000"/>
   <p:embeddedFontLst>
     <p:embeddedFont>
       <p:font typeface="Century Gothic" panose="020B0502020202020204" pitchFamily="34" charset="0"/>
-      <p:regular r:id="rId13"/>
-      <p:bold r:id="rId14"/>
-      <p:italic r:id="rId15"/>
-      <p:boldItalic r:id="rId16"/>
+      <p:regular r:id="rId14"/>
+      <p:bold r:id="rId15"/>
+      <p:italic r:id="rId16"/>
+      <p:boldItalic r:id="rId17"/>
     </p:embeddedFont>
     <p:embeddedFont>
       <p:font typeface="Wingdings 3" panose="05040102010807070707" pitchFamily="18" charset="2"/>
-      <p:regular r:id="rId17"/>
+      <p:regular r:id="rId18"/>
     </p:embeddedFont>
   </p:embeddedFontLst>
   <p:defaultTextStyle>
@@ -989,7 +990,7 @@
             <a:fld id="{B61BEF0D-F0BB-DE4B-95CE-6DB70DBA9567}" type="datetimeFigureOut">
               <a:rPr lang="en-US" dirty="0"/>
               <a:pPr/>
-              <a:t>8/20/2023</a:t>
+              <a:t>8/21/2023</a:t>
             </a:fld>
             <a:endParaRPr lang="en-US" dirty="0"/>
           </a:p>
@@ -1436,7 +1437,7 @@
             <a:fld id="{B61BEF0D-F0BB-DE4B-95CE-6DB70DBA9567}" type="datetimeFigureOut">
               <a:rPr lang="en-US" dirty="0"/>
               <a:pPr/>
-              <a:t>8/20/2023</a:t>
+              <a:t>8/21/2023</a:t>
             </a:fld>
             <a:endParaRPr lang="en-US" dirty="0"/>
           </a:p>
@@ -1697,7 +1698,7 @@
             <a:fld id="{B61BEF0D-F0BB-DE4B-95CE-6DB70DBA9567}" type="datetimeFigureOut">
               <a:rPr lang="en-US" dirty="0"/>
               <a:pPr/>
-              <a:t>8/20/2023</a:t>
+              <a:t>8/21/2023</a:t>
             </a:fld>
             <a:endParaRPr lang="en-US" dirty="0"/>
           </a:p>
@@ -2016,7 +2017,7 @@
             <a:fld id="{B61BEF0D-F0BB-DE4B-95CE-6DB70DBA9567}" type="datetimeFigureOut">
               <a:rPr lang="en-US" dirty="0"/>
               <a:pPr/>
-              <a:t>8/20/2023</a:t>
+              <a:t>8/21/2023</a:t>
             </a:fld>
             <a:endParaRPr lang="en-US" dirty="0"/>
           </a:p>
@@ -2345,7 +2346,7 @@
             <a:fld id="{B61BEF0D-F0BB-DE4B-95CE-6DB70DBA9567}" type="datetimeFigureOut">
               <a:rPr lang="en-US" dirty="0"/>
               <a:pPr/>
-              <a:t>8/20/2023</a:t>
+              <a:t>8/21/2023</a:t>
             </a:fld>
             <a:endParaRPr lang="en-US" dirty="0"/>
           </a:p>
@@ -2658,7 +2659,7 @@
             <a:fld id="{B61BEF0D-F0BB-DE4B-95CE-6DB70DBA9567}" type="datetimeFigureOut">
               <a:rPr lang="en-US" dirty="0"/>
               <a:pPr/>
-              <a:t>8/20/2023</a:t>
+              <a:t>8/21/2023</a:t>
             </a:fld>
             <a:endParaRPr lang="en-US" dirty="0"/>
           </a:p>
@@ -3036,7 +3037,7 @@
             <a:fld id="{B61BEF0D-F0BB-DE4B-95CE-6DB70DBA9567}" type="datetimeFigureOut">
               <a:rPr lang="en-US" dirty="0"/>
               <a:pPr/>
-              <a:t>8/20/2023</a:t>
+              <a:t>8/21/2023</a:t>
             </a:fld>
             <a:endParaRPr lang="en-US" dirty="0"/>
           </a:p>
@@ -3221,7 +3222,7 @@
             <a:fld id="{B61BEF0D-F0BB-DE4B-95CE-6DB70DBA9567}" type="datetimeFigureOut">
               <a:rPr lang="en-US" dirty="0"/>
               <a:pPr/>
-              <a:t>8/20/2023</a:t>
+              <a:t>8/21/2023</a:t>
             </a:fld>
             <a:endParaRPr lang="en-US" dirty="0"/>
           </a:p>
@@ -3412,7 +3413,7 @@
             <a:fld id="{B61BEF0D-F0BB-DE4B-95CE-6DB70DBA9567}" type="datetimeFigureOut">
               <a:rPr lang="en-US" dirty="0"/>
               <a:pPr/>
-              <a:t>8/20/2023</a:t>
+              <a:t>8/21/2023</a:t>
             </a:fld>
             <a:endParaRPr lang="en-US" dirty="0"/>
           </a:p>
@@ -3960,7 +3961,7 @@
             <a:fld id="{B61BEF0D-F0BB-DE4B-95CE-6DB70DBA9567}" type="datetimeFigureOut">
               <a:rPr lang="en-US" dirty="0"/>
               <a:pPr/>
-              <a:t>8/20/2023</a:t>
+              <a:t>8/21/2023</a:t>
             </a:fld>
             <a:endParaRPr lang="en-US" dirty="0"/>
           </a:p>
@@ -4221,7 +4222,7 @@
             <a:fld id="{B61BEF0D-F0BB-DE4B-95CE-6DB70DBA9567}" type="datetimeFigureOut">
               <a:rPr lang="en-US" dirty="0"/>
               <a:pPr/>
-              <a:t>8/20/2023</a:t>
+              <a:t>8/21/2023</a:t>
             </a:fld>
             <a:endParaRPr lang="en-US" dirty="0"/>
           </a:p>
@@ -4468,7 +4469,7 @@
             <a:fld id="{B61BEF0D-F0BB-DE4B-95CE-6DB70DBA9567}" type="datetimeFigureOut">
               <a:rPr lang="en-US" dirty="0"/>
               <a:pPr/>
-              <a:t>8/20/2023</a:t>
+              <a:t>8/21/2023</a:t>
             </a:fld>
             <a:endParaRPr lang="en-US" dirty="0"/>
           </a:p>
@@ -4861,7 +4862,7 @@
             <a:fld id="{B61BEF0D-F0BB-DE4B-95CE-6DB70DBA9567}" type="datetimeFigureOut">
               <a:rPr lang="en-US" dirty="0"/>
               <a:pPr/>
-              <a:t>8/20/2023</a:t>
+              <a:t>8/21/2023</a:t>
             </a:fld>
             <a:endParaRPr lang="en-US" dirty="0"/>
           </a:p>
@@ -4990,7 +4991,7 @@
             <a:fld id="{B61BEF0D-F0BB-DE4B-95CE-6DB70DBA9567}" type="datetimeFigureOut">
               <a:rPr lang="en-US" dirty="0"/>
               <a:pPr/>
-              <a:t>8/20/2023</a:t>
+              <a:t>8/21/2023</a:t>
             </a:fld>
             <a:endParaRPr lang="en-US" dirty="0"/>
           </a:p>
@@ -5096,7 +5097,7 @@
             <a:fld id="{B61BEF0D-F0BB-DE4B-95CE-6DB70DBA9567}" type="datetimeFigureOut">
               <a:rPr lang="en-US" dirty="0"/>
               <a:pPr/>
-              <a:t>8/20/2023</a:t>
+              <a:t>8/21/2023</a:t>
             </a:fld>
             <a:endParaRPr lang="en-US" dirty="0"/>
           </a:p>
@@ -5362,7 +5363,7 @@
             <a:fld id="{B61BEF0D-F0BB-DE4B-95CE-6DB70DBA9567}" type="datetimeFigureOut">
               <a:rPr lang="en-US" dirty="0"/>
               <a:pPr/>
-              <a:t>8/20/2023</a:t>
+              <a:t>8/21/2023</a:t>
             </a:fld>
             <a:endParaRPr lang="en-US" dirty="0"/>
           </a:p>
@@ -5656,7 +5657,7 @@
             <a:fld id="{B61BEF0D-F0BB-DE4B-95CE-6DB70DBA9567}" type="datetimeFigureOut">
               <a:rPr lang="en-US" dirty="0"/>
               <a:pPr/>
-              <a:t>8/20/2023</a:t>
+              <a:t>8/21/2023</a:t>
             </a:fld>
             <a:endParaRPr lang="en-US" dirty="0"/>
           </a:p>
@@ -6073,7 +6074,7 @@
             <a:fld id="{B61BEF0D-F0BB-DE4B-95CE-6DB70DBA9567}" type="datetimeFigureOut">
               <a:rPr lang="en-US" dirty="0"/>
               <a:pPr/>
-              <a:t>8/20/2023</a:t>
+              <a:t>8/21/2023</a:t>
             </a:fld>
             <a:endParaRPr lang="en-US" dirty="0"/>
           </a:p>
@@ -6825,6 +6826,89 @@
           <p:cNvPr id="2" name="제목 1">
             <a:extLst>
               <a:ext uri="{FF2B5EF4-FFF2-40B4-BE49-F238E27FC236}">
+                <a16:creationId xmlns:a16="http://schemas.microsoft.com/office/drawing/2014/main" id="{4689DFAA-FA40-3F7E-FE04-84C1489C647D}"/>
+              </a:ext>
+            </a:extLst>
+          </p:cNvPr>
+          <p:cNvSpPr>
+            <a:spLocks noGrp="1"/>
+          </p:cNvSpPr>
+          <p:nvPr>
+            <p:ph type="title"/>
+          </p:nvPr>
+        </p:nvSpPr>
+        <p:spPr/>
+        <p:txBody>
+          <a:bodyPr/>
+          <a:lstStyle/>
+          <a:p>
+            <a:r>
+              <a:rPr lang="ko-KR" altLang="en-US" dirty="0"/>
+              <a:t>보완점</a:t>
+            </a:r>
+          </a:p>
+        </p:txBody>
+      </p:sp>
+      <p:sp>
+        <p:nvSpPr>
+          <p:cNvPr id="3" name="텍스트 개체 틀 2">
+            <a:extLst>
+              <a:ext uri="{FF2B5EF4-FFF2-40B4-BE49-F238E27FC236}">
+                <a16:creationId xmlns:a16="http://schemas.microsoft.com/office/drawing/2014/main" id="{A3FBF26A-E50E-05FF-7801-D1216EA756DE}"/>
+              </a:ext>
+            </a:extLst>
+          </p:cNvPr>
+          <p:cNvSpPr>
+            <a:spLocks noGrp="1"/>
+          </p:cNvSpPr>
+          <p:nvPr>
+            <p:ph type="body" idx="1"/>
+          </p:nvPr>
+        </p:nvSpPr>
+        <p:spPr/>
+        <p:txBody>
+          <a:bodyPr/>
+          <a:lstStyle/>
+          <a:p>
+            <a:endParaRPr lang="ko-KR" altLang="en-US"/>
+          </a:p>
+        </p:txBody>
+      </p:sp>
+    </p:spTree>
+    <p:extLst>
+      <p:ext uri="{BB962C8B-B14F-4D97-AF65-F5344CB8AC3E}">
+        <p14:creationId xmlns:p14="http://schemas.microsoft.com/office/powerpoint/2010/main" val="4070003616"/>
+      </p:ext>
+    </p:extLst>
+  </p:cSld>
+  <p:clrMapOvr>
+    <a:masterClrMapping/>
+  </p:clrMapOvr>
+</p:sld>
+</file>
+
+<file path=ppt/slides/slide11.xml><?xml version="1.0" encoding="utf-8"?>
+<p:sld xmlns:a="http://schemas.openxmlformats.org/drawingml/2006/main" xmlns:r="http://schemas.openxmlformats.org/officeDocument/2006/relationships" xmlns:p="http://schemas.openxmlformats.org/presentationml/2006/main">
+  <p:cSld>
+    <p:spTree>
+      <p:nvGrpSpPr>
+        <p:cNvPr id="1" name=""/>
+        <p:cNvGrpSpPr/>
+        <p:nvPr/>
+      </p:nvGrpSpPr>
+      <p:grpSpPr>
+        <a:xfrm>
+          <a:off x="0" y="0"/>
+          <a:ext cx="0" cy="0"/>
+          <a:chOff x="0" y="0"/>
+          <a:chExt cx="0" cy="0"/>
+        </a:xfrm>
+      </p:grpSpPr>
+      <p:sp>
+        <p:nvSpPr>
+          <p:cNvPr id="2" name="제목 1">
+            <a:extLst>
+              <a:ext uri="{FF2B5EF4-FFF2-40B4-BE49-F238E27FC236}">
                 <a16:creationId xmlns:a16="http://schemas.microsoft.com/office/drawing/2014/main" id="{4073F668-8095-7F5E-5207-4567B3C5D08D}"/>
               </a:ext>
             </a:extLst>
@@ -8062,6 +8146,89 @@
           <p:cNvPr id="2" name="제목 1">
             <a:extLst>
               <a:ext uri="{FF2B5EF4-FFF2-40B4-BE49-F238E27FC236}">
+                <a16:creationId xmlns:a16="http://schemas.microsoft.com/office/drawing/2014/main" id="{F3F7A6CF-7C03-01EB-AD8F-9196B3CD924B}"/>
+              </a:ext>
+            </a:extLst>
+          </p:cNvPr>
+          <p:cNvSpPr>
+            <a:spLocks noGrp="1"/>
+          </p:cNvSpPr>
+          <p:nvPr>
+            <p:ph type="title"/>
+          </p:nvPr>
+        </p:nvSpPr>
+        <p:spPr/>
+        <p:txBody>
+          <a:bodyPr/>
+          <a:lstStyle/>
+          <a:p>
+            <a:r>
+              <a:rPr lang="ko-KR" altLang="en-US" dirty="0"/>
+              <a:t>프로젝트 수행</a:t>
+            </a:r>
+          </a:p>
+        </p:txBody>
+      </p:sp>
+      <p:sp>
+        <p:nvSpPr>
+          <p:cNvPr id="3" name="텍스트 개체 틀 2">
+            <a:extLst>
+              <a:ext uri="{FF2B5EF4-FFF2-40B4-BE49-F238E27FC236}">
+                <a16:creationId xmlns:a16="http://schemas.microsoft.com/office/drawing/2014/main" id="{4A9BA259-9DA4-A45F-D58C-1A39BC8ABC6F}"/>
+              </a:ext>
+            </a:extLst>
+          </p:cNvPr>
+          <p:cNvSpPr>
+            <a:spLocks noGrp="1"/>
+          </p:cNvSpPr>
+          <p:nvPr>
+            <p:ph type="body" idx="1"/>
+          </p:nvPr>
+        </p:nvSpPr>
+        <p:spPr/>
+        <p:txBody>
+          <a:bodyPr/>
+          <a:lstStyle/>
+          <a:p>
+            <a:endParaRPr lang="ko-KR" altLang="en-US"/>
+          </a:p>
+        </p:txBody>
+      </p:sp>
+    </p:spTree>
+    <p:extLst>
+      <p:ext uri="{BB962C8B-B14F-4D97-AF65-F5344CB8AC3E}">
+        <p14:creationId xmlns:p14="http://schemas.microsoft.com/office/powerpoint/2010/main" val="3476149461"/>
+      </p:ext>
+    </p:extLst>
+  </p:cSld>
+  <p:clrMapOvr>
+    <a:masterClrMapping/>
+  </p:clrMapOvr>
+</p:sld>
+</file>
+
+<file path=ppt/slides/slide6.xml><?xml version="1.0" encoding="utf-8"?>
+<p:sld xmlns:a="http://schemas.openxmlformats.org/drawingml/2006/main" xmlns:r="http://schemas.openxmlformats.org/officeDocument/2006/relationships" xmlns:p="http://schemas.openxmlformats.org/presentationml/2006/main">
+  <p:cSld>
+    <p:spTree>
+      <p:nvGrpSpPr>
+        <p:cNvPr id="1" name=""/>
+        <p:cNvGrpSpPr/>
+        <p:nvPr/>
+      </p:nvGrpSpPr>
+      <p:grpSpPr>
+        <a:xfrm>
+          <a:off x="0" y="0"/>
+          <a:ext cx="0" cy="0"/>
+          <a:chOff x="0" y="0"/>
+          <a:chExt cx="0" cy="0"/>
+        </a:xfrm>
+      </p:grpSpPr>
+      <p:sp>
+        <p:nvSpPr>
+          <p:cNvPr id="2" name="제목 1">
+            <a:extLst>
+              <a:ext uri="{FF2B5EF4-FFF2-40B4-BE49-F238E27FC236}">
                 <a16:creationId xmlns:a16="http://schemas.microsoft.com/office/drawing/2014/main" id="{46EF2929-9B0A-68FC-9471-EF98ABF2EB7F}"/>
               </a:ext>
             </a:extLst>
@@ -8313,89 +8480,6 @@
 </p:sld>
 </file>
 
-<file path=ppt/slides/slide6.xml><?xml version="1.0" encoding="utf-8"?>
-<p:sld xmlns:a="http://schemas.openxmlformats.org/drawingml/2006/main" xmlns:r="http://schemas.openxmlformats.org/officeDocument/2006/relationships" xmlns:p="http://schemas.openxmlformats.org/presentationml/2006/main">
-  <p:cSld>
-    <p:spTree>
-      <p:nvGrpSpPr>
-        <p:cNvPr id="1" name=""/>
-        <p:cNvGrpSpPr/>
-        <p:nvPr/>
-      </p:nvGrpSpPr>
-      <p:grpSpPr>
-        <a:xfrm>
-          <a:off x="0" y="0"/>
-          <a:ext cx="0" cy="0"/>
-          <a:chOff x="0" y="0"/>
-          <a:chExt cx="0" cy="0"/>
-        </a:xfrm>
-      </p:grpSpPr>
-      <p:sp>
-        <p:nvSpPr>
-          <p:cNvPr id="2" name="제목 1">
-            <a:extLst>
-              <a:ext uri="{FF2B5EF4-FFF2-40B4-BE49-F238E27FC236}">
-                <a16:creationId xmlns:a16="http://schemas.microsoft.com/office/drawing/2014/main" id="{A9BDBCF8-810A-9EF2-E7C5-4BF628817D4A}"/>
-              </a:ext>
-            </a:extLst>
-          </p:cNvPr>
-          <p:cNvSpPr>
-            <a:spLocks noGrp="1"/>
-          </p:cNvSpPr>
-          <p:nvPr>
-            <p:ph type="title"/>
-          </p:nvPr>
-        </p:nvSpPr>
-        <p:spPr/>
-        <p:txBody>
-          <a:bodyPr/>
-          <a:lstStyle/>
-          <a:p>
-            <a:r>
-              <a:rPr lang="ko-KR" altLang="en-US" dirty="0"/>
-              <a:t>결과 데모 시연</a:t>
-            </a:r>
-          </a:p>
-        </p:txBody>
-      </p:sp>
-      <p:sp>
-        <p:nvSpPr>
-          <p:cNvPr id="3" name="텍스트 개체 틀 2">
-            <a:extLst>
-              <a:ext uri="{FF2B5EF4-FFF2-40B4-BE49-F238E27FC236}">
-                <a16:creationId xmlns:a16="http://schemas.microsoft.com/office/drawing/2014/main" id="{4183921B-281E-EF63-18F9-E5D7D94267CF}"/>
-              </a:ext>
-            </a:extLst>
-          </p:cNvPr>
-          <p:cNvSpPr>
-            <a:spLocks noGrp="1"/>
-          </p:cNvSpPr>
-          <p:nvPr>
-            <p:ph type="body" idx="1"/>
-          </p:nvPr>
-        </p:nvSpPr>
-        <p:spPr/>
-        <p:txBody>
-          <a:bodyPr/>
-          <a:lstStyle/>
-          <a:p>
-            <a:endParaRPr lang="ko-KR" altLang="en-US"/>
-          </a:p>
-        </p:txBody>
-      </p:sp>
-    </p:spTree>
-    <p:extLst>
-      <p:ext uri="{BB962C8B-B14F-4D97-AF65-F5344CB8AC3E}">
-        <p14:creationId xmlns:p14="http://schemas.microsoft.com/office/powerpoint/2010/main" val="1854440406"/>
-      </p:ext>
-    </p:extLst>
-  </p:cSld>
-  <p:clrMapOvr>
-    <a:masterClrMapping/>
-  </p:clrMapOvr>
-</p:sld>
-</file>
-
 <file path=ppt/slides/slide7.xml><?xml version="1.0" encoding="utf-8"?>
 <p:sld xmlns:a="http://schemas.openxmlformats.org/drawingml/2006/main" xmlns:r="http://schemas.openxmlformats.org/officeDocument/2006/relationships" xmlns:p="http://schemas.openxmlformats.org/presentationml/2006/main">
   <p:cSld>
@@ -8418,7 +8502,7 @@
           <p:cNvPr id="2" name="제목 1">
             <a:extLst>
               <a:ext uri="{FF2B5EF4-FFF2-40B4-BE49-F238E27FC236}">
-                <a16:creationId xmlns:a16="http://schemas.microsoft.com/office/drawing/2014/main" id="{48EA5622-D5B3-8915-67BB-8E2DDF3947A3}"/>
+                <a16:creationId xmlns:a16="http://schemas.microsoft.com/office/drawing/2014/main" id="{A9BDBCF8-810A-9EF2-E7C5-4BF628817D4A}"/>
               </a:ext>
             </a:extLst>
           </p:cNvPr>
@@ -8434,7 +8518,10 @@
           <a:bodyPr/>
           <a:lstStyle/>
           <a:p>
-            <a:endParaRPr lang="ko-KR" altLang="en-US"/>
+            <a:r>
+              <a:rPr lang="ko-KR" altLang="en-US" dirty="0"/>
+              <a:t>결과 데모 시연</a:t>
+            </a:r>
           </a:p>
         </p:txBody>
       </p:sp>
@@ -8443,7 +8530,7 @@
           <p:cNvPr id="3" name="텍스트 개체 틀 2">
             <a:extLst>
               <a:ext uri="{FF2B5EF4-FFF2-40B4-BE49-F238E27FC236}">
-                <a16:creationId xmlns:a16="http://schemas.microsoft.com/office/drawing/2014/main" id="{F729CA9C-DBC8-D1D7-3A7C-FC3BFEEC5E91}"/>
+                <a16:creationId xmlns:a16="http://schemas.microsoft.com/office/drawing/2014/main" id="{4183921B-281E-EF63-18F9-E5D7D94267CF}"/>
               </a:ext>
             </a:extLst>
           </p:cNvPr>
@@ -8466,7 +8553,7 @@
     </p:spTree>
     <p:extLst>
       <p:ext uri="{BB962C8B-B14F-4D97-AF65-F5344CB8AC3E}">
-        <p14:creationId xmlns:p14="http://schemas.microsoft.com/office/powerpoint/2010/main" val="892853445"/>
+        <p14:creationId xmlns:p14="http://schemas.microsoft.com/office/powerpoint/2010/main" val="1854440406"/>
       </p:ext>
     </p:extLst>
   </p:cSld>
@@ -8498,7 +8585,7 @@
           <p:cNvPr id="2" name="제목 1">
             <a:extLst>
               <a:ext uri="{FF2B5EF4-FFF2-40B4-BE49-F238E27FC236}">
-                <a16:creationId xmlns:a16="http://schemas.microsoft.com/office/drawing/2014/main" id="{0C81F427-66E0-C113-A952-CA2C169C7E13}"/>
+                <a16:creationId xmlns:a16="http://schemas.microsoft.com/office/drawing/2014/main" id="{48EA5622-D5B3-8915-67BB-8E2DDF3947A3}"/>
               </a:ext>
             </a:extLst>
           </p:cNvPr>
@@ -8523,7 +8610,7 @@
           <p:cNvPr id="3" name="텍스트 개체 틀 2">
             <a:extLst>
               <a:ext uri="{FF2B5EF4-FFF2-40B4-BE49-F238E27FC236}">
-                <a16:creationId xmlns:a16="http://schemas.microsoft.com/office/drawing/2014/main" id="{CD7D8745-B44C-D064-5238-9DD0E220BB87}"/>
+                <a16:creationId xmlns:a16="http://schemas.microsoft.com/office/drawing/2014/main" id="{F729CA9C-DBC8-D1D7-3A7C-FC3BFEEC5E91}"/>
               </a:ext>
             </a:extLst>
           </p:cNvPr>
@@ -8546,7 +8633,7 @@
     </p:spTree>
     <p:extLst>
       <p:ext uri="{BB962C8B-B14F-4D97-AF65-F5344CB8AC3E}">
-        <p14:creationId xmlns:p14="http://schemas.microsoft.com/office/powerpoint/2010/main" val="1022108122"/>
+        <p14:creationId xmlns:p14="http://schemas.microsoft.com/office/powerpoint/2010/main" val="892853445"/>
       </p:ext>
     </p:extLst>
   </p:cSld>
@@ -8578,7 +8665,7 @@
           <p:cNvPr id="2" name="제목 1">
             <a:extLst>
               <a:ext uri="{FF2B5EF4-FFF2-40B4-BE49-F238E27FC236}">
-                <a16:creationId xmlns:a16="http://schemas.microsoft.com/office/drawing/2014/main" id="{4689DFAA-FA40-3F7E-FE04-84C1489C647D}"/>
+                <a16:creationId xmlns:a16="http://schemas.microsoft.com/office/drawing/2014/main" id="{0C81F427-66E0-C113-A952-CA2C169C7E13}"/>
               </a:ext>
             </a:extLst>
           </p:cNvPr>
@@ -8594,10 +8681,7 @@
           <a:bodyPr/>
           <a:lstStyle/>
           <a:p>
-            <a:r>
-              <a:rPr lang="ko-KR" altLang="en-US" dirty="0"/>
-              <a:t>보완점</a:t>
-            </a:r>
+            <a:endParaRPr lang="ko-KR" altLang="en-US"/>
           </a:p>
         </p:txBody>
       </p:sp>
@@ -8606,7 +8690,7 @@
           <p:cNvPr id="3" name="텍스트 개체 틀 2">
             <a:extLst>
               <a:ext uri="{FF2B5EF4-FFF2-40B4-BE49-F238E27FC236}">
-                <a16:creationId xmlns:a16="http://schemas.microsoft.com/office/drawing/2014/main" id="{A3FBF26A-E50E-05FF-7801-D1216EA756DE}"/>
+                <a16:creationId xmlns:a16="http://schemas.microsoft.com/office/drawing/2014/main" id="{CD7D8745-B44C-D064-5238-9DD0E220BB87}"/>
               </a:ext>
             </a:extLst>
           </p:cNvPr>
@@ -8629,7 +8713,7 @@
     </p:spTree>
     <p:extLst>
       <p:ext uri="{BB962C8B-B14F-4D97-AF65-F5344CB8AC3E}">
-        <p14:creationId xmlns:p14="http://schemas.microsoft.com/office/powerpoint/2010/main" val="4070003616"/>
+        <p14:creationId xmlns:p14="http://schemas.microsoft.com/office/powerpoint/2010/main" val="1022108122"/>
       </p:ext>
     </p:extLst>
   </p:cSld>

--- a/제출자료/최종 발표 프레젠테이션(김정훈).pptx
+++ b/제출자료/최종 발표 프레젠테이션(김정훈).pptx
@@ -14,9 +14,9 @@
     <p:sldId id="259" r:id="rId5"/>
     <p:sldId id="267" r:id="rId6"/>
     <p:sldId id="260" r:id="rId7"/>
-    <p:sldId id="261" r:id="rId8"/>
-    <p:sldId id="265" r:id="rId9"/>
-    <p:sldId id="266" r:id="rId10"/>
+    <p:sldId id="268" r:id="rId8"/>
+    <p:sldId id="261" r:id="rId9"/>
+    <p:sldId id="269" r:id="rId10"/>
     <p:sldId id="262" r:id="rId11"/>
     <p:sldId id="264" r:id="rId12"/>
   </p:sldIdLst>
@@ -6865,12 +6865,71 @@
             <p:ph type="body" idx="1"/>
           </p:nvPr>
         </p:nvSpPr>
-        <p:spPr/>
+        <p:spPr>
+          <a:xfrm>
+            <a:off x="381819" y="1936659"/>
+            <a:ext cx="8222100" cy="2710200"/>
+          </a:xfrm>
+        </p:spPr>
         <p:txBody>
           <a:bodyPr/>
           <a:lstStyle/>
           <a:p>
-            <a:endParaRPr lang="ko-KR" altLang="en-US"/>
+            <a:r>
+              <a:rPr lang="ko-KR" altLang="en-US" dirty="0">
+                <a:solidFill>
+                  <a:schemeClr val="tx1"/>
+                </a:solidFill>
+              </a:rPr>
+              <a:t>여러 서버의 기능을 한 서버에 집중시킨 점이 과부하를 일으킴</a:t>
+            </a:r>
+            <a:r>
+              <a:rPr lang="en-US" altLang="ko-KR" dirty="0">
+                <a:solidFill>
+                  <a:schemeClr val="tx1"/>
+                </a:solidFill>
+              </a:rPr>
+              <a:t>.</a:t>
+            </a:r>
+          </a:p>
+          <a:p>
+            <a:endParaRPr lang="en-US" altLang="ko-KR" dirty="0">
+              <a:solidFill>
+                <a:schemeClr val="tx1"/>
+              </a:solidFill>
+            </a:endParaRPr>
+          </a:p>
+          <a:p>
+            <a:r>
+              <a:rPr lang="ko-KR" altLang="en-US" dirty="0">
+                <a:solidFill>
+                  <a:schemeClr val="tx1"/>
+                </a:solidFill>
+              </a:rPr>
+              <a:t>해당 서비스를 한 서버에 구성할 수 있다는 장점이 있지만 과부하의 위험성 때문에 해당 서버의 메모리를 </a:t>
+            </a:r>
+            <a:r>
+              <a:rPr lang="ko-KR" altLang="en-US" dirty="0" err="1">
+                <a:solidFill>
+                  <a:schemeClr val="tx1"/>
+                </a:solidFill>
+              </a:rPr>
+              <a:t>늘려야했음</a:t>
+            </a:r>
+            <a:r>
+              <a:rPr lang="en-US" altLang="ko-KR" dirty="0">
+                <a:solidFill>
+                  <a:schemeClr val="tx1"/>
+                </a:solidFill>
+              </a:rPr>
+              <a:t>.</a:t>
+            </a:r>
+          </a:p>
+          <a:p>
+            <a:endParaRPr lang="en-US" altLang="ko-KR" dirty="0"/>
+          </a:p>
+          <a:p>
+            <a:endParaRPr lang="ko-KR" altLang="en-US" dirty="0"/>
           </a:p>
         </p:txBody>
       </p:sp>
@@ -6922,7 +6981,7 @@
         </p:nvSpPr>
         <p:spPr>
           <a:xfrm>
-            <a:off x="921900" y="2536752"/>
+            <a:off x="833977" y="2187900"/>
             <a:ext cx="8222100" cy="767700"/>
           </a:xfrm>
         </p:spPr>
@@ -7921,7 +7980,7 @@
         </p:nvSpPr>
         <p:spPr>
           <a:xfrm>
-            <a:off x="168566" y="1849876"/>
+            <a:off x="172963" y="1696010"/>
             <a:ext cx="8222100" cy="2710200"/>
           </a:xfrm>
         </p:spPr>
@@ -8157,40 +8216,28 @@
             <p:ph type="title"/>
           </p:nvPr>
         </p:nvSpPr>
-        <p:spPr/>
+        <p:spPr>
+          <a:xfrm>
+            <a:off x="611822" y="624425"/>
+            <a:ext cx="8222100" cy="767700"/>
+          </a:xfrm>
+        </p:spPr>
         <p:txBody>
           <a:bodyPr/>
           <a:lstStyle/>
           <a:p>
             <a:r>
               <a:rPr lang="ko-KR" altLang="en-US" dirty="0"/>
-              <a:t>프로젝트 수행</a:t>
-            </a:r>
-          </a:p>
-        </p:txBody>
-      </p:sp>
-      <p:sp>
-        <p:nvSpPr>
-          <p:cNvPr id="3" name="텍스트 개체 틀 2">
-            <a:extLst>
-              <a:ext uri="{FF2B5EF4-FFF2-40B4-BE49-F238E27FC236}">
-                <a16:creationId xmlns:a16="http://schemas.microsoft.com/office/drawing/2014/main" id="{4A9BA259-9DA4-A45F-D58C-1A39BC8ABC6F}"/>
-              </a:ext>
-            </a:extLst>
-          </p:cNvPr>
-          <p:cNvSpPr>
-            <a:spLocks noGrp="1"/>
-          </p:cNvSpPr>
-          <p:nvPr>
-            <p:ph type="body" idx="1"/>
-          </p:nvPr>
-        </p:nvSpPr>
-        <p:spPr/>
-        <p:txBody>
-          <a:bodyPr/>
-          <a:lstStyle/>
-          <a:p>
-            <a:endParaRPr lang="ko-KR" altLang="en-US"/>
+              <a:t>프로젝트 수행 </a:t>
+            </a:r>
+            <a:r>
+              <a:rPr lang="en-US" altLang="ko-KR" dirty="0"/>
+              <a:t>– </a:t>
+            </a:r>
+            <a:r>
+              <a:rPr lang="ko-KR" altLang="en-US" sz="2000" dirty="0"/>
+              <a:t>수행 계획</a:t>
+            </a:r>
           </a:p>
         </p:txBody>
       </p:sp>
@@ -8240,209 +8287,37 @@
             <p:ph type="title"/>
           </p:nvPr>
         </p:nvSpPr>
-        <p:spPr/>
+        <p:spPr>
+          <a:xfrm>
+            <a:off x="536331" y="631729"/>
+            <a:ext cx="8222100" cy="767700"/>
+          </a:xfrm>
+        </p:spPr>
         <p:txBody>
           <a:bodyPr/>
           <a:lstStyle/>
           <a:p>
             <a:r>
               <a:rPr lang="ko-KR" altLang="en-US" dirty="0"/>
-              <a:t>프로젝트 수행</a:t>
-            </a:r>
-          </a:p>
-        </p:txBody>
-      </p:sp>
-      <p:sp>
-        <p:nvSpPr>
-          <p:cNvPr id="3" name="텍스트 개체 틀 2">
+              <a:t>프로젝트 수행 </a:t>
+            </a:r>
+            <a:r>
+              <a:rPr lang="en-US" altLang="ko-KR" dirty="0"/>
+              <a:t>– </a:t>
+            </a:r>
+            <a:r>
+              <a:rPr lang="ko-KR" altLang="en-US" sz="2000" dirty="0"/>
+              <a:t>수행 일정</a:t>
+            </a:r>
+          </a:p>
+        </p:txBody>
+      </p:sp>
+      <p:pic>
+        <p:nvPicPr>
+          <p:cNvPr id="4" name="그림 3">
             <a:extLst>
               <a:ext uri="{FF2B5EF4-FFF2-40B4-BE49-F238E27FC236}">
-                <a16:creationId xmlns:a16="http://schemas.microsoft.com/office/drawing/2014/main" id="{C6AE93B9-0D23-87BF-8648-AB3F1FEAFF4C}"/>
-              </a:ext>
-            </a:extLst>
-          </p:cNvPr>
-          <p:cNvSpPr>
-            <a:spLocks noGrp="1"/>
-          </p:cNvSpPr>
-          <p:nvPr>
-            <p:ph type="body" idx="1"/>
-          </p:nvPr>
-        </p:nvSpPr>
-        <p:spPr>
-          <a:xfrm>
-            <a:off x="5411522" y="1506425"/>
-            <a:ext cx="2979081" cy="2703760"/>
-          </a:xfrm>
-        </p:spPr>
-        <p:txBody>
-          <a:bodyPr/>
-          <a:lstStyle/>
-          <a:p>
-            <a:r>
-              <a:rPr lang="en-US" altLang="ko-KR" dirty="0">
-                <a:solidFill>
-                  <a:schemeClr val="tx1"/>
-                </a:solidFill>
-              </a:rPr>
-              <a:t>Jenkins </a:t>
-            </a:r>
-            <a:r>
-              <a:rPr lang="ko-KR" altLang="en-US" dirty="0">
-                <a:solidFill>
-                  <a:schemeClr val="tx1"/>
-                </a:solidFill>
-              </a:rPr>
-              <a:t>서버를 구축하여 </a:t>
-            </a:r>
-            <a:r>
-              <a:rPr lang="en-US" altLang="ko-KR" dirty="0">
-                <a:solidFill>
-                  <a:schemeClr val="tx1"/>
-                </a:solidFill>
-              </a:rPr>
-              <a:t>Python</a:t>
-            </a:r>
-            <a:r>
-              <a:rPr lang="ko-KR" altLang="en-US" dirty="0">
-                <a:solidFill>
-                  <a:schemeClr val="tx1"/>
-                </a:solidFill>
-              </a:rPr>
-              <a:t> 기반 </a:t>
-            </a:r>
-            <a:r>
-              <a:rPr lang="en-US" altLang="ko-KR" dirty="0">
-                <a:solidFill>
-                  <a:schemeClr val="tx1"/>
-                </a:solidFill>
-              </a:rPr>
-              <a:t>flask CI/CD </a:t>
-            </a:r>
-            <a:r>
-              <a:rPr lang="ko-KR" altLang="en-US" dirty="0">
-                <a:solidFill>
-                  <a:schemeClr val="tx1"/>
-                </a:solidFill>
-              </a:rPr>
-              <a:t>파이프라인 서비스 구성</a:t>
-            </a:r>
-            <a:endParaRPr lang="en-US" altLang="ko-KR" dirty="0">
-              <a:solidFill>
-                <a:schemeClr val="tx1"/>
-              </a:solidFill>
-            </a:endParaRPr>
-          </a:p>
-          <a:p>
-            <a:endParaRPr lang="en-US" altLang="ko-KR" dirty="0">
-              <a:solidFill>
-                <a:schemeClr val="tx1"/>
-              </a:solidFill>
-            </a:endParaRPr>
-          </a:p>
-          <a:p>
-            <a:r>
-              <a:rPr lang="en-US" altLang="ko-KR" dirty="0">
-                <a:solidFill>
-                  <a:schemeClr val="tx1"/>
-                </a:solidFill>
-              </a:rPr>
-              <a:t>NFS</a:t>
-            </a:r>
-            <a:r>
-              <a:rPr lang="ko-KR" altLang="en-US" dirty="0">
-                <a:solidFill>
-                  <a:schemeClr val="tx1"/>
-                </a:solidFill>
-              </a:rPr>
-              <a:t>를 </a:t>
-            </a:r>
-            <a:r>
-              <a:rPr lang="en-US" altLang="ko-KR" dirty="0">
-                <a:solidFill>
-                  <a:schemeClr val="tx1"/>
-                </a:solidFill>
-              </a:rPr>
-              <a:t>Jenkins </a:t>
-            </a:r>
-            <a:r>
-              <a:rPr lang="ko-KR" altLang="en-US" dirty="0">
-                <a:solidFill>
-                  <a:schemeClr val="tx1"/>
-                </a:solidFill>
-              </a:rPr>
-              <a:t>서버와 연결하여 유사시 파일 공유를 수행</a:t>
-            </a:r>
-            <a:r>
-              <a:rPr lang="en-US" altLang="ko-KR" dirty="0">
-                <a:solidFill>
-                  <a:schemeClr val="tx1"/>
-                </a:solidFill>
-              </a:rPr>
-              <a:t>.</a:t>
-            </a:r>
-          </a:p>
-          <a:p>
-            <a:endParaRPr lang="en-US" altLang="ko-KR" dirty="0">
-              <a:solidFill>
-                <a:schemeClr val="tx1"/>
-              </a:solidFill>
-            </a:endParaRPr>
-          </a:p>
-          <a:p>
-            <a:r>
-              <a:rPr lang="en-US" altLang="ko-KR" dirty="0">
-                <a:solidFill>
-                  <a:schemeClr val="tx1"/>
-                </a:solidFill>
-              </a:rPr>
-              <a:t>Docker </a:t>
-            </a:r>
-            <a:r>
-              <a:rPr lang="ko-KR" altLang="en-US" dirty="0">
-                <a:solidFill>
-                  <a:schemeClr val="tx1"/>
-                </a:solidFill>
-              </a:rPr>
-              <a:t>서버 활용을 병행하여 고급 </a:t>
-            </a:r>
-            <a:r>
-              <a:rPr lang="en-US" altLang="ko-KR" dirty="0">
-                <a:solidFill>
-                  <a:schemeClr val="tx1"/>
-                </a:solidFill>
-              </a:rPr>
-              <a:t>CI/CD </a:t>
-            </a:r>
-            <a:r>
-              <a:rPr lang="ko-KR" altLang="en-US" dirty="0">
-                <a:solidFill>
-                  <a:schemeClr val="tx1"/>
-                </a:solidFill>
-              </a:rPr>
-              <a:t>파이프라인 구축하기</a:t>
-            </a:r>
-            <a:r>
-              <a:rPr lang="en-US" altLang="ko-KR" dirty="0">
-                <a:solidFill>
-                  <a:schemeClr val="tx1"/>
-                </a:solidFill>
-              </a:rPr>
-              <a:t>.</a:t>
-            </a:r>
-            <a:endParaRPr lang="ko-KR" altLang="en-US" dirty="0">
-              <a:solidFill>
-                <a:schemeClr val="tx1"/>
-              </a:solidFill>
-            </a:endParaRPr>
-          </a:p>
-        </p:txBody>
-      </p:sp>
-      <p:pic>
-        <p:nvPicPr>
-          <p:cNvPr id="5" name="그림 4">
-            <a:extLst>
-              <a:ext uri="{FF2B5EF4-FFF2-40B4-BE49-F238E27FC236}">
-                <a16:creationId xmlns:a16="http://schemas.microsoft.com/office/drawing/2014/main" id="{EA0963FF-B009-4E27-02C0-B95C6007386A}"/>
+                <a16:creationId xmlns:a16="http://schemas.microsoft.com/office/drawing/2014/main" id="{2E028133-A202-811A-2DA1-9961C3C0CE3C}"/>
               </a:ext>
             </a:extLst>
           </p:cNvPr>
@@ -8459,8 +8334,8 @@
         </p:blipFill>
         <p:spPr>
           <a:xfrm>
-            <a:off x="536331" y="1586446"/>
-            <a:ext cx="4875191" cy="2541475"/>
+            <a:off x="536331" y="1818551"/>
+            <a:ext cx="7543044" cy="2274857"/>
           </a:xfrm>
           <a:prstGeom prst="rect">
             <a:avLst/>
@@ -8502,7 +8377,7 @@
           <p:cNvPr id="2" name="제목 1">
             <a:extLst>
               <a:ext uri="{FF2B5EF4-FFF2-40B4-BE49-F238E27FC236}">
-                <a16:creationId xmlns:a16="http://schemas.microsoft.com/office/drawing/2014/main" id="{A9BDBCF8-810A-9EF2-E7C5-4BF628817D4A}"/>
+                <a16:creationId xmlns:a16="http://schemas.microsoft.com/office/drawing/2014/main" id="{46EF2929-9B0A-68FC-9471-EF98ABF2EB7F}"/>
               </a:ext>
             </a:extLst>
           </p:cNvPr>
@@ -8513,14 +8388,27 @@
             <p:ph type="title"/>
           </p:nvPr>
         </p:nvSpPr>
-        <p:spPr/>
+        <p:spPr>
+          <a:xfrm>
+            <a:off x="536331" y="631729"/>
+            <a:ext cx="8222100" cy="767700"/>
+          </a:xfrm>
+        </p:spPr>
         <p:txBody>
           <a:bodyPr/>
           <a:lstStyle/>
           <a:p>
             <a:r>
               <a:rPr lang="ko-KR" altLang="en-US" dirty="0"/>
-              <a:t>결과 데모 시연</a:t>
+              <a:t>프로젝트 수행 </a:t>
+            </a:r>
+            <a:r>
+              <a:rPr lang="en-US" altLang="ko-KR" dirty="0"/>
+              <a:t>– </a:t>
+            </a:r>
+            <a:r>
+              <a:rPr lang="ko-KR" altLang="en-US" sz="2000" dirty="0"/>
+              <a:t>수행 결과</a:t>
             </a:r>
           </a:p>
         </p:txBody>
@@ -8530,7 +8418,7 @@
           <p:cNvPr id="3" name="텍스트 개체 틀 2">
             <a:extLst>
               <a:ext uri="{FF2B5EF4-FFF2-40B4-BE49-F238E27FC236}">
-                <a16:creationId xmlns:a16="http://schemas.microsoft.com/office/drawing/2014/main" id="{4183921B-281E-EF63-18F9-E5D7D94267CF}"/>
+                <a16:creationId xmlns:a16="http://schemas.microsoft.com/office/drawing/2014/main" id="{C6AE93B9-0D23-87BF-8648-AB3F1FEAFF4C}"/>
               </a:ext>
             </a:extLst>
           </p:cNvPr>
@@ -8541,19 +8429,209 @@
             <p:ph type="body" idx="1"/>
           </p:nvPr>
         </p:nvSpPr>
-        <p:spPr/>
+        <p:spPr>
+          <a:xfrm>
+            <a:off x="5411522" y="1506425"/>
+            <a:ext cx="2979081" cy="2703760"/>
+          </a:xfrm>
+        </p:spPr>
         <p:txBody>
           <a:bodyPr/>
           <a:lstStyle/>
           <a:p>
-            <a:endParaRPr lang="ko-KR" altLang="en-US"/>
-          </a:p>
-        </p:txBody>
-      </p:sp>
+            <a:r>
+              <a:rPr lang="en-US" altLang="ko-KR" dirty="0">
+                <a:solidFill>
+                  <a:schemeClr val="tx1"/>
+                </a:solidFill>
+              </a:rPr>
+              <a:t>Jenkins </a:t>
+            </a:r>
+            <a:r>
+              <a:rPr lang="ko-KR" altLang="en-US" dirty="0">
+                <a:solidFill>
+                  <a:schemeClr val="tx1"/>
+                </a:solidFill>
+              </a:rPr>
+              <a:t>서버를 구축하여 </a:t>
+            </a:r>
+            <a:r>
+              <a:rPr lang="en-US" altLang="ko-KR" dirty="0">
+                <a:solidFill>
+                  <a:schemeClr val="tx1"/>
+                </a:solidFill>
+              </a:rPr>
+              <a:t>Python</a:t>
+            </a:r>
+            <a:r>
+              <a:rPr lang="ko-KR" altLang="en-US" dirty="0">
+                <a:solidFill>
+                  <a:schemeClr val="tx1"/>
+                </a:solidFill>
+              </a:rPr>
+              <a:t> 기반 </a:t>
+            </a:r>
+            <a:r>
+              <a:rPr lang="en-US" altLang="ko-KR" dirty="0">
+                <a:solidFill>
+                  <a:schemeClr val="tx1"/>
+                </a:solidFill>
+              </a:rPr>
+              <a:t>flask CI/CD </a:t>
+            </a:r>
+            <a:r>
+              <a:rPr lang="ko-KR" altLang="en-US" dirty="0">
+                <a:solidFill>
+                  <a:schemeClr val="tx1"/>
+                </a:solidFill>
+              </a:rPr>
+              <a:t>파이프라인 서비스 구성</a:t>
+            </a:r>
+            <a:endParaRPr lang="en-US" altLang="ko-KR" dirty="0">
+              <a:solidFill>
+                <a:schemeClr val="tx1"/>
+              </a:solidFill>
+            </a:endParaRPr>
+          </a:p>
+          <a:p>
+            <a:endParaRPr lang="en-US" altLang="ko-KR" dirty="0">
+              <a:solidFill>
+                <a:schemeClr val="tx1"/>
+              </a:solidFill>
+            </a:endParaRPr>
+          </a:p>
+          <a:p>
+            <a:r>
+              <a:rPr lang="en-US" altLang="ko-KR" dirty="0">
+                <a:solidFill>
+                  <a:schemeClr val="tx1"/>
+                </a:solidFill>
+              </a:rPr>
+              <a:t>NFS</a:t>
+            </a:r>
+            <a:r>
+              <a:rPr lang="ko-KR" altLang="en-US" dirty="0">
+                <a:solidFill>
+                  <a:schemeClr val="tx1"/>
+                </a:solidFill>
+              </a:rPr>
+              <a:t>를 </a:t>
+            </a:r>
+            <a:r>
+              <a:rPr lang="en-US" altLang="ko-KR" dirty="0">
+                <a:solidFill>
+                  <a:schemeClr val="tx1"/>
+                </a:solidFill>
+              </a:rPr>
+              <a:t>Jenkins </a:t>
+            </a:r>
+            <a:r>
+              <a:rPr lang="ko-KR" altLang="en-US" dirty="0">
+                <a:solidFill>
+                  <a:schemeClr val="tx1"/>
+                </a:solidFill>
+              </a:rPr>
+              <a:t>서버와 연결하여 유사시 파일 공유를 수행</a:t>
+            </a:r>
+            <a:r>
+              <a:rPr lang="en-US" altLang="ko-KR" dirty="0">
+                <a:solidFill>
+                  <a:schemeClr val="tx1"/>
+                </a:solidFill>
+              </a:rPr>
+              <a:t>.</a:t>
+            </a:r>
+          </a:p>
+          <a:p>
+            <a:endParaRPr lang="en-US" altLang="ko-KR" dirty="0">
+              <a:solidFill>
+                <a:schemeClr val="tx1"/>
+              </a:solidFill>
+            </a:endParaRPr>
+          </a:p>
+          <a:p>
+            <a:r>
+              <a:rPr lang="en-US" altLang="ko-KR" dirty="0">
+                <a:solidFill>
+                  <a:schemeClr val="tx1"/>
+                </a:solidFill>
+              </a:rPr>
+              <a:t>Docker </a:t>
+            </a:r>
+            <a:r>
+              <a:rPr lang="ko-KR" altLang="en-US" dirty="0">
+                <a:solidFill>
+                  <a:schemeClr val="tx1"/>
+                </a:solidFill>
+              </a:rPr>
+              <a:t>서버 활용을 병행하여 고급 </a:t>
+            </a:r>
+            <a:r>
+              <a:rPr lang="en-US" altLang="ko-KR" dirty="0">
+                <a:solidFill>
+                  <a:schemeClr val="tx1"/>
+                </a:solidFill>
+              </a:rPr>
+              <a:t>CI/CD </a:t>
+            </a:r>
+            <a:r>
+              <a:rPr lang="ko-KR" altLang="en-US" dirty="0">
+                <a:solidFill>
+                  <a:schemeClr val="tx1"/>
+                </a:solidFill>
+              </a:rPr>
+              <a:t>파이프라인 구축하기</a:t>
+            </a:r>
+            <a:r>
+              <a:rPr lang="en-US" altLang="ko-KR" dirty="0">
+                <a:solidFill>
+                  <a:schemeClr val="tx1"/>
+                </a:solidFill>
+              </a:rPr>
+              <a:t>.</a:t>
+            </a:r>
+            <a:endParaRPr lang="ko-KR" altLang="en-US" dirty="0">
+              <a:solidFill>
+                <a:schemeClr val="tx1"/>
+              </a:solidFill>
+            </a:endParaRPr>
+          </a:p>
+        </p:txBody>
+      </p:sp>
+      <p:pic>
+        <p:nvPicPr>
+          <p:cNvPr id="5" name="그림 4">
+            <a:extLst>
+              <a:ext uri="{FF2B5EF4-FFF2-40B4-BE49-F238E27FC236}">
+                <a16:creationId xmlns:a16="http://schemas.microsoft.com/office/drawing/2014/main" id="{EA0963FF-B009-4E27-02C0-B95C6007386A}"/>
+              </a:ext>
+            </a:extLst>
+          </p:cNvPr>
+          <p:cNvPicPr>
+            <a:picLocks noChangeAspect="1"/>
+          </p:cNvPicPr>
+          <p:nvPr/>
+        </p:nvPicPr>
+        <p:blipFill>
+          <a:blip r:embed="rId2"/>
+          <a:stretch>
+            <a:fillRect/>
+          </a:stretch>
+        </p:blipFill>
+        <p:spPr>
+          <a:xfrm>
+            <a:off x="536331" y="1586446"/>
+            <a:ext cx="4875191" cy="2541475"/>
+          </a:xfrm>
+          <a:prstGeom prst="rect">
+            <a:avLst/>
+          </a:prstGeom>
+        </p:spPr>
+      </p:pic>
     </p:spTree>
     <p:extLst>
       <p:ext uri="{BB962C8B-B14F-4D97-AF65-F5344CB8AC3E}">
-        <p14:creationId xmlns:p14="http://schemas.microsoft.com/office/powerpoint/2010/main" val="1854440406"/>
+        <p14:creationId xmlns:p14="http://schemas.microsoft.com/office/powerpoint/2010/main" val="2596470238"/>
       </p:ext>
     </p:extLst>
   </p:cSld>
@@ -8585,7 +8663,7 @@
           <p:cNvPr id="2" name="제목 1">
             <a:extLst>
               <a:ext uri="{FF2B5EF4-FFF2-40B4-BE49-F238E27FC236}">
-                <a16:creationId xmlns:a16="http://schemas.microsoft.com/office/drawing/2014/main" id="{48EA5622-D5B3-8915-67BB-8E2DDF3947A3}"/>
+                <a16:creationId xmlns:a16="http://schemas.microsoft.com/office/drawing/2014/main" id="{A9BDBCF8-810A-9EF2-E7C5-4BF628817D4A}"/>
               </a:ext>
             </a:extLst>
           </p:cNvPr>
@@ -8601,7 +8679,10 @@
           <a:bodyPr/>
           <a:lstStyle/>
           <a:p>
-            <a:endParaRPr lang="ko-KR" altLang="en-US"/>
+            <a:r>
+              <a:rPr lang="ko-KR" altLang="en-US" dirty="0"/>
+              <a:t>결과 데모 시연</a:t>
+            </a:r>
           </a:p>
         </p:txBody>
       </p:sp>
@@ -8610,7 +8691,7 @@
           <p:cNvPr id="3" name="텍스트 개체 틀 2">
             <a:extLst>
               <a:ext uri="{FF2B5EF4-FFF2-40B4-BE49-F238E27FC236}">
-                <a16:creationId xmlns:a16="http://schemas.microsoft.com/office/drawing/2014/main" id="{F729CA9C-DBC8-D1D7-3A7C-FC3BFEEC5E91}"/>
+                <a16:creationId xmlns:a16="http://schemas.microsoft.com/office/drawing/2014/main" id="{4183921B-281E-EF63-18F9-E5D7D94267CF}"/>
               </a:ext>
             </a:extLst>
           </p:cNvPr>
@@ -8621,19 +8702,61 @@
             <p:ph type="body" idx="1"/>
           </p:nvPr>
         </p:nvSpPr>
-        <p:spPr/>
+        <p:spPr>
+          <a:xfrm>
+            <a:off x="287261" y="2334358"/>
+            <a:ext cx="5629962" cy="1864094"/>
+          </a:xfrm>
+        </p:spPr>
         <p:txBody>
           <a:bodyPr/>
           <a:lstStyle/>
           <a:p>
-            <a:endParaRPr lang="ko-KR" altLang="en-US"/>
-          </a:p>
-        </p:txBody>
-      </p:sp>
+            <a:r>
+              <a:rPr lang="ko-KR" altLang="en-US" dirty="0">
+                <a:solidFill>
+                  <a:schemeClr val="tx1"/>
+                </a:solidFill>
+              </a:rPr>
+              <a:t>코드 분석이 완료되었다는 이메일 자동 알림 </a:t>
+            </a:r>
+          </a:p>
+        </p:txBody>
+      </p:sp>
+      <p:pic>
+        <p:nvPicPr>
+          <p:cNvPr id="5" name="그림 4">
+            <a:extLst>
+              <a:ext uri="{FF2B5EF4-FFF2-40B4-BE49-F238E27FC236}">
+                <a16:creationId xmlns:a16="http://schemas.microsoft.com/office/drawing/2014/main" id="{39FAD3A5-B3B0-1E4A-0B5A-1A307FAB1799}"/>
+              </a:ext>
+            </a:extLst>
+          </p:cNvPr>
+          <p:cNvPicPr>
+            <a:picLocks noChangeAspect="1"/>
+          </p:cNvPicPr>
+          <p:nvPr/>
+        </p:nvPicPr>
+        <p:blipFill>
+          <a:blip r:embed="rId2"/>
+          <a:stretch>
+            <a:fillRect/>
+          </a:stretch>
+        </p:blipFill>
+        <p:spPr>
+          <a:xfrm>
+            <a:off x="4975224" y="1224454"/>
+            <a:ext cx="2850632" cy="2973998"/>
+          </a:xfrm>
+          <a:prstGeom prst="rect">
+            <a:avLst/>
+          </a:prstGeom>
+        </p:spPr>
+      </p:pic>
     </p:spTree>
     <p:extLst>
       <p:ext uri="{BB962C8B-B14F-4D97-AF65-F5344CB8AC3E}">
-        <p14:creationId xmlns:p14="http://schemas.microsoft.com/office/powerpoint/2010/main" val="892853445"/>
+        <p14:creationId xmlns:p14="http://schemas.microsoft.com/office/powerpoint/2010/main" val="1854440406"/>
       </p:ext>
     </p:extLst>
   </p:cSld>
@@ -8665,7 +8788,7 @@
           <p:cNvPr id="2" name="제목 1">
             <a:extLst>
               <a:ext uri="{FF2B5EF4-FFF2-40B4-BE49-F238E27FC236}">
-                <a16:creationId xmlns:a16="http://schemas.microsoft.com/office/drawing/2014/main" id="{0C81F427-66E0-C113-A952-CA2C169C7E13}"/>
+                <a16:creationId xmlns:a16="http://schemas.microsoft.com/office/drawing/2014/main" id="{A9BDBCF8-810A-9EF2-E7C5-4BF628817D4A}"/>
               </a:ext>
             </a:extLst>
           </p:cNvPr>
@@ -8681,7 +8804,10 @@
           <a:bodyPr/>
           <a:lstStyle/>
           <a:p>
-            <a:endParaRPr lang="ko-KR" altLang="en-US"/>
+            <a:r>
+              <a:rPr lang="ko-KR" altLang="en-US" dirty="0"/>
+              <a:t>결과 데모 시연</a:t>
+            </a:r>
           </a:p>
         </p:txBody>
       </p:sp>
@@ -8690,7 +8816,7 @@
           <p:cNvPr id="3" name="텍스트 개체 틀 2">
             <a:extLst>
               <a:ext uri="{FF2B5EF4-FFF2-40B4-BE49-F238E27FC236}">
-                <a16:creationId xmlns:a16="http://schemas.microsoft.com/office/drawing/2014/main" id="{CD7D8745-B44C-D064-5238-9DD0E220BB87}"/>
+                <a16:creationId xmlns:a16="http://schemas.microsoft.com/office/drawing/2014/main" id="{4183921B-281E-EF63-18F9-E5D7D94267CF}"/>
               </a:ext>
             </a:extLst>
           </p:cNvPr>
@@ -8701,19 +8827,31 @@
             <p:ph type="body" idx="1"/>
           </p:nvPr>
         </p:nvSpPr>
-        <p:spPr/>
+        <p:spPr>
+          <a:xfrm>
+            <a:off x="287261" y="2334358"/>
+            <a:ext cx="5629962" cy="1864094"/>
+          </a:xfrm>
+        </p:spPr>
         <p:txBody>
           <a:bodyPr/>
           <a:lstStyle/>
           <a:p>
-            <a:endParaRPr lang="ko-KR" altLang="en-US"/>
+            <a:r>
+              <a:rPr lang="ko-KR" altLang="en-US" dirty="0">
+                <a:solidFill>
+                  <a:schemeClr val="tx1"/>
+                </a:solidFill>
+              </a:rPr>
+              <a:t>코드 분석 화면</a:t>
+            </a:r>
           </a:p>
         </p:txBody>
       </p:sp>
     </p:spTree>
     <p:extLst>
       <p:ext uri="{BB962C8B-B14F-4D97-AF65-F5344CB8AC3E}">
-        <p14:creationId xmlns:p14="http://schemas.microsoft.com/office/powerpoint/2010/main" val="1022108122"/>
+        <p14:creationId xmlns:p14="http://schemas.microsoft.com/office/powerpoint/2010/main" val="3245302572"/>
       </p:ext>
     </p:extLst>
   </p:cSld>

--- a/제출자료/최종 발표 프레젠테이션(김정훈).pptx
+++ b/제출자료/최종 발표 프레젠테이션(김정훈).pptx
@@ -990,7 +990,7 @@
             <a:fld id="{B61BEF0D-F0BB-DE4B-95CE-6DB70DBA9567}" type="datetimeFigureOut">
               <a:rPr lang="en-US" dirty="0"/>
               <a:pPr/>
-              <a:t>8/21/2023</a:t>
+              <a:t>8/22/2023</a:t>
             </a:fld>
             <a:endParaRPr lang="en-US" dirty="0"/>
           </a:p>
@@ -1437,7 +1437,7 @@
             <a:fld id="{B61BEF0D-F0BB-DE4B-95CE-6DB70DBA9567}" type="datetimeFigureOut">
               <a:rPr lang="en-US" dirty="0"/>
               <a:pPr/>
-              <a:t>8/21/2023</a:t>
+              <a:t>8/22/2023</a:t>
             </a:fld>
             <a:endParaRPr lang="en-US" dirty="0"/>
           </a:p>
@@ -1698,7 +1698,7 @@
             <a:fld id="{B61BEF0D-F0BB-DE4B-95CE-6DB70DBA9567}" type="datetimeFigureOut">
               <a:rPr lang="en-US" dirty="0"/>
               <a:pPr/>
-              <a:t>8/21/2023</a:t>
+              <a:t>8/22/2023</a:t>
             </a:fld>
             <a:endParaRPr lang="en-US" dirty="0"/>
           </a:p>
@@ -2017,7 +2017,7 @@
             <a:fld id="{B61BEF0D-F0BB-DE4B-95CE-6DB70DBA9567}" type="datetimeFigureOut">
               <a:rPr lang="en-US" dirty="0"/>
               <a:pPr/>
-              <a:t>8/21/2023</a:t>
+              <a:t>8/22/2023</a:t>
             </a:fld>
             <a:endParaRPr lang="en-US" dirty="0"/>
           </a:p>
@@ -2346,7 +2346,7 @@
             <a:fld id="{B61BEF0D-F0BB-DE4B-95CE-6DB70DBA9567}" type="datetimeFigureOut">
               <a:rPr lang="en-US" dirty="0"/>
               <a:pPr/>
-              <a:t>8/21/2023</a:t>
+              <a:t>8/22/2023</a:t>
             </a:fld>
             <a:endParaRPr lang="en-US" dirty="0"/>
           </a:p>
@@ -2659,7 +2659,7 @@
             <a:fld id="{B61BEF0D-F0BB-DE4B-95CE-6DB70DBA9567}" type="datetimeFigureOut">
               <a:rPr lang="en-US" dirty="0"/>
               <a:pPr/>
-              <a:t>8/21/2023</a:t>
+              <a:t>8/22/2023</a:t>
             </a:fld>
             <a:endParaRPr lang="en-US" dirty="0"/>
           </a:p>
@@ -3037,7 +3037,7 @@
             <a:fld id="{B61BEF0D-F0BB-DE4B-95CE-6DB70DBA9567}" type="datetimeFigureOut">
               <a:rPr lang="en-US" dirty="0"/>
               <a:pPr/>
-              <a:t>8/21/2023</a:t>
+              <a:t>8/22/2023</a:t>
             </a:fld>
             <a:endParaRPr lang="en-US" dirty="0"/>
           </a:p>
@@ -3222,7 +3222,7 @@
             <a:fld id="{B61BEF0D-F0BB-DE4B-95CE-6DB70DBA9567}" type="datetimeFigureOut">
               <a:rPr lang="en-US" dirty="0"/>
               <a:pPr/>
-              <a:t>8/21/2023</a:t>
+              <a:t>8/22/2023</a:t>
             </a:fld>
             <a:endParaRPr lang="en-US" dirty="0"/>
           </a:p>
@@ -3413,7 +3413,7 @@
             <a:fld id="{B61BEF0D-F0BB-DE4B-95CE-6DB70DBA9567}" type="datetimeFigureOut">
               <a:rPr lang="en-US" dirty="0"/>
               <a:pPr/>
-              <a:t>8/21/2023</a:t>
+              <a:t>8/22/2023</a:t>
             </a:fld>
             <a:endParaRPr lang="en-US" dirty="0"/>
           </a:p>
@@ -3961,7 +3961,7 @@
             <a:fld id="{B61BEF0D-F0BB-DE4B-95CE-6DB70DBA9567}" type="datetimeFigureOut">
               <a:rPr lang="en-US" dirty="0"/>
               <a:pPr/>
-              <a:t>8/21/2023</a:t>
+              <a:t>8/22/2023</a:t>
             </a:fld>
             <a:endParaRPr lang="en-US" dirty="0"/>
           </a:p>
@@ -4222,7 +4222,7 @@
             <a:fld id="{B61BEF0D-F0BB-DE4B-95CE-6DB70DBA9567}" type="datetimeFigureOut">
               <a:rPr lang="en-US" dirty="0"/>
               <a:pPr/>
-              <a:t>8/21/2023</a:t>
+              <a:t>8/22/2023</a:t>
             </a:fld>
             <a:endParaRPr lang="en-US" dirty="0"/>
           </a:p>
@@ -4469,7 +4469,7 @@
             <a:fld id="{B61BEF0D-F0BB-DE4B-95CE-6DB70DBA9567}" type="datetimeFigureOut">
               <a:rPr lang="en-US" dirty="0"/>
               <a:pPr/>
-              <a:t>8/21/2023</a:t>
+              <a:t>8/22/2023</a:t>
             </a:fld>
             <a:endParaRPr lang="en-US" dirty="0"/>
           </a:p>
@@ -4862,7 +4862,7 @@
             <a:fld id="{B61BEF0D-F0BB-DE4B-95CE-6DB70DBA9567}" type="datetimeFigureOut">
               <a:rPr lang="en-US" dirty="0"/>
               <a:pPr/>
-              <a:t>8/21/2023</a:t>
+              <a:t>8/22/2023</a:t>
             </a:fld>
             <a:endParaRPr lang="en-US" dirty="0"/>
           </a:p>
@@ -4991,7 +4991,7 @@
             <a:fld id="{B61BEF0D-F0BB-DE4B-95CE-6DB70DBA9567}" type="datetimeFigureOut">
               <a:rPr lang="en-US" dirty="0"/>
               <a:pPr/>
-              <a:t>8/21/2023</a:t>
+              <a:t>8/22/2023</a:t>
             </a:fld>
             <a:endParaRPr lang="en-US" dirty="0"/>
           </a:p>
@@ -5097,7 +5097,7 @@
             <a:fld id="{B61BEF0D-F0BB-DE4B-95CE-6DB70DBA9567}" type="datetimeFigureOut">
               <a:rPr lang="en-US" dirty="0"/>
               <a:pPr/>
-              <a:t>8/21/2023</a:t>
+              <a:t>8/22/2023</a:t>
             </a:fld>
             <a:endParaRPr lang="en-US" dirty="0"/>
           </a:p>
@@ -5363,7 +5363,7 @@
             <a:fld id="{B61BEF0D-F0BB-DE4B-95CE-6DB70DBA9567}" type="datetimeFigureOut">
               <a:rPr lang="en-US" dirty="0"/>
               <a:pPr/>
-              <a:t>8/21/2023</a:t>
+              <a:t>8/22/2023</a:t>
             </a:fld>
             <a:endParaRPr lang="en-US" dirty="0"/>
           </a:p>
@@ -5657,7 +5657,7 @@
             <a:fld id="{B61BEF0D-F0BB-DE4B-95CE-6DB70DBA9567}" type="datetimeFigureOut">
               <a:rPr lang="en-US" dirty="0"/>
               <a:pPr/>
-              <a:t>8/21/2023</a:t>
+              <a:t>8/22/2023</a:t>
             </a:fld>
             <a:endParaRPr lang="en-US" dirty="0"/>
           </a:p>
@@ -6074,7 +6074,7 @@
             <a:fld id="{B61BEF0D-F0BB-DE4B-95CE-6DB70DBA9567}" type="datetimeFigureOut">
               <a:rPr lang="en-US" dirty="0"/>
               <a:pPr/>
-              <a:t>8/21/2023</a:t>
+              <a:t>8/22/2023</a:t>
             </a:fld>
             <a:endParaRPr lang="en-US" dirty="0"/>
           </a:p>
@@ -8598,36 +8598,6 @@
           </a:p>
         </p:txBody>
       </p:sp>
-      <p:pic>
-        <p:nvPicPr>
-          <p:cNvPr id="5" name="그림 4">
-            <a:extLst>
-              <a:ext uri="{FF2B5EF4-FFF2-40B4-BE49-F238E27FC236}">
-                <a16:creationId xmlns:a16="http://schemas.microsoft.com/office/drawing/2014/main" id="{EA0963FF-B009-4E27-02C0-B95C6007386A}"/>
-              </a:ext>
-            </a:extLst>
-          </p:cNvPr>
-          <p:cNvPicPr>
-            <a:picLocks noChangeAspect="1"/>
-          </p:cNvPicPr>
-          <p:nvPr/>
-        </p:nvPicPr>
-        <p:blipFill>
-          <a:blip r:embed="rId2"/>
-          <a:stretch>
-            <a:fillRect/>
-          </a:stretch>
-        </p:blipFill>
-        <p:spPr>
-          <a:xfrm>
-            <a:off x="536331" y="1586446"/>
-            <a:ext cx="4875191" cy="2541475"/>
-          </a:xfrm>
-          <a:prstGeom prst="rect">
-            <a:avLst/>
-          </a:prstGeom>
-        </p:spPr>
-      </p:pic>
     </p:spTree>
     <p:extLst>
       <p:ext uri="{BB962C8B-B14F-4D97-AF65-F5344CB8AC3E}">

--- a/제출자료/최종 발표 프레젠테이션(김정훈).pptx
+++ b/제출자료/최종 발표 프레젠테이션(김정훈).pptx
@@ -6906,15 +6906,7 @@
                   <a:schemeClr val="tx1"/>
                 </a:solidFill>
               </a:rPr>
-              <a:t>해당 서비스를 한 서버에 구성할 수 있다는 장점이 있지만 과부하의 위험성 때문에 해당 서버의 메모리를 </a:t>
-            </a:r>
-            <a:r>
-              <a:rPr lang="ko-KR" altLang="en-US" dirty="0" err="1">
-                <a:solidFill>
-                  <a:schemeClr val="tx1"/>
-                </a:solidFill>
-              </a:rPr>
-              <a:t>늘려야했음</a:t>
+              <a:t>해당 서비스를 한 서버에 구성할 수 있다는 장점이 있지만 과부하의 위험성 때문에 해당 서버의 메모리를 늘려야 했음</a:t>
             </a:r>
             <a:r>
               <a:rPr lang="en-US" altLang="ko-KR" dirty="0">
@@ -6927,6 +6919,24 @@
           </a:p>
           <a:p>
             <a:endParaRPr lang="en-US" altLang="ko-KR" dirty="0"/>
+          </a:p>
+          <a:p>
+            <a:r>
+              <a:rPr lang="ko-KR" altLang="en-US" dirty="0">
+                <a:solidFill>
+                  <a:schemeClr val="tx1"/>
+                </a:solidFill>
+              </a:rPr>
+              <a:t>남은 기간 동안 서버의 과부하를 줄이기 위해 역할별로 여러 대의 서버를 추가하여 보완할 계획</a:t>
+            </a:r>
+            <a:r>
+              <a:rPr lang="en-US" altLang="ko-KR" dirty="0">
+                <a:solidFill>
+                  <a:schemeClr val="tx1"/>
+                </a:solidFill>
+              </a:rPr>
+              <a:t>.</a:t>
+            </a:r>
           </a:p>
           <a:p>
             <a:endParaRPr lang="ko-KR" altLang="en-US" dirty="0"/>

--- a/제출자료/최종 발표 프레젠테이션(김정훈).pptx
+++ b/제출자료/최종 발표 프레젠테이션(김정훈).pptx
@@ -6633,7 +6633,7 @@
         <p:spPr>
           <a:xfrm>
             <a:off x="508763" y="1185984"/>
-            <a:ext cx="6000750" cy="1024305"/>
+            <a:ext cx="6375614" cy="1024305"/>
           </a:xfrm>
           <a:prstGeom prst="rect">
             <a:avLst/>
@@ -6656,15 +6656,7 @@
             </a:pPr>
             <a:r>
               <a:rPr lang="en-US" altLang="ko" dirty="0"/>
-              <a:t>SONAR x </a:t>
-            </a:r>
-            <a:r>
-              <a:rPr lang="en-US" altLang="ko" dirty="0" err="1"/>
-              <a:t>jENKINS</a:t>
-            </a:r>
-            <a:r>
-              <a:rPr lang="en-US" altLang="ko" dirty="0"/>
-              <a:t> </a:t>
+              <a:t>Ci/cd stream </a:t>
             </a:r>
             <a:r>
               <a:rPr lang="ko" dirty="0"/>
@@ -7362,7 +7354,7 @@
         </p:blipFill>
         <p:spPr>
           <a:xfrm>
-            <a:off x="3008921" y="1989669"/>
+            <a:off x="3114429" y="2161119"/>
             <a:ext cx="2631344" cy="1315673"/>
           </a:xfrm>
           <a:prstGeom prst="rect">
@@ -7392,7 +7384,7 @@
         </p:blipFill>
         <p:spPr>
           <a:xfrm>
-            <a:off x="4045313" y="3186119"/>
+            <a:off x="3559537" y="3045696"/>
             <a:ext cx="3154241" cy="1741404"/>
           </a:xfrm>
           <a:prstGeom prst="rect">
@@ -7422,8 +7414,8 @@
         </p:blipFill>
         <p:spPr>
           <a:xfrm>
-            <a:off x="6419236" y="612695"/>
-            <a:ext cx="1967279" cy="1107702"/>
+            <a:off x="6097218" y="636986"/>
+            <a:ext cx="2167109" cy="1220219"/>
           </a:xfrm>
           <a:prstGeom prst="rect">
             <a:avLst/>
@@ -7452,7 +7444,7 @@
         </p:blipFill>
         <p:spPr>
           <a:xfrm>
-            <a:off x="4176099" y="776576"/>
+            <a:off x="4158638" y="899467"/>
             <a:ext cx="1921119" cy="1080629"/>
           </a:xfrm>
           <a:prstGeom prst="rect">
@@ -7546,8 +7538,38 @@
         </p:blipFill>
         <p:spPr>
           <a:xfrm>
-            <a:off x="7614138" y="4109464"/>
+            <a:off x="7040431" y="4020925"/>
             <a:ext cx="1023600" cy="767700"/>
+          </a:xfrm>
+          <a:prstGeom prst="rect">
+            <a:avLst/>
+          </a:prstGeom>
+        </p:spPr>
+      </p:pic>
+      <p:pic>
+        <p:nvPicPr>
+          <p:cNvPr id="3" name="그림 2">
+            <a:extLst>
+              <a:ext uri="{FF2B5EF4-FFF2-40B4-BE49-F238E27FC236}">
+                <a16:creationId xmlns:a16="http://schemas.microsoft.com/office/drawing/2014/main" id="{10240AE3-0540-D1D1-71CA-0CC5508BC596}"/>
+              </a:ext>
+            </a:extLst>
+          </p:cNvPr>
+          <p:cNvPicPr>
+            <a:picLocks noChangeAspect="1"/>
+          </p:cNvPicPr>
+          <p:nvPr/>
+        </p:nvPicPr>
+        <p:blipFill>
+          <a:blip r:embed="rId8"/>
+          <a:stretch>
+            <a:fillRect/>
+          </a:stretch>
+        </p:blipFill>
+        <p:spPr>
+          <a:xfrm>
+            <a:off x="7214035" y="2619981"/>
+            <a:ext cx="1531482" cy="1351700"/>
           </a:xfrm>
           <a:prstGeom prst="rect">
             <a:avLst/>
@@ -7625,7 +7647,7 @@
         </p:nvSpPr>
         <p:spPr>
           <a:xfrm>
-            <a:off x="471900" y="1828800"/>
+            <a:off x="471900" y="1701312"/>
             <a:ext cx="8604367" cy="3020608"/>
           </a:xfrm>
         </p:spPr>
@@ -7647,7 +7669,7 @@
                   <a:schemeClr val="tx1"/>
                 </a:solidFill>
               </a:rPr>
-              <a:t>: Sonar X Jenkins </a:t>
+              <a:t>: CI/CD STREAM </a:t>
             </a:r>
             <a:r>
               <a:rPr lang="ko-KR" altLang="en-US" dirty="0">
@@ -7833,7 +7855,7 @@
                   <a:schemeClr val="tx1"/>
                 </a:solidFill>
               </a:rPr>
-              <a:t>Jenkins</a:t>
+              <a:t>Flask-CI/CD</a:t>
             </a:r>
             <a:r>
               <a:rPr lang="ko-KR" altLang="en-US" dirty="0">
@@ -7857,7 +7879,23 @@
                   <a:schemeClr val="tx1"/>
                 </a:solidFill>
               </a:rPr>
-              <a:t>코드 분석 및 </a:t>
+              <a:t>코드 자동 분석</a:t>
+            </a:r>
+            <a:r>
+              <a:rPr lang="en-US" altLang="ko-KR" dirty="0">
+                <a:solidFill>
+                  <a:schemeClr val="tx1"/>
+                </a:solidFill>
+              </a:rPr>
+              <a:t> </a:t>
+            </a:r>
+            <a:r>
+              <a:rPr lang="ko-KR" altLang="en-US" dirty="0">
+                <a:solidFill>
+                  <a:schemeClr val="tx1"/>
+                </a:solidFill>
+              </a:rPr>
+              <a:t>및 </a:t>
             </a:r>
             <a:endParaRPr lang="en-US" altLang="ko-KR" dirty="0">
               <a:solidFill>
@@ -7875,7 +7913,7 @@
                   <a:schemeClr val="tx1"/>
                 </a:solidFill>
               </a:rPr>
-              <a:t>       이메일 결과 알림 기능</a:t>
+              <a:t>       이메일 자동 알림</a:t>
             </a:r>
             <a:r>
               <a:rPr lang="en-US" altLang="ko-KR" dirty="0">
@@ -7883,7 +7921,7 @@
                   <a:schemeClr val="tx1"/>
                 </a:solidFill>
               </a:rPr>
-              <a:t>, Docker </a:t>
+              <a:t> </a:t>
             </a:r>
             <a:r>
               <a:rPr lang="ko-KR" altLang="en-US" dirty="0">
@@ -7891,7 +7929,7 @@
                   <a:schemeClr val="tx1"/>
                 </a:solidFill>
               </a:rPr>
-              <a:t>서버를 통한 코드 분석 결과 배포 기능</a:t>
+              <a:t>시스템 설정</a:t>
             </a:r>
             <a:r>
               <a:rPr lang="en-US" altLang="ko-KR" dirty="0">
@@ -7899,13 +7937,204 @@
                   <a:schemeClr val="tx1"/>
                 </a:solidFill>
               </a:rPr>
-              <a:t>.</a:t>
-            </a:r>
-            <a:endParaRPr lang="ko-KR" altLang="en-US" dirty="0">
+              <a:t>. </a:t>
+            </a:r>
+          </a:p>
+          <a:p>
+            <a:pPr marL="114300" indent="0">
+              <a:buNone/>
+            </a:pPr>
+            <a:r>
+              <a:rPr lang="en-US" altLang="ko-KR" dirty="0">
+                <a:solidFill>
+                  <a:schemeClr val="tx1"/>
+                </a:solidFill>
+              </a:rPr>
+              <a:t>       SonarQube</a:t>
+            </a:r>
+            <a:r>
+              <a:rPr lang="ko-KR" altLang="en-US" dirty="0">
+                <a:solidFill>
+                  <a:schemeClr val="tx1"/>
+                </a:solidFill>
+              </a:rPr>
+              <a:t>로 검증된 파이썬 코드를 압축하여 </a:t>
+            </a:r>
+            <a:r>
+              <a:rPr lang="ko-KR" altLang="en-US" dirty="0" err="1">
+                <a:solidFill>
+                  <a:schemeClr val="tx1"/>
+                </a:solidFill>
+              </a:rPr>
+              <a:t>깃허브</a:t>
+            </a:r>
+            <a:r>
+              <a:rPr lang="ko-KR" altLang="en-US" dirty="0">
+                <a:solidFill>
+                  <a:schemeClr val="tx1"/>
+                </a:solidFill>
+              </a:rPr>
+              <a:t> </a:t>
+            </a:r>
+            <a:r>
+              <a:rPr lang="en-US" altLang="ko-KR" dirty="0">
+                <a:solidFill>
+                  <a:schemeClr val="tx1"/>
+                </a:solidFill>
+              </a:rPr>
+              <a:t>Release</a:t>
+            </a:r>
+            <a:r>
+              <a:rPr lang="ko-KR" altLang="en-US" dirty="0">
+                <a:solidFill>
+                  <a:schemeClr val="tx1"/>
+                </a:solidFill>
+              </a:rPr>
+              <a:t>에 배포하기</a:t>
+            </a:r>
+            <a:r>
+              <a:rPr lang="en-US" altLang="ko-KR" dirty="0">
+                <a:solidFill>
+                  <a:schemeClr val="tx1"/>
+                </a:solidFill>
+              </a:rPr>
+              <a:t>. </a:t>
+            </a:r>
+          </a:p>
+          <a:p>
+            <a:pPr marL="114300" indent="0">
+              <a:buNone/>
+            </a:pPr>
+            <a:r>
+              <a:rPr lang="ko-KR" altLang="en-US" dirty="0">
+                <a:solidFill>
+                  <a:schemeClr val="tx1"/>
+                </a:solidFill>
+              </a:rPr>
+              <a:t>       </a:t>
+            </a:r>
+            <a:r>
+              <a:rPr lang="ko-KR" altLang="en-US" dirty="0" err="1">
+                <a:solidFill>
+                  <a:schemeClr val="tx1"/>
+                </a:solidFill>
+              </a:rPr>
+              <a:t>깃허브</a:t>
+            </a:r>
+            <a:r>
+              <a:rPr lang="ko-KR" altLang="en-US" dirty="0">
+                <a:solidFill>
+                  <a:schemeClr val="tx1"/>
+                </a:solidFill>
+              </a:rPr>
+              <a:t> 내 다른 </a:t>
+            </a:r>
+            <a:r>
+              <a:rPr lang="en-US" altLang="ko-KR" dirty="0">
+                <a:solidFill>
+                  <a:schemeClr val="tx1"/>
+                </a:solidFill>
+              </a:rPr>
+              <a:t>Docker </a:t>
+            </a:r>
+            <a:r>
+              <a:rPr lang="ko-KR" altLang="en-US" dirty="0">
+                <a:solidFill>
+                  <a:schemeClr val="tx1"/>
+                </a:solidFill>
+              </a:rPr>
+              <a:t>프로젝트의 </a:t>
+            </a:r>
+            <a:r>
+              <a:rPr lang="en-US" altLang="ko-KR" dirty="0">
+                <a:solidFill>
+                  <a:schemeClr val="tx1"/>
+                </a:solidFill>
+              </a:rPr>
+              <a:t> </a:t>
+            </a:r>
+            <a:r>
+              <a:rPr lang="ko-KR" altLang="en-US" dirty="0">
+                <a:solidFill>
+                  <a:schemeClr val="tx1"/>
+                </a:solidFill>
+              </a:rPr>
+              <a:t>컨테이너 이미지를</a:t>
+            </a:r>
+            <a:endParaRPr lang="en-US" altLang="ko-KR" dirty="0">
               <a:solidFill>
                 <a:schemeClr val="tx1"/>
               </a:solidFill>
             </a:endParaRPr>
+          </a:p>
+          <a:p>
+            <a:pPr marL="114300" indent="0">
+              <a:buNone/>
+            </a:pPr>
+            <a:r>
+              <a:rPr lang="ko-KR" altLang="en-US" dirty="0">
+                <a:solidFill>
+                  <a:schemeClr val="tx1"/>
+                </a:solidFill>
+              </a:rPr>
+              <a:t>       </a:t>
+            </a:r>
+            <a:r>
+              <a:rPr lang="en-US" altLang="ko-KR" dirty="0">
+                <a:solidFill>
+                  <a:schemeClr val="tx1"/>
+                </a:solidFill>
+              </a:rPr>
+              <a:t>Jenkins</a:t>
+            </a:r>
+            <a:r>
+              <a:rPr lang="ko-KR" altLang="en-US" dirty="0">
+                <a:solidFill>
+                  <a:schemeClr val="tx1"/>
+                </a:solidFill>
+              </a:rPr>
+              <a:t>를 활용하여  </a:t>
+            </a:r>
+            <a:r>
+              <a:rPr lang="en-US" altLang="ko-KR" dirty="0">
+                <a:solidFill>
+                  <a:schemeClr val="tx1"/>
+                </a:solidFill>
+              </a:rPr>
+              <a:t>Docker Hub</a:t>
+            </a:r>
+            <a:r>
+              <a:rPr lang="ko-KR" altLang="en-US" dirty="0">
+                <a:solidFill>
+                  <a:schemeClr val="tx1"/>
+                </a:solidFill>
+              </a:rPr>
+              <a:t>에 </a:t>
+            </a:r>
+            <a:r>
+              <a:rPr lang="en-US" altLang="ko-KR" dirty="0">
+                <a:solidFill>
+                  <a:schemeClr val="tx1"/>
+                </a:solidFill>
+              </a:rPr>
+              <a:t>Push</a:t>
+            </a:r>
+            <a:r>
+              <a:rPr lang="ko-KR" altLang="en-US" dirty="0">
+                <a:solidFill>
+                  <a:schemeClr val="tx1"/>
+                </a:solidFill>
+              </a:rPr>
+              <a:t>하고 다른 사용자들에게 공개</a:t>
+            </a:r>
+            <a:r>
+              <a:rPr lang="en-US" altLang="ko-KR" dirty="0">
+                <a:solidFill>
+                  <a:schemeClr val="tx1"/>
+                </a:solidFill>
+              </a:rPr>
+              <a:t>.</a:t>
+            </a:r>
           </a:p>
         </p:txBody>
       </p:sp>
@@ -7990,7 +8219,7 @@
         </p:nvSpPr>
         <p:spPr>
           <a:xfrm>
-            <a:off x="172963" y="1696010"/>
+            <a:off x="340017" y="1656445"/>
             <a:ext cx="8222100" cy="2710200"/>
           </a:xfrm>
         </p:spPr>
@@ -8095,7 +8324,7 @@
                   <a:schemeClr val="tx1"/>
                 </a:solidFill>
               </a:rPr>
-              <a:t>알림 대상자들에게 신속한 이메일 알람을 통해 코드 분석이 완료되었다는 정보를 </a:t>
+              <a:t>알림 대상자들에게 즉각적인 이메일 알람을 통해 코드 분석이 완료되었다는 정보를 </a:t>
             </a:r>
             <a:endParaRPr lang="en-US" altLang="ko-KR" dirty="0">
               <a:solidFill>
@@ -8138,12 +8367,36 @@
           </a:p>
           <a:p>
             <a:r>
+              <a:rPr lang="en-US" altLang="ko-KR" dirty="0">
+                <a:solidFill>
+                  <a:schemeClr val="tx1"/>
+                </a:solidFill>
+              </a:rPr>
+              <a:t>SonarQube</a:t>
+            </a:r>
+            <a:r>
               <a:rPr lang="ko-KR" altLang="en-US" dirty="0">
                 <a:solidFill>
                   <a:schemeClr val="tx1"/>
                 </a:solidFill>
               </a:rPr>
-              <a:t>분석 결과를 </a:t>
+              <a:t>로 </a:t>
+            </a:r>
+            <a:r>
+              <a:rPr lang="ko-KR" altLang="en-US" dirty="0" err="1">
+                <a:solidFill>
+                  <a:schemeClr val="tx1"/>
+                </a:solidFill>
+              </a:rPr>
+              <a:t>검증받은</a:t>
+            </a:r>
+            <a:r>
+              <a:rPr lang="ko-KR" altLang="en-US" dirty="0">
+                <a:solidFill>
+                  <a:schemeClr val="tx1"/>
+                </a:solidFill>
+              </a:rPr>
+              <a:t> </a:t>
             </a:r>
             <a:r>
               <a:rPr lang="en-US" altLang="ko-KR" dirty="0">
@@ -8151,7 +8404,7 @@
                   <a:schemeClr val="tx1"/>
                 </a:solidFill>
               </a:rPr>
-              <a:t>Docker </a:t>
+              <a:t>Python </a:t>
             </a:r>
             <a:r>
               <a:rPr lang="ko-KR" altLang="en-US" dirty="0">
@@ -8159,7 +8412,23 @@
                   <a:schemeClr val="tx1"/>
                 </a:solidFill>
               </a:rPr>
-              <a:t>등을 통해 배포함으로써 많은 타</a:t>
+              <a:t>코드를 </a:t>
+            </a:r>
+            <a:r>
+              <a:rPr lang="ko-KR" altLang="en-US" dirty="0" err="1">
+                <a:solidFill>
+                  <a:schemeClr val="tx1"/>
+                </a:solidFill>
+              </a:rPr>
+              <a:t>깃허브</a:t>
+            </a:r>
+            <a:r>
+              <a:rPr lang="ko-KR" altLang="en-US" dirty="0">
+                <a:solidFill>
+                  <a:schemeClr val="tx1"/>
+                </a:solidFill>
+              </a:rPr>
+              <a:t> </a:t>
             </a:r>
             <a:r>
               <a:rPr lang="en-US" altLang="ko-KR" dirty="0">
@@ -8167,7 +8436,7 @@
                   <a:schemeClr val="tx1"/>
                 </a:solidFill>
               </a:rPr>
-              <a:t> </a:t>
+              <a:t>Release</a:t>
             </a:r>
             <a:r>
               <a:rPr lang="ko-KR" altLang="en-US" dirty="0">
@@ -8175,7 +8444,15 @@
                   <a:schemeClr val="tx1"/>
                 </a:solidFill>
               </a:rPr>
-              <a:t>사용자들의 열람을 유도하기</a:t>
+              <a:t>로 자동 배포하기</a:t>
+            </a:r>
+            <a:r>
+              <a:rPr lang="en-US" altLang="ko-KR" dirty="0">
+                <a:solidFill>
+                  <a:schemeClr val="tx1"/>
+                </a:solidFill>
+              </a:rPr>
+              <a:t>.</a:t>
             </a:r>
           </a:p>
         </p:txBody>
@@ -8322,36 +8599,6 @@
           </a:p>
         </p:txBody>
       </p:sp>
-      <p:pic>
-        <p:nvPicPr>
-          <p:cNvPr id="4" name="그림 3">
-            <a:extLst>
-              <a:ext uri="{FF2B5EF4-FFF2-40B4-BE49-F238E27FC236}">
-                <a16:creationId xmlns:a16="http://schemas.microsoft.com/office/drawing/2014/main" id="{2E028133-A202-811A-2DA1-9961C3C0CE3C}"/>
-              </a:ext>
-            </a:extLst>
-          </p:cNvPr>
-          <p:cNvPicPr>
-            <a:picLocks noChangeAspect="1"/>
-          </p:cNvPicPr>
-          <p:nvPr/>
-        </p:nvPicPr>
-        <p:blipFill>
-          <a:blip r:embed="rId2"/>
-          <a:stretch>
-            <a:fillRect/>
-          </a:stretch>
-        </p:blipFill>
-        <p:spPr>
-          <a:xfrm>
-            <a:off x="536331" y="1818551"/>
-            <a:ext cx="7543044" cy="2274857"/>
-          </a:xfrm>
-          <a:prstGeom prst="rect">
-            <a:avLst/>
-          </a:prstGeom>
-        </p:spPr>
-      </p:pic>
     </p:spTree>
     <p:extLst>
       <p:ext uri="{BB962C8B-B14F-4D97-AF65-F5344CB8AC3E}">

--- a/제출자료/최종 발표 프레젠테이션(김정훈).pptx
+++ b/제출자료/최종 발표 프레젠테이션(김정훈).pptx
@@ -5,7 +5,7 @@
     <p:sldMasterId id="2147483660" r:id="rId1"/>
   </p:sldMasterIdLst>
   <p:notesMasterIdLst>
-    <p:notesMasterId r:id="rId13"/>
+    <p:notesMasterId r:id="rId18"/>
   </p:notesMasterIdLst>
   <p:sldIdLst>
     <p:sldId id="256" r:id="rId2"/>
@@ -16,23 +16,28 @@
     <p:sldId id="260" r:id="rId7"/>
     <p:sldId id="268" r:id="rId8"/>
     <p:sldId id="261" r:id="rId9"/>
-    <p:sldId id="269" r:id="rId10"/>
-    <p:sldId id="262" r:id="rId11"/>
-    <p:sldId id="264" r:id="rId12"/>
+    <p:sldId id="273" r:id="rId10"/>
+    <p:sldId id="270" r:id="rId11"/>
+    <p:sldId id="271" r:id="rId12"/>
+    <p:sldId id="269" r:id="rId13"/>
+    <p:sldId id="274" r:id="rId14"/>
+    <p:sldId id="262" r:id="rId15"/>
+    <p:sldId id="272" r:id="rId16"/>
+    <p:sldId id="264" r:id="rId17"/>
   </p:sldIdLst>
   <p:sldSz cx="9144000" cy="5143500" type="screen16x9"/>
   <p:notesSz cx="6858000" cy="9144000"/>
   <p:embeddedFontLst>
     <p:embeddedFont>
       <p:font typeface="Century Gothic" panose="020B0502020202020204" pitchFamily="34" charset="0"/>
-      <p:regular r:id="rId14"/>
-      <p:bold r:id="rId15"/>
-      <p:italic r:id="rId16"/>
-      <p:boldItalic r:id="rId17"/>
+      <p:regular r:id="rId19"/>
+      <p:bold r:id="rId20"/>
+      <p:italic r:id="rId21"/>
+      <p:boldItalic r:id="rId22"/>
     </p:embeddedFont>
     <p:embeddedFont>
       <p:font typeface="Wingdings 3" panose="05040102010807070707" pitchFamily="18" charset="2"/>
-      <p:regular r:id="rId18"/>
+      <p:regular r:id="rId23"/>
     </p:embeddedFont>
   </p:embeddedFontLst>
   <p:defaultTextStyle>
@@ -147,6 +152,32 @@
     </p:ext>
   </p:extLst>
 </p:presentation>
+</file>
+
+<file path=ppt/commentAuthors.xml><?xml version="1.0" encoding="utf-8"?>
+<p:cmAuthorLst xmlns:a="http://schemas.openxmlformats.org/drawingml/2006/main" xmlns:r="http://schemas.openxmlformats.org/officeDocument/2006/relationships" xmlns:p="http://schemas.openxmlformats.org/presentationml/2006/main">
+  <p:cmAuthor id="1" name="김 정훈" initials="김정" lastIdx="1" clrIdx="0">
+    <p:extLst>
+      <p:ext uri="{19B8F6BF-5375-455C-9EA6-DF929625EA0E}">
+        <p15:presenceInfo xmlns:p15="http://schemas.microsoft.com/office/powerpoint/2012/main" userId="5680bc70b364375d" providerId="Windows Live"/>
+      </p:ext>
+    </p:extLst>
+  </p:cmAuthor>
+</p:cmAuthorLst>
+</file>
+
+<file path=ppt/comments/comment1.xml><?xml version="1.0" encoding="utf-8"?>
+<p:cmLst xmlns:a="http://schemas.openxmlformats.org/drawingml/2006/main" xmlns:r="http://schemas.openxmlformats.org/officeDocument/2006/relationships" xmlns:p="http://schemas.openxmlformats.org/presentationml/2006/main">
+  <p:cm authorId="1" dt="2023-08-22T23:47:13.542" idx="1">
+    <p:pos x="10" y="10"/>
+    <p:text/>
+    <p:extLst>
+      <p:ext uri="{C676402C-5697-4E1C-873F-D02D1690AC5C}">
+        <p15:threadingInfo xmlns:p15="http://schemas.microsoft.com/office/powerpoint/2012/main" timeZoneBias="-540"/>
+      </p:ext>
+    </p:extLst>
+  </p:cm>
+</p:cmLst>
 </file>
 
 <file path=ppt/notesMasters/notesMaster1.xml><?xml version="1.0" encoding="utf-8"?>
@@ -6818,7 +6849,7 @@
           <p:cNvPr id="2" name="제목 1">
             <a:extLst>
               <a:ext uri="{FF2B5EF4-FFF2-40B4-BE49-F238E27FC236}">
-                <a16:creationId xmlns:a16="http://schemas.microsoft.com/office/drawing/2014/main" id="{4689DFAA-FA40-3F7E-FE04-84C1489C647D}"/>
+                <a16:creationId xmlns:a16="http://schemas.microsoft.com/office/drawing/2014/main" id="{A9BDBCF8-810A-9EF2-E7C5-4BF628817D4A}"/>
               </a:ext>
             </a:extLst>
           </p:cNvPr>
@@ -6829,14 +6860,19 @@
             <p:ph type="title"/>
           </p:nvPr>
         </p:nvSpPr>
-        <p:spPr/>
+        <p:spPr>
+          <a:xfrm>
+            <a:off x="460950" y="517992"/>
+            <a:ext cx="8222100" cy="767700"/>
+          </a:xfrm>
+        </p:spPr>
         <p:txBody>
           <a:bodyPr/>
           <a:lstStyle/>
           <a:p>
             <a:r>
               <a:rPr lang="ko-KR" altLang="en-US" dirty="0"/>
-              <a:t>보완점</a:t>
+              <a:t>결과 데모 시연</a:t>
             </a:r>
           </a:p>
         </p:txBody>
@@ -6846,7 +6882,7 @@
           <p:cNvPr id="3" name="텍스트 개체 틀 2">
             <a:extLst>
               <a:ext uri="{FF2B5EF4-FFF2-40B4-BE49-F238E27FC236}">
-                <a16:creationId xmlns:a16="http://schemas.microsoft.com/office/drawing/2014/main" id="{A3FBF26A-E50E-05FF-7801-D1216EA756DE}"/>
+                <a16:creationId xmlns:a16="http://schemas.microsoft.com/office/drawing/2014/main" id="{4183921B-281E-EF63-18F9-E5D7D94267CF}"/>
               </a:ext>
             </a:extLst>
           </p:cNvPr>
@@ -6859,8 +6895,8 @@
         </p:nvSpPr>
         <p:spPr>
           <a:xfrm>
-            <a:off x="381819" y="1936659"/>
-            <a:ext cx="8222100" cy="2710200"/>
+            <a:off x="265281" y="1676266"/>
+            <a:ext cx="5629962" cy="1864094"/>
           </a:xfrm>
         </p:spPr>
         <p:txBody>
@@ -6868,12 +6904,33 @@
           <a:lstStyle/>
           <a:p>
             <a:r>
+              <a:rPr lang="en-US" altLang="ko-KR" dirty="0">
+                <a:solidFill>
+                  <a:schemeClr val="tx1"/>
+                </a:solidFill>
+              </a:rPr>
+              <a:t>SonarQube </a:t>
+            </a:r>
+          </a:p>
+          <a:p>
+            <a:pPr marL="114300" indent="0">
+              <a:buNone/>
+            </a:pPr>
+            <a:r>
+              <a:rPr lang="en-US" altLang="ko-KR" dirty="0">
+                <a:solidFill>
+                  <a:schemeClr val="tx1"/>
+                </a:solidFill>
+              </a:rPr>
+              <a:t>      </a:t>
+            </a:r>
+            <a:r>
               <a:rPr lang="ko-KR" altLang="en-US" dirty="0">
                 <a:solidFill>
                   <a:schemeClr val="tx1"/>
                 </a:solidFill>
               </a:rPr>
-              <a:t>여러 서버의 기능을 한 서버에 집중시킨 점이 과부하를 일으킴</a:t>
+              <a:t>웹 서버의 </a:t>
             </a:r>
             <a:r>
               <a:rPr lang="en-US" altLang="ko-KR" dirty="0">
@@ -6881,64 +6938,96 @@
                   <a:schemeClr val="tx1"/>
                 </a:solidFill>
               </a:rPr>
-              <a:t>.</a:t>
-            </a:r>
-          </a:p>
-          <a:p>
-            <a:endParaRPr lang="en-US" altLang="ko-KR" dirty="0">
-              <a:solidFill>
-                <a:schemeClr val="tx1"/>
-              </a:solidFill>
-            </a:endParaRPr>
-          </a:p>
-          <a:p>
+              <a:t>main.py</a:t>
+            </a:r>
+          </a:p>
+          <a:p>
+            <a:pPr marL="114300" indent="0">
+              <a:buNone/>
+            </a:pPr>
+            <a:r>
+              <a:rPr lang="en-US" altLang="ko-KR" dirty="0">
+                <a:solidFill>
+                  <a:schemeClr val="tx1"/>
+                </a:solidFill>
+              </a:rPr>
+              <a:t>      </a:t>
+            </a:r>
             <a:r>
               <a:rPr lang="ko-KR" altLang="en-US" dirty="0">
                 <a:solidFill>
                   <a:schemeClr val="tx1"/>
                 </a:solidFill>
               </a:rPr>
-              <a:t>해당 서비스를 한 서버에 구성할 수 있다는 장점이 있지만 과부하의 위험성 때문에 해당 서버의 메모리를 늘려야 했음</a:t>
-            </a:r>
-            <a:r>
-              <a:rPr lang="en-US" altLang="ko-KR" dirty="0">
-                <a:solidFill>
-                  <a:schemeClr val="tx1"/>
-                </a:solidFill>
-              </a:rPr>
-              <a:t>.</a:t>
-            </a:r>
-          </a:p>
-          <a:p>
-            <a:endParaRPr lang="en-US" altLang="ko-KR" dirty="0"/>
-          </a:p>
-          <a:p>
-            <a:r>
-              <a:rPr lang="ko-KR" altLang="en-US" dirty="0">
-                <a:solidFill>
-                  <a:schemeClr val="tx1"/>
-                </a:solidFill>
-              </a:rPr>
-              <a:t>남은 기간 동안 서버의 과부하를 줄이기 위해 역할별로 여러 대의 서버를 추가하여 보완할 계획</a:t>
-            </a:r>
-            <a:r>
-              <a:rPr lang="en-US" altLang="ko-KR" dirty="0">
-                <a:solidFill>
-                  <a:schemeClr val="tx1"/>
-                </a:solidFill>
-              </a:rPr>
-              <a:t>.</a:t>
-            </a:r>
-          </a:p>
-          <a:p>
-            <a:endParaRPr lang="ko-KR" altLang="en-US" dirty="0"/>
-          </a:p>
-        </p:txBody>
-      </p:sp>
+              <a:t>코드 검사 결과 </a:t>
+            </a:r>
+          </a:p>
+        </p:txBody>
+      </p:sp>
+      <p:pic>
+        <p:nvPicPr>
+          <p:cNvPr id="7" name="그림 6">
+            <a:extLst>
+              <a:ext uri="{FF2B5EF4-FFF2-40B4-BE49-F238E27FC236}">
+                <a16:creationId xmlns:a16="http://schemas.microsoft.com/office/drawing/2014/main" id="{CBC20C8E-44A9-3ACF-4F52-09545A239E89}"/>
+              </a:ext>
+            </a:extLst>
+          </p:cNvPr>
+          <p:cNvPicPr>
+            <a:picLocks noChangeAspect="1"/>
+          </p:cNvPicPr>
+          <p:nvPr/>
+        </p:nvPicPr>
+        <p:blipFill>
+          <a:blip r:embed="rId2"/>
+          <a:stretch>
+            <a:fillRect/>
+          </a:stretch>
+        </p:blipFill>
+        <p:spPr>
+          <a:xfrm>
+            <a:off x="3629780" y="878223"/>
+            <a:ext cx="5421782" cy="3387054"/>
+          </a:xfrm>
+          <a:prstGeom prst="rect">
+            <a:avLst/>
+          </a:prstGeom>
+        </p:spPr>
+      </p:pic>
+      <p:pic>
+        <p:nvPicPr>
+          <p:cNvPr id="9" name="그림 8">
+            <a:extLst>
+              <a:ext uri="{FF2B5EF4-FFF2-40B4-BE49-F238E27FC236}">
+                <a16:creationId xmlns:a16="http://schemas.microsoft.com/office/drawing/2014/main" id="{5E6659FB-3715-145B-2210-B0FDDDDDBFD5}"/>
+              </a:ext>
+            </a:extLst>
+          </p:cNvPr>
+          <p:cNvPicPr>
+            <a:picLocks noChangeAspect="1"/>
+          </p:cNvPicPr>
+          <p:nvPr/>
+        </p:nvPicPr>
+        <p:blipFill>
+          <a:blip r:embed="rId3"/>
+          <a:stretch>
+            <a:fillRect/>
+          </a:stretch>
+        </p:blipFill>
+        <p:spPr>
+          <a:xfrm>
+            <a:off x="460950" y="2733043"/>
+            <a:ext cx="4353385" cy="1532234"/>
+          </a:xfrm>
+          <a:prstGeom prst="rect">
+            <a:avLst/>
+          </a:prstGeom>
+        </p:spPr>
+      </p:pic>
     </p:spTree>
     <p:extLst>
       <p:ext uri="{BB962C8B-B14F-4D97-AF65-F5344CB8AC3E}">
-        <p14:creationId xmlns:p14="http://schemas.microsoft.com/office/powerpoint/2010/main" val="4070003616"/>
+        <p14:creationId xmlns:p14="http://schemas.microsoft.com/office/powerpoint/2010/main" val="1853816766"/>
       </p:ext>
     </p:extLst>
   </p:cSld>
@@ -6970,6 +7059,976 @@
           <p:cNvPr id="2" name="제목 1">
             <a:extLst>
               <a:ext uri="{FF2B5EF4-FFF2-40B4-BE49-F238E27FC236}">
+                <a16:creationId xmlns:a16="http://schemas.microsoft.com/office/drawing/2014/main" id="{A9BDBCF8-810A-9EF2-E7C5-4BF628817D4A}"/>
+              </a:ext>
+            </a:extLst>
+          </p:cNvPr>
+          <p:cNvSpPr>
+            <a:spLocks noGrp="1"/>
+          </p:cNvSpPr>
+          <p:nvPr>
+            <p:ph type="title"/>
+          </p:nvPr>
+        </p:nvSpPr>
+        <p:spPr>
+          <a:xfrm>
+            <a:off x="460950" y="517992"/>
+            <a:ext cx="8222100" cy="767700"/>
+          </a:xfrm>
+        </p:spPr>
+        <p:txBody>
+          <a:bodyPr/>
+          <a:lstStyle/>
+          <a:p>
+            <a:r>
+              <a:rPr lang="ko-KR" altLang="en-US" dirty="0"/>
+              <a:t>결과 데모 시연</a:t>
+            </a:r>
+          </a:p>
+        </p:txBody>
+      </p:sp>
+      <p:sp>
+        <p:nvSpPr>
+          <p:cNvPr id="3" name="텍스트 개체 틀 2">
+            <a:extLst>
+              <a:ext uri="{FF2B5EF4-FFF2-40B4-BE49-F238E27FC236}">
+                <a16:creationId xmlns:a16="http://schemas.microsoft.com/office/drawing/2014/main" id="{4183921B-281E-EF63-18F9-E5D7D94267CF}"/>
+              </a:ext>
+            </a:extLst>
+          </p:cNvPr>
+          <p:cNvSpPr>
+            <a:spLocks noGrp="1"/>
+          </p:cNvSpPr>
+          <p:nvPr>
+            <p:ph type="body" idx="1"/>
+          </p:nvPr>
+        </p:nvSpPr>
+        <p:spPr>
+          <a:xfrm>
+            <a:off x="375185" y="1583947"/>
+            <a:ext cx="5629962" cy="1864094"/>
+          </a:xfrm>
+        </p:spPr>
+        <p:txBody>
+          <a:bodyPr/>
+          <a:lstStyle/>
+          <a:p>
+            <a:r>
+              <a:rPr lang="ko-KR" altLang="en-US" dirty="0">
+                <a:solidFill>
+                  <a:schemeClr val="tx1"/>
+                </a:solidFill>
+              </a:rPr>
+              <a:t>코드 분석이 완료된 직후 이메일 자동 알림 </a:t>
+            </a:r>
+          </a:p>
+        </p:txBody>
+      </p:sp>
+      <p:pic>
+        <p:nvPicPr>
+          <p:cNvPr id="5" name="그림 4">
+            <a:extLst>
+              <a:ext uri="{FF2B5EF4-FFF2-40B4-BE49-F238E27FC236}">
+                <a16:creationId xmlns:a16="http://schemas.microsoft.com/office/drawing/2014/main" id="{39FAD3A5-B3B0-1E4A-0B5A-1A307FAB1799}"/>
+              </a:ext>
+            </a:extLst>
+          </p:cNvPr>
+          <p:cNvPicPr>
+            <a:picLocks noChangeAspect="1"/>
+          </p:cNvPicPr>
+          <p:nvPr/>
+        </p:nvPicPr>
+        <p:blipFill>
+          <a:blip r:embed="rId2"/>
+          <a:stretch>
+            <a:fillRect/>
+          </a:stretch>
+        </p:blipFill>
+        <p:spPr>
+          <a:xfrm>
+            <a:off x="4935660" y="1735036"/>
+            <a:ext cx="2850632" cy="2973998"/>
+          </a:xfrm>
+          <a:prstGeom prst="rect">
+            <a:avLst/>
+          </a:prstGeom>
+        </p:spPr>
+      </p:pic>
+      <p:pic>
+        <p:nvPicPr>
+          <p:cNvPr id="6" name="그림 5">
+            <a:extLst>
+              <a:ext uri="{FF2B5EF4-FFF2-40B4-BE49-F238E27FC236}">
+                <a16:creationId xmlns:a16="http://schemas.microsoft.com/office/drawing/2014/main" id="{DB75D41F-572B-CAD9-0740-3B70F438A10F}"/>
+              </a:ext>
+            </a:extLst>
+          </p:cNvPr>
+          <p:cNvPicPr>
+            <a:picLocks noChangeAspect="1"/>
+          </p:cNvPicPr>
+          <p:nvPr/>
+        </p:nvPicPr>
+        <p:blipFill>
+          <a:blip r:embed="rId3"/>
+          <a:stretch>
+            <a:fillRect/>
+          </a:stretch>
+        </p:blipFill>
+        <p:spPr>
+          <a:xfrm>
+            <a:off x="1563711" y="2515994"/>
+            <a:ext cx="1981200" cy="2154840"/>
+          </a:xfrm>
+          <a:prstGeom prst="rect">
+            <a:avLst/>
+          </a:prstGeom>
+        </p:spPr>
+      </p:pic>
+    </p:spTree>
+    <p:extLst>
+      <p:ext uri="{BB962C8B-B14F-4D97-AF65-F5344CB8AC3E}">
+        <p14:creationId xmlns:p14="http://schemas.microsoft.com/office/powerpoint/2010/main" val="1964283363"/>
+      </p:ext>
+    </p:extLst>
+  </p:cSld>
+  <p:clrMapOvr>
+    <a:masterClrMapping/>
+  </p:clrMapOvr>
+</p:sld>
+</file>
+
+<file path=ppt/slides/slide12.xml><?xml version="1.0" encoding="utf-8"?>
+<p:sld xmlns:a="http://schemas.openxmlformats.org/drawingml/2006/main" xmlns:r="http://schemas.openxmlformats.org/officeDocument/2006/relationships" xmlns:p="http://schemas.openxmlformats.org/presentationml/2006/main">
+  <p:cSld>
+    <p:spTree>
+      <p:nvGrpSpPr>
+        <p:cNvPr id="1" name=""/>
+        <p:cNvGrpSpPr/>
+        <p:nvPr/>
+      </p:nvGrpSpPr>
+      <p:grpSpPr>
+        <a:xfrm>
+          <a:off x="0" y="0"/>
+          <a:ext cx="0" cy="0"/>
+          <a:chOff x="0" y="0"/>
+          <a:chExt cx="0" cy="0"/>
+        </a:xfrm>
+      </p:grpSpPr>
+      <p:sp>
+        <p:nvSpPr>
+          <p:cNvPr id="2" name="제목 1">
+            <a:extLst>
+              <a:ext uri="{FF2B5EF4-FFF2-40B4-BE49-F238E27FC236}">
+                <a16:creationId xmlns:a16="http://schemas.microsoft.com/office/drawing/2014/main" id="{A9BDBCF8-810A-9EF2-E7C5-4BF628817D4A}"/>
+              </a:ext>
+            </a:extLst>
+          </p:cNvPr>
+          <p:cNvSpPr>
+            <a:spLocks noGrp="1"/>
+          </p:cNvSpPr>
+          <p:nvPr>
+            <p:ph type="title"/>
+          </p:nvPr>
+        </p:nvSpPr>
+        <p:spPr/>
+        <p:txBody>
+          <a:bodyPr/>
+          <a:lstStyle/>
+          <a:p>
+            <a:r>
+              <a:rPr lang="ko-KR" altLang="en-US" dirty="0"/>
+              <a:t>결과 데모 시연</a:t>
+            </a:r>
+          </a:p>
+        </p:txBody>
+      </p:sp>
+      <p:sp>
+        <p:nvSpPr>
+          <p:cNvPr id="3" name="텍스트 개체 틀 2">
+            <a:extLst>
+              <a:ext uri="{FF2B5EF4-FFF2-40B4-BE49-F238E27FC236}">
+                <a16:creationId xmlns:a16="http://schemas.microsoft.com/office/drawing/2014/main" id="{4183921B-281E-EF63-18F9-E5D7D94267CF}"/>
+              </a:ext>
+            </a:extLst>
+          </p:cNvPr>
+          <p:cNvSpPr>
+            <a:spLocks noGrp="1"/>
+          </p:cNvSpPr>
+          <p:nvPr>
+            <p:ph type="body" idx="1"/>
+          </p:nvPr>
+        </p:nvSpPr>
+        <p:spPr>
+          <a:xfrm>
+            <a:off x="545634" y="1859006"/>
+            <a:ext cx="5629962" cy="1864094"/>
+          </a:xfrm>
+        </p:spPr>
+        <p:txBody>
+          <a:bodyPr/>
+          <a:lstStyle/>
+          <a:p>
+            <a:r>
+              <a:rPr lang="ko-KR" altLang="en-US" dirty="0" err="1">
+                <a:solidFill>
+                  <a:schemeClr val="tx1"/>
+                </a:solidFill>
+              </a:rPr>
+              <a:t>깃허브</a:t>
+            </a:r>
+            <a:r>
+              <a:rPr lang="ko-KR" altLang="en-US" dirty="0">
+                <a:solidFill>
+                  <a:schemeClr val="tx1"/>
+                </a:solidFill>
+              </a:rPr>
+              <a:t> </a:t>
+            </a:r>
+            <a:r>
+              <a:rPr lang="en-US" altLang="ko-KR" dirty="0">
+                <a:solidFill>
+                  <a:schemeClr val="tx1"/>
+                </a:solidFill>
+              </a:rPr>
+              <a:t>flask </a:t>
+            </a:r>
+            <a:r>
+              <a:rPr lang="ko-KR" altLang="en-US" dirty="0" err="1">
+                <a:solidFill>
+                  <a:schemeClr val="tx1"/>
+                </a:solidFill>
+              </a:rPr>
+              <a:t>리포지토리에</a:t>
+            </a:r>
+            <a:endParaRPr lang="en-US" altLang="ko-KR" dirty="0">
+              <a:solidFill>
+                <a:schemeClr val="tx1"/>
+              </a:solidFill>
+            </a:endParaRPr>
+          </a:p>
+          <a:p>
+            <a:pPr marL="114300" indent="0">
+              <a:buNone/>
+            </a:pPr>
+            <a:r>
+              <a:rPr lang="en-US" altLang="ko-KR" dirty="0">
+                <a:solidFill>
+                  <a:schemeClr val="tx1"/>
+                </a:solidFill>
+              </a:rPr>
+              <a:t>      Release </a:t>
+            </a:r>
+            <a:r>
+              <a:rPr lang="ko-KR" altLang="en-US" dirty="0">
+                <a:solidFill>
+                  <a:schemeClr val="tx1"/>
+                </a:solidFill>
+              </a:rPr>
+              <a:t>배포 성공</a:t>
+            </a:r>
+          </a:p>
+        </p:txBody>
+      </p:sp>
+      <p:pic>
+        <p:nvPicPr>
+          <p:cNvPr id="7" name="그림 6">
+            <a:extLst>
+              <a:ext uri="{FF2B5EF4-FFF2-40B4-BE49-F238E27FC236}">
+                <a16:creationId xmlns:a16="http://schemas.microsoft.com/office/drawing/2014/main" id="{AD1B87EE-F116-EAF7-E0D2-D0F405CEC516}"/>
+              </a:ext>
+            </a:extLst>
+          </p:cNvPr>
+          <p:cNvPicPr>
+            <a:picLocks noChangeAspect="1"/>
+          </p:cNvPicPr>
+          <p:nvPr/>
+        </p:nvPicPr>
+        <p:blipFill>
+          <a:blip r:embed="rId2"/>
+          <a:stretch>
+            <a:fillRect/>
+          </a:stretch>
+        </p:blipFill>
+        <p:spPr>
+          <a:xfrm>
+            <a:off x="4412222" y="1506425"/>
+            <a:ext cx="3591296" cy="2875806"/>
+          </a:xfrm>
+          <a:prstGeom prst="rect">
+            <a:avLst/>
+          </a:prstGeom>
+        </p:spPr>
+      </p:pic>
+      <p:pic>
+        <p:nvPicPr>
+          <p:cNvPr id="9" name="그림 8">
+            <a:extLst>
+              <a:ext uri="{FF2B5EF4-FFF2-40B4-BE49-F238E27FC236}">
+                <a16:creationId xmlns:a16="http://schemas.microsoft.com/office/drawing/2014/main" id="{314F2C70-2D24-E573-3C27-ED9757507C95}"/>
+              </a:ext>
+            </a:extLst>
+          </p:cNvPr>
+          <p:cNvPicPr>
+            <a:picLocks noChangeAspect="1"/>
+          </p:cNvPicPr>
+          <p:nvPr/>
+        </p:nvPicPr>
+        <p:blipFill>
+          <a:blip r:embed="rId3"/>
+          <a:stretch>
+            <a:fillRect/>
+          </a:stretch>
+        </p:blipFill>
+        <p:spPr>
+          <a:xfrm>
+            <a:off x="1774022" y="2897558"/>
+            <a:ext cx="1162110" cy="825542"/>
+          </a:xfrm>
+          <a:prstGeom prst="rect">
+            <a:avLst/>
+          </a:prstGeom>
+        </p:spPr>
+      </p:pic>
+      <p:sp>
+        <p:nvSpPr>
+          <p:cNvPr id="10" name="화살표: 오른쪽 9">
+            <a:extLst>
+              <a:ext uri="{FF2B5EF4-FFF2-40B4-BE49-F238E27FC236}">
+                <a16:creationId xmlns:a16="http://schemas.microsoft.com/office/drawing/2014/main" id="{18B5FB3D-70A2-AEE9-D26C-2F6A378A137A}"/>
+              </a:ext>
+            </a:extLst>
+          </p:cNvPr>
+          <p:cNvSpPr/>
+          <p:nvPr/>
+        </p:nvSpPr>
+        <p:spPr>
+          <a:xfrm rot="20914938">
+            <a:off x="3251043" y="2793703"/>
+            <a:ext cx="941393" cy="589233"/>
+          </a:xfrm>
+          <a:prstGeom prst="rightArrow">
+            <a:avLst/>
+          </a:prstGeom>
+          <a:solidFill>
+            <a:srgbClr val="FFFF00"/>
+          </a:solidFill>
+          <a:ln>
+            <a:solidFill>
+              <a:srgbClr val="FFFF00"/>
+            </a:solidFill>
+          </a:ln>
+        </p:spPr>
+        <p:style>
+          <a:lnRef idx="2">
+            <a:schemeClr val="accent1">
+              <a:shade val="15000"/>
+            </a:schemeClr>
+          </a:lnRef>
+          <a:fillRef idx="1">
+            <a:schemeClr val="accent1"/>
+          </a:fillRef>
+          <a:effectRef idx="0">
+            <a:schemeClr val="accent1"/>
+          </a:effectRef>
+          <a:fontRef idx="minor">
+            <a:schemeClr val="lt1"/>
+          </a:fontRef>
+        </p:style>
+        <p:txBody>
+          <a:bodyPr rtlCol="0" anchor="ctr"/>
+          <a:lstStyle/>
+          <a:p>
+            <a:pPr algn="ctr"/>
+            <a:endParaRPr lang="ko-KR" altLang="en-US"/>
+          </a:p>
+        </p:txBody>
+      </p:sp>
+    </p:spTree>
+    <p:extLst>
+      <p:ext uri="{BB962C8B-B14F-4D97-AF65-F5344CB8AC3E}">
+        <p14:creationId xmlns:p14="http://schemas.microsoft.com/office/powerpoint/2010/main" val="3245302572"/>
+      </p:ext>
+    </p:extLst>
+  </p:cSld>
+  <p:clrMapOvr>
+    <a:masterClrMapping/>
+  </p:clrMapOvr>
+</p:sld>
+</file>
+
+<file path=ppt/slides/slide13.xml><?xml version="1.0" encoding="utf-8"?>
+<p:sld xmlns:a="http://schemas.openxmlformats.org/drawingml/2006/main" xmlns:r="http://schemas.openxmlformats.org/officeDocument/2006/relationships" xmlns:p="http://schemas.openxmlformats.org/presentationml/2006/main">
+  <p:cSld>
+    <p:spTree>
+      <p:nvGrpSpPr>
+        <p:cNvPr id="1" name=""/>
+        <p:cNvGrpSpPr/>
+        <p:nvPr/>
+      </p:nvGrpSpPr>
+      <p:grpSpPr>
+        <a:xfrm>
+          <a:off x="0" y="0"/>
+          <a:ext cx="0" cy="0"/>
+          <a:chOff x="0" y="0"/>
+          <a:chExt cx="0" cy="0"/>
+        </a:xfrm>
+      </p:grpSpPr>
+      <p:sp>
+        <p:nvSpPr>
+          <p:cNvPr id="2" name="제목 1">
+            <a:extLst>
+              <a:ext uri="{FF2B5EF4-FFF2-40B4-BE49-F238E27FC236}">
+                <a16:creationId xmlns:a16="http://schemas.microsoft.com/office/drawing/2014/main" id="{A9BDBCF8-810A-9EF2-E7C5-4BF628817D4A}"/>
+              </a:ext>
+            </a:extLst>
+          </p:cNvPr>
+          <p:cNvSpPr>
+            <a:spLocks noGrp="1"/>
+          </p:cNvSpPr>
+          <p:nvPr>
+            <p:ph type="title"/>
+          </p:nvPr>
+        </p:nvSpPr>
+        <p:spPr/>
+        <p:txBody>
+          <a:bodyPr/>
+          <a:lstStyle/>
+          <a:p>
+            <a:r>
+              <a:rPr lang="ko-KR" altLang="en-US" dirty="0"/>
+              <a:t>결과 데모 시연</a:t>
+            </a:r>
+          </a:p>
+        </p:txBody>
+      </p:sp>
+      <p:sp>
+        <p:nvSpPr>
+          <p:cNvPr id="3" name="텍스트 개체 틀 2">
+            <a:extLst>
+              <a:ext uri="{FF2B5EF4-FFF2-40B4-BE49-F238E27FC236}">
+                <a16:creationId xmlns:a16="http://schemas.microsoft.com/office/drawing/2014/main" id="{4183921B-281E-EF63-18F9-E5D7D94267CF}"/>
+              </a:ext>
+            </a:extLst>
+          </p:cNvPr>
+          <p:cNvSpPr>
+            <a:spLocks noGrp="1"/>
+          </p:cNvSpPr>
+          <p:nvPr>
+            <p:ph type="body" idx="1"/>
+          </p:nvPr>
+        </p:nvSpPr>
+        <p:spPr>
+          <a:xfrm>
+            <a:off x="545634" y="1859006"/>
+            <a:ext cx="5629962" cy="1864094"/>
+          </a:xfrm>
+        </p:spPr>
+        <p:txBody>
+          <a:bodyPr/>
+          <a:lstStyle/>
+          <a:p>
+            <a:r>
+              <a:rPr lang="en-US" altLang="ko-KR" dirty="0">
+                <a:solidFill>
+                  <a:schemeClr val="tx1"/>
+                </a:solidFill>
+              </a:rPr>
+              <a:t>Docker Hub</a:t>
+            </a:r>
+            <a:r>
+              <a:rPr lang="ko-KR" altLang="en-US" dirty="0">
+                <a:solidFill>
+                  <a:schemeClr val="tx1"/>
+                </a:solidFill>
+              </a:rPr>
+              <a:t>에 컨테이너 이미지 </a:t>
+            </a:r>
+            <a:r>
+              <a:rPr lang="en-US" altLang="ko-KR" dirty="0">
+                <a:solidFill>
+                  <a:schemeClr val="tx1"/>
+                </a:solidFill>
+              </a:rPr>
+              <a:t>Push</a:t>
+            </a:r>
+            <a:endParaRPr lang="ko-KR" altLang="en-US" dirty="0">
+              <a:solidFill>
+                <a:schemeClr val="tx1"/>
+              </a:solidFill>
+            </a:endParaRPr>
+          </a:p>
+        </p:txBody>
+      </p:sp>
+    </p:spTree>
+    <p:extLst>
+      <p:ext uri="{BB962C8B-B14F-4D97-AF65-F5344CB8AC3E}">
+        <p14:creationId xmlns:p14="http://schemas.microsoft.com/office/powerpoint/2010/main" val="1593282942"/>
+      </p:ext>
+    </p:extLst>
+  </p:cSld>
+  <p:clrMapOvr>
+    <a:masterClrMapping/>
+  </p:clrMapOvr>
+</p:sld>
+</file>
+
+<file path=ppt/slides/slide14.xml><?xml version="1.0" encoding="utf-8"?>
+<p:sld xmlns:a="http://schemas.openxmlformats.org/drawingml/2006/main" xmlns:r="http://schemas.openxmlformats.org/officeDocument/2006/relationships" xmlns:p="http://schemas.openxmlformats.org/presentationml/2006/main">
+  <p:cSld>
+    <p:spTree>
+      <p:nvGrpSpPr>
+        <p:cNvPr id="1" name=""/>
+        <p:cNvGrpSpPr/>
+        <p:nvPr/>
+      </p:nvGrpSpPr>
+      <p:grpSpPr>
+        <a:xfrm>
+          <a:off x="0" y="0"/>
+          <a:ext cx="0" cy="0"/>
+          <a:chOff x="0" y="0"/>
+          <a:chExt cx="0" cy="0"/>
+        </a:xfrm>
+      </p:grpSpPr>
+      <p:sp>
+        <p:nvSpPr>
+          <p:cNvPr id="2" name="제목 1">
+            <a:extLst>
+              <a:ext uri="{FF2B5EF4-FFF2-40B4-BE49-F238E27FC236}">
+                <a16:creationId xmlns:a16="http://schemas.microsoft.com/office/drawing/2014/main" id="{4689DFAA-FA40-3F7E-FE04-84C1489C647D}"/>
+              </a:ext>
+            </a:extLst>
+          </p:cNvPr>
+          <p:cNvSpPr>
+            <a:spLocks noGrp="1"/>
+          </p:cNvSpPr>
+          <p:nvPr>
+            <p:ph type="title"/>
+          </p:nvPr>
+        </p:nvSpPr>
+        <p:spPr/>
+        <p:txBody>
+          <a:bodyPr/>
+          <a:lstStyle/>
+          <a:p>
+            <a:r>
+              <a:rPr lang="ko-KR" altLang="en-US" dirty="0"/>
+              <a:t>보완점</a:t>
+            </a:r>
+          </a:p>
+        </p:txBody>
+      </p:sp>
+      <p:sp>
+        <p:nvSpPr>
+          <p:cNvPr id="3" name="텍스트 개체 틀 2">
+            <a:extLst>
+              <a:ext uri="{FF2B5EF4-FFF2-40B4-BE49-F238E27FC236}">
+                <a16:creationId xmlns:a16="http://schemas.microsoft.com/office/drawing/2014/main" id="{A3FBF26A-E50E-05FF-7801-D1216EA756DE}"/>
+              </a:ext>
+            </a:extLst>
+          </p:cNvPr>
+          <p:cNvSpPr>
+            <a:spLocks noGrp="1"/>
+          </p:cNvSpPr>
+          <p:nvPr>
+            <p:ph type="body" idx="1"/>
+          </p:nvPr>
+        </p:nvSpPr>
+        <p:spPr>
+          <a:xfrm>
+            <a:off x="351046" y="1857528"/>
+            <a:ext cx="8222100" cy="2710200"/>
+          </a:xfrm>
+        </p:spPr>
+        <p:txBody>
+          <a:bodyPr/>
+          <a:lstStyle/>
+          <a:p>
+            <a:r>
+              <a:rPr lang="ko-KR" altLang="en-US" dirty="0">
+                <a:solidFill>
+                  <a:schemeClr val="tx1"/>
+                </a:solidFill>
+              </a:rPr>
+              <a:t>여러 서버의 기능을 한 서버에 집중시킨 점이 과부하를 일으킴</a:t>
+            </a:r>
+            <a:r>
+              <a:rPr lang="en-US" altLang="ko-KR" dirty="0">
+                <a:solidFill>
+                  <a:schemeClr val="tx1"/>
+                </a:solidFill>
+              </a:rPr>
+              <a:t>.</a:t>
+            </a:r>
+          </a:p>
+          <a:p>
+            <a:endParaRPr lang="en-US" altLang="ko-KR" dirty="0">
+              <a:solidFill>
+                <a:schemeClr val="tx1"/>
+              </a:solidFill>
+            </a:endParaRPr>
+          </a:p>
+          <a:p>
+            <a:r>
+              <a:rPr lang="ko-KR" altLang="en-US" dirty="0">
+                <a:solidFill>
+                  <a:schemeClr val="tx1"/>
+                </a:solidFill>
+              </a:rPr>
+              <a:t>해당 서비스를 한 서버에 구성할 수 있다는 장점이 있지만 과부하의 위험성 때문에 해당 서버의 메모리를 늘려야 했음</a:t>
+            </a:r>
+            <a:r>
+              <a:rPr lang="en-US" altLang="ko-KR" dirty="0">
+                <a:solidFill>
+                  <a:schemeClr val="tx1"/>
+                </a:solidFill>
+              </a:rPr>
+              <a:t>.</a:t>
+            </a:r>
+          </a:p>
+          <a:p>
+            <a:endParaRPr lang="en-US" altLang="ko-KR" dirty="0"/>
+          </a:p>
+          <a:p>
+            <a:r>
+              <a:rPr lang="ko-KR" altLang="en-US" dirty="0">
+                <a:solidFill>
+                  <a:schemeClr val="tx1"/>
+                </a:solidFill>
+              </a:rPr>
+              <a:t>일정표의 남은 기간 동안 서버의 과부하를 줄이기 위해 역할별로 여러 대의 서버를 추가하여 보완할 계획</a:t>
+            </a:r>
+            <a:r>
+              <a:rPr lang="en-US" altLang="ko-KR" dirty="0">
+                <a:solidFill>
+                  <a:schemeClr val="tx1"/>
+                </a:solidFill>
+              </a:rPr>
+              <a:t>.</a:t>
+            </a:r>
+          </a:p>
+          <a:p>
+            <a:endParaRPr lang="ko-KR" altLang="en-US" dirty="0"/>
+          </a:p>
+        </p:txBody>
+      </p:sp>
+    </p:spTree>
+    <p:extLst>
+      <p:ext uri="{BB962C8B-B14F-4D97-AF65-F5344CB8AC3E}">
+        <p14:creationId xmlns:p14="http://schemas.microsoft.com/office/powerpoint/2010/main" val="4070003616"/>
+      </p:ext>
+    </p:extLst>
+  </p:cSld>
+  <p:clrMapOvr>
+    <a:masterClrMapping/>
+  </p:clrMapOvr>
+</p:sld>
+</file>
+
+<file path=ppt/slides/slide15.xml><?xml version="1.0" encoding="utf-8"?>
+<p:sld xmlns:a="http://schemas.openxmlformats.org/drawingml/2006/main" xmlns:r="http://schemas.openxmlformats.org/officeDocument/2006/relationships" xmlns:p="http://schemas.openxmlformats.org/presentationml/2006/main">
+  <p:cSld>
+    <p:spTree>
+      <p:nvGrpSpPr>
+        <p:cNvPr id="1" name=""/>
+        <p:cNvGrpSpPr/>
+        <p:nvPr/>
+      </p:nvGrpSpPr>
+      <p:grpSpPr>
+        <a:xfrm>
+          <a:off x="0" y="0"/>
+          <a:ext cx="0" cy="0"/>
+          <a:chOff x="0" y="0"/>
+          <a:chExt cx="0" cy="0"/>
+        </a:xfrm>
+      </p:grpSpPr>
+      <p:sp>
+        <p:nvSpPr>
+          <p:cNvPr id="2" name="제목 1">
+            <a:extLst>
+              <a:ext uri="{FF2B5EF4-FFF2-40B4-BE49-F238E27FC236}">
+                <a16:creationId xmlns:a16="http://schemas.microsoft.com/office/drawing/2014/main" id="{4689DFAA-FA40-3F7E-FE04-84C1489C647D}"/>
+              </a:ext>
+            </a:extLst>
+          </p:cNvPr>
+          <p:cNvSpPr>
+            <a:spLocks noGrp="1"/>
+          </p:cNvSpPr>
+          <p:nvPr>
+            <p:ph type="title"/>
+          </p:nvPr>
+        </p:nvSpPr>
+        <p:spPr/>
+        <p:txBody>
+          <a:bodyPr/>
+          <a:lstStyle/>
+          <a:p>
+            <a:r>
+              <a:rPr lang="ko-KR" altLang="en-US" dirty="0"/>
+              <a:t>보완점</a:t>
+            </a:r>
+          </a:p>
+        </p:txBody>
+      </p:sp>
+      <p:sp>
+        <p:nvSpPr>
+          <p:cNvPr id="3" name="텍스트 개체 틀 2">
+            <a:extLst>
+              <a:ext uri="{FF2B5EF4-FFF2-40B4-BE49-F238E27FC236}">
+                <a16:creationId xmlns:a16="http://schemas.microsoft.com/office/drawing/2014/main" id="{A3FBF26A-E50E-05FF-7801-D1216EA756DE}"/>
+              </a:ext>
+            </a:extLst>
+          </p:cNvPr>
+          <p:cNvSpPr>
+            <a:spLocks noGrp="1"/>
+          </p:cNvSpPr>
+          <p:nvPr>
+            <p:ph type="body" idx="1"/>
+          </p:nvPr>
+        </p:nvSpPr>
+        <p:spPr>
+          <a:xfrm>
+            <a:off x="1639119" y="1641098"/>
+            <a:ext cx="4941923" cy="930652"/>
+          </a:xfrm>
+        </p:spPr>
+        <p:txBody>
+          <a:bodyPr/>
+          <a:lstStyle/>
+          <a:p>
+            <a:r>
+              <a:rPr lang="ko-KR" altLang="en-US" dirty="0"/>
+              <a:t>한 서버에 몰아 넣는 방법</a:t>
+            </a:r>
+            <a:r>
+              <a:rPr lang="en-US" altLang="ko-KR" dirty="0"/>
+              <a:t>:</a:t>
+            </a:r>
+          </a:p>
+          <a:p>
+            <a:endParaRPr lang="en-US" altLang="ko-KR" dirty="0"/>
+          </a:p>
+          <a:p>
+            <a:r>
+              <a:rPr lang="ko-KR" altLang="en-US" dirty="0"/>
+              <a:t>간편성</a:t>
+            </a:r>
+            <a:r>
+              <a:rPr lang="en-US" altLang="ko-KR" dirty="0"/>
+              <a:t>: </a:t>
+            </a:r>
+            <a:r>
+              <a:rPr lang="ko-KR" altLang="en-US" dirty="0"/>
+              <a:t>모든 것을 하나의 서버에 구축하면 초기 설정과 관리가 간편할 수 있습니다</a:t>
+            </a:r>
+            <a:r>
+              <a:rPr lang="en-US" altLang="ko-KR" dirty="0"/>
+              <a:t>. </a:t>
+            </a:r>
+            <a:r>
+              <a:rPr lang="ko-KR" altLang="en-US" dirty="0"/>
+              <a:t>작은 프로젝트나 개발 환경에서는 유용할 수 있습니다</a:t>
+            </a:r>
+            <a:r>
+              <a:rPr lang="en-US" altLang="ko-KR" dirty="0"/>
+              <a:t>.</a:t>
+            </a:r>
+          </a:p>
+          <a:p>
+            <a:endParaRPr lang="en-US" altLang="ko-KR" dirty="0"/>
+          </a:p>
+          <a:p>
+            <a:r>
+              <a:rPr lang="ko-KR" altLang="en-US" dirty="0"/>
+              <a:t>자원 효율성</a:t>
+            </a:r>
+            <a:r>
+              <a:rPr lang="en-US" altLang="ko-KR" dirty="0"/>
+              <a:t>: </a:t>
+            </a:r>
+            <a:r>
+              <a:rPr lang="ko-KR" altLang="en-US" dirty="0"/>
+              <a:t>작은 규모의 서비스나 프로젝트에서는 자원 효율성 면에서는 그리 문제가 없을 수 있습니다</a:t>
+            </a:r>
+            <a:r>
+              <a:rPr lang="en-US" altLang="ko-KR" dirty="0"/>
+              <a:t>.</a:t>
+            </a:r>
+          </a:p>
+          <a:p>
+            <a:endParaRPr lang="en-US" altLang="ko-KR" dirty="0"/>
+          </a:p>
+          <a:p>
+            <a:r>
+              <a:rPr lang="ko-KR" altLang="en-US" dirty="0"/>
+              <a:t>여러 서버에 역할 분리하는 방법</a:t>
+            </a:r>
+            <a:r>
+              <a:rPr lang="en-US" altLang="ko-KR" dirty="0"/>
+              <a:t>:</a:t>
+            </a:r>
+          </a:p>
+          <a:p>
+            <a:endParaRPr lang="en-US" altLang="ko-KR" dirty="0"/>
+          </a:p>
+          <a:p>
+            <a:r>
+              <a:rPr lang="ko-KR" altLang="en-US" dirty="0"/>
+              <a:t>확장성</a:t>
+            </a:r>
+            <a:r>
+              <a:rPr lang="en-US" altLang="ko-KR" dirty="0"/>
+              <a:t>: </a:t>
+            </a:r>
+            <a:r>
+              <a:rPr lang="ko-KR" altLang="en-US" dirty="0"/>
+              <a:t>서비스가 성장할 가능성이 있다면</a:t>
+            </a:r>
+            <a:r>
+              <a:rPr lang="en-US" altLang="ko-KR" dirty="0"/>
+              <a:t>, </a:t>
+            </a:r>
+            <a:r>
+              <a:rPr lang="ko-KR" altLang="en-US" dirty="0"/>
+              <a:t>역할을 분리하여 여러 서버에 배치하는 것이 확장성 면에서 우수합니다</a:t>
+            </a:r>
+            <a:r>
+              <a:rPr lang="en-US" altLang="ko-KR" dirty="0"/>
+              <a:t>. </a:t>
+            </a:r>
+            <a:r>
+              <a:rPr lang="ko-KR" altLang="en-US" dirty="0"/>
+              <a:t>서비스의 부하가 증가하면 특정 역할을 가진 서버만 확장할 수 있습니다</a:t>
+            </a:r>
+            <a:r>
+              <a:rPr lang="en-US" altLang="ko-KR" dirty="0"/>
+              <a:t>.</a:t>
+            </a:r>
+          </a:p>
+          <a:p>
+            <a:endParaRPr lang="en-US" altLang="ko-KR" dirty="0"/>
+          </a:p>
+          <a:p>
+            <a:r>
+              <a:rPr lang="ko-KR" altLang="en-US" dirty="0"/>
+              <a:t>보안</a:t>
+            </a:r>
+            <a:r>
+              <a:rPr lang="en-US" altLang="ko-KR" dirty="0"/>
+              <a:t>: </a:t>
+            </a:r>
+            <a:r>
+              <a:rPr lang="ko-KR" altLang="en-US" dirty="0"/>
+              <a:t>민감한 정보 또는 역할에 따라 보안 요구 사항이 다를 수 있으며</a:t>
+            </a:r>
+            <a:r>
+              <a:rPr lang="en-US" altLang="ko-KR" dirty="0"/>
+              <a:t>, </a:t>
+            </a:r>
+            <a:r>
+              <a:rPr lang="ko-KR" altLang="en-US" dirty="0"/>
+              <a:t>역할을 나눠 서버를 구성하면 보안을 강화할 수 있습니다</a:t>
+            </a:r>
+            <a:r>
+              <a:rPr lang="en-US" altLang="ko-KR" dirty="0"/>
+              <a:t>.</a:t>
+            </a:r>
+          </a:p>
+          <a:p>
+            <a:endParaRPr lang="en-US" altLang="ko-KR" dirty="0"/>
+          </a:p>
+          <a:p>
+            <a:r>
+              <a:rPr lang="ko-KR" altLang="en-US" dirty="0"/>
+              <a:t>장애 복구</a:t>
+            </a:r>
+            <a:r>
+              <a:rPr lang="en-US" altLang="ko-KR" dirty="0"/>
+              <a:t>: </a:t>
+            </a:r>
+            <a:r>
+              <a:rPr lang="ko-KR" altLang="en-US" dirty="0"/>
+              <a:t>역할 분리는 장애 복구에 도움이 됩니다</a:t>
+            </a:r>
+            <a:r>
+              <a:rPr lang="en-US" altLang="ko-KR" dirty="0"/>
+              <a:t>. </a:t>
+            </a:r>
+            <a:r>
+              <a:rPr lang="ko-KR" altLang="en-US" dirty="0"/>
+              <a:t>한 서버가 장애로 인해 다운될 경우 다른 서버가 해당 역할을 대신하거나 트래픽을 분산할 수 있습니다</a:t>
+            </a:r>
+            <a:r>
+              <a:rPr lang="en-US" altLang="ko-KR" dirty="0"/>
+              <a:t>.</a:t>
+            </a:r>
+          </a:p>
+          <a:p>
+            <a:endParaRPr lang="en-US" altLang="ko-KR" dirty="0"/>
+          </a:p>
+          <a:p>
+            <a:r>
+              <a:rPr lang="ko-KR" altLang="en-US" dirty="0"/>
+              <a:t>유지 보수 및 관리</a:t>
+            </a:r>
+            <a:r>
+              <a:rPr lang="en-US" altLang="ko-KR" dirty="0"/>
+              <a:t>: </a:t>
+            </a:r>
+            <a:r>
+              <a:rPr lang="ko-KR" altLang="en-US" dirty="0"/>
+              <a:t>서버를 역할에 따라 분리하면 유지 보수와 관리가 더 쉽습니다</a:t>
+            </a:r>
+            <a:r>
+              <a:rPr lang="en-US" altLang="ko-KR" dirty="0"/>
+              <a:t>. </a:t>
+            </a:r>
+            <a:r>
+              <a:rPr lang="ko-KR" altLang="en-US" dirty="0"/>
+              <a:t>특정 역할에 문제가 발생할 경우 해당 역할만 수정하거나 업그레이드할 수 있습니다</a:t>
+            </a:r>
+            <a:r>
+              <a:rPr lang="en-US" altLang="ko-KR" dirty="0"/>
+              <a:t>.</a:t>
+            </a:r>
+            <a:endParaRPr lang="ko-KR" altLang="en-US" dirty="0"/>
+          </a:p>
+        </p:txBody>
+      </p:sp>
+    </p:spTree>
+    <p:extLst>
+      <p:ext uri="{BB962C8B-B14F-4D97-AF65-F5344CB8AC3E}">
+        <p14:creationId xmlns:p14="http://schemas.microsoft.com/office/powerpoint/2010/main" val="29853989"/>
+      </p:ext>
+    </p:extLst>
+  </p:cSld>
+  <p:clrMapOvr>
+    <a:masterClrMapping/>
+  </p:clrMapOvr>
+</p:sld>
+</file>
+
+<file path=ppt/slides/slide16.xml><?xml version="1.0" encoding="utf-8"?>
+<p:sld xmlns:a="http://schemas.openxmlformats.org/drawingml/2006/main" xmlns:r="http://schemas.openxmlformats.org/officeDocument/2006/relationships" xmlns:p="http://schemas.openxmlformats.org/presentationml/2006/main">
+  <p:cSld>
+    <p:spTree>
+      <p:nvGrpSpPr>
+        <p:cNvPr id="1" name=""/>
+        <p:cNvGrpSpPr/>
+        <p:nvPr/>
+      </p:nvGrpSpPr>
+      <p:grpSpPr>
+        <a:xfrm>
+          <a:off x="0" y="0"/>
+          <a:ext cx="0" cy="0"/>
+          <a:chOff x="0" y="0"/>
+          <a:chExt cx="0" cy="0"/>
+        </a:xfrm>
+      </p:grpSpPr>
+      <p:sp>
+        <p:nvSpPr>
+          <p:cNvPr id="2" name="제목 1">
+            <a:extLst>
+              <a:ext uri="{FF2B5EF4-FFF2-40B4-BE49-F238E27FC236}">
                 <a16:creationId xmlns:a16="http://schemas.microsoft.com/office/drawing/2014/main" id="{4073F668-8095-7F5E-5207-4567B3C5D08D}"/>
               </a:ext>
             </a:extLst>
@@ -7017,7 +8076,7 @@
             </a:br>
             <a:r>
               <a:rPr lang="en-US" altLang="ko-KR" dirty="0"/>
-              <a:t>Sonar X Jenkins </a:t>
+              <a:t>CI/CD STREAM </a:t>
             </a:r>
             <a:r>
               <a:rPr lang="ko-KR" altLang="en-US" dirty="0"/>
@@ -7839,7 +8898,20 @@
                   <a:schemeClr val="tx1"/>
                 </a:solidFill>
               </a:rPr>
-              <a:t>: SonarQube</a:t>
+              <a:t>: </a:t>
+            </a:r>
+          </a:p>
+          <a:p>
+            <a:pPr marL="114300" indent="0">
+              <a:buNone/>
+            </a:pPr>
+            <a:r>
+              <a:rPr lang="en-US" altLang="ko-KR" dirty="0">
+                <a:solidFill>
+                  <a:schemeClr val="tx1"/>
+                </a:solidFill>
+              </a:rPr>
+              <a:t>       SonarQube</a:t>
             </a:r>
             <a:r>
               <a:rPr lang="ko-KR" altLang="en-US" dirty="0">
@@ -7847,7 +8919,7 @@
                   <a:schemeClr val="tx1"/>
                 </a:solidFill>
               </a:rPr>
-              <a:t>와 </a:t>
+              <a:t>로 파이썬 코드 품질 분석 및 평가 진행</a:t>
             </a:r>
             <a:r>
               <a:rPr lang="en-US" altLang="ko-KR" dirty="0">
@@ -7855,7 +8927,20 @@
                   <a:schemeClr val="tx1"/>
                 </a:solidFill>
               </a:rPr>
-              <a:t>Flask-CI/CD</a:t>
+              <a:t>.</a:t>
+            </a:r>
+          </a:p>
+          <a:p>
+            <a:pPr marL="114300" indent="0">
+              <a:buNone/>
+            </a:pPr>
+            <a:r>
+              <a:rPr lang="en-US" altLang="ko-KR" dirty="0">
+                <a:solidFill>
+                  <a:schemeClr val="tx1"/>
+                </a:solidFill>
+              </a:rPr>
+              <a:t>	   </a:t>
             </a:r>
             <a:r>
               <a:rPr lang="ko-KR" altLang="en-US" dirty="0">
@@ -7863,7 +8948,23 @@
                   <a:schemeClr val="tx1"/>
                 </a:solidFill>
               </a:rPr>
-              <a:t>를 통한 </a:t>
+              <a:t>검사 후 이메일 발송과 </a:t>
+            </a:r>
+            <a:r>
+              <a:rPr lang="ko-KR" altLang="en-US" dirty="0" err="1">
+                <a:solidFill>
+                  <a:schemeClr val="tx1"/>
+                </a:solidFill>
+              </a:rPr>
+              <a:t>깃허브</a:t>
+            </a:r>
+            <a:r>
+              <a:rPr lang="ko-KR" altLang="en-US" dirty="0">
+                <a:solidFill>
+                  <a:schemeClr val="tx1"/>
+                </a:solidFill>
+              </a:rPr>
+              <a:t> </a:t>
             </a:r>
             <a:r>
               <a:rPr lang="en-US" altLang="ko-KR" dirty="0">
@@ -7871,7 +8972,7 @@
                   <a:schemeClr val="tx1"/>
                 </a:solidFill>
               </a:rPr>
-              <a:t>Python </a:t>
+              <a:t>Release </a:t>
             </a:r>
             <a:r>
               <a:rPr lang="ko-KR" altLang="en-US" dirty="0">
@@ -7879,7 +8980,7 @@
                   <a:schemeClr val="tx1"/>
                 </a:solidFill>
               </a:rPr>
-              <a:t>코드 자동 분석</a:t>
+              <a:t>배포를 통한 커뮤니케이션 환경 구축</a:t>
             </a:r>
             <a:r>
               <a:rPr lang="en-US" altLang="ko-KR" dirty="0">
@@ -7887,7 +8988,20 @@
                   <a:schemeClr val="tx1"/>
                 </a:solidFill>
               </a:rPr>
-              <a:t> </a:t>
+              <a:t>.</a:t>
+            </a:r>
+          </a:p>
+          <a:p>
+            <a:pPr marL="114300" indent="0">
+              <a:buNone/>
+            </a:pPr>
+            <a:r>
+              <a:rPr lang="en-US" altLang="ko-KR" dirty="0">
+                <a:solidFill>
+                  <a:schemeClr val="tx1"/>
+                </a:solidFill>
+              </a:rPr>
+              <a:t>       </a:t>
             </a:r>
             <a:r>
               <a:rPr lang="ko-KR" altLang="en-US" dirty="0">
@@ -7895,25 +9009,23 @@
                   <a:schemeClr val="tx1"/>
                 </a:solidFill>
               </a:rPr>
-              <a:t>및 </a:t>
-            </a:r>
-            <a:endParaRPr lang="en-US" altLang="ko-KR" dirty="0">
-              <a:solidFill>
-                <a:schemeClr val="tx1"/>
-              </a:solidFill>
-            </a:endParaRPr>
-          </a:p>
-          <a:p>
-            <a:pPr marL="114300" indent="0">
-              <a:buNone/>
-            </a:pPr>
+              <a:t>파이썬 코드 외에 다른 프로젝트들을 </a:t>
+            </a:r>
+            <a:r>
+              <a:rPr lang="en-US" altLang="ko-KR" dirty="0">
+                <a:solidFill>
+                  <a:schemeClr val="tx1"/>
+                </a:solidFill>
+              </a:rPr>
+              <a:t>Jenkins</a:t>
+            </a:r>
             <a:r>
               <a:rPr lang="ko-KR" altLang="en-US" dirty="0">
                 <a:solidFill>
                   <a:schemeClr val="tx1"/>
                 </a:solidFill>
               </a:rPr>
-              <a:t>       이메일 자동 알림</a:t>
+              <a:t>를 이용해 </a:t>
             </a:r>
             <a:r>
               <a:rPr lang="en-US" altLang="ko-KR" dirty="0">
@@ -7921,7 +9033,7 @@
                   <a:schemeClr val="tx1"/>
                 </a:solidFill>
               </a:rPr>
-              <a:t> </a:t>
+              <a:t>Docker Hub</a:t>
             </a:r>
             <a:r>
               <a:rPr lang="ko-KR" altLang="en-US" dirty="0">
@@ -7929,203 +9041,7 @@
                   <a:schemeClr val="tx1"/>
                 </a:solidFill>
               </a:rPr>
-              <a:t>시스템 설정</a:t>
-            </a:r>
-            <a:r>
-              <a:rPr lang="en-US" altLang="ko-KR" dirty="0">
-                <a:solidFill>
-                  <a:schemeClr val="tx1"/>
-                </a:solidFill>
-              </a:rPr>
-              <a:t>. </a:t>
-            </a:r>
-          </a:p>
-          <a:p>
-            <a:pPr marL="114300" indent="0">
-              <a:buNone/>
-            </a:pPr>
-            <a:r>
-              <a:rPr lang="en-US" altLang="ko-KR" dirty="0">
-                <a:solidFill>
-                  <a:schemeClr val="tx1"/>
-                </a:solidFill>
-              </a:rPr>
-              <a:t>       SonarQube</a:t>
-            </a:r>
-            <a:r>
-              <a:rPr lang="ko-KR" altLang="en-US" dirty="0">
-                <a:solidFill>
-                  <a:schemeClr val="tx1"/>
-                </a:solidFill>
-              </a:rPr>
-              <a:t>로 검증된 파이썬 코드를 압축하여 </a:t>
-            </a:r>
-            <a:r>
-              <a:rPr lang="ko-KR" altLang="en-US" dirty="0" err="1">
-                <a:solidFill>
-                  <a:schemeClr val="tx1"/>
-                </a:solidFill>
-              </a:rPr>
-              <a:t>깃허브</a:t>
-            </a:r>
-            <a:r>
-              <a:rPr lang="ko-KR" altLang="en-US" dirty="0">
-                <a:solidFill>
-                  <a:schemeClr val="tx1"/>
-                </a:solidFill>
-              </a:rPr>
-              <a:t> </a:t>
-            </a:r>
-            <a:r>
-              <a:rPr lang="en-US" altLang="ko-KR" dirty="0">
-                <a:solidFill>
-                  <a:schemeClr val="tx1"/>
-                </a:solidFill>
-              </a:rPr>
-              <a:t>Release</a:t>
-            </a:r>
-            <a:r>
-              <a:rPr lang="ko-KR" altLang="en-US" dirty="0">
-                <a:solidFill>
-                  <a:schemeClr val="tx1"/>
-                </a:solidFill>
-              </a:rPr>
-              <a:t>에 배포하기</a:t>
-            </a:r>
-            <a:r>
-              <a:rPr lang="en-US" altLang="ko-KR" dirty="0">
-                <a:solidFill>
-                  <a:schemeClr val="tx1"/>
-                </a:solidFill>
-              </a:rPr>
-              <a:t>. </a:t>
-            </a:r>
-          </a:p>
-          <a:p>
-            <a:pPr marL="114300" indent="0">
-              <a:buNone/>
-            </a:pPr>
-            <a:r>
-              <a:rPr lang="ko-KR" altLang="en-US" dirty="0">
-                <a:solidFill>
-                  <a:schemeClr val="tx1"/>
-                </a:solidFill>
-              </a:rPr>
-              <a:t>       </a:t>
-            </a:r>
-            <a:r>
-              <a:rPr lang="ko-KR" altLang="en-US" dirty="0" err="1">
-                <a:solidFill>
-                  <a:schemeClr val="tx1"/>
-                </a:solidFill>
-              </a:rPr>
-              <a:t>깃허브</a:t>
-            </a:r>
-            <a:r>
-              <a:rPr lang="ko-KR" altLang="en-US" dirty="0">
-                <a:solidFill>
-                  <a:schemeClr val="tx1"/>
-                </a:solidFill>
-              </a:rPr>
-              <a:t> 내 다른 </a:t>
-            </a:r>
-            <a:r>
-              <a:rPr lang="en-US" altLang="ko-KR" dirty="0">
-                <a:solidFill>
-                  <a:schemeClr val="tx1"/>
-                </a:solidFill>
-              </a:rPr>
-              <a:t>Docker </a:t>
-            </a:r>
-            <a:r>
-              <a:rPr lang="ko-KR" altLang="en-US" dirty="0">
-                <a:solidFill>
-                  <a:schemeClr val="tx1"/>
-                </a:solidFill>
-              </a:rPr>
-              <a:t>프로젝트의 </a:t>
-            </a:r>
-            <a:r>
-              <a:rPr lang="en-US" altLang="ko-KR" dirty="0">
-                <a:solidFill>
-                  <a:schemeClr val="tx1"/>
-                </a:solidFill>
-              </a:rPr>
-              <a:t> </a:t>
-            </a:r>
-            <a:r>
-              <a:rPr lang="ko-KR" altLang="en-US" dirty="0">
-                <a:solidFill>
-                  <a:schemeClr val="tx1"/>
-                </a:solidFill>
-              </a:rPr>
-              <a:t>컨테이너 이미지를</a:t>
-            </a:r>
-            <a:endParaRPr lang="en-US" altLang="ko-KR" dirty="0">
-              <a:solidFill>
-                <a:schemeClr val="tx1"/>
-              </a:solidFill>
-            </a:endParaRPr>
-          </a:p>
-          <a:p>
-            <a:pPr marL="114300" indent="0">
-              <a:buNone/>
-            </a:pPr>
-            <a:r>
-              <a:rPr lang="ko-KR" altLang="en-US" dirty="0">
-                <a:solidFill>
-                  <a:schemeClr val="tx1"/>
-                </a:solidFill>
-              </a:rPr>
-              <a:t>       </a:t>
-            </a:r>
-            <a:r>
-              <a:rPr lang="en-US" altLang="ko-KR" dirty="0">
-                <a:solidFill>
-                  <a:schemeClr val="tx1"/>
-                </a:solidFill>
-              </a:rPr>
-              <a:t>Jenkins</a:t>
-            </a:r>
-            <a:r>
-              <a:rPr lang="ko-KR" altLang="en-US" dirty="0">
-                <a:solidFill>
-                  <a:schemeClr val="tx1"/>
-                </a:solidFill>
-              </a:rPr>
-              <a:t>를 활용하여  </a:t>
-            </a:r>
-            <a:r>
-              <a:rPr lang="en-US" altLang="ko-KR" dirty="0">
-                <a:solidFill>
-                  <a:schemeClr val="tx1"/>
-                </a:solidFill>
-              </a:rPr>
-              <a:t>Docker Hub</a:t>
-            </a:r>
-            <a:r>
-              <a:rPr lang="ko-KR" altLang="en-US" dirty="0">
-                <a:solidFill>
-                  <a:schemeClr val="tx1"/>
-                </a:solidFill>
-              </a:rPr>
-              <a:t>에 </a:t>
-            </a:r>
-            <a:r>
-              <a:rPr lang="en-US" altLang="ko-KR" dirty="0">
-                <a:solidFill>
-                  <a:schemeClr val="tx1"/>
-                </a:solidFill>
-              </a:rPr>
-              <a:t>Push</a:t>
-            </a:r>
-            <a:r>
-              <a:rPr lang="ko-KR" altLang="en-US" dirty="0">
-                <a:solidFill>
-                  <a:schemeClr val="tx1"/>
-                </a:solidFill>
-              </a:rPr>
-              <a:t>하고 다른 사용자들에게 공개</a:t>
+              <a:t>와 연동</a:t>
             </a:r>
             <a:r>
               <a:rPr lang="en-US" altLang="ko-KR" dirty="0">
@@ -8186,7 +9102,7 @@
         </p:nvSpPr>
         <p:spPr>
           <a:xfrm>
-            <a:off x="493881" y="646405"/>
+            <a:off x="507070" y="510124"/>
             <a:ext cx="8222100" cy="767700"/>
           </a:xfrm>
         </p:spPr>
@@ -8219,7 +9135,7 @@
         </p:nvSpPr>
         <p:spPr>
           <a:xfrm>
-            <a:off x="340017" y="1656445"/>
+            <a:off x="348810" y="1361903"/>
             <a:ext cx="8222100" cy="2710200"/>
           </a:xfrm>
         </p:spPr>
@@ -8324,7 +9240,7 @@
                   <a:schemeClr val="tx1"/>
                 </a:solidFill>
               </a:rPr>
-              <a:t>알림 대상자들에게 즉각적인 이메일 알람을 통해 코드 분석이 완료되었다는 정보를 </a:t>
+              <a:t>알림 대상자들에게 이메일 알람을 통해 코드 분석이 완료되었다는 정보를 </a:t>
             </a:r>
             <a:endParaRPr lang="en-US" altLang="ko-KR" dirty="0">
               <a:solidFill>
@@ -8445,6 +9361,62 @@
                 </a:solidFill>
               </a:rPr>
               <a:t>로 자동 배포하기</a:t>
+            </a:r>
+            <a:r>
+              <a:rPr lang="en-US" altLang="ko-KR" dirty="0">
+                <a:solidFill>
+                  <a:schemeClr val="tx1"/>
+                </a:solidFill>
+              </a:rPr>
+              <a:t>.</a:t>
+            </a:r>
+          </a:p>
+          <a:p>
+            <a:endParaRPr lang="en-US" altLang="ko-KR" dirty="0">
+              <a:solidFill>
+                <a:schemeClr val="tx1"/>
+              </a:solidFill>
+            </a:endParaRPr>
+          </a:p>
+          <a:p>
+            <a:endParaRPr lang="en-US" altLang="ko-KR" dirty="0">
+              <a:solidFill>
+                <a:schemeClr val="tx1"/>
+              </a:solidFill>
+            </a:endParaRPr>
+          </a:p>
+          <a:p>
+            <a:r>
+              <a:rPr lang="en-US" altLang="ko-KR" dirty="0">
+                <a:solidFill>
+                  <a:schemeClr val="tx1"/>
+                </a:solidFill>
+              </a:rPr>
+              <a:t>Docker Hub</a:t>
+            </a:r>
+            <a:r>
+              <a:rPr lang="ko-KR" altLang="en-US" dirty="0">
+                <a:solidFill>
+                  <a:schemeClr val="tx1"/>
+                </a:solidFill>
+              </a:rPr>
+              <a:t>와 연동되는 </a:t>
+            </a:r>
+            <a:r>
+              <a:rPr lang="en-US" altLang="ko-KR" dirty="0">
+                <a:solidFill>
+                  <a:schemeClr val="tx1"/>
+                </a:solidFill>
+              </a:rPr>
+              <a:t>Pipeline </a:t>
+            </a:r>
+            <a:r>
+              <a:rPr lang="ko-KR" altLang="en-US" dirty="0">
+                <a:solidFill>
+                  <a:schemeClr val="tx1"/>
+                </a:solidFill>
+              </a:rPr>
+              <a:t>구축하기</a:t>
             </a:r>
             <a:r>
               <a:rPr lang="en-US" altLang="ko-KR" dirty="0">
@@ -8599,6 +9571,36 @@
           </a:p>
         </p:txBody>
       </p:sp>
+      <p:pic>
+        <p:nvPicPr>
+          <p:cNvPr id="4" name="그림 3">
+            <a:extLst>
+              <a:ext uri="{FF2B5EF4-FFF2-40B4-BE49-F238E27FC236}">
+                <a16:creationId xmlns:a16="http://schemas.microsoft.com/office/drawing/2014/main" id="{5D2DD6CC-CA63-4E46-F070-EB0EF03936AD}"/>
+              </a:ext>
+            </a:extLst>
+          </p:cNvPr>
+          <p:cNvPicPr>
+            <a:picLocks noChangeAspect="1"/>
+          </p:cNvPicPr>
+          <p:nvPr/>
+        </p:nvPicPr>
+        <p:blipFill>
+          <a:blip r:embed="rId2"/>
+          <a:stretch>
+            <a:fillRect/>
+          </a:stretch>
+        </p:blipFill>
+        <p:spPr>
+          <a:xfrm>
+            <a:off x="536331" y="1723293"/>
+            <a:ext cx="8171382" cy="2020780"/>
+          </a:xfrm>
+          <a:prstGeom prst="rect">
+            <a:avLst/>
+          </a:prstGeom>
+        </p:spPr>
+      </p:pic>
     </p:spTree>
     <p:extLst>
       <p:ext uri="{BB962C8B-B14F-4D97-AF65-F5344CB8AC3E}">
@@ -8688,7 +9690,7 @@
         </p:nvSpPr>
         <p:spPr>
           <a:xfrm>
-            <a:off x="5411522" y="1506425"/>
+            <a:off x="114156" y="1767962"/>
             <a:ext cx="2979081" cy="2703760"/>
           </a:xfrm>
         </p:spPr>
@@ -8813,7 +9815,7 @@
                   <a:schemeClr val="tx1"/>
                 </a:solidFill>
               </a:rPr>
-              <a:t>Docker </a:t>
+              <a:t>Email</a:t>
             </a:r>
             <a:r>
               <a:rPr lang="ko-KR" altLang="en-US" dirty="0">
@@ -8821,7 +9823,7 @@
                   <a:schemeClr val="tx1"/>
                 </a:solidFill>
               </a:rPr>
-              <a:t>서버 활용을 병행하여 고급 </a:t>
+              <a:t>과 </a:t>
             </a:r>
             <a:r>
               <a:rPr lang="en-US" altLang="ko-KR" dirty="0">
@@ -8829,7 +9831,7 @@
                   <a:schemeClr val="tx1"/>
                 </a:solidFill>
               </a:rPr>
-              <a:t>CI/CD </a:t>
+              <a:t>Release</a:t>
             </a:r>
             <a:r>
               <a:rPr lang="ko-KR" altLang="en-US" dirty="0">
@@ -8837,7 +9839,51 @@
                   <a:schemeClr val="tx1"/>
                 </a:solidFill>
               </a:rPr>
-              <a:t>파이프라인 구축하기</a:t>
+              <a:t>를 통한</a:t>
+            </a:r>
+            <a:endParaRPr lang="en-US" altLang="ko-KR" dirty="0">
+              <a:solidFill>
+                <a:schemeClr val="tx1"/>
+              </a:solidFill>
+            </a:endParaRPr>
+          </a:p>
+          <a:p>
+            <a:pPr marL="114300" indent="0">
+              <a:buNone/>
+            </a:pPr>
+            <a:r>
+              <a:rPr lang="ko-KR" altLang="en-US" dirty="0">
+                <a:solidFill>
+                  <a:schemeClr val="tx1"/>
+                </a:solidFill>
+              </a:rPr>
+              <a:t>      편리한 커뮤니케이션 환경</a:t>
+            </a:r>
+            <a:endParaRPr lang="en-US" altLang="ko-KR" dirty="0">
+              <a:solidFill>
+                <a:schemeClr val="tx1"/>
+              </a:solidFill>
+            </a:endParaRPr>
+          </a:p>
+          <a:p>
+            <a:pPr marL="114300" indent="0">
+              <a:buNone/>
+            </a:pPr>
+            <a:r>
+              <a:rPr lang="en-US" altLang="ko-KR" dirty="0">
+                <a:solidFill>
+                  <a:schemeClr val="tx1"/>
+                </a:solidFill>
+              </a:rPr>
+              <a:t>      </a:t>
+            </a:r>
+            <a:r>
+              <a:rPr lang="ko-KR" altLang="en-US" dirty="0">
+                <a:solidFill>
+                  <a:schemeClr val="tx1"/>
+                </a:solidFill>
+              </a:rPr>
+              <a:t>구축</a:t>
             </a:r>
             <a:r>
               <a:rPr lang="en-US" altLang="ko-KR" dirty="0">
@@ -8855,6 +9901,36 @@
           </a:p>
         </p:txBody>
       </p:sp>
+      <p:pic>
+        <p:nvPicPr>
+          <p:cNvPr id="5" name="그림 4">
+            <a:extLst>
+              <a:ext uri="{FF2B5EF4-FFF2-40B4-BE49-F238E27FC236}">
+                <a16:creationId xmlns:a16="http://schemas.microsoft.com/office/drawing/2014/main" id="{646B18B8-C5FE-B9FB-6606-DF4E2CBC1EEE}"/>
+              </a:ext>
+            </a:extLst>
+          </p:cNvPr>
+          <p:cNvPicPr>
+            <a:picLocks noChangeAspect="1"/>
+          </p:cNvPicPr>
+          <p:nvPr/>
+        </p:nvPicPr>
+        <p:blipFill>
+          <a:blip r:embed="rId2"/>
+          <a:stretch>
+            <a:fillRect/>
+          </a:stretch>
+        </p:blipFill>
+        <p:spPr>
+          <a:xfrm>
+            <a:off x="3115362" y="1499089"/>
+            <a:ext cx="5914482" cy="3171168"/>
+          </a:xfrm>
+          <a:prstGeom prst="rect">
+            <a:avLst/>
+          </a:prstGeom>
+        </p:spPr>
+      </p:pic>
     </p:spTree>
     <p:extLst>
       <p:ext uri="{BB962C8B-B14F-4D97-AF65-F5344CB8AC3E}">
@@ -8901,7 +9977,12 @@
             <p:ph type="title"/>
           </p:nvPr>
         </p:nvSpPr>
-        <p:spPr/>
+        <p:spPr>
+          <a:xfrm>
+            <a:off x="460950" y="545294"/>
+            <a:ext cx="8222100" cy="767700"/>
+          </a:xfrm>
+        </p:spPr>
         <p:txBody>
           <a:bodyPr/>
           <a:lstStyle/>
@@ -8913,49 +9994,12 @@
           </a:p>
         </p:txBody>
       </p:sp>
-      <p:sp>
-        <p:nvSpPr>
-          <p:cNvPr id="3" name="텍스트 개체 틀 2">
+      <p:pic>
+        <p:nvPicPr>
+          <p:cNvPr id="14" name="그림 13">
             <a:extLst>
               <a:ext uri="{FF2B5EF4-FFF2-40B4-BE49-F238E27FC236}">
-                <a16:creationId xmlns:a16="http://schemas.microsoft.com/office/drawing/2014/main" id="{4183921B-281E-EF63-18F9-E5D7D94267CF}"/>
-              </a:ext>
-            </a:extLst>
-          </p:cNvPr>
-          <p:cNvSpPr>
-            <a:spLocks noGrp="1"/>
-          </p:cNvSpPr>
-          <p:nvPr>
-            <p:ph type="body" idx="1"/>
-          </p:nvPr>
-        </p:nvSpPr>
-        <p:spPr>
-          <a:xfrm>
-            <a:off x="287261" y="2334358"/>
-            <a:ext cx="5629962" cy="1864094"/>
-          </a:xfrm>
-        </p:spPr>
-        <p:txBody>
-          <a:bodyPr/>
-          <a:lstStyle/>
-          <a:p>
-            <a:r>
-              <a:rPr lang="ko-KR" altLang="en-US" dirty="0">
-                <a:solidFill>
-                  <a:schemeClr val="tx1"/>
-                </a:solidFill>
-              </a:rPr>
-              <a:t>코드 분석이 완료되었다는 이메일 자동 알림 </a:t>
-            </a:r>
-          </a:p>
-        </p:txBody>
-      </p:sp>
-      <p:pic>
-        <p:nvPicPr>
-          <p:cNvPr id="5" name="그림 4">
-            <a:extLst>
-              <a:ext uri="{FF2B5EF4-FFF2-40B4-BE49-F238E27FC236}">
-                <a16:creationId xmlns:a16="http://schemas.microsoft.com/office/drawing/2014/main" id="{39FAD3A5-B3B0-1E4A-0B5A-1A307FAB1799}"/>
+                <a16:creationId xmlns:a16="http://schemas.microsoft.com/office/drawing/2014/main" id="{C6230EFF-08F9-6040-379D-71B712D39D18}"/>
               </a:ext>
             </a:extLst>
           </p:cNvPr>
@@ -8972,14 +10016,68 @@
         </p:blipFill>
         <p:spPr>
           <a:xfrm>
-            <a:off x="4975224" y="1224454"/>
-            <a:ext cx="2850632" cy="2973998"/>
+            <a:off x="4431078" y="836658"/>
+            <a:ext cx="3227024" cy="4148519"/>
           </a:xfrm>
           <a:prstGeom prst="rect">
             <a:avLst/>
           </a:prstGeom>
         </p:spPr>
       </p:pic>
+      <p:sp>
+        <p:nvSpPr>
+          <p:cNvPr id="15" name="TextBox 14">
+            <a:extLst>
+              <a:ext uri="{FF2B5EF4-FFF2-40B4-BE49-F238E27FC236}">
+                <a16:creationId xmlns:a16="http://schemas.microsoft.com/office/drawing/2014/main" id="{C85114A4-1116-33E2-CA93-27A8EF42737E}"/>
+              </a:ext>
+            </a:extLst>
+          </p:cNvPr>
+          <p:cNvSpPr txBox="1"/>
+          <p:nvPr/>
+        </p:nvSpPr>
+        <p:spPr>
+          <a:xfrm>
+            <a:off x="404447" y="1635370"/>
+            <a:ext cx="3103685" cy="646331"/>
+          </a:xfrm>
+          <a:prstGeom prst="rect">
+            <a:avLst/>
+          </a:prstGeom>
+          <a:noFill/>
+        </p:spPr>
+        <p:txBody>
+          <a:bodyPr wrap="square" rtlCol="0">
+            <a:spAutoFit/>
+          </a:bodyPr>
+          <a:lstStyle/>
+          <a:p>
+            <a:r>
+              <a:rPr lang="ko-KR" altLang="en-US" dirty="0"/>
+              <a:t>분석 대상 </a:t>
+            </a:r>
+            <a:r>
+              <a:rPr lang="en-US" altLang="ko-KR" dirty="0"/>
+              <a:t>Python </a:t>
+            </a:r>
+            <a:r>
+              <a:rPr lang="ko-KR" altLang="en-US" dirty="0"/>
+              <a:t>코드</a:t>
+            </a:r>
+            <a:endParaRPr lang="en-US" altLang="ko-KR" dirty="0"/>
+          </a:p>
+          <a:p>
+            <a:r>
+              <a:rPr lang="en-US" altLang="ko-KR" dirty="0"/>
+              <a:t>main.py </a:t>
+            </a:r>
+            <a:r>
+              <a:rPr lang="ko-KR" altLang="en-US" dirty="0"/>
+              <a:t>파일</a:t>
+            </a:r>
+          </a:p>
+        </p:txBody>
+      </p:sp>
     </p:spTree>
     <p:extLst>
       <p:ext uri="{BB962C8B-B14F-4D97-AF65-F5344CB8AC3E}">
@@ -9026,7 +10124,12 @@
             <p:ph type="title"/>
           </p:nvPr>
         </p:nvSpPr>
-        <p:spPr/>
+        <p:spPr>
+          <a:xfrm>
+            <a:off x="460950" y="545294"/>
+            <a:ext cx="8222100" cy="767700"/>
+          </a:xfrm>
+        </p:spPr>
         <p:txBody>
           <a:bodyPr/>
           <a:lstStyle/>
@@ -9038,47 +10141,40 @@
           </a:p>
         </p:txBody>
       </p:sp>
-      <p:sp>
-        <p:nvSpPr>
-          <p:cNvPr id="3" name="텍스트 개체 틀 2">
+      <p:pic>
+        <p:nvPicPr>
+          <p:cNvPr id="10" name="그림 9">
             <a:extLst>
               <a:ext uri="{FF2B5EF4-FFF2-40B4-BE49-F238E27FC236}">
-                <a16:creationId xmlns:a16="http://schemas.microsoft.com/office/drawing/2014/main" id="{4183921B-281E-EF63-18F9-E5D7D94267CF}"/>
+                <a16:creationId xmlns:a16="http://schemas.microsoft.com/office/drawing/2014/main" id="{46585118-0CC2-AFFA-E66D-3F65B9AAD943}"/>
               </a:ext>
             </a:extLst>
           </p:cNvPr>
-          <p:cNvSpPr>
-            <a:spLocks noGrp="1"/>
-          </p:cNvSpPr>
-          <p:nvPr>
-            <p:ph type="body" idx="1"/>
-          </p:nvPr>
-        </p:nvSpPr>
+          <p:cNvPicPr>
+            <a:picLocks noChangeAspect="1"/>
+          </p:cNvPicPr>
+          <p:nvPr/>
+        </p:nvPicPr>
+        <p:blipFill>
+          <a:blip r:embed="rId2"/>
+          <a:stretch>
+            <a:fillRect/>
+          </a:stretch>
+        </p:blipFill>
         <p:spPr>
           <a:xfrm>
-            <a:off x="287261" y="2334358"/>
-            <a:ext cx="5629962" cy="1864094"/>
+            <a:off x="515862" y="1649274"/>
+            <a:ext cx="7973112" cy="2823811"/>
           </a:xfrm>
+          <a:prstGeom prst="rect">
+            <a:avLst/>
+          </a:prstGeom>
         </p:spPr>
-        <p:txBody>
-          <a:bodyPr/>
-          <a:lstStyle/>
-          <a:p>
-            <a:r>
-              <a:rPr lang="ko-KR" altLang="en-US" dirty="0">
-                <a:solidFill>
-                  <a:schemeClr val="tx1"/>
-                </a:solidFill>
-              </a:rPr>
-              <a:t>코드 분석 화면</a:t>
-            </a:r>
-          </a:p>
-        </p:txBody>
-      </p:sp>
+      </p:pic>
     </p:spTree>
     <p:extLst>
       <p:ext uri="{BB962C8B-B14F-4D97-AF65-F5344CB8AC3E}">
-        <p14:creationId xmlns:p14="http://schemas.microsoft.com/office/powerpoint/2010/main" val="3245302572"/>
+        <p14:creationId xmlns:p14="http://schemas.microsoft.com/office/powerpoint/2010/main" val="1324614293"/>
       </p:ext>
     </p:extLst>
   </p:cSld>

--- a/제출자료/최종 발표 프레젠테이션(김정훈).pptx
+++ b/제출자료/최종 발표 프레젠테이션(김정훈).pptx
@@ -12,7 +12,7 @@
     <p:sldId id="257" r:id="rId3"/>
     <p:sldId id="258" r:id="rId4"/>
     <p:sldId id="259" r:id="rId5"/>
-    <p:sldId id="267" r:id="rId6"/>
+    <p:sldId id="276" r:id="rId6"/>
     <p:sldId id="260" r:id="rId7"/>
     <p:sldId id="268" r:id="rId8"/>
     <p:sldId id="261" r:id="rId9"/>
@@ -22,7 +22,7 @@
     <p:sldId id="269" r:id="rId13"/>
     <p:sldId id="274" r:id="rId14"/>
     <p:sldId id="262" r:id="rId15"/>
-    <p:sldId id="272" r:id="rId16"/>
+    <p:sldId id="275" r:id="rId16"/>
     <p:sldId id="264" r:id="rId17"/>
   </p:sldIdLst>
   <p:sldSz cx="9144000" cy="5143500" type="screen16x9"/>
@@ -1021,7 +1021,7 @@
             <a:fld id="{B61BEF0D-F0BB-DE4B-95CE-6DB70DBA9567}" type="datetimeFigureOut">
               <a:rPr lang="en-US" dirty="0"/>
               <a:pPr/>
-              <a:t>8/22/2023</a:t>
+              <a:t>8/23/2023</a:t>
             </a:fld>
             <a:endParaRPr lang="en-US" dirty="0"/>
           </a:p>
@@ -1468,7 +1468,7 @@
             <a:fld id="{B61BEF0D-F0BB-DE4B-95CE-6DB70DBA9567}" type="datetimeFigureOut">
               <a:rPr lang="en-US" dirty="0"/>
               <a:pPr/>
-              <a:t>8/22/2023</a:t>
+              <a:t>8/23/2023</a:t>
             </a:fld>
             <a:endParaRPr lang="en-US" dirty="0"/>
           </a:p>
@@ -1729,7 +1729,7 @@
             <a:fld id="{B61BEF0D-F0BB-DE4B-95CE-6DB70DBA9567}" type="datetimeFigureOut">
               <a:rPr lang="en-US" dirty="0"/>
               <a:pPr/>
-              <a:t>8/22/2023</a:t>
+              <a:t>8/23/2023</a:t>
             </a:fld>
             <a:endParaRPr lang="en-US" dirty="0"/>
           </a:p>
@@ -2048,7 +2048,7 @@
             <a:fld id="{B61BEF0D-F0BB-DE4B-95CE-6DB70DBA9567}" type="datetimeFigureOut">
               <a:rPr lang="en-US" dirty="0"/>
               <a:pPr/>
-              <a:t>8/22/2023</a:t>
+              <a:t>8/23/2023</a:t>
             </a:fld>
             <a:endParaRPr lang="en-US" dirty="0"/>
           </a:p>
@@ -2377,7 +2377,7 @@
             <a:fld id="{B61BEF0D-F0BB-DE4B-95CE-6DB70DBA9567}" type="datetimeFigureOut">
               <a:rPr lang="en-US" dirty="0"/>
               <a:pPr/>
-              <a:t>8/22/2023</a:t>
+              <a:t>8/23/2023</a:t>
             </a:fld>
             <a:endParaRPr lang="en-US" dirty="0"/>
           </a:p>
@@ -2690,7 +2690,7 @@
             <a:fld id="{B61BEF0D-F0BB-DE4B-95CE-6DB70DBA9567}" type="datetimeFigureOut">
               <a:rPr lang="en-US" dirty="0"/>
               <a:pPr/>
-              <a:t>8/22/2023</a:t>
+              <a:t>8/23/2023</a:t>
             </a:fld>
             <a:endParaRPr lang="en-US" dirty="0"/>
           </a:p>
@@ -3068,7 +3068,7 @@
             <a:fld id="{B61BEF0D-F0BB-DE4B-95CE-6DB70DBA9567}" type="datetimeFigureOut">
               <a:rPr lang="en-US" dirty="0"/>
               <a:pPr/>
-              <a:t>8/22/2023</a:t>
+              <a:t>8/23/2023</a:t>
             </a:fld>
             <a:endParaRPr lang="en-US" dirty="0"/>
           </a:p>
@@ -3253,7 +3253,7 @@
             <a:fld id="{B61BEF0D-F0BB-DE4B-95CE-6DB70DBA9567}" type="datetimeFigureOut">
               <a:rPr lang="en-US" dirty="0"/>
               <a:pPr/>
-              <a:t>8/22/2023</a:t>
+              <a:t>8/23/2023</a:t>
             </a:fld>
             <a:endParaRPr lang="en-US" dirty="0"/>
           </a:p>
@@ -3444,7 +3444,7 @@
             <a:fld id="{B61BEF0D-F0BB-DE4B-95CE-6DB70DBA9567}" type="datetimeFigureOut">
               <a:rPr lang="en-US" dirty="0"/>
               <a:pPr/>
-              <a:t>8/22/2023</a:t>
+              <a:t>8/23/2023</a:t>
             </a:fld>
             <a:endParaRPr lang="en-US" dirty="0"/>
           </a:p>
@@ -3992,7 +3992,7 @@
             <a:fld id="{B61BEF0D-F0BB-DE4B-95CE-6DB70DBA9567}" type="datetimeFigureOut">
               <a:rPr lang="en-US" dirty="0"/>
               <a:pPr/>
-              <a:t>8/22/2023</a:t>
+              <a:t>8/23/2023</a:t>
             </a:fld>
             <a:endParaRPr lang="en-US" dirty="0"/>
           </a:p>
@@ -4253,7 +4253,7 @@
             <a:fld id="{B61BEF0D-F0BB-DE4B-95CE-6DB70DBA9567}" type="datetimeFigureOut">
               <a:rPr lang="en-US" dirty="0"/>
               <a:pPr/>
-              <a:t>8/22/2023</a:t>
+              <a:t>8/23/2023</a:t>
             </a:fld>
             <a:endParaRPr lang="en-US" dirty="0"/>
           </a:p>
@@ -4500,7 +4500,7 @@
             <a:fld id="{B61BEF0D-F0BB-DE4B-95CE-6DB70DBA9567}" type="datetimeFigureOut">
               <a:rPr lang="en-US" dirty="0"/>
               <a:pPr/>
-              <a:t>8/22/2023</a:t>
+              <a:t>8/23/2023</a:t>
             </a:fld>
             <a:endParaRPr lang="en-US" dirty="0"/>
           </a:p>
@@ -4893,7 +4893,7 @@
             <a:fld id="{B61BEF0D-F0BB-DE4B-95CE-6DB70DBA9567}" type="datetimeFigureOut">
               <a:rPr lang="en-US" dirty="0"/>
               <a:pPr/>
-              <a:t>8/22/2023</a:t>
+              <a:t>8/23/2023</a:t>
             </a:fld>
             <a:endParaRPr lang="en-US" dirty="0"/>
           </a:p>
@@ -5022,7 +5022,7 @@
             <a:fld id="{B61BEF0D-F0BB-DE4B-95CE-6DB70DBA9567}" type="datetimeFigureOut">
               <a:rPr lang="en-US" dirty="0"/>
               <a:pPr/>
-              <a:t>8/22/2023</a:t>
+              <a:t>8/23/2023</a:t>
             </a:fld>
             <a:endParaRPr lang="en-US" dirty="0"/>
           </a:p>
@@ -5128,7 +5128,7 @@
             <a:fld id="{B61BEF0D-F0BB-DE4B-95CE-6DB70DBA9567}" type="datetimeFigureOut">
               <a:rPr lang="en-US" dirty="0"/>
               <a:pPr/>
-              <a:t>8/22/2023</a:t>
+              <a:t>8/23/2023</a:t>
             </a:fld>
             <a:endParaRPr lang="en-US" dirty="0"/>
           </a:p>
@@ -5394,7 +5394,7 @@
             <a:fld id="{B61BEF0D-F0BB-DE4B-95CE-6DB70DBA9567}" type="datetimeFigureOut">
               <a:rPr lang="en-US" dirty="0"/>
               <a:pPr/>
-              <a:t>8/22/2023</a:t>
+              <a:t>8/23/2023</a:t>
             </a:fld>
             <a:endParaRPr lang="en-US" dirty="0"/>
           </a:p>
@@ -5688,7 +5688,7 @@
             <a:fld id="{B61BEF0D-F0BB-DE4B-95CE-6DB70DBA9567}" type="datetimeFigureOut">
               <a:rPr lang="en-US" dirty="0"/>
               <a:pPr/>
-              <a:t>8/22/2023</a:t>
+              <a:t>8/23/2023</a:t>
             </a:fld>
             <a:endParaRPr lang="en-US" dirty="0"/>
           </a:p>
@@ -6105,7 +6105,7 @@
             <a:fld id="{B61BEF0D-F0BB-DE4B-95CE-6DB70DBA9567}" type="datetimeFigureOut">
               <a:rPr lang="en-US" dirty="0"/>
               <a:pPr/>
-              <a:t>8/22/2023</a:t>
+              <a:t>8/23/2023</a:t>
             </a:fld>
             <a:endParaRPr lang="en-US" dirty="0"/>
           </a:p>
@@ -6686,14 +6686,14 @@
               <a:buNone/>
             </a:pPr>
             <a:r>
-              <a:rPr lang="en-US" altLang="ko" dirty="0"/>
+              <a:rPr lang="en-US" altLang="ko" b="1" dirty="0"/>
               <a:t>Ci/cd stream </a:t>
             </a:r>
             <a:r>
-              <a:rPr lang="ko" dirty="0"/>
+              <a:rPr lang="ko" b="1" dirty="0"/>
               <a:t>프로젝트</a:t>
             </a:r>
-            <a:endParaRPr dirty="0"/>
+            <a:endParaRPr b="1" dirty="0"/>
           </a:p>
         </p:txBody>
       </p:sp>
@@ -6871,7 +6871,7 @@
           <a:lstStyle/>
           <a:p>
             <a:r>
-              <a:rPr lang="ko-KR" altLang="en-US" dirty="0"/>
+              <a:rPr lang="ko-KR" altLang="en-US" b="1" dirty="0"/>
               <a:t>결과 데모 시연</a:t>
             </a:r>
           </a:p>
@@ -6895,7 +6895,7 @@
         </p:nvSpPr>
         <p:spPr>
           <a:xfrm>
-            <a:off x="265281" y="1676266"/>
+            <a:off x="164170" y="1547143"/>
             <a:ext cx="5629962" cy="1864094"/>
           </a:xfrm>
         </p:spPr>
@@ -6909,8 +6909,37 @@
                   <a:schemeClr val="tx1"/>
                 </a:solidFill>
               </a:rPr>
-              <a:t>SonarQube </a:t>
-            </a:r>
+              <a:t>SonarQube</a:t>
+            </a:r>
+            <a:r>
+              <a:rPr lang="ko-KR" altLang="en-US" dirty="0">
+                <a:solidFill>
+                  <a:schemeClr val="tx1"/>
+                </a:solidFill>
+              </a:rPr>
+              <a:t>의 </a:t>
+            </a:r>
+            <a:r>
+              <a:rPr lang="en-US" altLang="ko-KR" dirty="0">
+                <a:solidFill>
+                  <a:schemeClr val="tx1"/>
+                </a:solidFill>
+              </a:rPr>
+              <a:t>main.py </a:t>
+            </a:r>
+            <a:r>
+              <a:rPr lang="ko-KR" altLang="en-US" dirty="0">
+                <a:solidFill>
+                  <a:schemeClr val="tx1"/>
+                </a:solidFill>
+              </a:rPr>
+              <a:t>파일</a:t>
+            </a:r>
+            <a:endParaRPr lang="en-US" altLang="ko-KR" dirty="0">
+              <a:solidFill>
+                <a:schemeClr val="tx1"/>
+              </a:solidFill>
+            </a:endParaRPr>
           </a:p>
           <a:p>
             <a:pPr marL="114300" indent="0">
@@ -6922,7 +6951,7 @@
                   <a:schemeClr val="tx1"/>
                 </a:solidFill>
               </a:rPr>
-              <a:t>      </a:t>
+              <a:t>       </a:t>
             </a:r>
             <a:r>
               <a:rPr lang="ko-KR" altLang="en-US" dirty="0">
@@ -6930,37 +6959,13 @@
                   <a:schemeClr val="tx1"/>
                 </a:solidFill>
               </a:rPr>
-              <a:t>웹 서버의 </a:t>
-            </a:r>
-            <a:r>
-              <a:rPr lang="en-US" altLang="ko-KR" dirty="0">
-                <a:solidFill>
-                  <a:schemeClr val="tx1"/>
-                </a:solidFill>
-              </a:rPr>
-              <a:t>main.py</a:t>
-            </a:r>
-          </a:p>
-          <a:p>
-            <a:pPr marL="114300" indent="0">
-              <a:buNone/>
-            </a:pPr>
-            <a:r>
-              <a:rPr lang="en-US" altLang="ko-KR" dirty="0">
-                <a:solidFill>
-                  <a:schemeClr val="tx1"/>
-                </a:solidFill>
-              </a:rPr>
-              <a:t>      </a:t>
-            </a:r>
-            <a:r>
-              <a:rPr lang="ko-KR" altLang="en-US" dirty="0">
-                <a:solidFill>
-                  <a:schemeClr val="tx1"/>
-                </a:solidFill>
-              </a:rPr>
-              <a:t>코드 검사 결과 </a:t>
-            </a:r>
+              <a:t>코드 분석 완료</a:t>
+            </a:r>
+            <a:endParaRPr lang="en-US" altLang="ko-KR" dirty="0">
+              <a:solidFill>
+                <a:schemeClr val="tx1"/>
+              </a:solidFill>
+            </a:endParaRPr>
           </a:p>
         </p:txBody>
       </p:sp>
@@ -7081,7 +7086,7 @@
           <a:lstStyle/>
           <a:p>
             <a:r>
-              <a:rPr lang="ko-KR" altLang="en-US" dirty="0"/>
+              <a:rPr lang="ko-KR" altLang="en-US" b="1" dirty="0"/>
               <a:t>결과 데모 시연</a:t>
             </a:r>
           </a:p>
@@ -7176,7 +7181,7 @@
         </p:blipFill>
         <p:spPr>
           <a:xfrm>
-            <a:off x="1563711" y="2515994"/>
+            <a:off x="1664823" y="2515994"/>
             <a:ext cx="1981200" cy="2154840"/>
           </a:xfrm>
           <a:prstGeom prst="rect">
@@ -7236,7 +7241,7 @@
           <a:lstStyle/>
           <a:p>
             <a:r>
-              <a:rPr lang="ko-KR" altLang="en-US" dirty="0"/>
+              <a:rPr lang="ko-KR" altLang="en-US" b="1" dirty="0"/>
               <a:t>결과 데모 시연</a:t>
             </a:r>
           </a:p>
@@ -7293,6 +7298,22 @@
               <a:t>flask </a:t>
             </a:r>
             <a:r>
+              <a:rPr lang="ko-KR" altLang="en-US" dirty="0">
+                <a:solidFill>
+                  <a:schemeClr val="tx1"/>
+                </a:solidFill>
+              </a:rPr>
+              <a:t>실습</a:t>
+            </a:r>
+            <a:r>
+              <a:rPr lang="en-US" altLang="ko-KR" dirty="0">
+                <a:solidFill>
+                  <a:schemeClr val="tx1"/>
+                </a:solidFill>
+              </a:rPr>
+              <a:t> </a:t>
+            </a:r>
+            <a:r>
               <a:rPr lang="ko-KR" altLang="en-US" dirty="0" err="1">
                 <a:solidFill>
                   <a:schemeClr val="tx1"/>
@@ -7317,6 +7338,22 @@
                 </a:solidFill>
               </a:rPr>
               <a:t>      Release </a:t>
+            </a:r>
+            <a:r>
+              <a:rPr lang="ko-KR" altLang="en-US" dirty="0">
+                <a:solidFill>
+                  <a:schemeClr val="tx1"/>
+                </a:solidFill>
+              </a:rPr>
+              <a:t>자동</a:t>
+            </a:r>
+            <a:r>
+              <a:rPr lang="en-US" altLang="ko-KR" dirty="0">
+                <a:solidFill>
+                  <a:schemeClr val="tx1"/>
+                </a:solidFill>
+              </a:rPr>
+              <a:t> </a:t>
             </a:r>
             <a:r>
               <a:rPr lang="ko-KR" altLang="en-US" dirty="0">
@@ -7495,7 +7532,7 @@
           <a:lstStyle/>
           <a:p>
             <a:r>
-              <a:rPr lang="ko-KR" altLang="en-US" dirty="0"/>
+              <a:rPr lang="ko-KR" altLang="en-US" b="1" dirty="0"/>
               <a:t>결과 데모 시연</a:t>
             </a:r>
           </a:p>
@@ -7519,7 +7556,7 @@
         </p:nvSpPr>
         <p:spPr>
           <a:xfrm>
-            <a:off x="545634" y="1859006"/>
+            <a:off x="554426" y="1555671"/>
             <a:ext cx="5629962" cy="1864094"/>
           </a:xfrm>
         </p:spPr>
@@ -7541,7 +7578,7 @@
                   <a:schemeClr val="tx1"/>
                 </a:solidFill>
               </a:rPr>
-              <a:t>에 컨테이너 이미지 </a:t>
+              <a:t>에 컨테이너 이미지 자동 </a:t>
             </a:r>
             <a:r>
               <a:rPr lang="en-US" altLang="ko-KR" dirty="0">
@@ -7549,16 +7586,79 @@
                   <a:schemeClr val="tx1"/>
                 </a:solidFill>
               </a:rPr>
-              <a:t>Push</a:t>
-            </a:r>
-            <a:endParaRPr lang="ko-KR" altLang="en-US" dirty="0">
-              <a:solidFill>
-                <a:schemeClr val="tx1"/>
-              </a:solidFill>
-            </a:endParaRPr>
-          </a:p>
-        </p:txBody>
-      </p:sp>
+              <a:t>Push </a:t>
+            </a:r>
+            <a:r>
+              <a:rPr lang="ko-KR" altLang="en-US" dirty="0">
+                <a:solidFill>
+                  <a:schemeClr val="tx1"/>
+                </a:solidFill>
+              </a:rPr>
+              <a:t>완료</a:t>
+            </a:r>
+          </a:p>
+        </p:txBody>
+      </p:sp>
+      <p:pic>
+        <p:nvPicPr>
+          <p:cNvPr id="5" name="그림 4">
+            <a:extLst>
+              <a:ext uri="{FF2B5EF4-FFF2-40B4-BE49-F238E27FC236}">
+                <a16:creationId xmlns:a16="http://schemas.microsoft.com/office/drawing/2014/main" id="{6605CC44-230A-578B-4A09-3E92948D0456}"/>
+              </a:ext>
+            </a:extLst>
+          </p:cNvPr>
+          <p:cNvPicPr>
+            <a:picLocks noChangeAspect="1"/>
+          </p:cNvPicPr>
+          <p:nvPr/>
+        </p:nvPicPr>
+        <p:blipFill>
+          <a:blip r:embed="rId2"/>
+          <a:stretch>
+            <a:fillRect/>
+          </a:stretch>
+        </p:blipFill>
+        <p:spPr>
+          <a:xfrm>
+            <a:off x="751252" y="2083371"/>
+            <a:ext cx="5591397" cy="2218352"/>
+          </a:xfrm>
+          <a:prstGeom prst="rect">
+            <a:avLst/>
+          </a:prstGeom>
+        </p:spPr>
+      </p:pic>
+      <p:pic>
+        <p:nvPicPr>
+          <p:cNvPr id="7" name="그림 6">
+            <a:extLst>
+              <a:ext uri="{FF2B5EF4-FFF2-40B4-BE49-F238E27FC236}">
+                <a16:creationId xmlns:a16="http://schemas.microsoft.com/office/drawing/2014/main" id="{5DF833CB-0613-99FB-72ED-59D2AFA85D68}"/>
+              </a:ext>
+            </a:extLst>
+          </p:cNvPr>
+          <p:cNvPicPr>
+            <a:picLocks noChangeAspect="1"/>
+          </p:cNvPicPr>
+          <p:nvPr/>
+        </p:nvPicPr>
+        <p:blipFill>
+          <a:blip r:embed="rId3"/>
+          <a:stretch>
+            <a:fillRect/>
+          </a:stretch>
+        </p:blipFill>
+        <p:spPr>
+          <a:xfrm>
+            <a:off x="4718696" y="2752668"/>
+            <a:ext cx="3975304" cy="1847945"/>
+          </a:xfrm>
+          <a:prstGeom prst="rect">
+            <a:avLst/>
+          </a:prstGeom>
+        </p:spPr>
+      </p:pic>
     </p:spTree>
     <p:extLst>
       <p:ext uri="{BB962C8B-B14F-4D97-AF65-F5344CB8AC3E}">
@@ -7611,7 +7711,7 @@
           <a:lstStyle/>
           <a:p>
             <a:r>
-              <a:rPr lang="ko-KR" altLang="en-US" dirty="0"/>
+              <a:rPr lang="ko-KR" altLang="en-US" b="1" dirty="0"/>
               <a:t>보완점</a:t>
             </a:r>
           </a:p>
@@ -7635,7 +7735,7 @@
         </p:nvSpPr>
         <p:spPr>
           <a:xfrm>
-            <a:off x="351046" y="1857528"/>
+            <a:off x="311480" y="1813271"/>
             <a:ext cx="8222100" cy="2710200"/>
           </a:xfrm>
         </p:spPr>
@@ -7661,6 +7761,9 @@
             </a:r>
           </a:p>
           <a:p>
+            <a:pPr marL="114300" indent="0">
+              <a:buNone/>
+            </a:pPr>
             <a:endParaRPr lang="en-US" altLang="ko-KR" dirty="0">
               <a:solidFill>
                 <a:schemeClr val="tx1"/>
@@ -7674,7 +7777,7 @@
                   <a:schemeClr val="tx1"/>
                 </a:solidFill>
               </a:rPr>
-              <a:t>해당 서비스를 한 서버에 구성할 수 있다는 장점이 있지만 과부하의 위험성 때문에 해당 서버의 메모리를 늘려야 했음</a:t>
+              <a:t>해당 서비스를 한 서버에 빠른 속도로 구성할 수 있다는 장점이 있지만 과부하의 위험성 때문에 해당 서버의 메모리를 늘려야 했음</a:t>
             </a:r>
             <a:r>
               <a:rPr lang="en-US" altLang="ko-KR" dirty="0">
@@ -7682,10 +7785,13 @@
                   <a:schemeClr val="tx1"/>
                 </a:solidFill>
               </a:rPr>
-              <a:t>.</a:t>
-            </a:r>
-          </a:p>
-          <a:p>
+              <a:t>. </a:t>
+            </a:r>
+          </a:p>
+          <a:p>
+            <a:pPr marL="114300" indent="0">
+              <a:buNone/>
+            </a:pPr>
             <a:endParaRPr lang="en-US" altLang="ko-KR" dirty="0"/>
           </a:p>
           <a:p>
@@ -7695,7 +7801,33 @@
                   <a:schemeClr val="tx1"/>
                 </a:solidFill>
               </a:rPr>
-              <a:t>일정표의 남은 기간 동안 서버의 과부하를 줄이기 위해 역할별로 여러 대의 서버를 추가하여 보완할 계획</a:t>
+              <a:t>일정표의 남은 기간 동안 서버의 과부하를 줄이기 위해 수행 역할별로 여러 대의 </a:t>
+            </a:r>
+            <a:endParaRPr lang="en-US" altLang="ko-KR" dirty="0">
+              <a:solidFill>
+                <a:schemeClr val="tx1"/>
+              </a:solidFill>
+            </a:endParaRPr>
+          </a:p>
+          <a:p>
+            <a:pPr marL="114300" indent="0">
+              <a:buNone/>
+            </a:pPr>
+            <a:r>
+              <a:rPr lang="en-US" altLang="ko-KR" dirty="0">
+                <a:solidFill>
+                  <a:schemeClr val="tx1"/>
+                </a:solidFill>
+              </a:rPr>
+              <a:t>      </a:t>
+            </a:r>
+            <a:r>
+              <a:rPr lang="ko-KR" altLang="en-US" dirty="0">
+                <a:solidFill>
+                  <a:schemeClr val="tx1"/>
+                </a:solidFill>
+              </a:rPr>
+              <a:t>서버를 추가하여 설치 메뉴얼을 보완할 계획</a:t>
             </a:r>
             <a:r>
               <a:rPr lang="en-US" altLang="ko-KR" dirty="0">
@@ -7757,247 +7889,32 @@
             <p:ph type="title"/>
           </p:nvPr>
         </p:nvSpPr>
-        <p:spPr/>
+        <p:spPr>
+          <a:xfrm>
+            <a:off x="3522830" y="1965252"/>
+            <a:ext cx="8222100" cy="767700"/>
+          </a:xfrm>
+        </p:spPr>
         <p:txBody>
           <a:bodyPr/>
           <a:lstStyle/>
           <a:p>
             <a:r>
-              <a:rPr lang="ko-KR" altLang="en-US" dirty="0"/>
-              <a:t>보완점</a:t>
-            </a:r>
-          </a:p>
-        </p:txBody>
-      </p:sp>
-      <p:sp>
-        <p:nvSpPr>
-          <p:cNvPr id="3" name="텍스트 개체 틀 2">
-            <a:extLst>
-              <a:ext uri="{FF2B5EF4-FFF2-40B4-BE49-F238E27FC236}">
-                <a16:creationId xmlns:a16="http://schemas.microsoft.com/office/drawing/2014/main" id="{A3FBF26A-E50E-05FF-7801-D1216EA756DE}"/>
-              </a:ext>
-            </a:extLst>
-          </p:cNvPr>
-          <p:cNvSpPr>
-            <a:spLocks noGrp="1"/>
-          </p:cNvSpPr>
-          <p:nvPr>
-            <p:ph type="body" idx="1"/>
-          </p:nvPr>
-        </p:nvSpPr>
-        <p:spPr>
-          <a:xfrm>
-            <a:off x="1639119" y="1641098"/>
-            <a:ext cx="4941923" cy="930652"/>
-          </a:xfrm>
-        </p:spPr>
-        <p:txBody>
-          <a:bodyPr/>
-          <a:lstStyle/>
-          <a:p>
-            <a:r>
-              <a:rPr lang="ko-KR" altLang="en-US" dirty="0"/>
-              <a:t>한 서버에 몰아 넣는 방법</a:t>
-            </a:r>
-            <a:r>
-              <a:rPr lang="en-US" altLang="ko-KR" dirty="0"/>
-              <a:t>:</a:t>
-            </a:r>
-          </a:p>
-          <a:p>
-            <a:endParaRPr lang="en-US" altLang="ko-KR" dirty="0"/>
-          </a:p>
-          <a:p>
-            <a:r>
-              <a:rPr lang="ko-KR" altLang="en-US" dirty="0"/>
-              <a:t>간편성</a:t>
-            </a:r>
-            <a:r>
-              <a:rPr lang="en-US" altLang="ko-KR" dirty="0"/>
-              <a:t>: </a:t>
-            </a:r>
-            <a:r>
-              <a:rPr lang="ko-KR" altLang="en-US" dirty="0"/>
-              <a:t>모든 것을 하나의 서버에 구축하면 초기 설정과 관리가 간편할 수 있습니다</a:t>
-            </a:r>
-            <a:r>
-              <a:rPr lang="en-US" altLang="ko-KR" dirty="0"/>
-              <a:t>. </a:t>
-            </a:r>
-            <a:r>
-              <a:rPr lang="ko-KR" altLang="en-US" dirty="0"/>
-              <a:t>작은 프로젝트나 개발 환경에서는 유용할 수 있습니다</a:t>
-            </a:r>
-            <a:r>
-              <a:rPr lang="en-US" altLang="ko-KR" dirty="0"/>
-              <a:t>.</a:t>
-            </a:r>
-          </a:p>
-          <a:p>
-            <a:endParaRPr lang="en-US" altLang="ko-KR" dirty="0"/>
-          </a:p>
-          <a:p>
-            <a:r>
-              <a:rPr lang="ko-KR" altLang="en-US" dirty="0"/>
-              <a:t>자원 효율성</a:t>
-            </a:r>
-            <a:r>
-              <a:rPr lang="en-US" altLang="ko-KR" dirty="0"/>
-              <a:t>: </a:t>
-            </a:r>
-            <a:r>
-              <a:rPr lang="ko-KR" altLang="en-US" dirty="0"/>
-              <a:t>작은 규모의 서비스나 프로젝트에서는 자원 효율성 면에서는 그리 문제가 없을 수 있습니다</a:t>
-            </a:r>
-            <a:r>
-              <a:rPr lang="en-US" altLang="ko-KR" dirty="0"/>
-              <a:t>.</a:t>
-            </a:r>
-          </a:p>
-          <a:p>
-            <a:endParaRPr lang="en-US" altLang="ko-KR" dirty="0"/>
-          </a:p>
-          <a:p>
-            <a:r>
-              <a:rPr lang="ko-KR" altLang="en-US" dirty="0"/>
-              <a:t>여러 서버에 역할 분리하는 방법</a:t>
-            </a:r>
-            <a:r>
-              <a:rPr lang="en-US" altLang="ko-KR" dirty="0"/>
-              <a:t>:</a:t>
-            </a:r>
-          </a:p>
-          <a:p>
-            <a:endParaRPr lang="en-US" altLang="ko-KR" dirty="0"/>
-          </a:p>
-          <a:p>
-            <a:r>
-              <a:rPr lang="ko-KR" altLang="en-US" dirty="0"/>
-              <a:t>확장성</a:t>
-            </a:r>
-            <a:r>
-              <a:rPr lang="en-US" altLang="ko-KR" dirty="0"/>
-              <a:t>: </a:t>
-            </a:r>
-            <a:r>
-              <a:rPr lang="ko-KR" altLang="en-US" dirty="0"/>
-              <a:t>서비스가 성장할 가능성이 있다면</a:t>
-            </a:r>
-            <a:r>
-              <a:rPr lang="en-US" altLang="ko-KR" dirty="0"/>
-              <a:t>, </a:t>
-            </a:r>
-            <a:r>
-              <a:rPr lang="ko-KR" altLang="en-US" dirty="0"/>
-              <a:t>역할을 분리하여 여러 서버에 배치하는 것이 확장성 면에서 우수합니다</a:t>
-            </a:r>
-            <a:r>
-              <a:rPr lang="en-US" altLang="ko-KR" dirty="0"/>
-              <a:t>. </a:t>
-            </a:r>
-            <a:r>
-              <a:rPr lang="ko-KR" altLang="en-US" dirty="0"/>
-              <a:t>서비스의 부하가 증가하면 특정 역할을 가진 서버만 확장할 수 있습니다</a:t>
-            </a:r>
-            <a:r>
-              <a:rPr lang="en-US" altLang="ko-KR" dirty="0"/>
-              <a:t>.</a:t>
-            </a:r>
-          </a:p>
-          <a:p>
-            <a:endParaRPr lang="en-US" altLang="ko-KR" dirty="0"/>
-          </a:p>
-          <a:p>
-            <a:r>
-              <a:rPr lang="ko-KR" altLang="en-US" dirty="0"/>
-              <a:t>보안</a:t>
-            </a:r>
-            <a:r>
-              <a:rPr lang="en-US" altLang="ko-KR" dirty="0"/>
-              <a:t>: </a:t>
-            </a:r>
-            <a:r>
-              <a:rPr lang="ko-KR" altLang="en-US" dirty="0"/>
-              <a:t>민감한 정보 또는 역할에 따라 보안 요구 사항이 다를 수 있으며</a:t>
-            </a:r>
-            <a:r>
-              <a:rPr lang="en-US" altLang="ko-KR" dirty="0"/>
-              <a:t>, </a:t>
-            </a:r>
-            <a:r>
-              <a:rPr lang="ko-KR" altLang="en-US" dirty="0"/>
-              <a:t>역할을 나눠 서버를 구성하면 보안을 강화할 수 있습니다</a:t>
-            </a:r>
-            <a:r>
-              <a:rPr lang="en-US" altLang="ko-KR" dirty="0"/>
-              <a:t>.</a:t>
-            </a:r>
-          </a:p>
-          <a:p>
-            <a:endParaRPr lang="en-US" altLang="ko-KR" dirty="0"/>
-          </a:p>
-          <a:p>
-            <a:r>
-              <a:rPr lang="ko-KR" altLang="en-US" dirty="0"/>
-              <a:t>장애 복구</a:t>
-            </a:r>
-            <a:r>
-              <a:rPr lang="en-US" altLang="ko-KR" dirty="0"/>
-              <a:t>: </a:t>
-            </a:r>
-            <a:r>
-              <a:rPr lang="ko-KR" altLang="en-US" dirty="0"/>
-              <a:t>역할 분리는 장애 복구에 도움이 됩니다</a:t>
-            </a:r>
-            <a:r>
-              <a:rPr lang="en-US" altLang="ko-KR" dirty="0"/>
-              <a:t>. </a:t>
-            </a:r>
-            <a:r>
-              <a:rPr lang="ko-KR" altLang="en-US" dirty="0"/>
-              <a:t>한 서버가 장애로 인해 다운될 경우 다른 서버가 해당 역할을 대신하거나 트래픽을 분산할 수 있습니다</a:t>
-            </a:r>
-            <a:r>
-              <a:rPr lang="en-US" altLang="ko-KR" dirty="0"/>
-              <a:t>.</a:t>
-            </a:r>
-          </a:p>
-          <a:p>
-            <a:endParaRPr lang="en-US" altLang="ko-KR" dirty="0"/>
-          </a:p>
-          <a:p>
-            <a:r>
-              <a:rPr lang="ko-KR" altLang="en-US" dirty="0"/>
-              <a:t>유지 보수 및 관리</a:t>
-            </a:r>
-            <a:r>
-              <a:rPr lang="en-US" altLang="ko-KR" dirty="0"/>
-              <a:t>: </a:t>
-            </a:r>
-            <a:r>
-              <a:rPr lang="ko-KR" altLang="en-US" dirty="0"/>
-              <a:t>서버를 역할에 따라 분리하면 유지 보수와 관리가 더 쉽습니다</a:t>
-            </a:r>
-            <a:r>
-              <a:rPr lang="en-US" altLang="ko-KR" dirty="0"/>
-              <a:t>. </a:t>
-            </a:r>
-            <a:r>
-              <a:rPr lang="ko-KR" altLang="en-US" dirty="0"/>
-              <a:t>특정 역할에 문제가 발생할 경우 해당 역할만 수정하거나 업그레이드할 수 있습니다</a:t>
-            </a:r>
-            <a:r>
-              <a:rPr lang="en-US" altLang="ko-KR" dirty="0"/>
-              <a:t>.</a:t>
-            </a:r>
-            <a:endParaRPr lang="ko-KR" altLang="en-US" dirty="0"/>
+              <a:rPr lang="en-US" altLang="ko-KR" sz="4000" b="1" dirty="0" err="1"/>
+              <a:t>Q&amp;a</a:t>
+            </a:r>
+            <a:r>
+              <a:rPr lang="en-US" altLang="ko-KR" sz="4000" b="1" dirty="0"/>
+              <a:t> </a:t>
+            </a:r>
+            <a:endParaRPr lang="ko-KR" altLang="en-US" sz="4000" b="1" dirty="0"/>
           </a:p>
         </p:txBody>
       </p:sp>
     </p:spTree>
     <p:extLst>
       <p:ext uri="{BB962C8B-B14F-4D97-AF65-F5344CB8AC3E}">
-        <p14:creationId xmlns:p14="http://schemas.microsoft.com/office/powerpoint/2010/main" val="29853989"/>
+        <p14:creationId xmlns:p14="http://schemas.microsoft.com/office/powerpoint/2010/main" val="1744886308"/>
       </p:ext>
     </p:extLst>
   </p:cSld>
@@ -8042,7 +7959,7 @@
         </p:nvSpPr>
         <p:spPr>
           <a:xfrm>
-            <a:off x="833977" y="2187900"/>
+            <a:off x="838374" y="2733023"/>
             <a:ext cx="8222100" cy="767700"/>
           </a:xfrm>
         </p:spPr>
@@ -8072,28 +7989,42 @@
               <a:rPr lang="en-US" altLang="ko-KR" dirty="0"/>
             </a:br>
             <a:br>
-              <a:rPr lang="en-US" altLang="ko-KR" dirty="0"/>
+              <a:rPr lang="en-US" altLang="ko-KR" b="1" dirty="0"/>
             </a:br>
             <a:r>
-              <a:rPr lang="en-US" altLang="ko-KR" dirty="0"/>
+              <a:rPr lang="en-US" altLang="ko-KR" b="1" dirty="0"/>
               <a:t>CI/CD STREAM </a:t>
             </a:r>
             <a:r>
-              <a:rPr lang="ko-KR" altLang="en-US" dirty="0"/>
+              <a:rPr lang="ko-KR" altLang="en-US" b="1" dirty="0"/>
               <a:t>프로젝트 </a:t>
             </a:r>
             <a:br>
-              <a:rPr lang="en-US" altLang="ko-KR" dirty="0"/>
+              <a:rPr lang="en-US" altLang="ko-KR" b="1" dirty="0"/>
             </a:br>
             <a:r>
-              <a:rPr lang="ko-KR" altLang="en-US" dirty="0"/>
+              <a:rPr lang="ko-KR" altLang="en-US" b="1" dirty="0"/>
               <a:t>발표를 마치겠습니다</a:t>
             </a:r>
             <a:r>
-              <a:rPr lang="en-US" altLang="ko-KR" dirty="0"/>
+              <a:rPr lang="en-US" altLang="ko-KR" b="1" dirty="0"/>
               <a:t>.</a:t>
             </a:r>
-            <a:endParaRPr lang="ko-KR" altLang="en-US" dirty="0"/>
+            <a:br>
+              <a:rPr lang="en-US" altLang="ko-KR" b="1" dirty="0"/>
+            </a:br>
+            <a:br>
+              <a:rPr lang="en-US" altLang="ko-KR" b="1" dirty="0"/>
+            </a:br>
+            <a:r>
+              <a:rPr lang="ko-KR" altLang="en-US" b="1" dirty="0"/>
+              <a:t>감사합니다</a:t>
+            </a:r>
+            <a:r>
+              <a:rPr lang="en-US" altLang="ko-KR" b="1" dirty="0"/>
+              <a:t>.</a:t>
+            </a:r>
+            <a:endParaRPr lang="ko-KR" altLang="en-US" b="1" dirty="0"/>
           </a:p>
         </p:txBody>
       </p:sp>
@@ -8158,10 +8089,10 @@
               <a:buNone/>
             </a:pPr>
             <a:r>
-              <a:rPr lang="en-US" dirty="0"/>
+              <a:rPr lang="en-US" b="1" dirty="0"/>
               <a:t>index</a:t>
             </a:r>
-            <a:endParaRPr dirty="0"/>
+            <a:endParaRPr b="1" dirty="0"/>
           </a:p>
         </p:txBody>
       </p:sp>
@@ -8682,7 +8613,7 @@
           <a:lstStyle/>
           <a:p>
             <a:r>
-              <a:rPr lang="ko-KR" altLang="en-US" dirty="0"/>
+              <a:rPr lang="ko-KR" altLang="en-US" b="1" dirty="0"/>
               <a:t>프로젝트 개요</a:t>
             </a:r>
           </a:p>
@@ -8745,6 +8676,9 @@
             </a:endParaRPr>
           </a:p>
           <a:p>
+            <a:pPr marL="114300" indent="0">
+              <a:buNone/>
+            </a:pPr>
             <a:endParaRPr lang="en-US" altLang="ko-KR" dirty="0">
               <a:solidFill>
                 <a:schemeClr val="tx1"/>
@@ -8752,6 +8686,9 @@
             </a:endParaRPr>
           </a:p>
           <a:p>
+            <a:pPr marL="114300" indent="0">
+              <a:buNone/>
+            </a:pPr>
             <a:endParaRPr lang="en-US" altLang="ko-KR" dirty="0">
               <a:solidFill>
                 <a:schemeClr val="tx1"/>
@@ -8870,6 +8807,9 @@
             </a:endParaRPr>
           </a:p>
           <a:p>
+            <a:pPr marL="114300" indent="0">
+              <a:buNone/>
+            </a:pPr>
             <a:endParaRPr lang="en-US" altLang="ko-KR" dirty="0">
               <a:solidFill>
                 <a:schemeClr val="tx1"/>
@@ -8877,6 +8817,9 @@
             </a:endParaRPr>
           </a:p>
           <a:p>
+            <a:pPr marL="114300" indent="0">
+              <a:buNone/>
+            </a:pPr>
             <a:endParaRPr lang="en-US" altLang="ko-KR" dirty="0">
               <a:solidFill>
                 <a:schemeClr val="tx1"/>
@@ -8919,7 +8862,7 @@
                   <a:schemeClr val="tx1"/>
                 </a:solidFill>
               </a:rPr>
-              <a:t>로 파이썬 코드 품질 분석 및 평가 진행</a:t>
+              <a:t>로 </a:t>
             </a:r>
             <a:r>
               <a:rPr lang="en-US" altLang="ko-KR" dirty="0">
@@ -8927,6 +8870,22 @@
                   <a:schemeClr val="tx1"/>
                 </a:solidFill>
               </a:rPr>
+              <a:t>Python</a:t>
+            </a:r>
+            <a:r>
+              <a:rPr lang="ko-KR" altLang="en-US" dirty="0">
+                <a:solidFill>
+                  <a:schemeClr val="tx1"/>
+                </a:solidFill>
+              </a:rPr>
+              <a:t> 코드 품질 분석 및 평가 진행</a:t>
+            </a:r>
+            <a:r>
+              <a:rPr lang="en-US" altLang="ko-KR" dirty="0">
+                <a:solidFill>
+                  <a:schemeClr val="tx1"/>
+                </a:solidFill>
+              </a:rPr>
               <a:t>.</a:t>
             </a:r>
           </a:p>
@@ -8948,15 +8907,15 @@
                   <a:schemeClr val="tx1"/>
                 </a:solidFill>
               </a:rPr>
-              <a:t>검사 후 이메일 발송과 </a:t>
-            </a:r>
-            <a:r>
-              <a:rPr lang="ko-KR" altLang="en-US" dirty="0" err="1">
-                <a:solidFill>
-                  <a:schemeClr val="tx1"/>
-                </a:solidFill>
-              </a:rPr>
-              <a:t>깃허브</a:t>
+              <a:t>이메일 발송과 </a:t>
+            </a:r>
+            <a:r>
+              <a:rPr lang="en-US" altLang="ko-KR" dirty="0" err="1">
+                <a:solidFill>
+                  <a:schemeClr val="tx1"/>
+                </a:solidFill>
+              </a:rPr>
+              <a:t>Github</a:t>
             </a:r>
             <a:r>
               <a:rPr lang="ko-KR" altLang="en-US" dirty="0">
@@ -9009,7 +8968,7 @@
                   <a:schemeClr val="tx1"/>
                 </a:solidFill>
               </a:rPr>
-              <a:t>파이썬 코드 외에 다른 프로젝트들을 </a:t>
+              <a:t>파이프라인을 이용한 </a:t>
             </a:r>
             <a:r>
               <a:rPr lang="en-US" altLang="ko-KR" dirty="0">
@@ -9017,7 +8976,7 @@
                   <a:schemeClr val="tx1"/>
                 </a:solidFill>
               </a:rPr>
-              <a:t>Jenkins</a:t>
+              <a:t>Docker Hub</a:t>
             </a:r>
             <a:r>
               <a:rPr lang="ko-KR" altLang="en-US" dirty="0">
@@ -9025,7 +8984,7 @@
                   <a:schemeClr val="tx1"/>
                 </a:solidFill>
               </a:rPr>
-              <a:t>를 이용해 </a:t>
+              <a:t>로 이미지</a:t>
             </a:r>
             <a:r>
               <a:rPr lang="en-US" altLang="ko-KR" dirty="0">
@@ -9033,7 +8992,7 @@
                   <a:schemeClr val="tx1"/>
                 </a:solidFill>
               </a:rPr>
-              <a:t>Docker Hub</a:t>
+              <a:t> </a:t>
             </a:r>
             <a:r>
               <a:rPr lang="ko-KR" altLang="en-US" dirty="0">
@@ -9041,7 +9000,7 @@
                   <a:schemeClr val="tx1"/>
                 </a:solidFill>
               </a:rPr>
-              <a:t>와 연동</a:t>
+              <a:t>업로드</a:t>
             </a:r>
             <a:r>
               <a:rPr lang="en-US" altLang="ko-KR" dirty="0">
@@ -9111,7 +9070,7 @@
           <a:lstStyle/>
           <a:p>
             <a:r>
-              <a:rPr lang="ko-KR" altLang="en-US" dirty="0"/>
+              <a:rPr lang="ko-KR" altLang="en-US" b="1" dirty="0"/>
               <a:t>프로젝트 목표</a:t>
             </a:r>
           </a:p>
@@ -9135,7 +9094,7 @@
         </p:nvSpPr>
         <p:spPr>
           <a:xfrm>
-            <a:off x="348810" y="1361903"/>
+            <a:off x="410356" y="1779538"/>
             <a:ext cx="8222100" cy="2710200"/>
           </a:xfrm>
         </p:spPr>
@@ -9182,6 +9141,9 @@
             </a:endParaRPr>
           </a:p>
           <a:p>
+            <a:pPr marL="114300" indent="0">
+              <a:buNone/>
+            </a:pPr>
             <a:endParaRPr lang="en-US" altLang="ko-KR" dirty="0">
               <a:solidFill>
                 <a:schemeClr val="tx1"/>
@@ -9189,6 +9151,14 @@
             </a:endParaRPr>
           </a:p>
           <a:p>
+            <a:r>
+              <a:rPr lang="ko-KR" altLang="en-US" dirty="0">
+                <a:solidFill>
+                  <a:schemeClr val="tx1"/>
+                </a:solidFill>
+              </a:rPr>
+              <a:t>짧은 기간 동안의 즉각적인 코드 분석 요구에 대처하기 위한 </a:t>
+            </a:r>
             <a:endParaRPr lang="en-US" altLang="ko-KR" dirty="0">
               <a:solidFill>
                 <a:schemeClr val="tx1"/>
@@ -9196,21 +9166,16 @@
             </a:endParaRPr>
           </a:p>
           <a:p>
-            <a:r>
-              <a:rPr lang="ko-KR" altLang="en-US" dirty="0">
-                <a:solidFill>
-                  <a:schemeClr val="tx1"/>
-                </a:solidFill>
-              </a:rPr>
-              <a:t>짧은 기간 동안의 반복적이고 지속적인 코드 분석 요구에 대처하기 위한 </a:t>
-            </a:r>
+            <a:pPr marL="114300" indent="0">
+              <a:buNone/>
+            </a:pPr>
             <a:r>
               <a:rPr lang="en-US" altLang="ko-KR" dirty="0">
                 <a:solidFill>
                   <a:schemeClr val="tx1"/>
                 </a:solidFill>
               </a:rPr>
-              <a:t>Jenkins flask-CI/CD </a:t>
+              <a:t>	  Jenkins flask-CI/CD </a:t>
             </a:r>
             <a:r>
               <a:rPr lang="ko-KR" altLang="en-US" dirty="0">
@@ -9227,6 +9192,9 @@
             </a:endParaRPr>
           </a:p>
           <a:p>
+            <a:pPr marL="114300" indent="0">
+              <a:buNone/>
+            </a:pPr>
             <a:endParaRPr lang="en-US" altLang="ko-KR" dirty="0">
               <a:solidFill>
                 <a:schemeClr val="tx1"/>
@@ -9275,6 +9243,9 @@
             </a:endParaRPr>
           </a:p>
           <a:p>
+            <a:pPr marL="114300" indent="0">
+              <a:buNone/>
+            </a:pPr>
             <a:endParaRPr lang="en-US" altLang="ko-KR" dirty="0">
               <a:solidFill>
                 <a:schemeClr val="tx1"/>
@@ -9362,16 +9333,6 @@
               </a:rPr>
               <a:t>로 자동 배포하기</a:t>
             </a:r>
-            <a:r>
-              <a:rPr lang="en-US" altLang="ko-KR" dirty="0">
-                <a:solidFill>
-                  <a:schemeClr val="tx1"/>
-                </a:solidFill>
-              </a:rPr>
-              <a:t>.</a:t>
-            </a:r>
-          </a:p>
-          <a:p>
             <a:endParaRPr lang="en-US" altLang="ko-KR" dirty="0">
               <a:solidFill>
                 <a:schemeClr val="tx1"/>
@@ -9386,46 +9347,14 @@
             </a:endParaRPr>
           </a:p>
           <a:p>
-            <a:r>
-              <a:rPr lang="en-US" altLang="ko-KR" dirty="0">
-                <a:solidFill>
-                  <a:schemeClr val="tx1"/>
-                </a:solidFill>
-              </a:rPr>
-              <a:t>Docker Hub</a:t>
-            </a:r>
-            <a:r>
-              <a:rPr lang="ko-KR" altLang="en-US" dirty="0">
-                <a:solidFill>
-                  <a:schemeClr val="tx1"/>
-                </a:solidFill>
-              </a:rPr>
-              <a:t>와 연동되는 </a:t>
-            </a:r>
-            <a:r>
-              <a:rPr lang="en-US" altLang="ko-KR" dirty="0">
-                <a:solidFill>
-                  <a:schemeClr val="tx1"/>
-                </a:solidFill>
-              </a:rPr>
-              <a:t>Pipeline </a:t>
-            </a:r>
-            <a:r>
-              <a:rPr lang="ko-KR" altLang="en-US" dirty="0">
-                <a:solidFill>
-                  <a:schemeClr val="tx1"/>
-                </a:solidFill>
-              </a:rPr>
-              <a:t>구축하기</a:t>
-            </a:r>
-            <a:r>
-              <a:rPr lang="en-US" altLang="ko-KR" dirty="0">
-                <a:solidFill>
-                  <a:schemeClr val="tx1"/>
-                </a:solidFill>
-              </a:rPr>
-              <a:t>.</a:t>
-            </a:r>
+            <a:pPr marL="114300" indent="0">
+              <a:buNone/>
+            </a:pPr>
+            <a:endParaRPr lang="en-US" altLang="ko-KR" dirty="0">
+              <a:solidFill>
+                <a:schemeClr val="tx1"/>
+              </a:solidFill>
+            </a:endParaRPr>
           </a:p>
         </p:txBody>
       </p:sp>
@@ -9464,7 +9393,7 @@
           <p:cNvPr id="2" name="제목 1">
             <a:extLst>
               <a:ext uri="{FF2B5EF4-FFF2-40B4-BE49-F238E27FC236}">
-                <a16:creationId xmlns:a16="http://schemas.microsoft.com/office/drawing/2014/main" id="{F3F7A6CF-7C03-01EB-AD8F-9196B3CD924B}"/>
+                <a16:creationId xmlns:a16="http://schemas.microsoft.com/office/drawing/2014/main" id="{45001CA4-ACA0-07F0-0D42-0057D9D45265}"/>
               </a:ext>
             </a:extLst>
           </p:cNvPr>
@@ -9477,7 +9406,7 @@
         </p:nvSpPr>
         <p:spPr>
           <a:xfrm>
-            <a:off x="611822" y="624425"/>
+            <a:off x="507070" y="510124"/>
             <a:ext cx="8222100" cy="767700"/>
           </a:xfrm>
         </p:spPr>
@@ -9486,24 +9415,356 @@
           <a:lstStyle/>
           <a:p>
             <a:r>
-              <a:rPr lang="ko-KR" altLang="en-US" dirty="0"/>
+              <a:rPr lang="ko-KR" altLang="en-US" b="1" dirty="0"/>
               <a:t>프로젝트 수행 </a:t>
             </a:r>
             <a:r>
-              <a:rPr lang="en-US" altLang="ko-KR" dirty="0"/>
+              <a:rPr lang="en-US" altLang="ko-KR" b="1" dirty="0"/>
               <a:t>– </a:t>
             </a:r>
             <a:r>
               <a:rPr lang="ko-KR" altLang="en-US" sz="2000" dirty="0"/>
               <a:t>수행 계획</a:t>
             </a:r>
+          </a:p>
+        </p:txBody>
+      </p:sp>
+      <p:sp>
+        <p:nvSpPr>
+          <p:cNvPr id="3" name="텍스트 개체 틀 2">
+            <a:extLst>
+              <a:ext uri="{FF2B5EF4-FFF2-40B4-BE49-F238E27FC236}">
+                <a16:creationId xmlns:a16="http://schemas.microsoft.com/office/drawing/2014/main" id="{968E094E-C1B1-18CF-B8EE-E70C35BB2A59}"/>
+              </a:ext>
+            </a:extLst>
+          </p:cNvPr>
+          <p:cNvSpPr>
+            <a:spLocks noGrp="1"/>
+          </p:cNvSpPr>
+          <p:nvPr>
+            <p:ph type="body" idx="1"/>
+          </p:nvPr>
+        </p:nvSpPr>
+        <p:spPr>
+          <a:xfrm>
+            <a:off x="410356" y="1779538"/>
+            <a:ext cx="8222100" cy="2366035"/>
+          </a:xfrm>
+        </p:spPr>
+        <p:txBody>
+          <a:bodyPr/>
+          <a:lstStyle/>
+          <a:p>
+            <a:r>
+              <a:rPr lang="ko-KR" altLang="en-US" dirty="0">
+                <a:solidFill>
+                  <a:schemeClr val="tx1"/>
+                </a:solidFill>
+              </a:rPr>
+              <a:t>서버 구성 </a:t>
+            </a:r>
+            <a:r>
+              <a:rPr lang="en-US" altLang="ko-KR" dirty="0">
+                <a:solidFill>
+                  <a:schemeClr val="tx1"/>
+                </a:solidFill>
+              </a:rPr>
+              <a:t>: NFS </a:t>
+            </a:r>
+            <a:r>
+              <a:rPr lang="ko-KR" altLang="en-US" dirty="0">
+                <a:solidFill>
+                  <a:schemeClr val="tx1"/>
+                </a:solidFill>
+              </a:rPr>
+              <a:t>서버</a:t>
+            </a:r>
+            <a:r>
+              <a:rPr lang="en-US" altLang="ko-KR" dirty="0">
+                <a:solidFill>
+                  <a:schemeClr val="tx1"/>
+                </a:solidFill>
+              </a:rPr>
+              <a:t>, Jenkins </a:t>
+            </a:r>
+            <a:r>
+              <a:rPr lang="ko-KR" altLang="en-US" dirty="0">
+                <a:solidFill>
+                  <a:schemeClr val="tx1"/>
+                </a:solidFill>
+              </a:rPr>
+              <a:t>서버</a:t>
+            </a:r>
+            <a:r>
+              <a:rPr lang="en-US" altLang="ko-KR" dirty="0">
+                <a:solidFill>
+                  <a:schemeClr val="tx1"/>
+                </a:solidFill>
+              </a:rPr>
+              <a:t>(</a:t>
+            </a:r>
+            <a:r>
+              <a:rPr lang="en-US" altLang="ko-KR" dirty="0" err="1">
+                <a:solidFill>
+                  <a:schemeClr val="tx1"/>
+                </a:solidFill>
+              </a:rPr>
+              <a:t>Ngrok</a:t>
+            </a:r>
+            <a:r>
+              <a:rPr lang="ko-KR" altLang="en-US" dirty="0">
+                <a:solidFill>
+                  <a:schemeClr val="tx1"/>
+                </a:solidFill>
+              </a:rPr>
+              <a:t>와 </a:t>
+            </a:r>
+            <a:r>
+              <a:rPr lang="en-US" altLang="ko-KR" dirty="0">
+                <a:solidFill>
+                  <a:schemeClr val="tx1"/>
+                </a:solidFill>
+              </a:rPr>
+              <a:t>SonarQube </a:t>
+            </a:r>
+            <a:r>
+              <a:rPr lang="ko-KR" altLang="en-US" dirty="0">
+                <a:solidFill>
+                  <a:schemeClr val="tx1"/>
+                </a:solidFill>
+              </a:rPr>
+              <a:t>기능 포함</a:t>
+            </a:r>
+            <a:r>
+              <a:rPr lang="en-US" altLang="ko-KR" dirty="0">
+                <a:solidFill>
+                  <a:schemeClr val="tx1"/>
+                </a:solidFill>
+              </a:rPr>
+              <a:t>)</a:t>
+            </a:r>
+          </a:p>
+          <a:p>
+            <a:endParaRPr lang="en-US" altLang="ko-KR" dirty="0">
+              <a:solidFill>
+                <a:schemeClr val="tx1"/>
+              </a:solidFill>
+            </a:endParaRPr>
+          </a:p>
+          <a:p>
+            <a:r>
+              <a:rPr lang="ko-KR" altLang="en-US" dirty="0">
+                <a:solidFill>
+                  <a:schemeClr val="tx1"/>
+                </a:solidFill>
+              </a:rPr>
+              <a:t>설치 환경 </a:t>
+            </a:r>
+            <a:r>
+              <a:rPr lang="en-US" altLang="ko-KR" dirty="0">
+                <a:solidFill>
+                  <a:schemeClr val="tx1"/>
+                </a:solidFill>
+              </a:rPr>
+              <a:t>: Ubuntu 20.04, Java 17</a:t>
+            </a:r>
+          </a:p>
+          <a:p>
+            <a:endParaRPr lang="en-US" altLang="ko-KR" dirty="0">
+              <a:solidFill>
+                <a:schemeClr val="tx1"/>
+              </a:solidFill>
+            </a:endParaRPr>
+          </a:p>
+          <a:p>
+            <a:r>
+              <a:rPr lang="ko-KR" altLang="en-US" dirty="0">
+                <a:solidFill>
+                  <a:schemeClr val="tx1"/>
+                </a:solidFill>
+              </a:rPr>
+              <a:t>작업 위치 </a:t>
+            </a:r>
+            <a:r>
+              <a:rPr lang="en-US" altLang="ko-KR" dirty="0">
+                <a:solidFill>
+                  <a:schemeClr val="tx1"/>
+                </a:solidFill>
+              </a:rPr>
+              <a:t>: </a:t>
+            </a:r>
+            <a:r>
+              <a:rPr lang="en-US" altLang="ko-KR" dirty="0" err="1">
+                <a:solidFill>
+                  <a:schemeClr val="tx1"/>
+                </a:solidFill>
+              </a:rPr>
+              <a:t>Github</a:t>
+            </a:r>
+            <a:r>
+              <a:rPr lang="en-US" altLang="ko-KR" dirty="0">
+                <a:solidFill>
+                  <a:schemeClr val="tx1"/>
+                </a:solidFill>
+              </a:rPr>
+              <a:t> flask-</a:t>
+            </a:r>
+            <a:r>
+              <a:rPr lang="en-US" altLang="ko-KR" dirty="0" err="1">
+                <a:solidFill>
+                  <a:schemeClr val="tx1"/>
+                </a:solidFill>
+              </a:rPr>
+              <a:t>cicd</a:t>
+            </a:r>
+            <a:r>
+              <a:rPr lang="en-US" altLang="ko-KR" dirty="0">
+                <a:solidFill>
+                  <a:schemeClr val="tx1"/>
+                </a:solidFill>
+              </a:rPr>
+              <a:t> </a:t>
+            </a:r>
+            <a:r>
+              <a:rPr lang="ko-KR" altLang="en-US" dirty="0" err="1">
+                <a:solidFill>
+                  <a:schemeClr val="tx1"/>
+                </a:solidFill>
+              </a:rPr>
+              <a:t>리포지토리</a:t>
+            </a:r>
+            <a:r>
+              <a:rPr lang="ko-KR" altLang="en-US" dirty="0">
+                <a:solidFill>
+                  <a:schemeClr val="tx1"/>
+                </a:solidFill>
+              </a:rPr>
+              <a:t> </a:t>
+            </a:r>
+            <a:r>
+              <a:rPr lang="en-US" altLang="ko-KR" dirty="0">
+                <a:solidFill>
+                  <a:schemeClr val="tx1"/>
+                </a:solidFill>
+              </a:rPr>
+              <a:t>– Pipeline </a:t>
+            </a:r>
+            <a:r>
+              <a:rPr lang="ko-KR" altLang="en-US" dirty="0">
+                <a:solidFill>
+                  <a:schemeClr val="tx1"/>
+                </a:solidFill>
+              </a:rPr>
+              <a:t>코드</a:t>
+            </a:r>
+            <a:r>
+              <a:rPr lang="en-US" altLang="ko-KR" dirty="0">
+                <a:solidFill>
+                  <a:schemeClr val="tx1"/>
+                </a:solidFill>
+              </a:rPr>
+              <a:t> </a:t>
+            </a:r>
+            <a:r>
+              <a:rPr lang="ko-KR" altLang="en-US" dirty="0">
+                <a:solidFill>
+                  <a:schemeClr val="tx1"/>
+                </a:solidFill>
+              </a:rPr>
+              <a:t>구현</a:t>
+            </a:r>
+            <a:r>
+              <a:rPr lang="en-US" altLang="ko-KR" dirty="0">
+                <a:solidFill>
+                  <a:schemeClr val="tx1"/>
+                </a:solidFill>
+              </a:rPr>
+              <a:t>    </a:t>
+            </a:r>
+          </a:p>
+          <a:p>
+            <a:endParaRPr lang="en-US" altLang="ko-KR" dirty="0">
+              <a:solidFill>
+                <a:schemeClr val="tx1"/>
+              </a:solidFill>
+            </a:endParaRPr>
+          </a:p>
+          <a:p>
+            <a:r>
+              <a:rPr lang="ko-KR" altLang="en-US" dirty="0">
+                <a:solidFill>
+                  <a:schemeClr val="tx1"/>
+                </a:solidFill>
+              </a:rPr>
+              <a:t>사용 언어 </a:t>
+            </a:r>
+            <a:r>
+              <a:rPr lang="en-US" altLang="ko-KR" dirty="0">
+                <a:solidFill>
+                  <a:schemeClr val="tx1"/>
+                </a:solidFill>
+              </a:rPr>
+              <a:t>: Groovy, Python</a:t>
+            </a:r>
+          </a:p>
+          <a:p>
+            <a:endParaRPr lang="en-US" altLang="ko-KR" dirty="0">
+              <a:solidFill>
+                <a:schemeClr val="tx1"/>
+              </a:solidFill>
+            </a:endParaRPr>
+          </a:p>
+          <a:p>
+            <a:endParaRPr lang="en-US" altLang="ko-KR" dirty="0">
+              <a:solidFill>
+                <a:schemeClr val="tx1"/>
+              </a:solidFill>
+            </a:endParaRPr>
+          </a:p>
+          <a:p>
+            <a:endParaRPr lang="en-US" altLang="ko-KR" dirty="0">
+              <a:solidFill>
+                <a:schemeClr val="tx1"/>
+              </a:solidFill>
+            </a:endParaRPr>
+          </a:p>
+          <a:p>
+            <a:endParaRPr lang="en-US" altLang="ko-KR" dirty="0">
+              <a:solidFill>
+                <a:schemeClr val="tx1"/>
+              </a:solidFill>
+            </a:endParaRPr>
+          </a:p>
+          <a:p>
+            <a:endParaRPr lang="en-US" altLang="ko-KR" dirty="0">
+              <a:solidFill>
+                <a:schemeClr val="tx1"/>
+              </a:solidFill>
+            </a:endParaRPr>
+          </a:p>
+          <a:p>
+            <a:endParaRPr lang="en-US" altLang="ko-KR" dirty="0">
+              <a:solidFill>
+                <a:schemeClr val="tx1"/>
+              </a:solidFill>
+            </a:endParaRPr>
+          </a:p>
+          <a:p>
+            <a:pPr marL="114300" indent="0">
+              <a:buNone/>
+            </a:pPr>
+            <a:endParaRPr lang="en-US" altLang="ko-KR" dirty="0">
+              <a:solidFill>
+                <a:schemeClr val="tx1"/>
+              </a:solidFill>
+            </a:endParaRPr>
           </a:p>
         </p:txBody>
       </p:sp>
     </p:spTree>
     <p:extLst>
       <p:ext uri="{BB962C8B-B14F-4D97-AF65-F5344CB8AC3E}">
-        <p14:creationId xmlns:p14="http://schemas.microsoft.com/office/powerpoint/2010/main" val="3476149461"/>
+        <p14:creationId xmlns:p14="http://schemas.microsoft.com/office/powerpoint/2010/main" val="2888895356"/>
       </p:ext>
     </p:extLst>
   </p:cSld>
@@ -9557,7 +9818,7 @@
           <a:lstStyle/>
           <a:p>
             <a:r>
-              <a:rPr lang="ko-KR" altLang="en-US" dirty="0"/>
+              <a:rPr lang="ko-KR" altLang="en-US" b="1" dirty="0"/>
               <a:t>프로젝트 수행 </a:t>
             </a:r>
             <a:r>
@@ -9593,7 +9854,7 @@
         </p:blipFill>
         <p:spPr>
           <a:xfrm>
-            <a:off x="536331" y="1723293"/>
+            <a:off x="536331" y="1960685"/>
             <a:ext cx="8171382" cy="2020780"/>
           </a:xfrm>
           <a:prstGeom prst="rect">
@@ -9658,7 +9919,7 @@
           <a:lstStyle/>
           <a:p>
             <a:r>
-              <a:rPr lang="ko-KR" altLang="en-US" dirty="0"/>
+              <a:rPr lang="ko-KR" altLang="en-US" b="1" dirty="0"/>
               <a:t>프로젝트 수행 </a:t>
             </a:r>
             <a:r>
@@ -9766,7 +10027,7 @@
                   <a:schemeClr val="tx1"/>
                 </a:solidFill>
               </a:rPr>
-              <a:t>NFS</a:t>
+              <a:t>NFS </a:t>
             </a:r>
             <a:r>
               <a:rPr lang="ko-KR" altLang="en-US" dirty="0">
@@ -9774,7 +10035,7 @@
                   <a:schemeClr val="tx1"/>
                 </a:solidFill>
               </a:rPr>
-              <a:t>를 </a:t>
+              <a:t>서버를 </a:t>
             </a:r>
             <a:r>
               <a:rPr lang="en-US" altLang="ko-KR" dirty="0">
@@ -9790,7 +10051,7 @@
                   <a:schemeClr val="tx1"/>
                 </a:solidFill>
               </a:rPr>
-              <a:t>서버와 연결하여 유사시 파일 공유를 수행</a:t>
+              <a:t>서버와 연결하여 파일 공유 서비스를 수행</a:t>
             </a:r>
             <a:r>
               <a:rPr lang="en-US" altLang="ko-KR" dirty="0">
@@ -9988,7 +10249,7 @@
           <a:lstStyle/>
           <a:p>
             <a:r>
-              <a:rPr lang="ko-KR" altLang="en-US" dirty="0"/>
+              <a:rPr lang="ko-KR" altLang="en-US" b="1" dirty="0"/>
               <a:t>결과 데모 시연</a:t>
             </a:r>
           </a:p>
@@ -10016,8 +10277,8 @@
         </p:blipFill>
         <p:spPr>
           <a:xfrm>
-            <a:off x="4431078" y="836658"/>
-            <a:ext cx="3227024" cy="4148519"/>
+            <a:off x="4198081" y="437286"/>
+            <a:ext cx="3517168" cy="4521515"/>
           </a:xfrm>
           <a:prstGeom prst="rect">
             <a:avLst/>
@@ -10039,7 +10300,7 @@
         <p:spPr>
           <a:xfrm>
             <a:off x="404447" y="1635370"/>
-            <a:ext cx="3103685" cy="646331"/>
+            <a:ext cx="3103685" cy="1200329"/>
           </a:xfrm>
           <a:prstGeom prst="rect">
             <a:avLst/>
@@ -10053,6 +10314,12 @@
           <a:lstStyle/>
           <a:p>
             <a:r>
+              <a:rPr lang="en-US" altLang="ko-KR" dirty="0"/>
+              <a:t>SonarQube</a:t>
+            </a:r>
+          </a:p>
+          <a:p>
+            <a:r>
               <a:rPr lang="ko-KR" altLang="en-US" dirty="0"/>
               <a:t>분석 대상 </a:t>
             </a:r>
@@ -10062,13 +10329,23 @@
             </a:r>
             <a:r>
               <a:rPr lang="ko-KR" altLang="en-US" dirty="0"/>
-              <a:t>코드</a:t>
-            </a:r>
+              <a:t>코드 </a:t>
+            </a:r>
+            <a:r>
+              <a:rPr lang="en-US" altLang="ko-KR" dirty="0"/>
+              <a:t>&gt;&gt;</a:t>
+            </a:r>
+          </a:p>
+          <a:p>
             <a:endParaRPr lang="en-US" altLang="ko-KR" dirty="0"/>
           </a:p>
           <a:p>
             <a:r>
-              <a:rPr lang="en-US" altLang="ko-KR" dirty="0"/>
+              <a:rPr lang="en-US" altLang="ko-KR" dirty="0">
+                <a:solidFill>
+                  <a:srgbClr val="FFFF00"/>
+                </a:solidFill>
+              </a:rPr>
               <a:t>main.py </a:t>
             </a:r>
             <a:r>
@@ -10135,7 +10412,7 @@
           <a:lstStyle/>
           <a:p>
             <a:r>
-              <a:rPr lang="ko-KR" altLang="en-US" dirty="0"/>
+              <a:rPr lang="ko-KR" altLang="en-US" b="1" dirty="0"/>
               <a:t>결과 데모 시연</a:t>
             </a:r>
           </a:p>
@@ -10171,6 +10448,59 @@
           </a:prstGeom>
         </p:spPr>
       </p:pic>
+      <p:sp>
+        <p:nvSpPr>
+          <p:cNvPr id="3" name="TextBox 2">
+            <a:extLst>
+              <a:ext uri="{FF2B5EF4-FFF2-40B4-BE49-F238E27FC236}">
+                <a16:creationId xmlns:a16="http://schemas.microsoft.com/office/drawing/2014/main" id="{23EACC57-4912-BBB1-3643-783E7F020D01}"/>
+              </a:ext>
+            </a:extLst>
+          </p:cNvPr>
+          <p:cNvSpPr txBox="1"/>
+          <p:nvPr/>
+        </p:nvSpPr>
+        <p:spPr>
+          <a:xfrm>
+            <a:off x="4381525" y="1987061"/>
+            <a:ext cx="3245802" cy="369332"/>
+          </a:xfrm>
+          <a:prstGeom prst="rect">
+            <a:avLst/>
+          </a:prstGeom>
+          <a:noFill/>
+        </p:spPr>
+        <p:txBody>
+          <a:bodyPr wrap="square" rtlCol="0">
+            <a:spAutoFit/>
+          </a:bodyPr>
+          <a:lstStyle/>
+          <a:p>
+            <a:r>
+              <a:rPr lang="en-US" altLang="ko-KR">
+                <a:solidFill>
+                  <a:schemeClr val="accent1">
+                    <a:lumMod val="60000"/>
+                    <a:lumOff val="40000"/>
+                  </a:schemeClr>
+                </a:solidFill>
+              </a:rPr>
+              <a:t>Jenkins </a:t>
+            </a:r>
+            <a:r>
+              <a:rPr lang="ko-KR" altLang="en-US" dirty="0">
+                <a:solidFill>
+                  <a:schemeClr val="accent1">
+                    <a:lumMod val="60000"/>
+                    <a:lumOff val="40000"/>
+                  </a:schemeClr>
+                </a:solidFill>
+              </a:rPr>
+              <a:t>파이프라인 진행 화면</a:t>
+            </a:r>
+          </a:p>
+        </p:txBody>
+      </p:sp>
     </p:spTree>
     <p:extLst>
       <p:ext uri="{BB962C8B-B14F-4D97-AF65-F5344CB8AC3E}">

--- a/제출자료/최종 발표 프레젠테이션(김정훈).pptx
+++ b/제출자료/최종 발표 프레젠테이션(김정훈).pptx
@@ -6745,7 +6745,7 @@
                   <a:schemeClr val="tx1"/>
                 </a:solidFill>
               </a:rPr>
-              <a:t>22</a:t>
+              <a:t>25</a:t>
             </a:r>
             <a:r>
               <a:rPr lang="ko" dirty="0">
@@ -6904,7 +6904,7 @@
           <a:lstStyle/>
           <a:p>
             <a:r>
-              <a:rPr lang="en-US" altLang="ko-KR" dirty="0">
+              <a:rPr lang="en-US" altLang="ko-KR" sz="1800" dirty="0">
                 <a:solidFill>
                   <a:schemeClr val="tx1"/>
                 </a:solidFill>
@@ -6912,30 +6912,14 @@
               <a:t>SonarQube</a:t>
             </a:r>
             <a:r>
-              <a:rPr lang="ko-KR" altLang="en-US" dirty="0">
+              <a:rPr lang="ko-KR" altLang="en-US" sz="1800" dirty="0">
                 <a:solidFill>
                   <a:schemeClr val="tx1"/>
                 </a:solidFill>
               </a:rPr>
               <a:t>의 </a:t>
             </a:r>
-            <a:r>
-              <a:rPr lang="en-US" altLang="ko-KR" dirty="0">
-                <a:solidFill>
-                  <a:schemeClr val="tx1"/>
-                </a:solidFill>
-              </a:rPr>
-              <a:t>main.py </a:t>
-            </a:r>
-            <a:r>
-              <a:rPr lang="ko-KR" altLang="en-US" dirty="0">
-                <a:solidFill>
-                  <a:schemeClr val="tx1"/>
-                </a:solidFill>
-              </a:rPr>
-              <a:t>파일</a:t>
-            </a:r>
-            <a:endParaRPr lang="en-US" altLang="ko-KR" dirty="0">
+            <a:endParaRPr lang="en-US" altLang="ko-KR" sz="1800" dirty="0">
               <a:solidFill>
                 <a:schemeClr val="tx1"/>
               </a:solidFill>
@@ -6946,7 +6930,7 @@
               <a:buNone/>
             </a:pPr>
             <a:r>
-              <a:rPr lang="en-US" altLang="ko-KR" dirty="0">
+              <a:rPr lang="en-US" altLang="ko-KR" sz="1800" dirty="0">
                 <a:solidFill>
                   <a:schemeClr val="tx1"/>
                 </a:solidFill>
@@ -6954,14 +6938,56 @@
               <a:t>       </a:t>
             </a:r>
             <a:r>
-              <a:rPr lang="ko-KR" altLang="en-US" dirty="0">
+              <a:rPr lang="en-US" altLang="ko-KR" sz="1800" dirty="0">
+                <a:solidFill>
+                  <a:srgbClr val="FFFF00"/>
+                </a:solidFill>
+              </a:rPr>
+              <a:t>main.py</a:t>
+            </a:r>
+            <a:r>
+              <a:rPr lang="en-US" altLang="ko-KR" sz="1800" dirty="0">
+                <a:solidFill>
+                  <a:schemeClr val="tx1"/>
+                </a:solidFill>
+              </a:rPr>
+              <a:t> </a:t>
+            </a:r>
+            <a:r>
+              <a:rPr lang="ko-KR" altLang="en-US" sz="1800" dirty="0">
+                <a:solidFill>
+                  <a:schemeClr val="tx1"/>
+                </a:solidFill>
+              </a:rPr>
+              <a:t>파일</a:t>
+            </a:r>
+            <a:endParaRPr lang="en-US" altLang="ko-KR" sz="1800" dirty="0">
+              <a:solidFill>
+                <a:schemeClr val="tx1"/>
+              </a:solidFill>
+            </a:endParaRPr>
+          </a:p>
+          <a:p>
+            <a:pPr marL="114300" indent="0">
+              <a:buNone/>
+            </a:pPr>
+            <a:r>
+              <a:rPr lang="en-US" altLang="ko-KR" sz="1800" dirty="0">
+                <a:solidFill>
+                  <a:schemeClr val="tx1"/>
+                </a:solidFill>
+              </a:rPr>
+              <a:t>       </a:t>
+            </a:r>
+            <a:r>
+              <a:rPr lang="ko-KR" altLang="en-US" sz="1800" dirty="0">
                 <a:solidFill>
                   <a:schemeClr val="tx1"/>
                 </a:solidFill>
               </a:rPr>
               <a:t>코드 분석 완료</a:t>
             </a:r>
-            <a:endParaRPr lang="en-US" altLang="ko-KR" dirty="0">
+            <a:endParaRPr lang="en-US" altLang="ko-KR" sz="1800" dirty="0">
               <a:solidFill>
                 <a:schemeClr val="tx1"/>
               </a:solidFill>
@@ -7119,12 +7145,38 @@
           <a:lstStyle/>
           <a:p>
             <a:r>
-              <a:rPr lang="ko-KR" altLang="en-US" dirty="0">
-                <a:solidFill>
-                  <a:schemeClr val="tx1"/>
-                </a:solidFill>
-              </a:rPr>
-              <a:t>코드 분석이 완료된 직후 이메일 자동 알림 </a:t>
+              <a:rPr lang="ko-KR" altLang="en-US" sz="1800" dirty="0">
+                <a:solidFill>
+                  <a:schemeClr val="tx1"/>
+                </a:solidFill>
+              </a:rPr>
+              <a:t>코드 분석이 완료된 직후 </a:t>
+            </a:r>
+            <a:endParaRPr lang="en-US" altLang="ko-KR" sz="1800" dirty="0">
+              <a:solidFill>
+                <a:schemeClr val="tx1"/>
+              </a:solidFill>
+            </a:endParaRPr>
+          </a:p>
+          <a:p>
+            <a:pPr marL="114300" indent="0">
+              <a:buNone/>
+            </a:pPr>
+            <a:r>
+              <a:rPr lang="en-US" altLang="ko-KR" sz="1800" dirty="0">
+                <a:solidFill>
+                  <a:schemeClr val="tx1"/>
+                </a:solidFill>
+              </a:rPr>
+              <a:t>     </a:t>
+            </a:r>
+            <a:r>
+              <a:rPr lang="ko-KR" altLang="en-US" sz="1800" dirty="0">
+                <a:solidFill>
+                  <a:schemeClr val="tx1"/>
+                </a:solidFill>
+              </a:rPr>
+              <a:t> 자동 이메일 알림 </a:t>
             </a:r>
           </a:p>
         </p:txBody>
@@ -7265,7 +7317,7 @@
         </p:nvSpPr>
         <p:spPr>
           <a:xfrm>
-            <a:off x="545634" y="1859006"/>
+            <a:off x="273073" y="1859006"/>
             <a:ext cx="5629962" cy="1864094"/>
           </a:xfrm>
         </p:spPr>
@@ -7274,15 +7326,15 @@
           <a:lstStyle/>
           <a:p>
             <a:r>
-              <a:rPr lang="ko-KR" altLang="en-US" dirty="0" err="1">
-                <a:solidFill>
-                  <a:schemeClr val="tx1"/>
-                </a:solidFill>
-              </a:rPr>
-              <a:t>깃허브</a:t>
-            </a:r>
-            <a:r>
-              <a:rPr lang="ko-KR" altLang="en-US" dirty="0">
+              <a:rPr lang="en-US" altLang="ko-KR" sz="1800" dirty="0" err="1">
+                <a:solidFill>
+                  <a:schemeClr val="tx1"/>
+                </a:solidFill>
+              </a:rPr>
+              <a:t>Github</a:t>
+            </a:r>
+            <a:r>
+              <a:rPr lang="ko-KR" altLang="en-US" sz="1800" dirty="0">
                 <a:solidFill>
                   <a:schemeClr val="tx1"/>
                 </a:solidFill>
@@ -7290,7 +7342,7 @@
               <a:t> </a:t>
             </a:r>
             <a:r>
-              <a:rPr lang="en-US" altLang="ko-KR" dirty="0">
+              <a:rPr lang="en-US" altLang="ko-KR" sz="1800" dirty="0">
                 <a:solidFill>
                   <a:schemeClr val="tx1"/>
                 </a:solidFill>
@@ -7298,7 +7350,7 @@
               <a:t>flask </a:t>
             </a:r>
             <a:r>
-              <a:rPr lang="ko-KR" altLang="en-US" dirty="0">
+              <a:rPr lang="ko-KR" altLang="en-US" sz="1800" dirty="0">
                 <a:solidFill>
                   <a:schemeClr val="tx1"/>
                 </a:solidFill>
@@ -7306,7 +7358,7 @@
               <a:t>실습</a:t>
             </a:r>
             <a:r>
-              <a:rPr lang="en-US" altLang="ko-KR" dirty="0">
+              <a:rPr lang="en-US" altLang="ko-KR" sz="1800" dirty="0">
                 <a:solidFill>
                   <a:schemeClr val="tx1"/>
                 </a:solidFill>
@@ -7314,14 +7366,14 @@
               <a:t> </a:t>
             </a:r>
             <a:r>
-              <a:rPr lang="ko-KR" altLang="en-US" dirty="0" err="1">
+              <a:rPr lang="ko-KR" altLang="en-US" sz="1800" dirty="0" err="1">
                 <a:solidFill>
                   <a:schemeClr val="tx1"/>
                 </a:solidFill>
               </a:rPr>
               <a:t>리포지토리에</a:t>
             </a:r>
-            <a:endParaRPr lang="en-US" altLang="ko-KR" dirty="0">
+            <a:endParaRPr lang="en-US" altLang="ko-KR" sz="1800" dirty="0">
               <a:solidFill>
                 <a:schemeClr val="tx1"/>
               </a:solidFill>
@@ -7332,7 +7384,7 @@
               <a:buNone/>
             </a:pPr>
             <a:r>
-              <a:rPr lang="en-US" altLang="ko-KR" dirty="0">
+              <a:rPr lang="en-US" altLang="ko-KR" sz="1800" dirty="0">
                 <a:solidFill>
                   <a:schemeClr val="tx1"/>
                 </a:solidFill>
@@ -7340,7 +7392,7 @@
               <a:t>      Release </a:t>
             </a:r>
             <a:r>
-              <a:rPr lang="ko-KR" altLang="en-US" dirty="0">
+              <a:rPr lang="ko-KR" altLang="en-US" sz="1800" dirty="0">
                 <a:solidFill>
                   <a:schemeClr val="tx1"/>
                 </a:solidFill>
@@ -7348,7 +7400,7 @@
               <a:t>자동</a:t>
             </a:r>
             <a:r>
-              <a:rPr lang="en-US" altLang="ko-KR" dirty="0">
+              <a:rPr lang="en-US" altLang="ko-KR" sz="1800" dirty="0">
                 <a:solidFill>
                   <a:schemeClr val="tx1"/>
                 </a:solidFill>
@@ -7356,7 +7408,7 @@
               <a:t> </a:t>
             </a:r>
             <a:r>
-              <a:rPr lang="ko-KR" altLang="en-US" dirty="0">
+              <a:rPr lang="ko-KR" altLang="en-US" sz="1800" dirty="0">
                 <a:solidFill>
                   <a:schemeClr val="tx1"/>
                 </a:solidFill>
@@ -7565,7 +7617,7 @@
           <a:lstStyle/>
           <a:p>
             <a:r>
-              <a:rPr lang="en-US" altLang="ko-KR" dirty="0">
+              <a:rPr lang="en-US" altLang="ko-KR" sz="1800" dirty="0">
                 <a:solidFill>
                   <a:schemeClr val="tx1"/>
                 </a:solidFill>
@@ -7573,7 +7625,7 @@
               <a:t>Docker Hub</a:t>
             </a:r>
             <a:r>
-              <a:rPr lang="ko-KR" altLang="en-US" dirty="0">
+              <a:rPr lang="ko-KR" altLang="en-US" sz="1800" dirty="0">
                 <a:solidFill>
                   <a:schemeClr val="tx1"/>
                 </a:solidFill>
@@ -7581,7 +7633,7 @@
               <a:t>에 컨테이너 이미지 자동 </a:t>
             </a:r>
             <a:r>
-              <a:rPr lang="en-US" altLang="ko-KR" dirty="0">
+              <a:rPr lang="en-US" altLang="ko-KR" sz="1800" dirty="0">
                 <a:solidFill>
                   <a:schemeClr val="tx1"/>
                 </a:solidFill>
@@ -7589,7 +7641,7 @@
               <a:t>Push </a:t>
             </a:r>
             <a:r>
-              <a:rPr lang="ko-KR" altLang="en-US" dirty="0">
+              <a:rPr lang="ko-KR" altLang="en-US" sz="1800" dirty="0">
                 <a:solidFill>
                   <a:schemeClr val="tx1"/>
                 </a:solidFill>
@@ -7735,7 +7787,7 @@
         </p:nvSpPr>
         <p:spPr>
           <a:xfrm>
-            <a:off x="311480" y="1813271"/>
+            <a:off x="245537" y="1791291"/>
             <a:ext cx="8222100" cy="2710200"/>
           </a:xfrm>
         </p:spPr>
@@ -7744,7 +7796,7 @@
           <a:lstStyle/>
           <a:p>
             <a:r>
-              <a:rPr lang="ko-KR" altLang="en-US" dirty="0">
+              <a:rPr lang="ko-KR" altLang="en-US" sz="1800" dirty="0">
                 <a:solidFill>
                   <a:schemeClr val="tx1"/>
                 </a:solidFill>
@@ -7752,7 +7804,7 @@
               <a:t>여러 서버의 기능을 한 서버에 집중시킨 점이 과부하를 일으킴</a:t>
             </a:r>
             <a:r>
-              <a:rPr lang="en-US" altLang="ko-KR" dirty="0">
+              <a:rPr lang="en-US" altLang="ko-KR" sz="1800" dirty="0">
                 <a:solidFill>
                   <a:schemeClr val="tx1"/>
                 </a:solidFill>
@@ -7764,7 +7816,7 @@
             <a:pPr marL="114300" indent="0">
               <a:buNone/>
             </a:pPr>
-            <a:endParaRPr lang="en-US" altLang="ko-KR" dirty="0">
+            <a:endParaRPr lang="en-US" altLang="ko-KR" sz="1800" dirty="0">
               <a:solidFill>
                 <a:schemeClr val="tx1"/>
               </a:solidFill>
@@ -7772,7 +7824,7 @@
           </a:p>
           <a:p>
             <a:r>
-              <a:rPr lang="ko-KR" altLang="en-US" dirty="0">
+              <a:rPr lang="ko-KR" altLang="en-US" sz="1800" dirty="0">
                 <a:solidFill>
                   <a:schemeClr val="tx1"/>
                 </a:solidFill>
@@ -7780,7 +7832,7 @@
               <a:t>해당 서비스를 한 서버에 빠른 속도로 구성할 수 있다는 장점이 있지만 과부하의 위험성 때문에 해당 서버의 메모리를 늘려야 했음</a:t>
             </a:r>
             <a:r>
-              <a:rPr lang="en-US" altLang="ko-KR" dirty="0">
+              <a:rPr lang="en-US" altLang="ko-KR" sz="1800" dirty="0">
                 <a:solidFill>
                   <a:schemeClr val="tx1"/>
                 </a:solidFill>
@@ -7792,18 +7844,18 @@
             <a:pPr marL="114300" indent="0">
               <a:buNone/>
             </a:pPr>
-            <a:endParaRPr lang="en-US" altLang="ko-KR" dirty="0"/>
-          </a:p>
-          <a:p>
-            <a:r>
-              <a:rPr lang="ko-KR" altLang="en-US" dirty="0">
-                <a:solidFill>
-                  <a:schemeClr val="tx1"/>
-                </a:solidFill>
-              </a:rPr>
-              <a:t>일정표의 남은 기간 동안 서버의 과부하를 줄이기 위해 수행 역할별로 여러 대의 </a:t>
-            </a:r>
-            <a:endParaRPr lang="en-US" altLang="ko-KR" dirty="0">
+            <a:endParaRPr lang="en-US" altLang="ko-KR" sz="1800" dirty="0"/>
+          </a:p>
+          <a:p>
+            <a:r>
+              <a:rPr lang="ko-KR" altLang="en-US" sz="1800" dirty="0">
+                <a:solidFill>
+                  <a:schemeClr val="tx1"/>
+                </a:solidFill>
+              </a:rPr>
+              <a:t>일정표의 남은 기간 동안 서버의 과부하를 줄이기 위해 수행 역할별로</a:t>
+            </a:r>
+            <a:endParaRPr lang="en-US" altLang="ko-KR" sz="1800" dirty="0">
               <a:solidFill>
                 <a:schemeClr val="tx1"/>
               </a:solidFill>
@@ -7814,23 +7866,23 @@
               <a:buNone/>
             </a:pPr>
             <a:r>
-              <a:rPr lang="en-US" altLang="ko-KR" dirty="0">
-                <a:solidFill>
-                  <a:schemeClr val="tx1"/>
-                </a:solidFill>
-              </a:rPr>
-              <a:t>      </a:t>
-            </a:r>
-            <a:r>
-              <a:rPr lang="ko-KR" altLang="en-US" dirty="0">
-                <a:solidFill>
-                  <a:schemeClr val="tx1"/>
-                </a:solidFill>
-              </a:rPr>
-              <a:t>서버를 추가하여 설치 메뉴얼을 보완할 계획</a:t>
-            </a:r>
-            <a:r>
-              <a:rPr lang="en-US" altLang="ko-KR" dirty="0">
+              <a:rPr lang="en-US" altLang="ko-KR" sz="1800" dirty="0">
+                <a:solidFill>
+                  <a:schemeClr val="tx1"/>
+                </a:solidFill>
+              </a:rPr>
+              <a:t>    </a:t>
+            </a:r>
+            <a:r>
+              <a:rPr lang="ko-KR" altLang="en-US" sz="1800" dirty="0">
+                <a:solidFill>
+                  <a:schemeClr val="tx1"/>
+                </a:solidFill>
+              </a:rPr>
+              <a:t>  여러 대의 서버를 추가하여 설치 메뉴얼을 보완할 계획</a:t>
+            </a:r>
+            <a:r>
+              <a:rPr lang="en-US" altLang="ko-KR" sz="1800" dirty="0">
                 <a:solidFill>
                   <a:schemeClr val="tx1"/>
                 </a:solidFill>
@@ -8108,7 +8160,7 @@
         </p:nvSpPr>
         <p:spPr>
           <a:xfrm>
-            <a:off x="471900" y="1694575"/>
+            <a:off x="398483" y="1665974"/>
             <a:ext cx="8222100" cy="2710200"/>
           </a:xfrm>
           <a:prstGeom prst="rect">
@@ -8132,14 +8184,14 @@
               <a:buAutoNum type="arabicPeriod"/>
             </a:pPr>
             <a:r>
-              <a:rPr lang="ko" dirty="0">
+              <a:rPr lang="ko" sz="1800" dirty="0">
                 <a:solidFill>
                   <a:schemeClr val="tx1"/>
                 </a:solidFill>
               </a:rPr>
               <a:t>프로젝트 개요</a:t>
             </a:r>
-            <a:endParaRPr dirty="0">
+            <a:endParaRPr sz="1800" dirty="0">
               <a:solidFill>
                 <a:schemeClr val="tx1"/>
               </a:solidFill>
@@ -8157,14 +8209,14 @@
               <a:buAutoNum type="arabicPeriod"/>
             </a:pPr>
             <a:r>
-              <a:rPr lang="ko" dirty="0">
+              <a:rPr lang="ko" sz="1800" dirty="0">
                 <a:solidFill>
                   <a:schemeClr val="tx1"/>
                 </a:solidFill>
               </a:rPr>
               <a:t>프로젝트 목표</a:t>
             </a:r>
-            <a:endParaRPr dirty="0">
+            <a:endParaRPr sz="1800" dirty="0">
               <a:solidFill>
                 <a:schemeClr val="tx1"/>
               </a:solidFill>
@@ -8182,14 +8234,14 @@
               <a:buAutoNum type="arabicPeriod"/>
             </a:pPr>
             <a:r>
-              <a:rPr lang="ko" dirty="0">
+              <a:rPr lang="ko" sz="1800" dirty="0">
                 <a:solidFill>
                   <a:schemeClr val="tx1"/>
                 </a:solidFill>
               </a:rPr>
               <a:t>프로젝트 수행</a:t>
             </a:r>
-            <a:endParaRPr dirty="0">
+            <a:endParaRPr sz="1800" dirty="0">
               <a:solidFill>
                 <a:schemeClr val="tx1"/>
               </a:solidFill>
@@ -8207,14 +8259,14 @@
               <a:buAutoNum type="alphaLcPeriod"/>
             </a:pPr>
             <a:r>
-              <a:rPr lang="ko" dirty="0">
+              <a:rPr lang="ko" sz="1800" dirty="0">
                 <a:solidFill>
                   <a:schemeClr val="tx1"/>
                 </a:solidFill>
               </a:rPr>
               <a:t>수행 계획</a:t>
             </a:r>
-            <a:endParaRPr dirty="0">
+            <a:endParaRPr sz="1800" dirty="0">
               <a:solidFill>
                 <a:schemeClr val="tx1"/>
               </a:solidFill>
@@ -8232,14 +8284,14 @@
               <a:buAutoNum type="alphaLcPeriod"/>
             </a:pPr>
             <a:r>
-              <a:rPr lang="ko" dirty="0">
+              <a:rPr lang="ko" sz="1800" dirty="0">
                 <a:solidFill>
                   <a:schemeClr val="tx1"/>
                 </a:solidFill>
               </a:rPr>
               <a:t>수행 일정</a:t>
             </a:r>
-            <a:endParaRPr dirty="0">
+            <a:endParaRPr sz="1800" dirty="0">
               <a:solidFill>
                 <a:schemeClr val="tx1"/>
               </a:solidFill>
@@ -8257,14 +8309,14 @@
               <a:buAutoNum type="alphaLcPeriod"/>
             </a:pPr>
             <a:r>
-              <a:rPr lang="ko" dirty="0">
+              <a:rPr lang="ko" sz="1800" dirty="0">
                 <a:solidFill>
                   <a:schemeClr val="tx1"/>
                 </a:solidFill>
               </a:rPr>
               <a:t>수행 결과</a:t>
             </a:r>
-            <a:endParaRPr dirty="0">
+            <a:endParaRPr sz="1800" dirty="0">
               <a:solidFill>
                 <a:schemeClr val="tx1"/>
               </a:solidFill>
@@ -8282,14 +8334,14 @@
               <a:buAutoNum type="arabicPeriod"/>
             </a:pPr>
             <a:r>
-              <a:rPr lang="ko" dirty="0">
+              <a:rPr lang="ko" sz="1800" dirty="0">
                 <a:solidFill>
                   <a:schemeClr val="tx1"/>
                 </a:solidFill>
               </a:rPr>
               <a:t>결과 데모 시연</a:t>
             </a:r>
-            <a:endParaRPr dirty="0">
+            <a:endParaRPr sz="1800" dirty="0">
               <a:solidFill>
                 <a:schemeClr val="tx1"/>
               </a:solidFill>
@@ -8307,14 +8359,14 @@
               <a:buAutoNum type="arabicPeriod"/>
             </a:pPr>
             <a:r>
-              <a:rPr lang="ko" dirty="0">
+              <a:rPr lang="ko" sz="1800" dirty="0">
                 <a:solidFill>
                   <a:schemeClr val="tx1"/>
                 </a:solidFill>
               </a:rPr>
               <a:t>보완점</a:t>
             </a:r>
-            <a:endParaRPr dirty="0">
+            <a:endParaRPr sz="1800" dirty="0">
               <a:solidFill>
                 <a:schemeClr val="tx1"/>
               </a:solidFill>
@@ -8637,7 +8689,7 @@
         </p:nvSpPr>
         <p:spPr>
           <a:xfrm>
-            <a:off x="471900" y="1701312"/>
+            <a:off x="353204" y="1776047"/>
             <a:ext cx="8604367" cy="3020608"/>
           </a:xfrm>
         </p:spPr>
@@ -8646,7 +8698,7 @@
           <a:lstStyle/>
           <a:p>
             <a:r>
-              <a:rPr lang="ko-KR" altLang="en-US" dirty="0">
+              <a:rPr lang="ko-KR" altLang="en-US" sz="1800" dirty="0">
                 <a:solidFill>
                   <a:schemeClr val="tx1"/>
                 </a:solidFill>
@@ -8654,7 +8706,7 @@
               <a:t>프로젝트명 </a:t>
             </a:r>
             <a:r>
-              <a:rPr lang="en-US" altLang="ko-KR" dirty="0">
+              <a:rPr lang="en-US" altLang="ko-KR" sz="1800" dirty="0">
                 <a:solidFill>
                   <a:schemeClr val="tx1"/>
                 </a:solidFill>
@@ -8662,14 +8714,14 @@
               <a:t>: CI/CD STREAM </a:t>
             </a:r>
             <a:r>
-              <a:rPr lang="ko-KR" altLang="en-US" dirty="0">
+              <a:rPr lang="ko-KR" altLang="en-US" sz="1800" dirty="0">
                 <a:solidFill>
                   <a:schemeClr val="tx1"/>
                 </a:solidFill>
               </a:rPr>
               <a:t>프로젝트</a:t>
             </a:r>
-            <a:endParaRPr lang="en-US" altLang="ko-KR" dirty="0">
+            <a:endParaRPr lang="en-US" altLang="ko-KR" sz="1800" dirty="0">
               <a:solidFill>
                 <a:schemeClr val="tx1"/>
               </a:solidFill>
@@ -8679,169 +8731,239 @@
             <a:pPr marL="114300" indent="0">
               <a:buNone/>
             </a:pPr>
-            <a:endParaRPr lang="en-US" altLang="ko-KR" dirty="0">
+            <a:endParaRPr lang="en-US" altLang="ko-KR" sz="1800" dirty="0">
               <a:solidFill>
                 <a:schemeClr val="tx1"/>
               </a:solidFill>
             </a:endParaRPr>
           </a:p>
           <a:p>
-            <a:pPr marL="114300" indent="0">
-              <a:buNone/>
-            </a:pPr>
-            <a:endParaRPr lang="en-US" altLang="ko-KR" dirty="0">
+            <a:r>
+              <a:rPr lang="ko-KR" altLang="en-US" sz="1800" dirty="0">
+                <a:solidFill>
+                  <a:schemeClr val="tx1"/>
+                </a:solidFill>
+              </a:rPr>
+              <a:t>프로젝트 기간 </a:t>
+            </a:r>
+            <a:r>
+              <a:rPr lang="en-US" altLang="ko-KR" sz="1800" dirty="0">
+                <a:solidFill>
+                  <a:schemeClr val="tx1"/>
+                </a:solidFill>
+              </a:rPr>
+              <a:t>: 2023</a:t>
+            </a:r>
+            <a:r>
+              <a:rPr lang="ko-KR" altLang="en-US" sz="1800" dirty="0">
+                <a:solidFill>
+                  <a:schemeClr val="tx1"/>
+                </a:solidFill>
+              </a:rPr>
+              <a:t>년</a:t>
+            </a:r>
+            <a:r>
+              <a:rPr lang="en-US" altLang="ko-KR" sz="1800" dirty="0">
+                <a:solidFill>
+                  <a:schemeClr val="tx1"/>
+                </a:solidFill>
+              </a:rPr>
+              <a:t> 8</a:t>
+            </a:r>
+            <a:r>
+              <a:rPr lang="ko-KR" altLang="en-US" sz="1800" dirty="0">
+                <a:solidFill>
+                  <a:schemeClr val="tx1"/>
+                </a:solidFill>
+              </a:rPr>
+              <a:t>월 </a:t>
+            </a:r>
+            <a:r>
+              <a:rPr lang="en-US" altLang="ko-KR" sz="1800" dirty="0">
+                <a:solidFill>
+                  <a:schemeClr val="tx1"/>
+                </a:solidFill>
+              </a:rPr>
+              <a:t>15</a:t>
+            </a:r>
+            <a:r>
+              <a:rPr lang="ko-KR" altLang="en-US" sz="1800" dirty="0">
+                <a:solidFill>
+                  <a:schemeClr val="tx1"/>
+                </a:solidFill>
+              </a:rPr>
+              <a:t>일 </a:t>
+            </a:r>
+            <a:r>
+              <a:rPr lang="en-US" altLang="ko-KR" sz="1800" dirty="0">
+                <a:solidFill>
+                  <a:schemeClr val="tx1"/>
+                </a:solidFill>
+              </a:rPr>
+              <a:t>~ 2023</a:t>
+            </a:r>
+            <a:r>
+              <a:rPr lang="ko-KR" altLang="en-US" sz="1800" dirty="0">
+                <a:solidFill>
+                  <a:schemeClr val="tx1"/>
+                </a:solidFill>
+              </a:rPr>
+              <a:t>년 </a:t>
+            </a:r>
+            <a:r>
+              <a:rPr lang="en-US" altLang="ko-KR" sz="1800" dirty="0">
+                <a:solidFill>
+                  <a:schemeClr val="tx1"/>
+                </a:solidFill>
+              </a:rPr>
+              <a:t>8</a:t>
+            </a:r>
+            <a:r>
+              <a:rPr lang="ko-KR" altLang="en-US" sz="1800" dirty="0">
+                <a:solidFill>
+                  <a:schemeClr val="tx1"/>
+                </a:solidFill>
+              </a:rPr>
+              <a:t>월 </a:t>
+            </a:r>
+            <a:r>
+              <a:rPr lang="en-US" altLang="ko-KR" sz="1800" dirty="0">
+                <a:solidFill>
+                  <a:schemeClr val="tx1"/>
+                </a:solidFill>
+              </a:rPr>
+              <a:t>28</a:t>
+            </a:r>
+            <a:r>
+              <a:rPr lang="ko-KR" altLang="en-US" sz="1800" dirty="0">
+                <a:solidFill>
+                  <a:schemeClr val="tx1"/>
+                </a:solidFill>
+              </a:rPr>
+              <a:t>일</a:t>
+            </a:r>
+            <a:endParaRPr lang="en-US" altLang="ko-KR" sz="1800" dirty="0">
               <a:solidFill>
                 <a:schemeClr val="tx1"/>
               </a:solidFill>
             </a:endParaRPr>
           </a:p>
           <a:p>
-            <a:r>
-              <a:rPr lang="ko-KR" altLang="en-US" dirty="0">
-                <a:solidFill>
-                  <a:schemeClr val="tx1"/>
-                </a:solidFill>
-              </a:rPr>
-              <a:t>프로젝트 기간 </a:t>
-            </a:r>
-            <a:r>
-              <a:rPr lang="en-US" altLang="ko-KR" dirty="0">
-                <a:solidFill>
-                  <a:schemeClr val="tx1"/>
-                </a:solidFill>
-              </a:rPr>
-              <a:t>: 2023</a:t>
-            </a:r>
-            <a:r>
-              <a:rPr lang="ko-KR" altLang="en-US" dirty="0">
-                <a:solidFill>
-                  <a:schemeClr val="tx1"/>
-                </a:solidFill>
-              </a:rPr>
-              <a:t>년</a:t>
-            </a:r>
-            <a:r>
-              <a:rPr lang="en-US" altLang="ko-KR" dirty="0">
-                <a:solidFill>
-                  <a:schemeClr val="tx1"/>
-                </a:solidFill>
-              </a:rPr>
-              <a:t> 8</a:t>
-            </a:r>
-            <a:r>
-              <a:rPr lang="ko-KR" altLang="en-US" dirty="0">
-                <a:solidFill>
-                  <a:schemeClr val="tx1"/>
-                </a:solidFill>
-              </a:rPr>
-              <a:t>월 </a:t>
-            </a:r>
-            <a:r>
-              <a:rPr lang="en-US" altLang="ko-KR" dirty="0">
-                <a:solidFill>
-                  <a:schemeClr val="tx1"/>
-                </a:solidFill>
-              </a:rPr>
-              <a:t>15</a:t>
-            </a:r>
-            <a:r>
-              <a:rPr lang="ko-KR" altLang="en-US" dirty="0">
-                <a:solidFill>
-                  <a:schemeClr val="tx1"/>
-                </a:solidFill>
-              </a:rPr>
-              <a:t>일 </a:t>
-            </a:r>
-            <a:r>
-              <a:rPr lang="en-US" altLang="ko-KR" dirty="0">
-                <a:solidFill>
-                  <a:schemeClr val="tx1"/>
-                </a:solidFill>
-              </a:rPr>
-              <a:t>~ 2023</a:t>
-            </a:r>
-            <a:r>
-              <a:rPr lang="ko-KR" altLang="en-US" dirty="0">
-                <a:solidFill>
-                  <a:schemeClr val="tx1"/>
-                </a:solidFill>
-              </a:rPr>
-              <a:t>년 </a:t>
-            </a:r>
-            <a:r>
-              <a:rPr lang="en-US" altLang="ko-KR" dirty="0">
-                <a:solidFill>
-                  <a:schemeClr val="tx1"/>
-                </a:solidFill>
-              </a:rPr>
-              <a:t>8</a:t>
-            </a:r>
-            <a:r>
-              <a:rPr lang="ko-KR" altLang="en-US" dirty="0">
-                <a:solidFill>
-                  <a:schemeClr val="tx1"/>
-                </a:solidFill>
-              </a:rPr>
-              <a:t>월 </a:t>
-            </a:r>
-            <a:r>
-              <a:rPr lang="en-US" altLang="ko-KR" dirty="0">
-                <a:solidFill>
-                  <a:schemeClr val="tx1"/>
-                </a:solidFill>
-              </a:rPr>
-              <a:t>28</a:t>
-            </a:r>
-            <a:r>
-              <a:rPr lang="ko-KR" altLang="en-US" dirty="0">
-                <a:solidFill>
-                  <a:schemeClr val="tx1"/>
-                </a:solidFill>
-              </a:rPr>
-              <a:t>일</a:t>
-            </a:r>
-            <a:endParaRPr lang="en-US" altLang="ko-KR" dirty="0">
+            <a:pPr marL="114300" indent="0">
+              <a:buNone/>
+            </a:pPr>
+            <a:endParaRPr lang="en-US" altLang="ko-KR" sz="1800" dirty="0">
               <a:solidFill>
                 <a:schemeClr val="tx1"/>
               </a:solidFill>
             </a:endParaRPr>
           </a:p>
           <a:p>
+            <a:r>
+              <a:rPr lang="ko-KR" altLang="en-US" sz="1800" dirty="0">
+                <a:solidFill>
+                  <a:schemeClr val="tx1"/>
+                </a:solidFill>
+              </a:rPr>
+              <a:t>프로젝트 주안점 </a:t>
+            </a:r>
+            <a:r>
+              <a:rPr lang="en-US" altLang="ko-KR" sz="1800" dirty="0">
+                <a:solidFill>
+                  <a:schemeClr val="tx1"/>
+                </a:solidFill>
+              </a:rPr>
+              <a:t>: </a:t>
+            </a:r>
+          </a:p>
+          <a:p>
             <a:pPr marL="114300" indent="0">
               <a:buNone/>
             </a:pPr>
-            <a:endParaRPr lang="en-US" altLang="ko-KR" dirty="0">
-              <a:solidFill>
-                <a:schemeClr val="tx1"/>
-              </a:solidFill>
-            </a:endParaRPr>
+            <a:r>
+              <a:rPr lang="en-US" altLang="ko-KR" sz="1800" dirty="0">
+                <a:solidFill>
+                  <a:schemeClr val="tx1"/>
+                </a:solidFill>
+              </a:rPr>
+              <a:t>       SonarQube</a:t>
+            </a:r>
+            <a:r>
+              <a:rPr lang="ko-KR" altLang="en-US" sz="1800" dirty="0">
+                <a:solidFill>
+                  <a:schemeClr val="tx1"/>
+                </a:solidFill>
+              </a:rPr>
+              <a:t>로 </a:t>
+            </a:r>
+            <a:r>
+              <a:rPr lang="en-US" altLang="ko-KR" sz="1800" dirty="0">
+                <a:solidFill>
+                  <a:schemeClr val="tx1"/>
+                </a:solidFill>
+              </a:rPr>
+              <a:t>Python</a:t>
+            </a:r>
+            <a:r>
+              <a:rPr lang="ko-KR" altLang="en-US" sz="1800" dirty="0">
+                <a:solidFill>
+                  <a:schemeClr val="tx1"/>
+                </a:solidFill>
+              </a:rPr>
+              <a:t> 코드 품질 분석 및 평가 진행</a:t>
+            </a:r>
+            <a:r>
+              <a:rPr lang="en-US" altLang="ko-KR" sz="1800" dirty="0">
+                <a:solidFill>
+                  <a:schemeClr val="tx1"/>
+                </a:solidFill>
+              </a:rPr>
+              <a:t>.</a:t>
+            </a:r>
           </a:p>
           <a:p>
             <a:pPr marL="114300" indent="0">
               <a:buNone/>
             </a:pPr>
-            <a:endParaRPr lang="en-US" altLang="ko-KR" dirty="0">
-              <a:solidFill>
-                <a:schemeClr val="tx1"/>
-              </a:solidFill>
-            </a:endParaRPr>
-          </a:p>
-          <a:p>
-            <a:r>
-              <a:rPr lang="ko-KR" altLang="en-US" dirty="0">
-                <a:solidFill>
-                  <a:schemeClr val="tx1"/>
-                </a:solidFill>
-              </a:rPr>
-              <a:t>프로젝트 주안점 </a:t>
-            </a:r>
-            <a:r>
-              <a:rPr lang="en-US" altLang="ko-KR" dirty="0">
-                <a:solidFill>
-                  <a:schemeClr val="tx1"/>
-                </a:solidFill>
-              </a:rPr>
-              <a:t>: </a:t>
+            <a:r>
+              <a:rPr lang="en-US" altLang="ko-KR" sz="1800" dirty="0">
+                <a:solidFill>
+                  <a:schemeClr val="tx1"/>
+                </a:solidFill>
+              </a:rPr>
+              <a:t>	   </a:t>
+            </a:r>
+            <a:r>
+              <a:rPr lang="ko-KR" altLang="en-US" sz="1800" dirty="0">
+                <a:solidFill>
+                  <a:schemeClr val="tx1"/>
+                </a:solidFill>
+              </a:rPr>
+              <a:t>이메일과 </a:t>
+            </a:r>
+            <a:r>
+              <a:rPr lang="en-US" altLang="ko-KR" sz="1800" dirty="0">
+                <a:solidFill>
+                  <a:schemeClr val="tx1"/>
+                </a:solidFill>
+              </a:rPr>
+              <a:t>Release</a:t>
+            </a:r>
+            <a:r>
+              <a:rPr lang="ko-KR" altLang="en-US" sz="1800" dirty="0">
+                <a:solidFill>
+                  <a:schemeClr val="tx1"/>
+                </a:solidFill>
+              </a:rPr>
+              <a:t>를 통한 커뮤니케이션 환경 구축</a:t>
+            </a:r>
+            <a:r>
+              <a:rPr lang="en-US" altLang="ko-KR" sz="1800" dirty="0">
+                <a:solidFill>
+                  <a:schemeClr val="tx1"/>
+                </a:solidFill>
+              </a:rPr>
+              <a:t>.</a:t>
             </a:r>
           </a:p>
           <a:p>
@@ -8849,76 +8971,39 @@
               <a:buNone/>
             </a:pPr>
             <a:r>
-              <a:rPr lang="en-US" altLang="ko-KR" dirty="0">
-                <a:solidFill>
-                  <a:schemeClr val="tx1"/>
-                </a:solidFill>
-              </a:rPr>
-              <a:t>       SonarQube</a:t>
-            </a:r>
-            <a:r>
-              <a:rPr lang="ko-KR" altLang="en-US" dirty="0">
-                <a:solidFill>
-                  <a:schemeClr val="tx1"/>
-                </a:solidFill>
-              </a:rPr>
-              <a:t>로 </a:t>
-            </a:r>
-            <a:r>
-              <a:rPr lang="en-US" altLang="ko-KR" dirty="0">
-                <a:solidFill>
-                  <a:schemeClr val="tx1"/>
-                </a:solidFill>
-              </a:rPr>
-              <a:t>Python</a:t>
-            </a:r>
-            <a:r>
-              <a:rPr lang="ko-KR" altLang="en-US" dirty="0">
-                <a:solidFill>
-                  <a:schemeClr val="tx1"/>
-                </a:solidFill>
-              </a:rPr>
-              <a:t> 코드 품질 분석 및 평가 진행</a:t>
-            </a:r>
-            <a:r>
-              <a:rPr lang="en-US" altLang="ko-KR" dirty="0">
-                <a:solidFill>
-                  <a:schemeClr val="tx1"/>
-                </a:solidFill>
-              </a:rPr>
-              <a:t>.</a:t>
-            </a:r>
-          </a:p>
-          <a:p>
-            <a:pPr marL="114300" indent="0">
-              <a:buNone/>
-            </a:pPr>
-            <a:r>
-              <a:rPr lang="en-US" altLang="ko-KR" dirty="0">
-                <a:solidFill>
-                  <a:schemeClr val="tx1"/>
-                </a:solidFill>
-              </a:rPr>
-              <a:t>	   </a:t>
-            </a:r>
-            <a:r>
-              <a:rPr lang="ko-KR" altLang="en-US" dirty="0">
-                <a:solidFill>
-                  <a:schemeClr val="tx1"/>
-                </a:solidFill>
-              </a:rPr>
-              <a:t>이메일 발송과 </a:t>
-            </a:r>
-            <a:r>
-              <a:rPr lang="en-US" altLang="ko-KR" dirty="0" err="1">
-                <a:solidFill>
-                  <a:schemeClr val="tx1"/>
-                </a:solidFill>
-              </a:rPr>
-              <a:t>Github</a:t>
-            </a:r>
-            <a:r>
-              <a:rPr lang="ko-KR" altLang="en-US" dirty="0">
+              <a:rPr lang="en-US" altLang="ko-KR" sz="1800" dirty="0">
+                <a:solidFill>
+                  <a:schemeClr val="tx1"/>
+                </a:solidFill>
+              </a:rPr>
+              <a:t>       </a:t>
+            </a:r>
+            <a:r>
+              <a:rPr lang="ko-KR" altLang="en-US" sz="1800" dirty="0">
+                <a:solidFill>
+                  <a:schemeClr val="tx1"/>
+                </a:solidFill>
+              </a:rPr>
+              <a:t>파이프라인을 이용해 </a:t>
+            </a:r>
+            <a:r>
+              <a:rPr lang="en-US" altLang="ko-KR" sz="1800" dirty="0">
+                <a:solidFill>
+                  <a:schemeClr val="tx1"/>
+                </a:solidFill>
+              </a:rPr>
+              <a:t>Docker Hub</a:t>
+            </a:r>
+            <a:r>
+              <a:rPr lang="ko-KR" altLang="en-US" sz="1800" dirty="0">
+                <a:solidFill>
+                  <a:schemeClr val="tx1"/>
+                </a:solidFill>
+              </a:rPr>
+              <a:t>로 여러 이미지</a:t>
+            </a:r>
+            <a:r>
+              <a:rPr lang="en-US" altLang="ko-KR" sz="1800" dirty="0">
                 <a:solidFill>
                   <a:schemeClr val="tx1"/>
                 </a:solidFill>
@@ -8926,76 +9011,7 @@
               <a:t> </a:t>
             </a:r>
             <a:r>
-              <a:rPr lang="en-US" altLang="ko-KR" dirty="0">
-                <a:solidFill>
-                  <a:schemeClr val="tx1"/>
-                </a:solidFill>
-              </a:rPr>
-              <a:t>Release </a:t>
-            </a:r>
-            <a:r>
-              <a:rPr lang="ko-KR" altLang="en-US" dirty="0">
-                <a:solidFill>
-                  <a:schemeClr val="tx1"/>
-                </a:solidFill>
-              </a:rPr>
-              <a:t>배포를 통한 커뮤니케이션 환경 구축</a:t>
-            </a:r>
-            <a:r>
-              <a:rPr lang="en-US" altLang="ko-KR" dirty="0">
-                <a:solidFill>
-                  <a:schemeClr val="tx1"/>
-                </a:solidFill>
-              </a:rPr>
-              <a:t>.</a:t>
-            </a:r>
-          </a:p>
-          <a:p>
-            <a:pPr marL="114300" indent="0">
-              <a:buNone/>
-            </a:pPr>
-            <a:r>
-              <a:rPr lang="en-US" altLang="ko-KR" dirty="0">
-                <a:solidFill>
-                  <a:schemeClr val="tx1"/>
-                </a:solidFill>
-              </a:rPr>
-              <a:t>       </a:t>
-            </a:r>
-            <a:r>
-              <a:rPr lang="ko-KR" altLang="en-US" dirty="0">
-                <a:solidFill>
-                  <a:schemeClr val="tx1"/>
-                </a:solidFill>
-              </a:rPr>
-              <a:t>파이프라인을 이용한 </a:t>
-            </a:r>
-            <a:r>
-              <a:rPr lang="en-US" altLang="ko-KR" dirty="0">
-                <a:solidFill>
-                  <a:schemeClr val="tx1"/>
-                </a:solidFill>
-              </a:rPr>
-              <a:t>Docker Hub</a:t>
-            </a:r>
-            <a:r>
-              <a:rPr lang="ko-KR" altLang="en-US" dirty="0">
-                <a:solidFill>
-                  <a:schemeClr val="tx1"/>
-                </a:solidFill>
-              </a:rPr>
-              <a:t>로 이미지</a:t>
-            </a:r>
-            <a:r>
-              <a:rPr lang="en-US" altLang="ko-KR" dirty="0">
-                <a:solidFill>
-                  <a:schemeClr val="tx1"/>
-                </a:solidFill>
-              </a:rPr>
-              <a:t> </a:t>
-            </a:r>
-            <a:r>
-              <a:rPr lang="ko-KR" altLang="en-US" dirty="0">
+              <a:rPr lang="ko-KR" altLang="en-US" sz="1800" dirty="0">
                 <a:solidFill>
                   <a:schemeClr val="tx1"/>
                 </a:solidFill>
@@ -9003,7 +9019,7 @@
               <a:t>업로드</a:t>
             </a:r>
             <a:r>
-              <a:rPr lang="en-US" altLang="ko-KR" dirty="0">
+              <a:rPr lang="en-US" altLang="ko-KR" sz="1600" dirty="0">
                 <a:solidFill>
                   <a:schemeClr val="tx1"/>
                 </a:solidFill>
@@ -9061,7 +9077,7 @@
         </p:nvSpPr>
         <p:spPr>
           <a:xfrm>
-            <a:off x="507070" y="510124"/>
+            <a:off x="502674" y="650801"/>
             <a:ext cx="8222100" cy="767700"/>
           </a:xfrm>
         </p:spPr>
@@ -9094,7 +9110,7 @@
         </p:nvSpPr>
         <p:spPr>
           <a:xfrm>
-            <a:off x="410356" y="1779538"/>
+            <a:off x="379584" y="1709199"/>
             <a:ext cx="8222100" cy="2710200"/>
           </a:xfrm>
         </p:spPr>
@@ -9103,38 +9119,22 @@
           <a:lstStyle/>
           <a:p>
             <a:r>
-              <a:rPr lang="en-US" altLang="ko-KR" dirty="0">
-                <a:solidFill>
-                  <a:schemeClr val="tx1"/>
-                </a:solidFill>
-              </a:rPr>
-              <a:t>SonarQube</a:t>
-            </a:r>
-            <a:r>
-              <a:rPr lang="ko-KR" altLang="en-US" dirty="0">
-                <a:solidFill>
-                  <a:schemeClr val="tx1"/>
-                </a:solidFill>
-              </a:rPr>
-              <a:t>를 활용해 개발팀의 편리한 </a:t>
-            </a:r>
-            <a:r>
-              <a:rPr lang="en-US" altLang="ko-KR" dirty="0">
-                <a:solidFill>
-                  <a:schemeClr val="tx1"/>
-                </a:solidFill>
-              </a:rPr>
-              <a:t>Python</a:t>
-            </a:r>
-            <a:r>
-              <a:rPr lang="ko-KR" altLang="en-US" dirty="0">
-                <a:solidFill>
-                  <a:schemeClr val="tx1"/>
-                </a:solidFill>
-              </a:rPr>
-              <a:t> 코드 분석 환경 만들기</a:t>
-            </a:r>
-            <a:endParaRPr lang="en-US" altLang="ko-KR" dirty="0">
+              <a:rPr lang="en-US" altLang="ko-KR" sz="1800" dirty="0">
+                <a:solidFill>
+                  <a:schemeClr val="tx1"/>
+                </a:solidFill>
+              </a:rPr>
+              <a:t>Jenkins flask-CI/CD </a:t>
+            </a:r>
+            <a:r>
+              <a:rPr lang="ko-KR" altLang="en-US" sz="1800" dirty="0">
+                <a:solidFill>
+                  <a:schemeClr val="tx1"/>
+                </a:solidFill>
+              </a:rPr>
+              <a:t>파이프라인 구축</a:t>
+            </a:r>
+            <a:endParaRPr lang="en-US" altLang="ko-KR" sz="1800" dirty="0">
               <a:solidFill>
                 <a:schemeClr val="tx1"/>
               </a:solidFill>
@@ -9144,7 +9144,7 @@
             <a:pPr marL="114300" indent="0">
               <a:buNone/>
             </a:pPr>
-            <a:endParaRPr lang="en-US" altLang="ko-KR" dirty="0">
+            <a:endParaRPr lang="en-US" altLang="ko-KR" sz="1800" dirty="0">
               <a:solidFill>
                 <a:schemeClr val="tx1"/>
               </a:solidFill>
@@ -9152,195 +9152,92 @@
           </a:p>
           <a:p>
             <a:r>
-              <a:rPr lang="ko-KR" altLang="en-US" dirty="0">
-                <a:solidFill>
-                  <a:schemeClr val="tx1"/>
-                </a:solidFill>
-              </a:rPr>
-              <a:t>짧은 기간 동안의 즉각적인 코드 분석 요구에 대처하기 위한 </a:t>
-            </a:r>
-            <a:endParaRPr lang="en-US" altLang="ko-KR" dirty="0">
+              <a:rPr lang="en-US" altLang="ko-KR" sz="1800" dirty="0">
+                <a:solidFill>
+                  <a:schemeClr val="tx1"/>
+                </a:solidFill>
+              </a:rPr>
+              <a:t>SonarQube</a:t>
+            </a:r>
+            <a:r>
+              <a:rPr lang="ko-KR" altLang="en-US" sz="1800" dirty="0">
+                <a:solidFill>
+                  <a:schemeClr val="tx1"/>
+                </a:solidFill>
+              </a:rPr>
+              <a:t>를 활용한 코드 분석 서비스 추가</a:t>
+            </a:r>
+            <a:endParaRPr lang="en-US" altLang="ko-KR" sz="1800" dirty="0">
               <a:solidFill>
                 <a:schemeClr val="tx1"/>
               </a:solidFill>
             </a:endParaRPr>
           </a:p>
           <a:p>
-            <a:pPr marL="114300" indent="0">
-              <a:buNone/>
-            </a:pPr>
-            <a:r>
-              <a:rPr lang="en-US" altLang="ko-KR" dirty="0">
-                <a:solidFill>
-                  <a:schemeClr val="tx1"/>
-                </a:solidFill>
-              </a:rPr>
-              <a:t>	  Jenkins flask-CI/CD </a:t>
-            </a:r>
-            <a:r>
-              <a:rPr lang="ko-KR" altLang="en-US" dirty="0">
-                <a:solidFill>
-                  <a:schemeClr val="tx1"/>
-                </a:solidFill>
-              </a:rPr>
-              <a:t>파이프라인 구축하기</a:t>
-            </a:r>
-            <a:endParaRPr lang="en-US" altLang="ko-KR" dirty="0">
+            <a:endParaRPr lang="en-US" altLang="ko-KR" sz="1800" dirty="0">
               <a:solidFill>
                 <a:schemeClr val="tx1"/>
               </a:solidFill>
             </a:endParaRPr>
           </a:p>
           <a:p>
-            <a:pPr marL="114300" indent="0">
-              <a:buNone/>
-            </a:pPr>
-            <a:endParaRPr lang="en-US" altLang="ko-KR" dirty="0">
+            <a:r>
+              <a:rPr lang="ko-KR" altLang="en-US" sz="1800" dirty="0">
+                <a:solidFill>
+                  <a:schemeClr val="tx1"/>
+                </a:solidFill>
+              </a:rPr>
+              <a:t>자동 이메일 알림 시스템 구축</a:t>
+            </a:r>
+            <a:endParaRPr lang="en-US" altLang="ko-KR" sz="1800" dirty="0">
               <a:solidFill>
                 <a:schemeClr val="tx1"/>
               </a:solidFill>
             </a:endParaRPr>
           </a:p>
           <a:p>
-            <a:r>
-              <a:rPr lang="ko-KR" altLang="en-US" dirty="0">
-                <a:solidFill>
-                  <a:schemeClr val="tx1"/>
-                </a:solidFill>
-              </a:rPr>
-              <a:t>알림 대상자들에게 이메일 알람을 통해 코드 분석이 완료되었다는 정보를 </a:t>
-            </a:r>
-            <a:endParaRPr lang="en-US" altLang="ko-KR" dirty="0">
+            <a:pPr marL="114300" indent="0">
+              <a:buNone/>
+            </a:pPr>
+            <a:endParaRPr lang="en-US" altLang="ko-KR" sz="1800" dirty="0">
               <a:solidFill>
                 <a:schemeClr val="tx1"/>
               </a:solidFill>
             </a:endParaRPr>
           </a:p>
           <a:p>
-            <a:pPr marL="114300" indent="0">
-              <a:buNone/>
-            </a:pPr>
-            <a:r>
-              <a:rPr lang="en-US" altLang="ko-KR" dirty="0">
-                <a:solidFill>
-                  <a:schemeClr val="tx1"/>
-                </a:solidFill>
-              </a:rPr>
-              <a:t>      </a:t>
-            </a:r>
-            <a:r>
-              <a:rPr lang="ko-KR" altLang="en-US" dirty="0">
-                <a:solidFill>
-                  <a:schemeClr val="tx1"/>
-                </a:solidFill>
-              </a:rPr>
-              <a:t>신속하게 전달하기</a:t>
-            </a:r>
-            <a:endParaRPr lang="en-US" altLang="ko-KR" dirty="0">
+            <a:r>
+              <a:rPr lang="ko-KR" altLang="en-US" sz="1800" dirty="0">
+                <a:solidFill>
+                  <a:schemeClr val="tx1"/>
+                </a:solidFill>
+              </a:rPr>
+              <a:t>검증 받은 코드를 </a:t>
+            </a:r>
+            <a:r>
+              <a:rPr lang="en-US" altLang="ko-KR" sz="1800" dirty="0">
+                <a:solidFill>
+                  <a:schemeClr val="tx1"/>
+                </a:solidFill>
+              </a:rPr>
+              <a:t>Release </a:t>
+            </a:r>
+            <a:r>
+              <a:rPr lang="ko-KR" altLang="en-US" sz="1800" dirty="0">
+                <a:solidFill>
+                  <a:schemeClr val="tx1"/>
+                </a:solidFill>
+              </a:rPr>
+              <a:t>형태로 배포</a:t>
+            </a:r>
+            <a:endParaRPr lang="en-US" altLang="ko-KR" sz="1800" dirty="0">
               <a:solidFill>
                 <a:schemeClr val="tx1"/>
               </a:solidFill>
             </a:endParaRPr>
           </a:p>
           <a:p>
-            <a:pPr marL="114300" indent="0">
-              <a:buNone/>
-            </a:pPr>
-            <a:endParaRPr lang="en-US" altLang="ko-KR" dirty="0">
-              <a:solidFill>
-                <a:schemeClr val="tx1"/>
-              </a:solidFill>
-            </a:endParaRPr>
-          </a:p>
-          <a:p>
-            <a:r>
-              <a:rPr lang="en-US" altLang="ko-KR" dirty="0">
-                <a:solidFill>
-                  <a:schemeClr val="tx1"/>
-                </a:solidFill>
-              </a:rPr>
-              <a:t>SonarQube</a:t>
-            </a:r>
-            <a:r>
-              <a:rPr lang="ko-KR" altLang="en-US" dirty="0">
-                <a:solidFill>
-                  <a:schemeClr val="tx1"/>
-                </a:solidFill>
-              </a:rPr>
-              <a:t>로 </a:t>
-            </a:r>
-            <a:r>
-              <a:rPr lang="ko-KR" altLang="en-US" dirty="0" err="1">
-                <a:solidFill>
-                  <a:schemeClr val="tx1"/>
-                </a:solidFill>
-              </a:rPr>
-              <a:t>검증받은</a:t>
-            </a:r>
-            <a:r>
-              <a:rPr lang="ko-KR" altLang="en-US" dirty="0">
-                <a:solidFill>
-                  <a:schemeClr val="tx1"/>
-                </a:solidFill>
-              </a:rPr>
-              <a:t> </a:t>
-            </a:r>
-            <a:r>
-              <a:rPr lang="en-US" altLang="ko-KR" dirty="0">
-                <a:solidFill>
-                  <a:schemeClr val="tx1"/>
-                </a:solidFill>
-              </a:rPr>
-              <a:t>Python </a:t>
-            </a:r>
-            <a:r>
-              <a:rPr lang="ko-KR" altLang="en-US" dirty="0">
-                <a:solidFill>
-                  <a:schemeClr val="tx1"/>
-                </a:solidFill>
-              </a:rPr>
-              <a:t>코드를 </a:t>
-            </a:r>
-            <a:r>
-              <a:rPr lang="ko-KR" altLang="en-US" dirty="0" err="1">
-                <a:solidFill>
-                  <a:schemeClr val="tx1"/>
-                </a:solidFill>
-              </a:rPr>
-              <a:t>깃허브</a:t>
-            </a:r>
-            <a:r>
-              <a:rPr lang="ko-KR" altLang="en-US" dirty="0">
-                <a:solidFill>
-                  <a:schemeClr val="tx1"/>
-                </a:solidFill>
-              </a:rPr>
-              <a:t> </a:t>
-            </a:r>
-            <a:r>
-              <a:rPr lang="en-US" altLang="ko-KR" dirty="0">
-                <a:solidFill>
-                  <a:schemeClr val="tx1"/>
-                </a:solidFill>
-              </a:rPr>
-              <a:t>Release</a:t>
-            </a:r>
-            <a:r>
-              <a:rPr lang="ko-KR" altLang="en-US" dirty="0">
-                <a:solidFill>
-                  <a:schemeClr val="tx1"/>
-                </a:solidFill>
-              </a:rPr>
-              <a:t>로 자동 배포하기</a:t>
-            </a:r>
-            <a:endParaRPr lang="en-US" altLang="ko-KR" dirty="0">
-              <a:solidFill>
-                <a:schemeClr val="tx1"/>
-              </a:solidFill>
-            </a:endParaRPr>
-          </a:p>
-          <a:p>
-            <a:endParaRPr lang="en-US" altLang="ko-KR" dirty="0">
+            <a:endParaRPr lang="en-US" altLang="ko-KR" sz="1800" dirty="0">
               <a:solidFill>
                 <a:schemeClr val="tx1"/>
               </a:solidFill>
@@ -9456,7 +9353,7 @@
           <a:lstStyle/>
           <a:p>
             <a:r>
-              <a:rPr lang="ko-KR" altLang="en-US" dirty="0">
+              <a:rPr lang="ko-KR" altLang="en-US" sz="1800" dirty="0">
                 <a:solidFill>
                   <a:schemeClr val="tx1"/>
                 </a:solidFill>
@@ -9464,7 +9361,7 @@
               <a:t>서버 구성 </a:t>
             </a:r>
             <a:r>
-              <a:rPr lang="en-US" altLang="ko-KR" dirty="0">
+              <a:rPr lang="en-US" altLang="ko-KR" sz="1800" dirty="0">
                 <a:solidFill>
                   <a:schemeClr val="tx1"/>
                 </a:solidFill>
@@ -9472,7 +9369,7 @@
               <a:t>: NFS </a:t>
             </a:r>
             <a:r>
-              <a:rPr lang="ko-KR" altLang="en-US" dirty="0">
+              <a:rPr lang="ko-KR" altLang="en-US" sz="1800" dirty="0">
                 <a:solidFill>
                   <a:schemeClr val="tx1"/>
                 </a:solidFill>
@@ -9480,7 +9377,7 @@
               <a:t>서버</a:t>
             </a:r>
             <a:r>
-              <a:rPr lang="en-US" altLang="ko-KR" dirty="0">
+              <a:rPr lang="en-US" altLang="ko-KR" sz="1800" dirty="0">
                 <a:solidFill>
                   <a:schemeClr val="tx1"/>
                 </a:solidFill>
@@ -9488,7 +9385,7 @@
               <a:t>, Jenkins </a:t>
             </a:r>
             <a:r>
-              <a:rPr lang="ko-KR" altLang="en-US" dirty="0">
+              <a:rPr lang="ko-KR" altLang="en-US" sz="1800" dirty="0">
                 <a:solidFill>
                   <a:schemeClr val="tx1"/>
                 </a:solidFill>
@@ -9496,7 +9393,7 @@
               <a:t>서버</a:t>
             </a:r>
             <a:r>
-              <a:rPr lang="en-US" altLang="ko-KR" dirty="0">
+              <a:rPr lang="en-US" altLang="ko-KR" sz="1800" dirty="0">
                 <a:solidFill>
                   <a:schemeClr val="tx1"/>
                 </a:solidFill>
@@ -9504,7 +9401,7 @@
               <a:t>(</a:t>
             </a:r>
             <a:r>
-              <a:rPr lang="en-US" altLang="ko-KR" dirty="0" err="1">
+              <a:rPr lang="en-US" altLang="ko-KR" sz="1800" dirty="0" err="1">
                 <a:solidFill>
                   <a:schemeClr val="tx1"/>
                 </a:solidFill>
@@ -9512,7 +9409,7 @@
               <a:t>Ngrok</a:t>
             </a:r>
             <a:r>
-              <a:rPr lang="ko-KR" altLang="en-US" dirty="0">
+              <a:rPr lang="ko-KR" altLang="en-US" sz="1800" dirty="0">
                 <a:solidFill>
                   <a:schemeClr val="tx1"/>
                 </a:solidFill>
@@ -9520,7 +9417,7 @@
               <a:t>와 </a:t>
             </a:r>
             <a:r>
-              <a:rPr lang="en-US" altLang="ko-KR" dirty="0">
+              <a:rPr lang="en-US" altLang="ko-KR" sz="1800" dirty="0">
                 <a:solidFill>
                   <a:schemeClr val="tx1"/>
                 </a:solidFill>
@@ -9528,7 +9425,7 @@
               <a:t>SonarQube </a:t>
             </a:r>
             <a:r>
-              <a:rPr lang="ko-KR" altLang="en-US" dirty="0">
+              <a:rPr lang="ko-KR" altLang="en-US" sz="1800" dirty="0">
                 <a:solidFill>
                   <a:schemeClr val="tx1"/>
                 </a:solidFill>
@@ -9536,7 +9433,7 @@
               <a:t>기능 포함</a:t>
             </a:r>
             <a:r>
-              <a:rPr lang="en-US" altLang="ko-KR" dirty="0">
+              <a:rPr lang="en-US" altLang="ko-KR" sz="1800" dirty="0">
                 <a:solidFill>
                   <a:schemeClr val="tx1"/>
                 </a:solidFill>
@@ -9545,7 +9442,7 @@
             </a:r>
           </a:p>
           <a:p>
-            <a:endParaRPr lang="en-US" altLang="ko-KR" dirty="0">
+            <a:endParaRPr lang="en-US" altLang="ko-KR" sz="1800" dirty="0">
               <a:solidFill>
                 <a:schemeClr val="tx1"/>
               </a:solidFill>
@@ -9553,7 +9450,7 @@
           </a:p>
           <a:p>
             <a:r>
-              <a:rPr lang="ko-KR" altLang="en-US" dirty="0">
+              <a:rPr lang="ko-KR" altLang="en-US" sz="1800" dirty="0">
                 <a:solidFill>
                   <a:schemeClr val="tx1"/>
                 </a:solidFill>
@@ -9561,7 +9458,7 @@
               <a:t>설치 환경 </a:t>
             </a:r>
             <a:r>
-              <a:rPr lang="en-US" altLang="ko-KR" dirty="0">
+              <a:rPr lang="en-US" altLang="ko-KR" sz="1800" dirty="0">
                 <a:solidFill>
                   <a:schemeClr val="tx1"/>
                 </a:solidFill>
@@ -9570,7 +9467,7 @@
             </a:r>
           </a:p>
           <a:p>
-            <a:endParaRPr lang="en-US" altLang="ko-KR" dirty="0">
+            <a:endParaRPr lang="en-US" altLang="ko-KR" sz="1800" dirty="0">
               <a:solidFill>
                 <a:schemeClr val="tx1"/>
               </a:solidFill>
@@ -9578,7 +9475,7 @@
           </a:p>
           <a:p>
             <a:r>
-              <a:rPr lang="ko-KR" altLang="en-US" dirty="0">
+              <a:rPr lang="ko-KR" altLang="en-US" sz="1800" dirty="0">
                 <a:solidFill>
                   <a:schemeClr val="tx1"/>
                 </a:solidFill>
@@ -9586,7 +9483,7 @@
               <a:t>작업 위치 </a:t>
             </a:r>
             <a:r>
-              <a:rPr lang="en-US" altLang="ko-KR" dirty="0">
+              <a:rPr lang="en-US" altLang="ko-KR" sz="1800" dirty="0">
                 <a:solidFill>
                   <a:schemeClr val="tx1"/>
                 </a:solidFill>
@@ -9594,7 +9491,7 @@
               <a:t>: </a:t>
             </a:r>
             <a:r>
-              <a:rPr lang="en-US" altLang="ko-KR" dirty="0" err="1">
+              <a:rPr lang="en-US" altLang="ko-KR" sz="1800" dirty="0" err="1">
                 <a:solidFill>
                   <a:schemeClr val="tx1"/>
                 </a:solidFill>
@@ -9602,7 +9499,7 @@
               <a:t>Github</a:t>
             </a:r>
             <a:r>
-              <a:rPr lang="en-US" altLang="ko-KR" dirty="0">
+              <a:rPr lang="en-US" altLang="ko-KR" sz="1800" dirty="0">
                 <a:solidFill>
                   <a:schemeClr val="tx1"/>
                 </a:solidFill>
@@ -9610,7 +9507,7 @@
               <a:t> flask-</a:t>
             </a:r>
             <a:r>
-              <a:rPr lang="en-US" altLang="ko-KR" dirty="0" err="1">
+              <a:rPr lang="en-US" altLang="ko-KR" sz="1800" dirty="0" err="1">
                 <a:solidFill>
                   <a:schemeClr val="tx1"/>
                 </a:solidFill>
@@ -9618,7 +9515,7 @@
               <a:t>cicd</a:t>
             </a:r>
             <a:r>
-              <a:rPr lang="en-US" altLang="ko-KR" dirty="0">
+              <a:rPr lang="en-US" altLang="ko-KR" sz="1800" dirty="0">
                 <a:solidFill>
                   <a:schemeClr val="tx1"/>
                 </a:solidFill>
@@ -9626,7 +9523,7 @@
               <a:t> </a:t>
             </a:r>
             <a:r>
-              <a:rPr lang="ko-KR" altLang="en-US" dirty="0" err="1">
+              <a:rPr lang="ko-KR" altLang="en-US" sz="1800" dirty="0" err="1">
                 <a:solidFill>
                   <a:schemeClr val="tx1"/>
                 </a:solidFill>
@@ -9634,7 +9531,7 @@
               <a:t>리포지토리</a:t>
             </a:r>
             <a:r>
-              <a:rPr lang="ko-KR" altLang="en-US" dirty="0">
+              <a:rPr lang="ko-KR" altLang="en-US" sz="1800" dirty="0">
                 <a:solidFill>
                   <a:schemeClr val="tx1"/>
                 </a:solidFill>
@@ -9642,7 +9539,7 @@
               <a:t> </a:t>
             </a:r>
             <a:r>
-              <a:rPr lang="en-US" altLang="ko-KR" dirty="0">
+              <a:rPr lang="en-US" altLang="ko-KR" sz="1800" dirty="0">
                 <a:solidFill>
                   <a:schemeClr val="tx1"/>
                 </a:solidFill>
@@ -9650,7 +9547,7 @@
               <a:t>– Pipeline </a:t>
             </a:r>
             <a:r>
-              <a:rPr lang="ko-KR" altLang="en-US" dirty="0">
+              <a:rPr lang="ko-KR" altLang="en-US" sz="1800" dirty="0">
                 <a:solidFill>
                   <a:schemeClr val="tx1"/>
                 </a:solidFill>
@@ -9658,7 +9555,7 @@
               <a:t>코드</a:t>
             </a:r>
             <a:r>
-              <a:rPr lang="en-US" altLang="ko-KR" dirty="0">
+              <a:rPr lang="en-US" altLang="ko-KR" sz="1800" dirty="0">
                 <a:solidFill>
                   <a:schemeClr val="tx1"/>
                 </a:solidFill>
@@ -9666,7 +9563,7 @@
               <a:t> </a:t>
             </a:r>
             <a:r>
-              <a:rPr lang="ko-KR" altLang="en-US" dirty="0">
+              <a:rPr lang="ko-KR" altLang="en-US" sz="1800" dirty="0">
                 <a:solidFill>
                   <a:schemeClr val="tx1"/>
                 </a:solidFill>
@@ -9674,7 +9571,7 @@
               <a:t>구현</a:t>
             </a:r>
             <a:r>
-              <a:rPr lang="en-US" altLang="ko-KR" dirty="0">
+              <a:rPr lang="en-US" altLang="ko-KR" sz="1800" dirty="0">
                 <a:solidFill>
                   <a:schemeClr val="tx1"/>
                 </a:solidFill>
@@ -9683,7 +9580,7 @@
             </a:r>
           </a:p>
           <a:p>
-            <a:endParaRPr lang="en-US" altLang="ko-KR" dirty="0">
+            <a:endParaRPr lang="en-US" altLang="ko-KR" sz="1800" dirty="0">
               <a:solidFill>
                 <a:schemeClr val="tx1"/>
               </a:solidFill>
@@ -9691,7 +9588,7 @@
           </a:p>
           <a:p>
             <a:r>
-              <a:rPr lang="ko-KR" altLang="en-US" dirty="0">
+              <a:rPr lang="ko-KR" altLang="en-US" sz="1800" dirty="0">
                 <a:solidFill>
                   <a:schemeClr val="tx1"/>
                 </a:solidFill>
@@ -9699,7 +9596,7 @@
               <a:t>사용 언어 </a:t>
             </a:r>
             <a:r>
-              <a:rPr lang="en-US" altLang="ko-KR" dirty="0">
+              <a:rPr lang="en-US" altLang="ko-KR" sz="1800" dirty="0">
                 <a:solidFill>
                   <a:schemeClr val="tx1"/>
                 </a:solidFill>
@@ -9708,14 +9605,14 @@
             </a:r>
           </a:p>
           <a:p>
-            <a:endParaRPr lang="en-US" altLang="ko-KR" dirty="0">
+            <a:endParaRPr lang="en-US" altLang="ko-KR" sz="1800" dirty="0">
               <a:solidFill>
                 <a:schemeClr val="tx1"/>
               </a:solidFill>
             </a:endParaRPr>
           </a:p>
           <a:p>
-            <a:endParaRPr lang="en-US" altLang="ko-KR" dirty="0">
+            <a:endParaRPr lang="en-US" altLang="ko-KR" sz="1800" dirty="0">
               <a:solidFill>
                 <a:schemeClr val="tx1"/>
               </a:solidFill>
@@ -9951,7 +9848,7 @@
         </p:nvSpPr>
         <p:spPr>
           <a:xfrm>
-            <a:off x="114156" y="1767962"/>
+            <a:off x="74591" y="1732793"/>
             <a:ext cx="2979081" cy="2703760"/>
           </a:xfrm>
         </p:spPr>
@@ -9960,7 +9857,7 @@
           <a:lstStyle/>
           <a:p>
             <a:r>
-              <a:rPr lang="en-US" altLang="ko-KR" dirty="0">
+              <a:rPr lang="en-US" altLang="ko-KR" sz="1600" dirty="0">
                 <a:solidFill>
                   <a:schemeClr val="tx1"/>
                 </a:solidFill>
@@ -9968,7 +9865,7 @@
               <a:t>Jenkins </a:t>
             </a:r>
             <a:r>
-              <a:rPr lang="ko-KR" altLang="en-US" dirty="0">
+              <a:rPr lang="ko-KR" altLang="en-US" sz="1600" dirty="0">
                 <a:solidFill>
                   <a:schemeClr val="tx1"/>
                 </a:solidFill>
@@ -9976,7 +9873,7 @@
               <a:t>서버를 구축하여 </a:t>
             </a:r>
             <a:r>
-              <a:rPr lang="en-US" altLang="ko-KR" dirty="0">
+              <a:rPr lang="en-US" altLang="ko-KR" sz="1600" dirty="0">
                 <a:solidFill>
                   <a:schemeClr val="tx1"/>
                 </a:solidFill>
@@ -9984,7 +9881,7 @@
               <a:t>Python</a:t>
             </a:r>
             <a:r>
-              <a:rPr lang="ko-KR" altLang="en-US" dirty="0">
+              <a:rPr lang="ko-KR" altLang="en-US" sz="1600" dirty="0">
                 <a:solidFill>
                   <a:schemeClr val="tx1"/>
                 </a:solidFill>
@@ -9992,7 +9889,7 @@
               <a:t> 기반 </a:t>
             </a:r>
             <a:r>
-              <a:rPr lang="en-US" altLang="ko-KR" dirty="0">
+              <a:rPr lang="en-US" altLang="ko-KR" sz="1600" dirty="0">
                 <a:solidFill>
                   <a:schemeClr val="tx1"/>
                 </a:solidFill>
@@ -10000,21 +9897,21 @@
               <a:t>flask CI/CD </a:t>
             </a:r>
             <a:r>
-              <a:rPr lang="ko-KR" altLang="en-US" dirty="0">
+              <a:rPr lang="ko-KR" altLang="en-US" sz="1600" dirty="0">
                 <a:solidFill>
                   <a:schemeClr val="tx1"/>
                 </a:solidFill>
               </a:rPr>
               <a:t>파이프라인 서비스 구성</a:t>
             </a:r>
-            <a:endParaRPr lang="en-US" altLang="ko-KR" dirty="0">
+            <a:endParaRPr lang="en-US" altLang="ko-KR" sz="1600" dirty="0">
               <a:solidFill>
                 <a:schemeClr val="tx1"/>
               </a:solidFill>
             </a:endParaRPr>
           </a:p>
           <a:p>
-            <a:endParaRPr lang="en-US" altLang="ko-KR" dirty="0">
+            <a:endParaRPr lang="en-US" altLang="ko-KR" sz="1600" dirty="0">
               <a:solidFill>
                 <a:schemeClr val="tx1"/>
               </a:solidFill>
@@ -10022,7 +9919,7 @@
           </a:p>
           <a:p>
             <a:r>
-              <a:rPr lang="en-US" altLang="ko-KR" dirty="0">
+              <a:rPr lang="en-US" altLang="ko-KR" sz="1600" dirty="0">
                 <a:solidFill>
                   <a:schemeClr val="tx1"/>
                 </a:solidFill>
@@ -10030,7 +9927,7 @@
               <a:t>NFS </a:t>
             </a:r>
             <a:r>
-              <a:rPr lang="ko-KR" altLang="en-US" dirty="0">
+              <a:rPr lang="ko-KR" altLang="en-US" sz="1600" dirty="0">
                 <a:solidFill>
                   <a:schemeClr val="tx1"/>
                 </a:solidFill>
@@ -10038,7 +9935,7 @@
               <a:t>서버를 </a:t>
             </a:r>
             <a:r>
-              <a:rPr lang="en-US" altLang="ko-KR" dirty="0">
+              <a:rPr lang="en-US" altLang="ko-KR" sz="1600" dirty="0">
                 <a:solidFill>
                   <a:schemeClr val="tx1"/>
                 </a:solidFill>
@@ -10046,7 +9943,7 @@
               <a:t>Jenkins </a:t>
             </a:r>
             <a:r>
-              <a:rPr lang="ko-KR" altLang="en-US" dirty="0">
+              <a:rPr lang="ko-KR" altLang="en-US" sz="1600" dirty="0">
                 <a:solidFill>
                   <a:schemeClr val="tx1"/>
                 </a:solidFill>
@@ -10054,7 +9951,7 @@
               <a:t>서버와 연결하여 파일 공유 서비스를 수행</a:t>
             </a:r>
             <a:r>
-              <a:rPr lang="en-US" altLang="ko-KR" dirty="0">
+              <a:rPr lang="en-US" altLang="ko-KR" sz="1600" dirty="0">
                 <a:solidFill>
                   <a:schemeClr val="tx1"/>
                 </a:solidFill>
@@ -10063,7 +9960,7 @@
             </a:r>
           </a:p>
           <a:p>
-            <a:endParaRPr lang="en-US" altLang="ko-KR" dirty="0">
+            <a:endParaRPr lang="en-US" altLang="ko-KR" sz="1600" dirty="0">
               <a:solidFill>
                 <a:schemeClr val="tx1"/>
               </a:solidFill>
@@ -10071,7 +9968,7 @@
           </a:p>
           <a:p>
             <a:r>
-              <a:rPr lang="en-US" altLang="ko-KR" dirty="0">
+              <a:rPr lang="en-US" altLang="ko-KR" sz="1600" dirty="0">
                 <a:solidFill>
                   <a:schemeClr val="tx1"/>
                 </a:solidFill>
@@ -10079,7 +9976,7 @@
               <a:t>Email</a:t>
             </a:r>
             <a:r>
-              <a:rPr lang="ko-KR" altLang="en-US" dirty="0">
+              <a:rPr lang="ko-KR" altLang="en-US" sz="1600" dirty="0">
                 <a:solidFill>
                   <a:schemeClr val="tx1"/>
                 </a:solidFill>
@@ -10087,7 +9984,7 @@
               <a:t>과 </a:t>
             </a:r>
             <a:r>
-              <a:rPr lang="en-US" altLang="ko-KR" dirty="0">
+              <a:rPr lang="en-US" altLang="ko-KR" sz="1600" dirty="0">
                 <a:solidFill>
                   <a:schemeClr val="tx1"/>
                 </a:solidFill>
@@ -10095,14 +9992,14 @@
               <a:t>Release</a:t>
             </a:r>
             <a:r>
-              <a:rPr lang="ko-KR" altLang="en-US" dirty="0">
+              <a:rPr lang="ko-KR" altLang="en-US" sz="1600" dirty="0">
                 <a:solidFill>
                   <a:schemeClr val="tx1"/>
                 </a:solidFill>
               </a:rPr>
               <a:t>를 통한</a:t>
             </a:r>
-            <a:endParaRPr lang="en-US" altLang="ko-KR" dirty="0">
+            <a:endParaRPr lang="en-US" altLang="ko-KR" sz="1600" dirty="0">
               <a:solidFill>
                 <a:schemeClr val="tx1"/>
               </a:solidFill>
@@ -10113,14 +10010,14 @@
               <a:buNone/>
             </a:pPr>
             <a:r>
-              <a:rPr lang="ko-KR" altLang="en-US" dirty="0">
+              <a:rPr lang="ko-KR" altLang="en-US" sz="1600" dirty="0">
                 <a:solidFill>
                   <a:schemeClr val="tx1"/>
                 </a:solidFill>
               </a:rPr>
               <a:t>      편리한 커뮤니케이션 환경</a:t>
             </a:r>
-            <a:endParaRPr lang="en-US" altLang="ko-KR" dirty="0">
+            <a:endParaRPr lang="en-US" altLang="ko-KR" sz="1600" dirty="0">
               <a:solidFill>
                 <a:schemeClr val="tx1"/>
               </a:solidFill>
@@ -10131,7 +10028,7 @@
               <a:buNone/>
             </a:pPr>
             <a:r>
-              <a:rPr lang="en-US" altLang="ko-KR" dirty="0">
+              <a:rPr lang="en-US" altLang="ko-KR" sz="1600" dirty="0">
                 <a:solidFill>
                   <a:schemeClr val="tx1"/>
                 </a:solidFill>
@@ -10139,7 +10036,7 @@
               <a:t>      </a:t>
             </a:r>
             <a:r>
-              <a:rPr lang="ko-KR" altLang="en-US" dirty="0">
+              <a:rPr lang="ko-KR" altLang="en-US" sz="1600" dirty="0">
                 <a:solidFill>
                   <a:schemeClr val="tx1"/>
                 </a:solidFill>
@@ -10147,14 +10044,14 @@
               <a:t>구축</a:t>
             </a:r>
             <a:r>
-              <a:rPr lang="en-US" altLang="ko-KR" dirty="0">
+              <a:rPr lang="en-US" altLang="ko-KR" sz="1600" dirty="0">
                 <a:solidFill>
                   <a:schemeClr val="tx1"/>
                 </a:solidFill>
               </a:rPr>
               <a:t>.</a:t>
             </a:r>
-            <a:endParaRPr lang="ko-KR" altLang="en-US" dirty="0">
+            <a:endParaRPr lang="ko-KR" altLang="en-US" sz="1600" dirty="0">
               <a:solidFill>
                 <a:schemeClr val="tx1"/>
               </a:solidFill>
@@ -10462,7 +10359,7 @@
         </p:nvSpPr>
         <p:spPr>
           <a:xfrm>
-            <a:off x="4381525" y="1987061"/>
+            <a:off x="4280413" y="1965081"/>
             <a:ext cx="3245802" cy="369332"/>
           </a:xfrm>
           <a:prstGeom prst="rect">
@@ -10477,11 +10374,10 @@
           <a:lstStyle/>
           <a:p>
             <a:r>
-              <a:rPr lang="en-US" altLang="ko-KR">
-                <a:solidFill>
-                  <a:schemeClr val="accent1">
-                    <a:lumMod val="60000"/>
-                    <a:lumOff val="40000"/>
+              <a:rPr lang="en-US" altLang="ko-KR" dirty="0">
+                <a:solidFill>
+                  <a:schemeClr val="bg2">
+                    <a:lumMod val="75000"/>
                   </a:schemeClr>
                 </a:solidFill>
               </a:rPr>
@@ -10490,9 +10386,8 @@
             <a:r>
               <a:rPr lang="ko-KR" altLang="en-US" dirty="0">
                 <a:solidFill>
-                  <a:schemeClr val="accent1">
-                    <a:lumMod val="60000"/>
-                    <a:lumOff val="40000"/>
+                  <a:schemeClr val="bg2">
+                    <a:lumMod val="75000"/>
                   </a:schemeClr>
                 </a:solidFill>
               </a:rPr>
@@ -10517,7 +10412,7 @@
 <file path=ppt/theme/theme1.xml><?xml version="1.0" encoding="utf-8"?>
 <a:theme xmlns:a="http://schemas.openxmlformats.org/drawingml/2006/main" name="슬라이스">
   <a:themeElements>
-    <a:clrScheme name="슬라이스">
+    <a:clrScheme name="Office 2007 - 2010">
       <a:dk1>
         <a:sysClr val="windowText" lastClr="000000"/>
       </a:dk1>
@@ -10525,34 +10420,34 @@
         <a:sysClr val="window" lastClr="FFFFFF"/>
       </a:lt1>
       <a:dk2>
-        <a:srgbClr val="146194"/>
+        <a:srgbClr val="1F497D"/>
       </a:dk2>
       <a:lt2>
-        <a:srgbClr val="76DBF4"/>
+        <a:srgbClr val="EEECE1"/>
       </a:lt2>
       <a:accent1>
-        <a:srgbClr val="052F61"/>
+        <a:srgbClr val="4F81BD"/>
       </a:accent1>
       <a:accent2>
-        <a:srgbClr val="A50E82"/>
+        <a:srgbClr val="C0504D"/>
       </a:accent2>
       <a:accent3>
-        <a:srgbClr val="14967C"/>
+        <a:srgbClr val="9BBB59"/>
       </a:accent3>
       <a:accent4>
-        <a:srgbClr val="6A9E1F"/>
+        <a:srgbClr val="8064A2"/>
       </a:accent4>
       <a:accent5>
-        <a:srgbClr val="E87D37"/>
+        <a:srgbClr val="4BACC6"/>
       </a:accent5>
       <a:accent6>
-        <a:srgbClr val="C62324"/>
+        <a:srgbClr val="F79646"/>
       </a:accent6>
       <a:hlink>
-        <a:srgbClr val="0D2E46"/>
+        <a:srgbClr val="0000FF"/>
       </a:hlink>
       <a:folHlink>
-        <a:srgbClr val="356A95"/>
+        <a:srgbClr val="800080"/>
       </a:folHlink>
     </a:clrScheme>
     <a:fontScheme name="슬라이스">

--- a/제출자료/최종 발표 프레젠테이션(김정훈).pptx
+++ b/제출자료/최종 발표 프레젠테이션(김정훈).pptx
@@ -5,7 +5,7 @@
     <p:sldMasterId id="2147483660" r:id="rId1"/>
   </p:sldMasterIdLst>
   <p:notesMasterIdLst>
-    <p:notesMasterId r:id="rId18"/>
+    <p:notesMasterId r:id="rId19"/>
   </p:notesMasterIdLst>
   <p:sldIdLst>
     <p:sldId id="256" r:id="rId2"/>
@@ -21,23 +21,24 @@
     <p:sldId id="271" r:id="rId12"/>
     <p:sldId id="269" r:id="rId13"/>
     <p:sldId id="274" r:id="rId14"/>
-    <p:sldId id="262" r:id="rId15"/>
-    <p:sldId id="275" r:id="rId16"/>
-    <p:sldId id="264" r:id="rId17"/>
+    <p:sldId id="277" r:id="rId15"/>
+    <p:sldId id="262" r:id="rId16"/>
+    <p:sldId id="275" r:id="rId17"/>
+    <p:sldId id="264" r:id="rId18"/>
   </p:sldIdLst>
   <p:sldSz cx="9144000" cy="5143500" type="screen16x9"/>
   <p:notesSz cx="6858000" cy="9144000"/>
   <p:embeddedFontLst>
     <p:embeddedFont>
       <p:font typeface="Century Gothic" panose="020B0502020202020204" pitchFamily="34" charset="0"/>
-      <p:regular r:id="rId19"/>
-      <p:bold r:id="rId20"/>
-      <p:italic r:id="rId21"/>
-      <p:boldItalic r:id="rId22"/>
+      <p:regular r:id="rId20"/>
+      <p:bold r:id="rId21"/>
+      <p:italic r:id="rId22"/>
+      <p:boldItalic r:id="rId23"/>
     </p:embeddedFont>
     <p:embeddedFont>
       <p:font typeface="Wingdings 3" panose="05040102010807070707" pitchFamily="18" charset="2"/>
-      <p:regular r:id="rId23"/>
+      <p:regular r:id="rId24"/>
     </p:embeddedFont>
   </p:embeddedFontLst>
   <p:defaultTextStyle>
@@ -7746,7 +7747,7 @@
           <p:cNvPr id="2" name="제목 1">
             <a:extLst>
               <a:ext uri="{FF2B5EF4-FFF2-40B4-BE49-F238E27FC236}">
-                <a16:creationId xmlns:a16="http://schemas.microsoft.com/office/drawing/2014/main" id="{4689DFAA-FA40-3F7E-FE04-84C1489C647D}"/>
+                <a16:creationId xmlns:a16="http://schemas.microsoft.com/office/drawing/2014/main" id="{A9BDBCF8-810A-9EF2-E7C5-4BF628817D4A}"/>
               </a:ext>
             </a:extLst>
           </p:cNvPr>
@@ -7757,14 +7758,19 @@
             <p:ph type="title"/>
           </p:nvPr>
         </p:nvSpPr>
-        <p:spPr/>
+        <p:spPr>
+          <a:xfrm>
+            <a:off x="569303" y="581340"/>
+            <a:ext cx="8222100" cy="767700"/>
+          </a:xfrm>
+        </p:spPr>
         <p:txBody>
           <a:bodyPr/>
           <a:lstStyle/>
           <a:p>
             <a:r>
               <a:rPr lang="ko-KR" altLang="en-US" b="1" dirty="0"/>
-              <a:t>보완점</a:t>
+              <a:t>결과 데모 시연</a:t>
             </a:r>
           </a:p>
         </p:txBody>
@@ -7774,7 +7780,7 @@
           <p:cNvPr id="3" name="텍스트 개체 틀 2">
             <a:extLst>
               <a:ext uri="{FF2B5EF4-FFF2-40B4-BE49-F238E27FC236}">
-                <a16:creationId xmlns:a16="http://schemas.microsoft.com/office/drawing/2014/main" id="{A3FBF26A-E50E-05FF-7801-D1216EA756DE}"/>
+                <a16:creationId xmlns:a16="http://schemas.microsoft.com/office/drawing/2014/main" id="{4183921B-281E-EF63-18F9-E5D7D94267CF}"/>
               </a:ext>
             </a:extLst>
           </p:cNvPr>
@@ -7787,8 +7793,8 @@
         </p:nvSpPr>
         <p:spPr>
           <a:xfrm>
-            <a:off x="245537" y="1791291"/>
-            <a:ext cx="8222100" cy="2710200"/>
+            <a:off x="501672" y="1423786"/>
+            <a:ext cx="5629962" cy="1864094"/>
           </a:xfrm>
         </p:spPr>
         <p:txBody>
@@ -7796,12 +7802,20 @@
           <a:lstStyle/>
           <a:p>
             <a:r>
+              <a:rPr lang="en-US" altLang="ko-KR" sz="1800" dirty="0">
+                <a:solidFill>
+                  <a:schemeClr val="tx1"/>
+                </a:solidFill>
+              </a:rPr>
+              <a:t>NFS </a:t>
+            </a:r>
+            <a:r>
               <a:rPr lang="ko-KR" altLang="en-US" sz="1800" dirty="0">
                 <a:solidFill>
                   <a:schemeClr val="tx1"/>
                 </a:solidFill>
               </a:rPr>
-              <a:t>여러 서버의 기능을 한 서버에 집중시킨 점이 과부하를 일으킴</a:t>
+              <a:t>서버와 </a:t>
             </a:r>
             <a:r>
               <a:rPr lang="en-US" altLang="ko-KR" sz="1800" dirty="0">
@@ -7809,96 +7823,83 @@
                   <a:schemeClr val="tx1"/>
                 </a:solidFill>
               </a:rPr>
-              <a:t>.</a:t>
-            </a:r>
-          </a:p>
-          <a:p>
-            <a:pPr marL="114300" indent="0">
-              <a:buNone/>
-            </a:pPr>
-            <a:endParaRPr lang="en-US" altLang="ko-KR" sz="1800" dirty="0">
-              <a:solidFill>
-                <a:schemeClr val="tx1"/>
-              </a:solidFill>
-            </a:endParaRPr>
-          </a:p>
-          <a:p>
+              <a:t>Jenkins </a:t>
+            </a:r>
             <a:r>
               <a:rPr lang="ko-KR" altLang="en-US" sz="1800" dirty="0">
                 <a:solidFill>
                   <a:schemeClr val="tx1"/>
                 </a:solidFill>
               </a:rPr>
-              <a:t>해당 서비스를 한 서버에 빠른 속도로 구성할 수 있다는 장점이 있지만 과부하의 위험성 때문에 해당 서버의 메모리를 늘려야 했음</a:t>
-            </a:r>
-            <a:r>
-              <a:rPr lang="en-US" altLang="ko-KR" sz="1800" dirty="0">
-                <a:solidFill>
-                  <a:schemeClr val="tx1"/>
-                </a:solidFill>
-              </a:rPr>
-              <a:t>. </a:t>
-            </a:r>
-          </a:p>
-          <a:p>
-            <a:pPr marL="114300" indent="0">
-              <a:buNone/>
-            </a:pPr>
-            <a:endParaRPr lang="en-US" altLang="ko-KR" sz="1800" dirty="0"/>
-          </a:p>
-          <a:p>
-            <a:r>
-              <a:rPr lang="ko-KR" altLang="en-US" sz="1800" dirty="0">
-                <a:solidFill>
-                  <a:schemeClr val="tx1"/>
-                </a:solidFill>
-              </a:rPr>
-              <a:t>일정표의 남은 기간 동안 서버의 과부하를 줄이기 위해 수행 역할별로</a:t>
-            </a:r>
-            <a:endParaRPr lang="en-US" altLang="ko-KR" sz="1800" dirty="0">
-              <a:solidFill>
-                <a:schemeClr val="tx1"/>
-              </a:solidFill>
-            </a:endParaRPr>
-          </a:p>
-          <a:p>
-            <a:pPr marL="114300" indent="0">
-              <a:buNone/>
-            </a:pPr>
-            <a:r>
-              <a:rPr lang="en-US" altLang="ko-KR" sz="1800" dirty="0">
-                <a:solidFill>
-                  <a:schemeClr val="tx1"/>
-                </a:solidFill>
-              </a:rPr>
-              <a:t>    </a:t>
-            </a:r>
-            <a:r>
-              <a:rPr lang="ko-KR" altLang="en-US" sz="1800" dirty="0">
-                <a:solidFill>
-                  <a:schemeClr val="tx1"/>
-                </a:solidFill>
-              </a:rPr>
-              <a:t>  여러 대의 서버를 추가하여 설치 메뉴얼을 보완할 계획</a:t>
-            </a:r>
-            <a:r>
-              <a:rPr lang="en-US" altLang="ko-KR" sz="1800" dirty="0">
-                <a:solidFill>
-                  <a:schemeClr val="tx1"/>
-                </a:solidFill>
-              </a:rPr>
-              <a:t>.</a:t>
-            </a:r>
-          </a:p>
-          <a:p>
-            <a:endParaRPr lang="ko-KR" altLang="en-US" dirty="0"/>
-          </a:p>
-        </p:txBody>
-      </p:sp>
+              <a:t>서버 마운트 포인트 연동</a:t>
+            </a:r>
+          </a:p>
+        </p:txBody>
+      </p:sp>
+      <p:pic>
+        <p:nvPicPr>
+          <p:cNvPr id="11" name="그림 10">
+            <a:extLst>
+              <a:ext uri="{FF2B5EF4-FFF2-40B4-BE49-F238E27FC236}">
+                <a16:creationId xmlns:a16="http://schemas.microsoft.com/office/drawing/2014/main" id="{B23FFDB6-A573-AE3E-CF1C-C7B9F7130466}"/>
+              </a:ext>
+            </a:extLst>
+          </p:cNvPr>
+          <p:cNvPicPr>
+            <a:picLocks noChangeAspect="1"/>
+          </p:cNvPicPr>
+          <p:nvPr/>
+        </p:nvPicPr>
+        <p:blipFill>
+          <a:blip r:embed="rId2"/>
+          <a:stretch>
+            <a:fillRect/>
+          </a:stretch>
+        </p:blipFill>
+        <p:spPr>
+          <a:xfrm>
+            <a:off x="4680353" y="2050785"/>
+            <a:ext cx="3640034" cy="2597283"/>
+          </a:xfrm>
+          <a:prstGeom prst="rect">
+            <a:avLst/>
+          </a:prstGeom>
+        </p:spPr>
+      </p:pic>
+      <p:pic>
+        <p:nvPicPr>
+          <p:cNvPr id="13" name="그림 12">
+            <a:extLst>
+              <a:ext uri="{FF2B5EF4-FFF2-40B4-BE49-F238E27FC236}">
+                <a16:creationId xmlns:a16="http://schemas.microsoft.com/office/drawing/2014/main" id="{CCD2F2DA-FB9D-D73A-9CDA-A898908F4E16}"/>
+              </a:ext>
+            </a:extLst>
+          </p:cNvPr>
+          <p:cNvPicPr>
+            <a:picLocks noChangeAspect="1"/>
+          </p:cNvPicPr>
+          <p:nvPr/>
+        </p:nvPicPr>
+        <p:blipFill>
+          <a:blip r:embed="rId3"/>
+          <a:stretch>
+            <a:fillRect/>
+          </a:stretch>
+        </p:blipFill>
+        <p:spPr>
+          <a:xfrm>
+            <a:off x="686883" y="2050785"/>
+            <a:ext cx="3714941" cy="2597283"/>
+          </a:xfrm>
+          <a:prstGeom prst="rect">
+            <a:avLst/>
+          </a:prstGeom>
+        </p:spPr>
+      </p:pic>
     </p:spTree>
     <p:extLst>
       <p:ext uri="{BB962C8B-B14F-4D97-AF65-F5344CB8AC3E}">
-        <p14:creationId xmlns:p14="http://schemas.microsoft.com/office/powerpoint/2010/main" val="4070003616"/>
+        <p14:creationId xmlns:p14="http://schemas.microsoft.com/office/powerpoint/2010/main" val="2811236866"/>
       </p:ext>
     </p:extLst>
   </p:cSld>
@@ -7941,6 +7942,190 @@
             <p:ph type="title"/>
           </p:nvPr>
         </p:nvSpPr>
+        <p:spPr/>
+        <p:txBody>
+          <a:bodyPr/>
+          <a:lstStyle/>
+          <a:p>
+            <a:r>
+              <a:rPr lang="ko-KR" altLang="en-US" b="1" dirty="0"/>
+              <a:t>보완점</a:t>
+            </a:r>
+          </a:p>
+        </p:txBody>
+      </p:sp>
+      <p:sp>
+        <p:nvSpPr>
+          <p:cNvPr id="3" name="텍스트 개체 틀 2">
+            <a:extLst>
+              <a:ext uri="{FF2B5EF4-FFF2-40B4-BE49-F238E27FC236}">
+                <a16:creationId xmlns:a16="http://schemas.microsoft.com/office/drawing/2014/main" id="{A3FBF26A-E50E-05FF-7801-D1216EA756DE}"/>
+              </a:ext>
+            </a:extLst>
+          </p:cNvPr>
+          <p:cNvSpPr>
+            <a:spLocks noGrp="1"/>
+          </p:cNvSpPr>
+          <p:nvPr>
+            <p:ph type="body" idx="1"/>
+          </p:nvPr>
+        </p:nvSpPr>
+        <p:spPr>
+          <a:xfrm>
+            <a:off x="245537" y="1791291"/>
+            <a:ext cx="8222100" cy="2710200"/>
+          </a:xfrm>
+        </p:spPr>
+        <p:txBody>
+          <a:bodyPr/>
+          <a:lstStyle/>
+          <a:p>
+            <a:r>
+              <a:rPr lang="ko-KR" altLang="en-US" sz="1800" dirty="0">
+                <a:solidFill>
+                  <a:schemeClr val="tx1"/>
+                </a:solidFill>
+              </a:rPr>
+              <a:t>여러 서버의 기능을 한 서버에 집중시킨 점이 과부하를 일으킴</a:t>
+            </a:r>
+            <a:r>
+              <a:rPr lang="en-US" altLang="ko-KR" sz="1800" dirty="0">
+                <a:solidFill>
+                  <a:schemeClr val="tx1"/>
+                </a:solidFill>
+              </a:rPr>
+              <a:t>.</a:t>
+            </a:r>
+          </a:p>
+          <a:p>
+            <a:pPr marL="114300" indent="0">
+              <a:buNone/>
+            </a:pPr>
+            <a:endParaRPr lang="en-US" altLang="ko-KR" sz="1800" dirty="0">
+              <a:solidFill>
+                <a:schemeClr val="tx1"/>
+              </a:solidFill>
+            </a:endParaRPr>
+          </a:p>
+          <a:p>
+            <a:r>
+              <a:rPr lang="ko-KR" altLang="en-US" sz="1800" dirty="0">
+                <a:solidFill>
+                  <a:schemeClr val="tx1"/>
+                </a:solidFill>
+              </a:rPr>
+              <a:t>해당 서비스를 한 서버에 빠른 속도로 구성할 수 있다는 장점이 있지만 과부하의 위험성 때문에 해당 서버의 메모리를 늘려야 했음</a:t>
+            </a:r>
+            <a:r>
+              <a:rPr lang="en-US" altLang="ko-KR" sz="1800" dirty="0">
+                <a:solidFill>
+                  <a:schemeClr val="tx1"/>
+                </a:solidFill>
+              </a:rPr>
+              <a:t>. </a:t>
+            </a:r>
+          </a:p>
+          <a:p>
+            <a:pPr marL="114300" indent="0">
+              <a:buNone/>
+            </a:pPr>
+            <a:endParaRPr lang="en-US" altLang="ko-KR" sz="1800" dirty="0"/>
+          </a:p>
+          <a:p>
+            <a:r>
+              <a:rPr lang="ko-KR" altLang="en-US" sz="1800" dirty="0">
+                <a:solidFill>
+                  <a:schemeClr val="tx1"/>
+                </a:solidFill>
+              </a:rPr>
+              <a:t>일정표의 남은 기간 동안 서버의 과부하를 줄이기 위해 수행 역할별로</a:t>
+            </a:r>
+            <a:endParaRPr lang="en-US" altLang="ko-KR" sz="1800" dirty="0">
+              <a:solidFill>
+                <a:schemeClr val="tx1"/>
+              </a:solidFill>
+            </a:endParaRPr>
+          </a:p>
+          <a:p>
+            <a:pPr marL="114300" indent="0">
+              <a:buNone/>
+            </a:pPr>
+            <a:r>
+              <a:rPr lang="en-US" altLang="ko-KR" sz="1800" dirty="0">
+                <a:solidFill>
+                  <a:schemeClr val="tx1"/>
+                </a:solidFill>
+              </a:rPr>
+              <a:t>    </a:t>
+            </a:r>
+            <a:r>
+              <a:rPr lang="ko-KR" altLang="en-US" sz="1800" dirty="0">
+                <a:solidFill>
+                  <a:schemeClr val="tx1"/>
+                </a:solidFill>
+              </a:rPr>
+              <a:t>  여러 대의 서버를 추가하여 설치 메뉴얼을 보완할 계획</a:t>
+            </a:r>
+            <a:r>
+              <a:rPr lang="en-US" altLang="ko-KR" sz="1800" dirty="0">
+                <a:solidFill>
+                  <a:schemeClr val="tx1"/>
+                </a:solidFill>
+              </a:rPr>
+              <a:t>.</a:t>
+            </a:r>
+          </a:p>
+          <a:p>
+            <a:endParaRPr lang="ko-KR" altLang="en-US" dirty="0"/>
+          </a:p>
+        </p:txBody>
+      </p:sp>
+    </p:spTree>
+    <p:extLst>
+      <p:ext uri="{BB962C8B-B14F-4D97-AF65-F5344CB8AC3E}">
+        <p14:creationId xmlns:p14="http://schemas.microsoft.com/office/powerpoint/2010/main" val="4070003616"/>
+      </p:ext>
+    </p:extLst>
+  </p:cSld>
+  <p:clrMapOvr>
+    <a:masterClrMapping/>
+  </p:clrMapOvr>
+</p:sld>
+</file>
+
+<file path=ppt/slides/slide16.xml><?xml version="1.0" encoding="utf-8"?>
+<p:sld xmlns:a="http://schemas.openxmlformats.org/drawingml/2006/main" xmlns:r="http://schemas.openxmlformats.org/officeDocument/2006/relationships" xmlns:p="http://schemas.openxmlformats.org/presentationml/2006/main">
+  <p:cSld>
+    <p:spTree>
+      <p:nvGrpSpPr>
+        <p:cNvPr id="1" name=""/>
+        <p:cNvGrpSpPr/>
+        <p:nvPr/>
+      </p:nvGrpSpPr>
+      <p:grpSpPr>
+        <a:xfrm>
+          <a:off x="0" y="0"/>
+          <a:ext cx="0" cy="0"/>
+          <a:chOff x="0" y="0"/>
+          <a:chExt cx="0" cy="0"/>
+        </a:xfrm>
+      </p:grpSpPr>
+      <p:sp>
+        <p:nvSpPr>
+          <p:cNvPr id="2" name="제목 1">
+            <a:extLst>
+              <a:ext uri="{FF2B5EF4-FFF2-40B4-BE49-F238E27FC236}">
+                <a16:creationId xmlns:a16="http://schemas.microsoft.com/office/drawing/2014/main" id="{4689DFAA-FA40-3F7E-FE04-84C1489C647D}"/>
+              </a:ext>
+            </a:extLst>
+          </p:cNvPr>
+          <p:cNvSpPr>
+            <a:spLocks noGrp="1"/>
+          </p:cNvSpPr>
+          <p:nvPr>
+            <p:ph type="title"/>
+          </p:nvPr>
+        </p:nvSpPr>
         <p:spPr>
           <a:xfrm>
             <a:off x="3522830" y="1965252"/>
@@ -7976,7 +8161,7 @@
 </p:sld>
 </file>
 
-<file path=ppt/slides/slide16.xml><?xml version="1.0" encoding="utf-8"?>
+<file path=ppt/slides/slide17.xml><?xml version="1.0" encoding="utf-8"?>
 <p:sld xmlns:a="http://schemas.openxmlformats.org/drawingml/2006/main" xmlns:r="http://schemas.openxmlformats.org/officeDocument/2006/relationships" xmlns:p="http://schemas.openxmlformats.org/presentationml/2006/main">
   <p:cSld>
     <p:spTree>

--- a/제출자료/최종 발표 프레젠테이션(김정훈).pptx
+++ b/제출자료/최종 발표 프레젠테이션(김정훈).pptx
@@ -8700,9 +8700,9 @@
             <a:avLst/>
           </a:prstGeom>
           <a:solidFill>
-            <a:schemeClr val="accent4">
-              <a:lumMod val="40000"/>
-              <a:lumOff val="60000"/>
+            <a:schemeClr val="accent3">
+              <a:lumMod val="60000"/>
+              <a:lumOff val="40000"/>
             </a:schemeClr>
           </a:solidFill>
           <a:ln>

--- a/제출자료/최종 발표 프레젠테이션(김정훈).pptx
+++ b/제출자료/최종 발표 프레젠테이션(김정훈).pptx
@@ -5,40 +5,41 @@
     <p:sldMasterId id="2147483660" r:id="rId1"/>
   </p:sldMasterIdLst>
   <p:notesMasterIdLst>
-    <p:notesMasterId r:id="rId19"/>
+    <p:notesMasterId r:id="rId20"/>
   </p:notesMasterIdLst>
   <p:sldIdLst>
     <p:sldId id="256" r:id="rId2"/>
     <p:sldId id="257" r:id="rId3"/>
-    <p:sldId id="258" r:id="rId4"/>
-    <p:sldId id="259" r:id="rId5"/>
-    <p:sldId id="276" r:id="rId6"/>
-    <p:sldId id="260" r:id="rId7"/>
-    <p:sldId id="268" r:id="rId8"/>
-    <p:sldId id="261" r:id="rId9"/>
-    <p:sldId id="273" r:id="rId10"/>
-    <p:sldId id="270" r:id="rId11"/>
-    <p:sldId id="271" r:id="rId12"/>
-    <p:sldId id="269" r:id="rId13"/>
-    <p:sldId id="274" r:id="rId14"/>
-    <p:sldId id="277" r:id="rId15"/>
-    <p:sldId id="262" r:id="rId16"/>
-    <p:sldId id="275" r:id="rId17"/>
-    <p:sldId id="264" r:id="rId18"/>
+    <p:sldId id="278" r:id="rId4"/>
+    <p:sldId id="258" r:id="rId5"/>
+    <p:sldId id="259" r:id="rId6"/>
+    <p:sldId id="276" r:id="rId7"/>
+    <p:sldId id="260" r:id="rId8"/>
+    <p:sldId id="268" r:id="rId9"/>
+    <p:sldId id="261" r:id="rId10"/>
+    <p:sldId id="273" r:id="rId11"/>
+    <p:sldId id="270" r:id="rId12"/>
+    <p:sldId id="271" r:id="rId13"/>
+    <p:sldId id="269" r:id="rId14"/>
+    <p:sldId id="274" r:id="rId15"/>
+    <p:sldId id="277" r:id="rId16"/>
+    <p:sldId id="262" r:id="rId17"/>
+    <p:sldId id="275" r:id="rId18"/>
+    <p:sldId id="264" r:id="rId19"/>
   </p:sldIdLst>
   <p:sldSz cx="9144000" cy="5143500" type="screen16x9"/>
   <p:notesSz cx="6858000" cy="9144000"/>
   <p:embeddedFontLst>
     <p:embeddedFont>
       <p:font typeface="Century Gothic" panose="020B0502020202020204" pitchFamily="34" charset="0"/>
-      <p:regular r:id="rId20"/>
-      <p:bold r:id="rId21"/>
-      <p:italic r:id="rId22"/>
-      <p:boldItalic r:id="rId23"/>
+      <p:regular r:id="rId21"/>
+      <p:bold r:id="rId22"/>
+      <p:italic r:id="rId23"/>
+      <p:boldItalic r:id="rId24"/>
     </p:embeddedFont>
     <p:embeddedFont>
       <p:font typeface="Wingdings 3" panose="05040102010807070707" pitchFamily="18" charset="2"/>
-      <p:regular r:id="rId24"/>
+      <p:regular r:id="rId25"/>
     </p:embeddedFont>
   </p:embeddedFontLst>
   <p:defaultTextStyle>
@@ -830,6 +831,115 @@
 </p:notes>
 </file>
 
+<file path=ppt/notesSlides/notesSlide3.xml><?xml version="1.0" encoding="utf-8"?>
+<p:notes xmlns:a="http://schemas.openxmlformats.org/drawingml/2006/main" xmlns:r="http://schemas.openxmlformats.org/officeDocument/2006/relationships" xmlns:p="http://schemas.openxmlformats.org/presentationml/2006/main" showMasterSp="0" showMasterPhAnim="0">
+  <p:cSld>
+    <p:spTree>
+      <p:nvGrpSpPr>
+        <p:cNvPr id="1" name="Shape 69"/>
+        <p:cNvGrpSpPr/>
+        <p:nvPr/>
+      </p:nvGrpSpPr>
+      <p:grpSpPr>
+        <a:xfrm>
+          <a:off x="0" y="0"/>
+          <a:ext cx="0" cy="0"/>
+          <a:chOff x="0" y="0"/>
+          <a:chExt cx="0" cy="0"/>
+        </a:xfrm>
+      </p:grpSpPr>
+      <p:sp>
+        <p:nvSpPr>
+          <p:cNvPr id="70" name="Google Shape;70;g26dad57ad9c_0_58:notes"/>
+          <p:cNvSpPr>
+            <a:spLocks noGrp="1" noRot="1" noChangeAspect="1"/>
+          </p:cNvSpPr>
+          <p:nvPr>
+            <p:ph type="sldImg" idx="2"/>
+          </p:nvPr>
+        </p:nvSpPr>
+        <p:spPr>
+          <a:xfrm>
+            <a:off x="381000" y="685800"/>
+            <a:ext cx="6096000" cy="3429000"/>
+          </a:xfrm>
+          <a:custGeom>
+            <a:avLst/>
+            <a:gdLst/>
+            <a:ahLst/>
+            <a:cxnLst/>
+            <a:rect l="l" t="t" r="r" b="b"/>
+            <a:pathLst>
+              <a:path w="120000" h="120000" extrusionOk="0">
+                <a:moveTo>
+                  <a:pt x="0" y="0"/>
+                </a:moveTo>
+                <a:lnTo>
+                  <a:pt x="120000" y="0"/>
+                </a:lnTo>
+                <a:lnTo>
+                  <a:pt x="120000" y="120000"/>
+                </a:lnTo>
+                <a:lnTo>
+                  <a:pt x="0" y="120000"/>
+                </a:lnTo>
+                <a:close/>
+              </a:path>
+            </a:pathLst>
+          </a:custGeom>
+        </p:spPr>
+      </p:sp>
+      <p:sp>
+        <p:nvSpPr>
+          <p:cNvPr id="71" name="Google Shape;71;g26dad57ad9c_0_58:notes"/>
+          <p:cNvSpPr txBox="1">
+            <a:spLocks noGrp="1"/>
+          </p:cNvSpPr>
+          <p:nvPr>
+            <p:ph type="body" idx="1"/>
+          </p:nvPr>
+        </p:nvSpPr>
+        <p:spPr>
+          <a:xfrm>
+            <a:off x="685800" y="4343400"/>
+            <a:ext cx="5486400" cy="4114800"/>
+          </a:xfrm>
+          <a:prstGeom prst="rect">
+            <a:avLst/>
+          </a:prstGeom>
+        </p:spPr>
+        <p:txBody>
+          <a:bodyPr spcFirstLastPara="1" wrap="square" lIns="91425" tIns="91425" rIns="91425" bIns="91425" anchor="t" anchorCtr="0">
+            <a:noAutofit/>
+          </a:bodyPr>
+          <a:lstStyle/>
+          <a:p>
+            <a:pPr marL="0" lvl="0" indent="0" algn="l" rtl="0">
+              <a:spcBef>
+                <a:spcPts val="0"/>
+              </a:spcBef>
+              <a:spcAft>
+                <a:spcPts val="0"/>
+              </a:spcAft>
+              <a:buNone/>
+            </a:pPr>
+            <a:endParaRPr/>
+          </a:p>
+        </p:txBody>
+      </p:sp>
+    </p:spTree>
+    <p:extLst>
+      <p:ext uri="{BB962C8B-B14F-4D97-AF65-F5344CB8AC3E}">
+        <p14:creationId xmlns:p14="http://schemas.microsoft.com/office/powerpoint/2010/main" val="3631199398"/>
+      </p:ext>
+    </p:extLst>
+  </p:cSld>
+  <p:clrMapOvr>
+    <a:masterClrMapping/>
+  </p:clrMapOvr>
+</p:notes>
+</file>
+
 <file path=ppt/slideLayouts/slideLayout1.xml><?xml version="1.0" encoding="utf-8"?>
 <p:sldLayout xmlns:a="http://schemas.openxmlformats.org/drawingml/2006/main" xmlns:r="http://schemas.openxmlformats.org/officeDocument/2006/relationships" xmlns:p="http://schemas.openxmlformats.org/presentationml/2006/main" showMasterSp="0" type="title" preserve="1">
   <p:cSld name="제목 슬라이드">
@@ -1022,7 +1132,7 @@
             <a:fld id="{B61BEF0D-F0BB-DE4B-95CE-6DB70DBA9567}" type="datetimeFigureOut">
               <a:rPr lang="en-US" dirty="0"/>
               <a:pPr/>
-              <a:t>8/23/2023</a:t>
+              <a:t>8/24/2023</a:t>
             </a:fld>
             <a:endParaRPr lang="en-US" dirty="0"/>
           </a:p>
@@ -1469,7 +1579,7 @@
             <a:fld id="{B61BEF0D-F0BB-DE4B-95CE-6DB70DBA9567}" type="datetimeFigureOut">
               <a:rPr lang="en-US" dirty="0"/>
               <a:pPr/>
-              <a:t>8/23/2023</a:t>
+              <a:t>8/24/2023</a:t>
             </a:fld>
             <a:endParaRPr lang="en-US" dirty="0"/>
           </a:p>
@@ -1730,7 +1840,7 @@
             <a:fld id="{B61BEF0D-F0BB-DE4B-95CE-6DB70DBA9567}" type="datetimeFigureOut">
               <a:rPr lang="en-US" dirty="0"/>
               <a:pPr/>
-              <a:t>8/23/2023</a:t>
+              <a:t>8/24/2023</a:t>
             </a:fld>
             <a:endParaRPr lang="en-US" dirty="0"/>
           </a:p>
@@ -2049,7 +2159,7 @@
             <a:fld id="{B61BEF0D-F0BB-DE4B-95CE-6DB70DBA9567}" type="datetimeFigureOut">
               <a:rPr lang="en-US" dirty="0"/>
               <a:pPr/>
-              <a:t>8/23/2023</a:t>
+              <a:t>8/24/2023</a:t>
             </a:fld>
             <a:endParaRPr lang="en-US" dirty="0"/>
           </a:p>
@@ -2378,7 +2488,7 @@
             <a:fld id="{B61BEF0D-F0BB-DE4B-95CE-6DB70DBA9567}" type="datetimeFigureOut">
               <a:rPr lang="en-US" dirty="0"/>
               <a:pPr/>
-              <a:t>8/23/2023</a:t>
+              <a:t>8/24/2023</a:t>
             </a:fld>
             <a:endParaRPr lang="en-US" dirty="0"/>
           </a:p>
@@ -2691,7 +2801,7 @@
             <a:fld id="{B61BEF0D-F0BB-DE4B-95CE-6DB70DBA9567}" type="datetimeFigureOut">
               <a:rPr lang="en-US" dirty="0"/>
               <a:pPr/>
-              <a:t>8/23/2023</a:t>
+              <a:t>8/24/2023</a:t>
             </a:fld>
             <a:endParaRPr lang="en-US" dirty="0"/>
           </a:p>
@@ -3069,7 +3179,7 @@
             <a:fld id="{B61BEF0D-F0BB-DE4B-95CE-6DB70DBA9567}" type="datetimeFigureOut">
               <a:rPr lang="en-US" dirty="0"/>
               <a:pPr/>
-              <a:t>8/23/2023</a:t>
+              <a:t>8/24/2023</a:t>
             </a:fld>
             <a:endParaRPr lang="en-US" dirty="0"/>
           </a:p>
@@ -3254,7 +3364,7 @@
             <a:fld id="{B61BEF0D-F0BB-DE4B-95CE-6DB70DBA9567}" type="datetimeFigureOut">
               <a:rPr lang="en-US" dirty="0"/>
               <a:pPr/>
-              <a:t>8/23/2023</a:t>
+              <a:t>8/24/2023</a:t>
             </a:fld>
             <a:endParaRPr lang="en-US" dirty="0"/>
           </a:p>
@@ -3445,7 +3555,7 @@
             <a:fld id="{B61BEF0D-F0BB-DE4B-95CE-6DB70DBA9567}" type="datetimeFigureOut">
               <a:rPr lang="en-US" dirty="0"/>
               <a:pPr/>
-              <a:t>8/23/2023</a:t>
+              <a:t>8/24/2023</a:t>
             </a:fld>
             <a:endParaRPr lang="en-US" dirty="0"/>
           </a:p>
@@ -3993,7 +4103,7 @@
             <a:fld id="{B61BEF0D-F0BB-DE4B-95CE-6DB70DBA9567}" type="datetimeFigureOut">
               <a:rPr lang="en-US" dirty="0"/>
               <a:pPr/>
-              <a:t>8/23/2023</a:t>
+              <a:t>8/24/2023</a:t>
             </a:fld>
             <a:endParaRPr lang="en-US" dirty="0"/>
           </a:p>
@@ -4254,7 +4364,7 @@
             <a:fld id="{B61BEF0D-F0BB-DE4B-95CE-6DB70DBA9567}" type="datetimeFigureOut">
               <a:rPr lang="en-US" dirty="0"/>
               <a:pPr/>
-              <a:t>8/23/2023</a:t>
+              <a:t>8/24/2023</a:t>
             </a:fld>
             <a:endParaRPr lang="en-US" dirty="0"/>
           </a:p>
@@ -4501,7 +4611,7 @@
             <a:fld id="{B61BEF0D-F0BB-DE4B-95CE-6DB70DBA9567}" type="datetimeFigureOut">
               <a:rPr lang="en-US" dirty="0"/>
               <a:pPr/>
-              <a:t>8/23/2023</a:t>
+              <a:t>8/24/2023</a:t>
             </a:fld>
             <a:endParaRPr lang="en-US" dirty="0"/>
           </a:p>
@@ -4894,7 +5004,7 @@
             <a:fld id="{B61BEF0D-F0BB-DE4B-95CE-6DB70DBA9567}" type="datetimeFigureOut">
               <a:rPr lang="en-US" dirty="0"/>
               <a:pPr/>
-              <a:t>8/23/2023</a:t>
+              <a:t>8/24/2023</a:t>
             </a:fld>
             <a:endParaRPr lang="en-US" dirty="0"/>
           </a:p>
@@ -5023,7 +5133,7 @@
             <a:fld id="{B61BEF0D-F0BB-DE4B-95CE-6DB70DBA9567}" type="datetimeFigureOut">
               <a:rPr lang="en-US" dirty="0"/>
               <a:pPr/>
-              <a:t>8/23/2023</a:t>
+              <a:t>8/24/2023</a:t>
             </a:fld>
             <a:endParaRPr lang="en-US" dirty="0"/>
           </a:p>
@@ -5129,7 +5239,7 @@
             <a:fld id="{B61BEF0D-F0BB-DE4B-95CE-6DB70DBA9567}" type="datetimeFigureOut">
               <a:rPr lang="en-US" dirty="0"/>
               <a:pPr/>
-              <a:t>8/23/2023</a:t>
+              <a:t>8/24/2023</a:t>
             </a:fld>
             <a:endParaRPr lang="en-US" dirty="0"/>
           </a:p>
@@ -5395,7 +5505,7 @@
             <a:fld id="{B61BEF0D-F0BB-DE4B-95CE-6DB70DBA9567}" type="datetimeFigureOut">
               <a:rPr lang="en-US" dirty="0"/>
               <a:pPr/>
-              <a:t>8/23/2023</a:t>
+              <a:t>8/24/2023</a:t>
             </a:fld>
             <a:endParaRPr lang="en-US" dirty="0"/>
           </a:p>
@@ -5689,7 +5799,7 @@
             <a:fld id="{B61BEF0D-F0BB-DE4B-95CE-6DB70DBA9567}" type="datetimeFigureOut">
               <a:rPr lang="en-US" dirty="0"/>
               <a:pPr/>
-              <a:t>8/23/2023</a:t>
+              <a:t>8/24/2023</a:t>
             </a:fld>
             <a:endParaRPr lang="en-US" dirty="0"/>
           </a:p>
@@ -6106,7 +6216,7 @@
             <a:fld id="{B61BEF0D-F0BB-DE4B-95CE-6DB70DBA9567}" type="datetimeFigureOut">
               <a:rPr lang="en-US" dirty="0"/>
               <a:pPr/>
-              <a:t>8/23/2023</a:t>
+              <a:t>8/24/2023</a:t>
             </a:fld>
             <a:endParaRPr lang="en-US" dirty="0"/>
           </a:p>
@@ -6863,6 +6973,146 @@
         </p:nvSpPr>
         <p:spPr>
           <a:xfrm>
+            <a:off x="460950" y="545294"/>
+            <a:ext cx="8222100" cy="767700"/>
+          </a:xfrm>
+        </p:spPr>
+        <p:txBody>
+          <a:bodyPr/>
+          <a:lstStyle/>
+          <a:p>
+            <a:r>
+              <a:rPr lang="ko-KR" altLang="en-US" b="1" dirty="0"/>
+              <a:t>결과 데모 시연</a:t>
+            </a:r>
+          </a:p>
+        </p:txBody>
+      </p:sp>
+      <p:pic>
+        <p:nvPicPr>
+          <p:cNvPr id="10" name="그림 9">
+            <a:extLst>
+              <a:ext uri="{FF2B5EF4-FFF2-40B4-BE49-F238E27FC236}">
+                <a16:creationId xmlns:a16="http://schemas.microsoft.com/office/drawing/2014/main" id="{46585118-0CC2-AFFA-E66D-3F65B9AAD943}"/>
+              </a:ext>
+            </a:extLst>
+          </p:cNvPr>
+          <p:cNvPicPr>
+            <a:picLocks noChangeAspect="1"/>
+          </p:cNvPicPr>
+          <p:nvPr/>
+        </p:nvPicPr>
+        <p:blipFill>
+          <a:blip r:embed="rId2"/>
+          <a:stretch>
+            <a:fillRect/>
+          </a:stretch>
+        </p:blipFill>
+        <p:spPr>
+          <a:xfrm>
+            <a:off x="515862" y="1649274"/>
+            <a:ext cx="7973112" cy="2823811"/>
+          </a:xfrm>
+          <a:prstGeom prst="rect">
+            <a:avLst/>
+          </a:prstGeom>
+        </p:spPr>
+      </p:pic>
+      <p:sp>
+        <p:nvSpPr>
+          <p:cNvPr id="3" name="TextBox 2">
+            <a:extLst>
+              <a:ext uri="{FF2B5EF4-FFF2-40B4-BE49-F238E27FC236}">
+                <a16:creationId xmlns:a16="http://schemas.microsoft.com/office/drawing/2014/main" id="{23EACC57-4912-BBB1-3643-783E7F020D01}"/>
+              </a:ext>
+            </a:extLst>
+          </p:cNvPr>
+          <p:cNvSpPr txBox="1"/>
+          <p:nvPr/>
+        </p:nvSpPr>
+        <p:spPr>
+          <a:xfrm>
+            <a:off x="4280413" y="1965081"/>
+            <a:ext cx="3245802" cy="369332"/>
+          </a:xfrm>
+          <a:prstGeom prst="rect">
+            <a:avLst/>
+          </a:prstGeom>
+          <a:noFill/>
+        </p:spPr>
+        <p:txBody>
+          <a:bodyPr wrap="square" rtlCol="0">
+            <a:spAutoFit/>
+          </a:bodyPr>
+          <a:lstStyle/>
+          <a:p>
+            <a:r>
+              <a:rPr lang="en-US" altLang="ko-KR" dirty="0">
+                <a:solidFill>
+                  <a:srgbClr val="0070C0"/>
+                </a:solidFill>
+              </a:rPr>
+              <a:t>Jenkins </a:t>
+            </a:r>
+            <a:r>
+              <a:rPr lang="ko-KR" altLang="en-US" dirty="0">
+                <a:solidFill>
+                  <a:srgbClr val="0070C0"/>
+                </a:solidFill>
+              </a:rPr>
+              <a:t>파이프라인 진행 화면</a:t>
+            </a:r>
+          </a:p>
+        </p:txBody>
+      </p:sp>
+    </p:spTree>
+    <p:extLst>
+      <p:ext uri="{BB962C8B-B14F-4D97-AF65-F5344CB8AC3E}">
+        <p14:creationId xmlns:p14="http://schemas.microsoft.com/office/powerpoint/2010/main" val="1324614293"/>
+      </p:ext>
+    </p:extLst>
+  </p:cSld>
+  <p:clrMapOvr>
+    <a:masterClrMapping/>
+  </p:clrMapOvr>
+</p:sld>
+</file>
+
+<file path=ppt/slides/slide11.xml><?xml version="1.0" encoding="utf-8"?>
+<p:sld xmlns:a="http://schemas.openxmlformats.org/drawingml/2006/main" xmlns:r="http://schemas.openxmlformats.org/officeDocument/2006/relationships" xmlns:p="http://schemas.openxmlformats.org/presentationml/2006/main">
+  <p:cSld>
+    <p:spTree>
+      <p:nvGrpSpPr>
+        <p:cNvPr id="1" name=""/>
+        <p:cNvGrpSpPr/>
+        <p:nvPr/>
+      </p:nvGrpSpPr>
+      <p:grpSpPr>
+        <a:xfrm>
+          <a:off x="0" y="0"/>
+          <a:ext cx="0" cy="0"/>
+          <a:chOff x="0" y="0"/>
+          <a:chExt cx="0" cy="0"/>
+        </a:xfrm>
+      </p:grpSpPr>
+      <p:sp>
+        <p:nvSpPr>
+          <p:cNvPr id="2" name="제목 1">
+            <a:extLst>
+              <a:ext uri="{FF2B5EF4-FFF2-40B4-BE49-F238E27FC236}">
+                <a16:creationId xmlns:a16="http://schemas.microsoft.com/office/drawing/2014/main" id="{A9BDBCF8-810A-9EF2-E7C5-4BF628817D4A}"/>
+              </a:ext>
+            </a:extLst>
+          </p:cNvPr>
+          <p:cNvSpPr>
+            <a:spLocks noGrp="1"/>
+          </p:cNvSpPr>
+          <p:nvPr>
+            <p:ph type="title"/>
+          </p:nvPr>
+        </p:nvSpPr>
+        <p:spPr>
+          <a:xfrm>
             <a:off x="460950" y="517992"/>
             <a:ext cx="8222100" cy="767700"/>
           </a:xfrm>
@@ -7069,7 +7319,7 @@
 </p:sld>
 </file>
 
-<file path=ppt/slides/slide11.xml><?xml version="1.0" encoding="utf-8"?>
+<file path=ppt/slides/slide12.xml><?xml version="1.0" encoding="utf-8"?>
 <p:sld xmlns:a="http://schemas.openxmlformats.org/drawingml/2006/main" xmlns:r="http://schemas.openxmlformats.org/officeDocument/2006/relationships" xmlns:p="http://schemas.openxmlformats.org/presentationml/2006/main">
   <p:cSld>
     <p:spTree>
@@ -7255,7 +7505,7 @@
 </p:sld>
 </file>
 
-<file path=ppt/slides/slide12.xml><?xml version="1.0" encoding="utf-8"?>
+<file path=ppt/slides/slide13.xml><?xml version="1.0" encoding="utf-8"?>
 <p:sld xmlns:a="http://schemas.openxmlformats.org/drawingml/2006/main" xmlns:r="http://schemas.openxmlformats.org/officeDocument/2006/relationships" xmlns:p="http://schemas.openxmlformats.org/presentationml/2006/main">
   <p:cSld>
     <p:spTree>
@@ -7546,7 +7796,7 @@
 </p:sld>
 </file>
 
-<file path=ppt/slides/slide13.xml><?xml version="1.0" encoding="utf-8"?>
+<file path=ppt/slides/slide14.xml><?xml version="1.0" encoding="utf-8"?>
 <p:sld xmlns:a="http://schemas.openxmlformats.org/drawingml/2006/main" xmlns:r="http://schemas.openxmlformats.org/officeDocument/2006/relationships" xmlns:p="http://schemas.openxmlformats.org/presentationml/2006/main">
   <p:cSld>
     <p:spTree>
@@ -7682,12 +7932,66 @@
           </a:prstGeom>
         </p:spPr>
       </p:pic>
+      <p:sp>
+        <p:nvSpPr>
+          <p:cNvPr id="4" name="화살표: 오른쪽 3">
+            <a:extLst>
+              <a:ext uri="{FF2B5EF4-FFF2-40B4-BE49-F238E27FC236}">
+                <a16:creationId xmlns:a16="http://schemas.microsoft.com/office/drawing/2014/main" id="{01ABC1DF-9C70-322A-1ED2-60B9DA2F611F}"/>
+              </a:ext>
+            </a:extLst>
+          </p:cNvPr>
+          <p:cNvSpPr/>
+          <p:nvPr/>
+        </p:nvSpPr>
+        <p:spPr>
+          <a:xfrm rot="11803520">
+            <a:off x="3245822" y="3382496"/>
+            <a:ext cx="1125259" cy="461868"/>
+          </a:xfrm>
+          <a:prstGeom prst="rightArrow">
+            <a:avLst/>
+          </a:prstGeom>
+          <a:solidFill>
+            <a:srgbClr val="FF0000"/>
+          </a:solidFill>
+          <a:ln>
+            <a:solidFill>
+              <a:srgbClr val="FF0000"/>
+            </a:solidFill>
+          </a:ln>
+        </p:spPr>
+        <p:style>
+          <a:lnRef idx="2">
+            <a:schemeClr val="accent1">
+              <a:shade val="15000"/>
+            </a:schemeClr>
+          </a:lnRef>
+          <a:fillRef idx="1">
+            <a:schemeClr val="accent1"/>
+          </a:fillRef>
+          <a:effectRef idx="0">
+            <a:schemeClr val="accent1"/>
+          </a:effectRef>
+          <a:fontRef idx="minor">
+            <a:schemeClr val="lt1"/>
+          </a:fontRef>
+        </p:style>
+        <p:txBody>
+          <a:bodyPr rtlCol="0" anchor="ctr"/>
+          <a:lstStyle/>
+          <a:p>
+            <a:pPr algn="ctr"/>
+            <a:endParaRPr lang="ko-KR" altLang="en-US"/>
+          </a:p>
+        </p:txBody>
+      </p:sp>
       <p:pic>
         <p:nvPicPr>
-          <p:cNvPr id="7" name="그림 6">
+          <p:cNvPr id="14" name="그림 13">
             <a:extLst>
               <a:ext uri="{FF2B5EF4-FFF2-40B4-BE49-F238E27FC236}">
-                <a16:creationId xmlns:a16="http://schemas.microsoft.com/office/drawing/2014/main" id="{5DF833CB-0613-99FB-72ED-59D2AFA85D68}"/>
+                <a16:creationId xmlns:a16="http://schemas.microsoft.com/office/drawing/2014/main" id="{1535EC39-C042-A815-E719-EC066D5B16F5}"/>
               </a:ext>
             </a:extLst>
           </p:cNvPr>
@@ -7704,8 +8008,8 @@
         </p:blipFill>
         <p:spPr>
           <a:xfrm>
-            <a:off x="4718696" y="2752668"/>
-            <a:ext cx="3975304" cy="1847945"/>
+            <a:off x="4572000" y="3535966"/>
+            <a:ext cx="4197038" cy="921490"/>
           </a:xfrm>
           <a:prstGeom prst="rect">
             <a:avLst/>
@@ -7725,7 +8029,7 @@
 </p:sld>
 </file>
 
-<file path=ppt/slides/slide14.xml><?xml version="1.0" encoding="utf-8"?>
+<file path=ppt/slides/slide15.xml><?xml version="1.0" encoding="utf-8"?>
 <p:sld xmlns:a="http://schemas.openxmlformats.org/drawingml/2006/main" xmlns:r="http://schemas.openxmlformats.org/officeDocument/2006/relationships" xmlns:p="http://schemas.openxmlformats.org/presentationml/2006/main">
   <p:cSld>
     <p:spTree>
@@ -7909,190 +8213,6 @@
 </p:sld>
 </file>
 
-<file path=ppt/slides/slide15.xml><?xml version="1.0" encoding="utf-8"?>
-<p:sld xmlns:a="http://schemas.openxmlformats.org/drawingml/2006/main" xmlns:r="http://schemas.openxmlformats.org/officeDocument/2006/relationships" xmlns:p="http://schemas.openxmlformats.org/presentationml/2006/main">
-  <p:cSld>
-    <p:spTree>
-      <p:nvGrpSpPr>
-        <p:cNvPr id="1" name=""/>
-        <p:cNvGrpSpPr/>
-        <p:nvPr/>
-      </p:nvGrpSpPr>
-      <p:grpSpPr>
-        <a:xfrm>
-          <a:off x="0" y="0"/>
-          <a:ext cx="0" cy="0"/>
-          <a:chOff x="0" y="0"/>
-          <a:chExt cx="0" cy="0"/>
-        </a:xfrm>
-      </p:grpSpPr>
-      <p:sp>
-        <p:nvSpPr>
-          <p:cNvPr id="2" name="제목 1">
-            <a:extLst>
-              <a:ext uri="{FF2B5EF4-FFF2-40B4-BE49-F238E27FC236}">
-                <a16:creationId xmlns:a16="http://schemas.microsoft.com/office/drawing/2014/main" id="{4689DFAA-FA40-3F7E-FE04-84C1489C647D}"/>
-              </a:ext>
-            </a:extLst>
-          </p:cNvPr>
-          <p:cNvSpPr>
-            <a:spLocks noGrp="1"/>
-          </p:cNvSpPr>
-          <p:nvPr>
-            <p:ph type="title"/>
-          </p:nvPr>
-        </p:nvSpPr>
-        <p:spPr/>
-        <p:txBody>
-          <a:bodyPr/>
-          <a:lstStyle/>
-          <a:p>
-            <a:r>
-              <a:rPr lang="ko-KR" altLang="en-US" b="1" dirty="0"/>
-              <a:t>보완점</a:t>
-            </a:r>
-          </a:p>
-        </p:txBody>
-      </p:sp>
-      <p:sp>
-        <p:nvSpPr>
-          <p:cNvPr id="3" name="텍스트 개체 틀 2">
-            <a:extLst>
-              <a:ext uri="{FF2B5EF4-FFF2-40B4-BE49-F238E27FC236}">
-                <a16:creationId xmlns:a16="http://schemas.microsoft.com/office/drawing/2014/main" id="{A3FBF26A-E50E-05FF-7801-D1216EA756DE}"/>
-              </a:ext>
-            </a:extLst>
-          </p:cNvPr>
-          <p:cNvSpPr>
-            <a:spLocks noGrp="1"/>
-          </p:cNvSpPr>
-          <p:nvPr>
-            <p:ph type="body" idx="1"/>
-          </p:nvPr>
-        </p:nvSpPr>
-        <p:spPr>
-          <a:xfrm>
-            <a:off x="245537" y="1791291"/>
-            <a:ext cx="8222100" cy="2710200"/>
-          </a:xfrm>
-        </p:spPr>
-        <p:txBody>
-          <a:bodyPr/>
-          <a:lstStyle/>
-          <a:p>
-            <a:r>
-              <a:rPr lang="ko-KR" altLang="en-US" sz="1800" dirty="0">
-                <a:solidFill>
-                  <a:schemeClr val="tx1"/>
-                </a:solidFill>
-              </a:rPr>
-              <a:t>여러 서버의 기능을 한 서버에 집중시킨 점이 과부하를 일으킴</a:t>
-            </a:r>
-            <a:r>
-              <a:rPr lang="en-US" altLang="ko-KR" sz="1800" dirty="0">
-                <a:solidFill>
-                  <a:schemeClr val="tx1"/>
-                </a:solidFill>
-              </a:rPr>
-              <a:t>.</a:t>
-            </a:r>
-          </a:p>
-          <a:p>
-            <a:pPr marL="114300" indent="0">
-              <a:buNone/>
-            </a:pPr>
-            <a:endParaRPr lang="en-US" altLang="ko-KR" sz="1800" dirty="0">
-              <a:solidFill>
-                <a:schemeClr val="tx1"/>
-              </a:solidFill>
-            </a:endParaRPr>
-          </a:p>
-          <a:p>
-            <a:r>
-              <a:rPr lang="ko-KR" altLang="en-US" sz="1800" dirty="0">
-                <a:solidFill>
-                  <a:schemeClr val="tx1"/>
-                </a:solidFill>
-              </a:rPr>
-              <a:t>해당 서비스를 한 서버에 빠른 속도로 구성할 수 있다는 장점이 있지만 과부하의 위험성 때문에 해당 서버의 메모리를 늘려야 했음</a:t>
-            </a:r>
-            <a:r>
-              <a:rPr lang="en-US" altLang="ko-KR" sz="1800" dirty="0">
-                <a:solidFill>
-                  <a:schemeClr val="tx1"/>
-                </a:solidFill>
-              </a:rPr>
-              <a:t>. </a:t>
-            </a:r>
-          </a:p>
-          <a:p>
-            <a:pPr marL="114300" indent="0">
-              <a:buNone/>
-            </a:pPr>
-            <a:endParaRPr lang="en-US" altLang="ko-KR" sz="1800" dirty="0"/>
-          </a:p>
-          <a:p>
-            <a:r>
-              <a:rPr lang="ko-KR" altLang="en-US" sz="1800" dirty="0">
-                <a:solidFill>
-                  <a:schemeClr val="tx1"/>
-                </a:solidFill>
-              </a:rPr>
-              <a:t>일정표의 남은 기간 동안 서버의 과부하를 줄이기 위해 수행 역할별로</a:t>
-            </a:r>
-            <a:endParaRPr lang="en-US" altLang="ko-KR" sz="1800" dirty="0">
-              <a:solidFill>
-                <a:schemeClr val="tx1"/>
-              </a:solidFill>
-            </a:endParaRPr>
-          </a:p>
-          <a:p>
-            <a:pPr marL="114300" indent="0">
-              <a:buNone/>
-            </a:pPr>
-            <a:r>
-              <a:rPr lang="en-US" altLang="ko-KR" sz="1800" dirty="0">
-                <a:solidFill>
-                  <a:schemeClr val="tx1"/>
-                </a:solidFill>
-              </a:rPr>
-              <a:t>    </a:t>
-            </a:r>
-            <a:r>
-              <a:rPr lang="ko-KR" altLang="en-US" sz="1800" dirty="0">
-                <a:solidFill>
-                  <a:schemeClr val="tx1"/>
-                </a:solidFill>
-              </a:rPr>
-              <a:t>  여러 대의 서버를 추가하여 설치 메뉴얼을 보완할 계획</a:t>
-            </a:r>
-            <a:r>
-              <a:rPr lang="en-US" altLang="ko-KR" sz="1800" dirty="0">
-                <a:solidFill>
-                  <a:schemeClr val="tx1"/>
-                </a:solidFill>
-              </a:rPr>
-              <a:t>.</a:t>
-            </a:r>
-          </a:p>
-          <a:p>
-            <a:endParaRPr lang="ko-KR" altLang="en-US" dirty="0"/>
-          </a:p>
-        </p:txBody>
-      </p:sp>
-    </p:spTree>
-    <p:extLst>
-      <p:ext uri="{BB962C8B-B14F-4D97-AF65-F5344CB8AC3E}">
-        <p14:creationId xmlns:p14="http://schemas.microsoft.com/office/powerpoint/2010/main" val="4070003616"/>
-      </p:ext>
-    </p:extLst>
-  </p:cSld>
-  <p:clrMapOvr>
-    <a:masterClrMapping/>
-  </p:clrMapOvr>
-</p:sld>
-</file>
-
 <file path=ppt/slides/slide16.xml><?xml version="1.0" encoding="utf-8"?>
 <p:sld xmlns:a="http://schemas.openxmlformats.org/drawingml/2006/main" xmlns:r="http://schemas.openxmlformats.org/officeDocument/2006/relationships" xmlns:p="http://schemas.openxmlformats.org/presentationml/2006/main">
   <p:cSld>
@@ -8126,6 +8246,242 @@
             <p:ph type="title"/>
           </p:nvPr>
         </p:nvSpPr>
+        <p:spPr/>
+        <p:txBody>
+          <a:bodyPr/>
+          <a:lstStyle/>
+          <a:p>
+            <a:r>
+              <a:rPr lang="ko-KR" altLang="en-US" b="1" dirty="0"/>
+              <a:t>보완점</a:t>
+            </a:r>
+          </a:p>
+        </p:txBody>
+      </p:sp>
+      <p:sp>
+        <p:nvSpPr>
+          <p:cNvPr id="3" name="텍스트 개체 틀 2">
+            <a:extLst>
+              <a:ext uri="{FF2B5EF4-FFF2-40B4-BE49-F238E27FC236}">
+                <a16:creationId xmlns:a16="http://schemas.microsoft.com/office/drawing/2014/main" id="{A3FBF26A-E50E-05FF-7801-D1216EA756DE}"/>
+              </a:ext>
+            </a:extLst>
+          </p:cNvPr>
+          <p:cNvSpPr>
+            <a:spLocks noGrp="1"/>
+          </p:cNvSpPr>
+          <p:nvPr>
+            <p:ph type="body" idx="1"/>
+          </p:nvPr>
+        </p:nvSpPr>
+        <p:spPr>
+          <a:xfrm>
+            <a:off x="276310" y="1795688"/>
+            <a:ext cx="8222100" cy="2710200"/>
+          </a:xfrm>
+        </p:spPr>
+        <p:txBody>
+          <a:bodyPr/>
+          <a:lstStyle/>
+          <a:p>
+            <a:r>
+              <a:rPr lang="ko-KR" altLang="en-US" sz="1800" dirty="0">
+                <a:solidFill>
+                  <a:schemeClr val="tx1"/>
+                </a:solidFill>
+              </a:rPr>
+              <a:t>초기에 여러 서버의 기능을 두 개의 서버에 집중시킨 점이 과부하를 일으킴</a:t>
+            </a:r>
+            <a:r>
+              <a:rPr lang="en-US" altLang="ko-KR" sz="1800" dirty="0">
+                <a:solidFill>
+                  <a:schemeClr val="tx1"/>
+                </a:solidFill>
+              </a:rPr>
+              <a:t>.</a:t>
+            </a:r>
+          </a:p>
+          <a:p>
+            <a:pPr marL="114300" indent="0">
+              <a:buNone/>
+            </a:pPr>
+            <a:endParaRPr lang="en-US" altLang="ko-KR" sz="1800" dirty="0">
+              <a:solidFill>
+                <a:schemeClr val="tx1"/>
+              </a:solidFill>
+            </a:endParaRPr>
+          </a:p>
+          <a:p>
+            <a:r>
+              <a:rPr lang="ko-KR" altLang="en-US" sz="1800" dirty="0">
+                <a:solidFill>
+                  <a:schemeClr val="tx1"/>
+                </a:solidFill>
+              </a:rPr>
+              <a:t>목표 서비스를 한 서버에 빠른 속도로 구성할 수 있다는 장점이 있지만 </a:t>
+            </a:r>
+            <a:endParaRPr lang="en-US" altLang="ko-KR" sz="1800" dirty="0">
+              <a:solidFill>
+                <a:schemeClr val="tx1"/>
+              </a:solidFill>
+            </a:endParaRPr>
+          </a:p>
+          <a:p>
+            <a:pPr marL="114300" indent="0">
+              <a:buNone/>
+            </a:pPr>
+            <a:r>
+              <a:rPr lang="en-US" altLang="ko-KR" sz="1800" dirty="0">
+                <a:solidFill>
+                  <a:schemeClr val="tx1"/>
+                </a:solidFill>
+              </a:rPr>
+              <a:t>     </a:t>
+            </a:r>
+            <a:r>
+              <a:rPr lang="ko-KR" altLang="en-US" sz="1800" dirty="0">
+                <a:solidFill>
+                  <a:schemeClr val="tx1"/>
+                </a:solidFill>
+              </a:rPr>
+              <a:t>과부하의 위험성 때문에 많은 메모리가 필요함</a:t>
+            </a:r>
+            <a:r>
+              <a:rPr lang="en-US" altLang="ko-KR" sz="1800" dirty="0">
+                <a:solidFill>
+                  <a:schemeClr val="tx1"/>
+                </a:solidFill>
+              </a:rPr>
+              <a:t>. </a:t>
+            </a:r>
+          </a:p>
+          <a:p>
+            <a:pPr marL="114300" indent="0">
+              <a:buNone/>
+            </a:pPr>
+            <a:endParaRPr lang="en-US" altLang="ko-KR" sz="1800" dirty="0"/>
+          </a:p>
+          <a:p>
+            <a:r>
+              <a:rPr lang="ko-KR" altLang="en-US" sz="1800" dirty="0">
+                <a:solidFill>
+                  <a:schemeClr val="tx1"/>
+                </a:solidFill>
+              </a:rPr>
+              <a:t>남은 기간 동안 서버의 과부하를 줄이기 위해 작업 역할별로</a:t>
+            </a:r>
+            <a:endParaRPr lang="en-US" altLang="ko-KR" sz="1800" dirty="0">
+              <a:solidFill>
+                <a:schemeClr val="tx1"/>
+              </a:solidFill>
+            </a:endParaRPr>
+          </a:p>
+          <a:p>
+            <a:pPr marL="114300" indent="0">
+              <a:buNone/>
+            </a:pPr>
+            <a:r>
+              <a:rPr lang="en-US" altLang="ko-KR" sz="1800" dirty="0">
+                <a:solidFill>
+                  <a:schemeClr val="tx1"/>
+                </a:solidFill>
+              </a:rPr>
+              <a:t>    </a:t>
+            </a:r>
+            <a:r>
+              <a:rPr lang="ko-KR" altLang="en-US" sz="1800" dirty="0">
+                <a:solidFill>
+                  <a:schemeClr val="tx1"/>
+                </a:solidFill>
+              </a:rPr>
+              <a:t>  </a:t>
+            </a:r>
+            <a:r>
+              <a:rPr lang="en-US" altLang="ko-KR" sz="1800" dirty="0">
+                <a:solidFill>
+                  <a:schemeClr val="tx1"/>
+                </a:solidFill>
+              </a:rPr>
+              <a:t>3</a:t>
+            </a:r>
+            <a:r>
+              <a:rPr lang="ko-KR" altLang="en-US" sz="1800" dirty="0">
+                <a:solidFill>
+                  <a:schemeClr val="tx1"/>
+                </a:solidFill>
+              </a:rPr>
+              <a:t>대의 서버를 더 추가하여 설치 메뉴얼을 보완함</a:t>
+            </a:r>
+            <a:r>
+              <a:rPr lang="en-US" altLang="ko-KR" sz="1800" dirty="0">
+                <a:solidFill>
+                  <a:schemeClr val="tx1"/>
+                </a:solidFill>
+              </a:rPr>
+              <a:t>.</a:t>
+            </a:r>
+          </a:p>
+          <a:p>
+            <a:pPr marL="114300" indent="0">
+              <a:buNone/>
+            </a:pPr>
+            <a:endParaRPr lang="en-US" altLang="ko-KR" sz="1800" dirty="0">
+              <a:solidFill>
+                <a:schemeClr val="tx1"/>
+              </a:solidFill>
+            </a:endParaRPr>
+          </a:p>
+          <a:p>
+            <a:endParaRPr lang="ko-KR" altLang="en-US" dirty="0"/>
+          </a:p>
+        </p:txBody>
+      </p:sp>
+    </p:spTree>
+    <p:extLst>
+      <p:ext uri="{BB962C8B-B14F-4D97-AF65-F5344CB8AC3E}">
+        <p14:creationId xmlns:p14="http://schemas.microsoft.com/office/powerpoint/2010/main" val="4070003616"/>
+      </p:ext>
+    </p:extLst>
+  </p:cSld>
+  <p:clrMapOvr>
+    <a:masterClrMapping/>
+  </p:clrMapOvr>
+</p:sld>
+</file>
+
+<file path=ppt/slides/slide17.xml><?xml version="1.0" encoding="utf-8"?>
+<p:sld xmlns:a="http://schemas.openxmlformats.org/drawingml/2006/main" xmlns:r="http://schemas.openxmlformats.org/officeDocument/2006/relationships" xmlns:p="http://schemas.openxmlformats.org/presentationml/2006/main">
+  <p:cSld>
+    <p:spTree>
+      <p:nvGrpSpPr>
+        <p:cNvPr id="1" name=""/>
+        <p:cNvGrpSpPr/>
+        <p:nvPr/>
+      </p:nvGrpSpPr>
+      <p:grpSpPr>
+        <a:xfrm>
+          <a:off x="0" y="0"/>
+          <a:ext cx="0" cy="0"/>
+          <a:chOff x="0" y="0"/>
+          <a:chExt cx="0" cy="0"/>
+        </a:xfrm>
+      </p:grpSpPr>
+      <p:sp>
+        <p:nvSpPr>
+          <p:cNvPr id="2" name="제목 1">
+            <a:extLst>
+              <a:ext uri="{FF2B5EF4-FFF2-40B4-BE49-F238E27FC236}">
+                <a16:creationId xmlns:a16="http://schemas.microsoft.com/office/drawing/2014/main" id="{4689DFAA-FA40-3F7E-FE04-84C1489C647D}"/>
+              </a:ext>
+            </a:extLst>
+          </p:cNvPr>
+          <p:cNvSpPr>
+            <a:spLocks noGrp="1"/>
+          </p:cNvSpPr>
+          <p:nvPr>
+            <p:ph type="title"/>
+          </p:nvPr>
+        </p:nvSpPr>
         <p:spPr>
           <a:xfrm>
             <a:off x="3522830" y="1965252"/>
@@ -8161,7 +8517,7 @@
 </p:sld>
 </file>
 
-<file path=ppt/slides/slide17.xml><?xml version="1.0" encoding="utf-8"?>
+<file path=ppt/slides/slide18.xml><?xml version="1.0" encoding="utf-8"?>
 <p:sld xmlns:a="http://schemas.openxmlformats.org/drawingml/2006/main" xmlns:r="http://schemas.openxmlformats.org/officeDocument/2006/relationships" xmlns:p="http://schemas.openxmlformats.org/presentationml/2006/main">
   <p:cSld>
     <p:spTree>
@@ -8345,7 +8701,7 @@
         </p:nvSpPr>
         <p:spPr>
           <a:xfrm>
-            <a:off x="398483" y="1665974"/>
+            <a:off x="398483" y="1644471"/>
             <a:ext cx="8222100" cy="2710200"/>
           </a:xfrm>
           <a:prstGeom prst="rect">
@@ -8357,6 +8713,31 @@
             <a:noAutofit/>
           </a:bodyPr>
           <a:lstStyle/>
+          <a:p>
+            <a:pPr marL="457200" lvl="0" indent="-342900" algn="l" rtl="0">
+              <a:spcBef>
+                <a:spcPts val="0"/>
+              </a:spcBef>
+              <a:spcAft>
+                <a:spcPts val="0"/>
+              </a:spcAft>
+              <a:buSzPts val="1800"/>
+              <a:buAutoNum type="arabicPeriod"/>
+            </a:pPr>
+            <a:r>
+              <a:rPr lang="ko-KR" altLang="en-US" sz="1800">
+                <a:solidFill>
+                  <a:schemeClr val="tx1"/>
+                </a:solidFill>
+              </a:rPr>
+              <a:t>프로젝트 수행 계기</a:t>
+            </a:r>
+            <a:endParaRPr lang="en-US" altLang="ko" sz="1800" dirty="0">
+              <a:solidFill>
+                <a:schemeClr val="tx1"/>
+              </a:solidFill>
+            </a:endParaRPr>
+          </a:p>
           <a:p>
             <a:pPr marL="457200" lvl="0" indent="-342900" algn="l" rtl="0">
               <a:spcBef>
@@ -8701,13 +9082,13 @@
           </a:prstGeom>
           <a:solidFill>
             <a:schemeClr val="accent3">
-              <a:lumMod val="60000"/>
-              <a:lumOff val="40000"/>
+              <a:lumMod val="40000"/>
+              <a:lumOff val="60000"/>
             </a:schemeClr>
           </a:solidFill>
           <a:ln>
             <a:solidFill>
-              <a:schemeClr val="accent4">
+              <a:schemeClr val="accent3">
                 <a:lumMod val="60000"/>
                 <a:lumOff val="40000"/>
               </a:schemeClr>
@@ -8816,7 +9197,7 @@
   <p:cSld>
     <p:spTree>
       <p:nvGrpSpPr>
-        <p:cNvPr id="1" name=""/>
+        <p:cNvPr id="1" name="Shape 72"/>
         <p:cNvGrpSpPr/>
         <p:nvPr/>
       </p:nvGrpSpPr>
@@ -8830,10 +9211,48 @@
       </p:grpSpPr>
       <p:sp>
         <p:nvSpPr>
-          <p:cNvPr id="2" name="제목 1">
+          <p:cNvPr id="73" name="Google Shape;73;p14"/>
+          <p:cNvSpPr txBox="1">
+            <a:spLocks noGrp="1"/>
+          </p:cNvSpPr>
+          <p:nvPr>
+            <p:ph type="title"/>
+          </p:nvPr>
+        </p:nvSpPr>
+        <p:spPr>
+          <a:prstGeom prst="rect">
+            <a:avLst/>
+          </a:prstGeom>
+        </p:spPr>
+        <p:txBody>
+          <a:bodyPr spcFirstLastPara="1" wrap="square" lIns="91425" tIns="91425" rIns="91425" bIns="91425" anchor="b" anchorCtr="0">
+            <a:noAutofit/>
+          </a:bodyPr>
+          <a:lstStyle/>
+          <a:p>
+            <a:pPr marL="0" lvl="0" indent="0" algn="l" rtl="0">
+              <a:spcBef>
+                <a:spcPts val="0"/>
+              </a:spcBef>
+              <a:spcAft>
+                <a:spcPts val="0"/>
+              </a:spcAft>
+              <a:buNone/>
+            </a:pPr>
+            <a:r>
+              <a:rPr lang="ko-KR" altLang="en-US" b="1" dirty="0"/>
+              <a:t>프로젝트 수행 계기</a:t>
+            </a:r>
+            <a:endParaRPr b="1" dirty="0"/>
+          </a:p>
+        </p:txBody>
+      </p:sp>
+      <p:sp>
+        <p:nvSpPr>
+          <p:cNvPr id="4" name="텍스트 개체 틀 3">
             <a:extLst>
               <a:ext uri="{FF2B5EF4-FFF2-40B4-BE49-F238E27FC236}">
-                <a16:creationId xmlns:a16="http://schemas.microsoft.com/office/drawing/2014/main" id="{9DAD700F-252B-6246-8B62-23FD0112F39F}"/>
+                <a16:creationId xmlns:a16="http://schemas.microsoft.com/office/drawing/2014/main" id="{C1488D50-7E10-945B-ECE9-7E809B8B4900}"/>
               </a:ext>
             </a:extLst>
           </p:cNvPr>
@@ -8841,70 +9260,34 @@
             <a:spLocks noGrp="1"/>
           </p:cNvSpPr>
           <p:nvPr>
-            <p:ph type="title"/>
-          </p:nvPr>
-        </p:nvSpPr>
-        <p:spPr/>
+            <p:ph type="body" idx="1"/>
+          </p:nvPr>
+        </p:nvSpPr>
+        <p:spPr>
+          <a:xfrm>
+            <a:off x="388373" y="2020187"/>
+            <a:ext cx="8222100" cy="2710200"/>
+          </a:xfrm>
+        </p:spPr>
         <p:txBody>
           <a:bodyPr/>
           <a:lstStyle/>
           <a:p>
             <a:r>
-              <a:rPr lang="ko-KR" altLang="en-US" b="1" dirty="0"/>
-              <a:t>프로젝트 개요</a:t>
-            </a:r>
-          </a:p>
-        </p:txBody>
-      </p:sp>
-      <p:sp>
-        <p:nvSpPr>
-          <p:cNvPr id="3" name="텍스트 개체 틀 2">
-            <a:extLst>
-              <a:ext uri="{FF2B5EF4-FFF2-40B4-BE49-F238E27FC236}">
-                <a16:creationId xmlns:a16="http://schemas.microsoft.com/office/drawing/2014/main" id="{59279C71-4478-9D02-D67F-3E800301038C}"/>
-              </a:ext>
-            </a:extLst>
-          </p:cNvPr>
-          <p:cNvSpPr>
-            <a:spLocks noGrp="1"/>
-          </p:cNvSpPr>
-          <p:nvPr>
-            <p:ph type="body" idx="1"/>
-          </p:nvPr>
-        </p:nvSpPr>
-        <p:spPr>
-          <a:xfrm>
-            <a:off x="353204" y="1776047"/>
-            <a:ext cx="8604367" cy="3020608"/>
-          </a:xfrm>
-        </p:spPr>
-        <p:txBody>
-          <a:bodyPr/>
-          <a:lstStyle/>
-          <a:p>
+              <a:rPr lang="en-US" altLang="ko-KR" sz="1800" dirty="0">
+                <a:solidFill>
+                  <a:schemeClr val="tx1"/>
+                </a:solidFill>
+              </a:rPr>
+              <a:t>CI/CD </a:t>
+            </a:r>
             <a:r>
               <a:rPr lang="ko-KR" altLang="en-US" sz="1800" dirty="0">
                 <a:solidFill>
                   <a:schemeClr val="tx1"/>
                 </a:solidFill>
               </a:rPr>
-              <a:t>프로젝트명 </a:t>
-            </a:r>
-            <a:r>
-              <a:rPr lang="en-US" altLang="ko-KR" sz="1800" dirty="0">
-                <a:solidFill>
-                  <a:schemeClr val="tx1"/>
-                </a:solidFill>
-              </a:rPr>
-              <a:t>: CI/CD STREAM </a:t>
-            </a:r>
-            <a:r>
-              <a:rPr lang="ko-KR" altLang="en-US" sz="1800" dirty="0">
-                <a:solidFill>
-                  <a:schemeClr val="tx1"/>
-                </a:solidFill>
-              </a:rPr>
-              <a:t>프로젝트</a:t>
+              <a:t>파이프라인 전체 과정을 구현</a:t>
             </a:r>
             <a:endParaRPr lang="en-US" altLang="ko-KR" sz="1800" dirty="0">
               <a:solidFill>
@@ -8913,9 +9296,6 @@
             </a:endParaRPr>
           </a:p>
           <a:p>
-            <a:pPr marL="114300" indent="0">
-              <a:buNone/>
-            </a:pPr>
             <a:endParaRPr lang="en-US" altLang="ko-KR" sz="1800" dirty="0">
               <a:solidFill>
                 <a:schemeClr val="tx1"/>
@@ -8929,103 +9309,7 @@
                   <a:schemeClr val="tx1"/>
                 </a:solidFill>
               </a:rPr>
-              <a:t>프로젝트 기간 </a:t>
-            </a:r>
-            <a:r>
-              <a:rPr lang="en-US" altLang="ko-KR" sz="1800" dirty="0">
-                <a:solidFill>
-                  <a:schemeClr val="tx1"/>
-                </a:solidFill>
-              </a:rPr>
-              <a:t>: 2023</a:t>
-            </a:r>
-            <a:r>
-              <a:rPr lang="ko-KR" altLang="en-US" sz="1800" dirty="0">
-                <a:solidFill>
-                  <a:schemeClr val="tx1"/>
-                </a:solidFill>
-              </a:rPr>
-              <a:t>년</a:t>
-            </a:r>
-            <a:r>
-              <a:rPr lang="en-US" altLang="ko-KR" sz="1800" dirty="0">
-                <a:solidFill>
-                  <a:schemeClr val="tx1"/>
-                </a:solidFill>
-              </a:rPr>
-              <a:t> 8</a:t>
-            </a:r>
-            <a:r>
-              <a:rPr lang="ko-KR" altLang="en-US" sz="1800" dirty="0">
-                <a:solidFill>
-                  <a:schemeClr val="tx1"/>
-                </a:solidFill>
-              </a:rPr>
-              <a:t>월 </a:t>
-            </a:r>
-            <a:r>
-              <a:rPr lang="en-US" altLang="ko-KR" sz="1800" dirty="0">
-                <a:solidFill>
-                  <a:schemeClr val="tx1"/>
-                </a:solidFill>
-              </a:rPr>
-              <a:t>15</a:t>
-            </a:r>
-            <a:r>
-              <a:rPr lang="ko-KR" altLang="en-US" sz="1800" dirty="0">
-                <a:solidFill>
-                  <a:schemeClr val="tx1"/>
-                </a:solidFill>
-              </a:rPr>
-              <a:t>일 </a:t>
-            </a:r>
-            <a:r>
-              <a:rPr lang="en-US" altLang="ko-KR" sz="1800" dirty="0">
-                <a:solidFill>
-                  <a:schemeClr val="tx1"/>
-                </a:solidFill>
-              </a:rPr>
-              <a:t>~ 2023</a:t>
-            </a:r>
-            <a:r>
-              <a:rPr lang="ko-KR" altLang="en-US" sz="1800" dirty="0">
-                <a:solidFill>
-                  <a:schemeClr val="tx1"/>
-                </a:solidFill>
-              </a:rPr>
-              <a:t>년 </a:t>
-            </a:r>
-            <a:r>
-              <a:rPr lang="en-US" altLang="ko-KR" sz="1800" dirty="0">
-                <a:solidFill>
-                  <a:schemeClr val="tx1"/>
-                </a:solidFill>
-              </a:rPr>
-              <a:t>8</a:t>
-            </a:r>
-            <a:r>
-              <a:rPr lang="ko-KR" altLang="en-US" sz="1800" dirty="0">
-                <a:solidFill>
-                  <a:schemeClr val="tx1"/>
-                </a:solidFill>
-              </a:rPr>
-              <a:t>월 </a:t>
-            </a:r>
-            <a:r>
-              <a:rPr lang="en-US" altLang="ko-KR" sz="1800" dirty="0">
-                <a:solidFill>
-                  <a:schemeClr val="tx1"/>
-                </a:solidFill>
-              </a:rPr>
-              <a:t>28</a:t>
-            </a:r>
-            <a:r>
-              <a:rPr lang="ko-KR" altLang="en-US" sz="1800" dirty="0">
-                <a:solidFill>
-                  <a:schemeClr val="tx1"/>
-                </a:solidFill>
-              </a:rPr>
-              <a:t>일</a:t>
+              <a:t>개발팀과의 연계성</a:t>
             </a:r>
             <a:endParaRPr lang="en-US" altLang="ko-KR" sz="1800" dirty="0">
               <a:solidFill>
@@ -9034,9 +9318,6 @@
             </a:endParaRPr>
           </a:p>
           <a:p>
-            <a:pPr marL="114300" indent="0">
-              <a:buNone/>
-            </a:pPr>
             <a:endParaRPr lang="en-US" altLang="ko-KR" sz="1800" dirty="0">
               <a:solidFill>
                 <a:schemeClr val="tx1"/>
@@ -9050,174 +9331,57 @@
                   <a:schemeClr val="tx1"/>
                 </a:solidFill>
               </a:rPr>
-              <a:t>프로젝트 주안점 </a:t>
-            </a:r>
-            <a:r>
-              <a:rPr lang="en-US" altLang="ko-KR" sz="1800" dirty="0">
-                <a:solidFill>
-                  <a:schemeClr val="tx1"/>
-                </a:solidFill>
-              </a:rPr>
-              <a:t>: </a:t>
-            </a:r>
-          </a:p>
-          <a:p>
-            <a:pPr marL="114300" indent="0">
-              <a:buNone/>
-            </a:pPr>
-            <a:r>
-              <a:rPr lang="en-US" altLang="ko-KR" sz="1800" dirty="0">
-                <a:solidFill>
-                  <a:schemeClr val="tx1"/>
-                </a:solidFill>
-              </a:rPr>
-              <a:t>       SonarQube</a:t>
-            </a:r>
-            <a:r>
-              <a:rPr lang="ko-KR" altLang="en-US" sz="1800" dirty="0">
-                <a:solidFill>
-                  <a:schemeClr val="tx1"/>
-                </a:solidFill>
-              </a:rPr>
-              <a:t>로 </a:t>
-            </a:r>
-            <a:r>
-              <a:rPr lang="en-US" altLang="ko-KR" sz="1800" dirty="0">
-                <a:solidFill>
-                  <a:schemeClr val="tx1"/>
-                </a:solidFill>
-              </a:rPr>
-              <a:t>Python</a:t>
-            </a:r>
-            <a:r>
-              <a:rPr lang="ko-KR" altLang="en-US" sz="1800" dirty="0">
-                <a:solidFill>
-                  <a:schemeClr val="tx1"/>
-                </a:solidFill>
-              </a:rPr>
-              <a:t> 코드 품질 분석 및 평가 진행</a:t>
-            </a:r>
-            <a:r>
-              <a:rPr lang="en-US" altLang="ko-KR" sz="1800" dirty="0">
-                <a:solidFill>
-                  <a:schemeClr val="tx1"/>
-                </a:solidFill>
-              </a:rPr>
-              <a:t>.</a:t>
-            </a:r>
-          </a:p>
-          <a:p>
-            <a:pPr marL="114300" indent="0">
-              <a:buNone/>
-            </a:pPr>
-            <a:r>
-              <a:rPr lang="en-US" altLang="ko-KR" sz="1800" dirty="0">
-                <a:solidFill>
-                  <a:schemeClr val="tx1"/>
-                </a:solidFill>
-              </a:rPr>
-              <a:t>	   </a:t>
-            </a:r>
-            <a:r>
-              <a:rPr lang="ko-KR" altLang="en-US" sz="1800" dirty="0">
-                <a:solidFill>
-                  <a:schemeClr val="tx1"/>
-                </a:solidFill>
-              </a:rPr>
-              <a:t>이메일과 </a:t>
-            </a:r>
-            <a:r>
-              <a:rPr lang="en-US" altLang="ko-KR" sz="1800" dirty="0">
-                <a:solidFill>
-                  <a:schemeClr val="tx1"/>
-                </a:solidFill>
-              </a:rPr>
-              <a:t>Release</a:t>
-            </a:r>
-            <a:r>
-              <a:rPr lang="ko-KR" altLang="en-US" sz="1800" dirty="0">
-                <a:solidFill>
-                  <a:schemeClr val="tx1"/>
-                </a:solidFill>
-              </a:rPr>
-              <a:t>를 통한 커뮤니케이션 환경 구축</a:t>
-            </a:r>
-            <a:r>
-              <a:rPr lang="en-US" altLang="ko-KR" sz="1800" dirty="0">
-                <a:solidFill>
-                  <a:schemeClr val="tx1"/>
-                </a:solidFill>
-              </a:rPr>
-              <a:t>.</a:t>
-            </a:r>
-          </a:p>
-          <a:p>
-            <a:pPr marL="114300" indent="0">
-              <a:buNone/>
-            </a:pPr>
-            <a:r>
-              <a:rPr lang="en-US" altLang="ko-KR" sz="1800" dirty="0">
-                <a:solidFill>
-                  <a:schemeClr val="tx1"/>
-                </a:solidFill>
-              </a:rPr>
-              <a:t>       </a:t>
-            </a:r>
-            <a:r>
-              <a:rPr lang="ko-KR" altLang="en-US" sz="1800" dirty="0">
-                <a:solidFill>
-                  <a:schemeClr val="tx1"/>
-                </a:solidFill>
-              </a:rPr>
-              <a:t>파이프라인을 이용해 </a:t>
-            </a:r>
-            <a:r>
-              <a:rPr lang="en-US" altLang="ko-KR" sz="1800" dirty="0">
-                <a:solidFill>
-                  <a:schemeClr val="tx1"/>
-                </a:solidFill>
-              </a:rPr>
-              <a:t>Docker Hub</a:t>
-            </a:r>
-            <a:r>
-              <a:rPr lang="ko-KR" altLang="en-US" sz="1800" dirty="0">
-                <a:solidFill>
-                  <a:schemeClr val="tx1"/>
-                </a:solidFill>
-              </a:rPr>
-              <a:t>로 여러 이미지</a:t>
-            </a:r>
-            <a:r>
-              <a:rPr lang="en-US" altLang="ko-KR" sz="1800" dirty="0">
-                <a:solidFill>
-                  <a:schemeClr val="tx1"/>
-                </a:solidFill>
-              </a:rPr>
-              <a:t> </a:t>
-            </a:r>
-            <a:r>
-              <a:rPr lang="ko-KR" altLang="en-US" sz="1800" dirty="0">
-                <a:solidFill>
-                  <a:schemeClr val="tx1"/>
-                </a:solidFill>
-              </a:rPr>
-              <a:t>업로드</a:t>
-            </a:r>
-            <a:r>
-              <a:rPr lang="en-US" altLang="ko-KR" sz="1600" dirty="0">
-                <a:solidFill>
-                  <a:schemeClr val="tx1"/>
-                </a:solidFill>
-              </a:rPr>
-              <a:t>.</a:t>
-            </a:r>
-          </a:p>
-        </p:txBody>
-      </p:sp>
+              <a:t>신속한 피드백 시스템 구성</a:t>
+            </a:r>
+            <a:endParaRPr lang="en-US" altLang="ko-KR" sz="1800" dirty="0">
+              <a:solidFill>
+                <a:schemeClr val="tx1"/>
+              </a:solidFill>
+            </a:endParaRPr>
+          </a:p>
+          <a:p>
+            <a:endParaRPr lang="ko-KR" altLang="en-US" sz="1600" dirty="0">
+              <a:solidFill>
+                <a:schemeClr val="tx1"/>
+              </a:solidFill>
+            </a:endParaRPr>
+          </a:p>
+        </p:txBody>
+      </p:sp>
+      <p:pic>
+        <p:nvPicPr>
+          <p:cNvPr id="3" name="그림 2">
+            <a:extLst>
+              <a:ext uri="{FF2B5EF4-FFF2-40B4-BE49-F238E27FC236}">
+                <a16:creationId xmlns:a16="http://schemas.microsoft.com/office/drawing/2014/main" id="{7905F776-9B0F-F573-E6E4-55F7C04B4857}"/>
+              </a:ext>
+            </a:extLst>
+          </p:cNvPr>
+          <p:cNvPicPr>
+            <a:picLocks noChangeAspect="1"/>
+          </p:cNvPicPr>
+          <p:nvPr/>
+        </p:nvPicPr>
+        <p:blipFill>
+          <a:blip r:embed="rId3"/>
+          <a:stretch>
+            <a:fillRect/>
+          </a:stretch>
+        </p:blipFill>
+        <p:spPr>
+          <a:xfrm>
+            <a:off x="5393227" y="1506425"/>
+            <a:ext cx="2260477" cy="2260477"/>
+          </a:xfrm>
+          <a:prstGeom prst="rect">
+            <a:avLst/>
+          </a:prstGeom>
+        </p:spPr>
+      </p:pic>
     </p:spTree>
     <p:extLst>
       <p:ext uri="{BB962C8B-B14F-4D97-AF65-F5344CB8AC3E}">
-        <p14:creationId xmlns:p14="http://schemas.microsoft.com/office/powerpoint/2010/main" val="2032593575"/>
+        <p14:creationId xmlns:p14="http://schemas.microsoft.com/office/powerpoint/2010/main" val="3844088322"/>
       </p:ext>
     </p:extLst>
   </p:cSld>
@@ -9249,7 +9413,7 @@
           <p:cNvPr id="2" name="제목 1">
             <a:extLst>
               <a:ext uri="{FF2B5EF4-FFF2-40B4-BE49-F238E27FC236}">
-                <a16:creationId xmlns:a16="http://schemas.microsoft.com/office/drawing/2014/main" id="{45001CA4-ACA0-07F0-0D42-0057D9D45265}"/>
+                <a16:creationId xmlns:a16="http://schemas.microsoft.com/office/drawing/2014/main" id="{9DAD700F-252B-6246-8B62-23FD0112F39F}"/>
               </a:ext>
             </a:extLst>
           </p:cNvPr>
@@ -9260,19 +9424,14 @@
             <p:ph type="title"/>
           </p:nvPr>
         </p:nvSpPr>
-        <p:spPr>
-          <a:xfrm>
-            <a:off x="502674" y="650801"/>
-            <a:ext cx="8222100" cy="767700"/>
-          </a:xfrm>
-        </p:spPr>
+        <p:spPr/>
         <p:txBody>
           <a:bodyPr/>
           <a:lstStyle/>
           <a:p>
             <a:r>
               <a:rPr lang="ko-KR" altLang="en-US" b="1" dirty="0"/>
-              <a:t>프로젝트 목표</a:t>
+              <a:t>프로젝트 개요</a:t>
             </a:r>
           </a:p>
         </p:txBody>
@@ -9282,7 +9441,7 @@
           <p:cNvPr id="3" name="텍스트 개체 틀 2">
             <a:extLst>
               <a:ext uri="{FF2B5EF4-FFF2-40B4-BE49-F238E27FC236}">
-                <a16:creationId xmlns:a16="http://schemas.microsoft.com/office/drawing/2014/main" id="{968E094E-C1B1-18CF-B8EE-E70C35BB2A59}"/>
+                <a16:creationId xmlns:a16="http://schemas.microsoft.com/office/drawing/2014/main" id="{59279C71-4478-9D02-D67F-3E800301038C}"/>
               </a:ext>
             </a:extLst>
           </p:cNvPr>
@@ -9295,8 +9454,8 @@
         </p:nvSpPr>
         <p:spPr>
           <a:xfrm>
-            <a:off x="379584" y="1709199"/>
-            <a:ext cx="8222100" cy="2710200"/>
+            <a:off x="353204" y="1776047"/>
+            <a:ext cx="8604367" cy="3020608"/>
           </a:xfrm>
         </p:spPr>
         <p:txBody>
@@ -9304,12 +9463,20 @@
           <a:lstStyle/>
           <a:p>
             <a:r>
+              <a:rPr lang="ko-KR" altLang="en-US" sz="1800" dirty="0">
+                <a:solidFill>
+                  <a:schemeClr val="tx1"/>
+                </a:solidFill>
+              </a:rPr>
+              <a:t>프로젝트명 </a:t>
+            </a:r>
+            <a:r>
               <a:rPr lang="en-US" altLang="ko-KR" sz="1800" dirty="0">
                 <a:solidFill>
                   <a:schemeClr val="tx1"/>
                 </a:solidFill>
               </a:rPr>
-              <a:t>Jenkins flask-CI/CD </a:t>
+              <a:t>: CI/CD STREAM </a:t>
             </a:r>
             <a:r>
               <a:rPr lang="ko-KR" altLang="en-US" sz="1800" dirty="0">
@@ -9317,7 +9484,7 @@
                   <a:schemeClr val="tx1"/>
                 </a:solidFill>
               </a:rPr>
-              <a:t>파이프라인 구축</a:t>
+              <a:t>프로젝트</a:t>
             </a:r>
             <a:endParaRPr lang="en-US" altLang="ko-KR" sz="1800" dirty="0">
               <a:solidFill>
@@ -9337,12 +9504,20 @@
           </a:p>
           <a:p>
             <a:r>
+              <a:rPr lang="ko-KR" altLang="en-US" sz="1800" dirty="0">
+                <a:solidFill>
+                  <a:schemeClr val="tx1"/>
+                </a:solidFill>
+              </a:rPr>
+              <a:t>프로젝트 기간 </a:t>
+            </a:r>
+            <a:r>
               <a:rPr lang="en-US" altLang="ko-KR" sz="1800" dirty="0">
                 <a:solidFill>
                   <a:schemeClr val="tx1"/>
                 </a:solidFill>
               </a:rPr>
-              <a:t>SonarQube</a:t>
+              <a:t>: 2023</a:t>
             </a:r>
             <a:r>
               <a:rPr lang="ko-KR" altLang="en-US" sz="1800" dirty="0">
@@ -9350,29 +9525,87 @@
                   <a:schemeClr val="tx1"/>
                 </a:solidFill>
               </a:rPr>
-              <a:t>를 활용한 코드 분석 서비스 추가</a:t>
-            </a:r>
-            <a:endParaRPr lang="en-US" altLang="ko-KR" sz="1800" dirty="0">
-              <a:solidFill>
-                <a:schemeClr val="tx1"/>
-              </a:solidFill>
-            </a:endParaRPr>
-          </a:p>
-          <a:p>
-            <a:endParaRPr lang="en-US" altLang="ko-KR" sz="1800" dirty="0">
-              <a:solidFill>
-                <a:schemeClr val="tx1"/>
-              </a:solidFill>
-            </a:endParaRPr>
-          </a:p>
-          <a:p>
+              <a:t>년</a:t>
+            </a:r>
+            <a:r>
+              <a:rPr lang="en-US" altLang="ko-KR" sz="1800" dirty="0">
+                <a:solidFill>
+                  <a:schemeClr val="tx1"/>
+                </a:solidFill>
+              </a:rPr>
+              <a:t> 8</a:t>
+            </a:r>
             <a:r>
               <a:rPr lang="ko-KR" altLang="en-US" sz="1800" dirty="0">
                 <a:solidFill>
                   <a:schemeClr val="tx1"/>
                 </a:solidFill>
               </a:rPr>
-              <a:t>자동 이메일 알림 시스템 구축</a:t>
+              <a:t>월 </a:t>
+            </a:r>
+            <a:r>
+              <a:rPr lang="en-US" altLang="ko-KR" sz="1800" dirty="0">
+                <a:solidFill>
+                  <a:schemeClr val="tx1"/>
+                </a:solidFill>
+              </a:rPr>
+              <a:t>15</a:t>
+            </a:r>
+            <a:r>
+              <a:rPr lang="ko-KR" altLang="en-US" sz="1800" dirty="0">
+                <a:solidFill>
+                  <a:schemeClr val="tx1"/>
+                </a:solidFill>
+              </a:rPr>
+              <a:t>일 </a:t>
+            </a:r>
+            <a:r>
+              <a:rPr lang="en-US" altLang="ko-KR" sz="1800" dirty="0">
+                <a:solidFill>
+                  <a:schemeClr val="tx1"/>
+                </a:solidFill>
+              </a:rPr>
+              <a:t>~ 2023</a:t>
+            </a:r>
+            <a:r>
+              <a:rPr lang="ko-KR" altLang="en-US" sz="1800" dirty="0">
+                <a:solidFill>
+                  <a:schemeClr val="tx1"/>
+                </a:solidFill>
+              </a:rPr>
+              <a:t>년 </a:t>
+            </a:r>
+            <a:r>
+              <a:rPr lang="en-US" altLang="ko-KR" sz="1800" dirty="0">
+                <a:solidFill>
+                  <a:schemeClr val="tx1"/>
+                </a:solidFill>
+              </a:rPr>
+              <a:t>8</a:t>
+            </a:r>
+            <a:r>
+              <a:rPr lang="ko-KR" altLang="en-US" sz="1800" dirty="0">
+                <a:solidFill>
+                  <a:schemeClr val="tx1"/>
+                </a:solidFill>
+              </a:rPr>
+              <a:t>월 </a:t>
+            </a:r>
+            <a:r>
+              <a:rPr lang="en-US" altLang="ko-KR" sz="1800" dirty="0">
+                <a:solidFill>
+                  <a:schemeClr val="tx1"/>
+                </a:solidFill>
+              </a:rPr>
+              <a:t>28</a:t>
+            </a:r>
+            <a:r>
+              <a:rPr lang="ko-KR" altLang="en-US" sz="1800" dirty="0">
+                <a:solidFill>
+                  <a:schemeClr val="tx1"/>
+                </a:solidFill>
+              </a:rPr>
+              <a:t>일</a:t>
             </a:r>
             <a:endParaRPr lang="en-US" altLang="ko-KR" sz="1800" dirty="0">
               <a:solidFill>
@@ -9397,7 +9630,7 @@
                   <a:schemeClr val="tx1"/>
                 </a:solidFill>
               </a:rPr>
-              <a:t>검증 받은 코드를 </a:t>
+              <a:t>프로젝트 주안점 </a:t>
             </a:r>
             <a:r>
               <a:rPr lang="en-US" altLang="ko-KR" sz="1800" dirty="0">
@@ -9405,7 +9638,20 @@
                   <a:schemeClr val="tx1"/>
                 </a:solidFill>
               </a:rPr>
-              <a:t>Release </a:t>
+              <a:t>: </a:t>
+            </a:r>
+          </a:p>
+          <a:p>
+            <a:pPr marL="114300" indent="0">
+              <a:buNone/>
+            </a:pPr>
+            <a:r>
+              <a:rPr lang="en-US" altLang="ko-KR" sz="1800" dirty="0">
+                <a:solidFill>
+                  <a:schemeClr val="tx1"/>
+                </a:solidFill>
+              </a:rPr>
+              <a:t>       SonarQube</a:t>
             </a:r>
             <a:r>
               <a:rPr lang="ko-KR" altLang="en-US" sz="1800" dirty="0">
@@ -9413,37 +9659,145 @@
                   <a:schemeClr val="tx1"/>
                 </a:solidFill>
               </a:rPr>
-              <a:t>형태로 배포</a:t>
-            </a:r>
-            <a:endParaRPr lang="en-US" altLang="ko-KR" sz="1800" dirty="0">
-              <a:solidFill>
-                <a:schemeClr val="tx1"/>
-              </a:solidFill>
-            </a:endParaRPr>
-          </a:p>
-          <a:p>
-            <a:endParaRPr lang="en-US" altLang="ko-KR" sz="1800" dirty="0">
-              <a:solidFill>
-                <a:schemeClr val="tx1"/>
-              </a:solidFill>
-            </a:endParaRPr>
+              <a:t>로 </a:t>
+            </a:r>
+            <a:r>
+              <a:rPr lang="en-US" altLang="ko-KR" sz="1800" dirty="0">
+                <a:solidFill>
+                  <a:schemeClr val="tx1"/>
+                </a:solidFill>
+              </a:rPr>
+              <a:t>Python</a:t>
+            </a:r>
+            <a:r>
+              <a:rPr lang="ko-KR" altLang="en-US" sz="1800" dirty="0">
+                <a:solidFill>
+                  <a:schemeClr val="tx1"/>
+                </a:solidFill>
+              </a:rPr>
+              <a:t> 코드 품질 분석 및 평가 진행</a:t>
+            </a:r>
+            <a:r>
+              <a:rPr lang="en-US" altLang="ko-KR" sz="1800" dirty="0">
+                <a:solidFill>
+                  <a:schemeClr val="tx1"/>
+                </a:solidFill>
+              </a:rPr>
+              <a:t>.</a:t>
+            </a:r>
           </a:p>
           <a:p>
             <a:pPr marL="114300" indent="0">
               <a:buNone/>
             </a:pPr>
-            <a:endParaRPr lang="en-US" altLang="ko-KR" dirty="0">
-              <a:solidFill>
-                <a:schemeClr val="tx1"/>
-              </a:solidFill>
-            </a:endParaRPr>
+            <a:r>
+              <a:rPr lang="en-US" altLang="ko-KR" sz="1800" dirty="0">
+                <a:solidFill>
+                  <a:schemeClr val="tx1"/>
+                </a:solidFill>
+              </a:rPr>
+              <a:t>	   </a:t>
+            </a:r>
+            <a:r>
+              <a:rPr lang="ko-KR" altLang="en-US" sz="1800" dirty="0">
+                <a:solidFill>
+                  <a:schemeClr val="tx1"/>
+                </a:solidFill>
+              </a:rPr>
+              <a:t>이메일과 </a:t>
+            </a:r>
+            <a:r>
+              <a:rPr lang="en-US" altLang="ko-KR" sz="1800" dirty="0">
+                <a:solidFill>
+                  <a:schemeClr val="tx1"/>
+                </a:solidFill>
+              </a:rPr>
+              <a:t>Release</a:t>
+            </a:r>
+            <a:r>
+              <a:rPr lang="ko-KR" altLang="en-US" sz="1800" dirty="0">
+                <a:solidFill>
+                  <a:schemeClr val="tx1"/>
+                </a:solidFill>
+              </a:rPr>
+              <a:t>를 통한 커뮤니케이션 환경 구축</a:t>
+            </a:r>
+            <a:r>
+              <a:rPr lang="en-US" altLang="ko-KR" sz="1800" dirty="0">
+                <a:solidFill>
+                  <a:schemeClr val="tx1"/>
+                </a:solidFill>
+              </a:rPr>
+              <a:t>.</a:t>
+            </a:r>
+          </a:p>
+          <a:p>
+            <a:pPr marL="114300" indent="0">
+              <a:buNone/>
+            </a:pPr>
+            <a:r>
+              <a:rPr lang="en-US" altLang="ko-KR" sz="1800" dirty="0">
+                <a:solidFill>
+                  <a:schemeClr val="tx1"/>
+                </a:solidFill>
+              </a:rPr>
+              <a:t>       </a:t>
+            </a:r>
+            <a:r>
+              <a:rPr lang="ko-KR" altLang="en-US" sz="1800" dirty="0">
+                <a:solidFill>
+                  <a:schemeClr val="tx1"/>
+                </a:solidFill>
+              </a:rPr>
+              <a:t>파이프라인을 이용해 </a:t>
+            </a:r>
+            <a:r>
+              <a:rPr lang="en-US" altLang="ko-KR" sz="1800" dirty="0">
+                <a:solidFill>
+                  <a:schemeClr val="tx1"/>
+                </a:solidFill>
+              </a:rPr>
+              <a:t>Docker Hub</a:t>
+            </a:r>
+            <a:r>
+              <a:rPr lang="ko-KR" altLang="en-US" sz="1800" dirty="0">
+                <a:solidFill>
+                  <a:schemeClr val="tx1"/>
+                </a:solidFill>
+              </a:rPr>
+              <a:t>로 이미지</a:t>
+            </a:r>
+            <a:r>
+              <a:rPr lang="en-US" altLang="ko-KR" sz="1800" dirty="0">
+                <a:solidFill>
+                  <a:schemeClr val="tx1"/>
+                </a:solidFill>
+              </a:rPr>
+              <a:t> </a:t>
+            </a:r>
+            <a:r>
+              <a:rPr lang="ko-KR" altLang="en-US" sz="1800" dirty="0">
+                <a:solidFill>
+                  <a:schemeClr val="tx1"/>
+                </a:solidFill>
+              </a:rPr>
+              <a:t>업로드</a:t>
+            </a:r>
+            <a:r>
+              <a:rPr lang="en-US" altLang="ko-KR" sz="1600" dirty="0">
+                <a:solidFill>
+                  <a:schemeClr val="tx1"/>
+                </a:solidFill>
+              </a:rPr>
+              <a:t>.</a:t>
+            </a:r>
           </a:p>
         </p:txBody>
       </p:sp>
     </p:spTree>
     <p:extLst>
       <p:ext uri="{BB962C8B-B14F-4D97-AF65-F5344CB8AC3E}">
-        <p14:creationId xmlns:p14="http://schemas.microsoft.com/office/powerpoint/2010/main" val="2714636715"/>
+        <p14:creationId xmlns:p14="http://schemas.microsoft.com/office/powerpoint/2010/main" val="2032593575"/>
       </p:ext>
     </p:extLst>
   </p:cSld>
@@ -9488,7 +9842,7 @@
         </p:nvSpPr>
         <p:spPr>
           <a:xfrm>
-            <a:off x="507070" y="510124"/>
+            <a:off x="502674" y="650801"/>
             <a:ext cx="8222100" cy="767700"/>
           </a:xfrm>
         </p:spPr>
@@ -9498,15 +9852,7 @@
           <a:p>
             <a:r>
               <a:rPr lang="ko-KR" altLang="en-US" b="1" dirty="0"/>
-              <a:t>프로젝트 수행 </a:t>
-            </a:r>
-            <a:r>
-              <a:rPr lang="en-US" altLang="ko-KR" b="1" dirty="0"/>
-              <a:t>– </a:t>
-            </a:r>
-            <a:r>
-              <a:rPr lang="ko-KR" altLang="en-US" sz="2000" dirty="0"/>
-              <a:t>수행 계획</a:t>
+              <a:t>프로젝트 목표</a:t>
             </a:r>
           </a:p>
         </p:txBody>
@@ -9529,8 +9875,8 @@
         </p:nvSpPr>
         <p:spPr>
           <a:xfrm>
-            <a:off x="410356" y="1779538"/>
-            <a:ext cx="8222100" cy="2366035"/>
+            <a:off x="375188" y="1782499"/>
+            <a:ext cx="8222100" cy="2710200"/>
           </a:xfrm>
         </p:spPr>
         <p:txBody>
@@ -9538,95 +9884,21 @@
           <a:lstStyle/>
           <a:p>
             <a:r>
+              <a:rPr lang="en-US" altLang="ko-KR" sz="1800" dirty="0">
+                <a:solidFill>
+                  <a:schemeClr val="tx1"/>
+                </a:solidFill>
+              </a:rPr>
+              <a:t>Jenkins flask-CI/CD </a:t>
+            </a:r>
+            <a:r>
               <a:rPr lang="ko-KR" altLang="en-US" sz="1800" dirty="0">
                 <a:solidFill>
                   <a:schemeClr val="tx1"/>
                 </a:solidFill>
               </a:rPr>
-              <a:t>서버 구성 </a:t>
-            </a:r>
-            <a:r>
-              <a:rPr lang="en-US" altLang="ko-KR" sz="1800" dirty="0">
-                <a:solidFill>
-                  <a:schemeClr val="tx1"/>
-                </a:solidFill>
-              </a:rPr>
-              <a:t>: NFS </a:t>
-            </a:r>
-            <a:r>
-              <a:rPr lang="ko-KR" altLang="en-US" sz="1800" dirty="0">
-                <a:solidFill>
-                  <a:schemeClr val="tx1"/>
-                </a:solidFill>
-              </a:rPr>
-              <a:t>서버</a:t>
-            </a:r>
-            <a:r>
-              <a:rPr lang="en-US" altLang="ko-KR" sz="1800" dirty="0">
-                <a:solidFill>
-                  <a:schemeClr val="tx1"/>
-                </a:solidFill>
-              </a:rPr>
-              <a:t>, Jenkins </a:t>
-            </a:r>
-            <a:r>
-              <a:rPr lang="ko-KR" altLang="en-US" sz="1800" dirty="0">
-                <a:solidFill>
-                  <a:schemeClr val="tx1"/>
-                </a:solidFill>
-              </a:rPr>
-              <a:t>서버</a:t>
-            </a:r>
-            <a:r>
-              <a:rPr lang="en-US" altLang="ko-KR" sz="1800" dirty="0">
-                <a:solidFill>
-                  <a:schemeClr val="tx1"/>
-                </a:solidFill>
-              </a:rPr>
-              <a:t>(</a:t>
-            </a:r>
-            <a:r>
-              <a:rPr lang="en-US" altLang="ko-KR" sz="1800" dirty="0" err="1">
-                <a:solidFill>
-                  <a:schemeClr val="tx1"/>
-                </a:solidFill>
-              </a:rPr>
-              <a:t>Ngrok</a:t>
-            </a:r>
-            <a:r>
-              <a:rPr lang="ko-KR" altLang="en-US" sz="1800" dirty="0">
-                <a:solidFill>
-                  <a:schemeClr val="tx1"/>
-                </a:solidFill>
-              </a:rPr>
-              <a:t>와 </a:t>
-            </a:r>
-            <a:r>
-              <a:rPr lang="en-US" altLang="ko-KR" sz="1800" dirty="0">
-                <a:solidFill>
-                  <a:schemeClr val="tx1"/>
-                </a:solidFill>
-              </a:rPr>
-              <a:t>SonarQube </a:t>
-            </a:r>
-            <a:r>
-              <a:rPr lang="ko-KR" altLang="en-US" sz="1800" dirty="0">
-                <a:solidFill>
-                  <a:schemeClr val="tx1"/>
-                </a:solidFill>
-              </a:rPr>
-              <a:t>기능 포함</a:t>
-            </a:r>
-            <a:r>
-              <a:rPr lang="en-US" altLang="ko-KR" sz="1800" dirty="0">
-                <a:solidFill>
-                  <a:schemeClr val="tx1"/>
-                </a:solidFill>
-              </a:rPr>
-              <a:t>)</a:t>
-            </a:r>
-          </a:p>
-          <a:p>
+              <a:t>파이프라인 구축</a:t>
+            </a:r>
             <a:endParaRPr lang="en-US" altLang="ko-KR" sz="1800" dirty="0">
               <a:solidFill>
                 <a:schemeClr val="tx1"/>
@@ -9634,24 +9906,9 @@
             </a:endParaRPr>
           </a:p>
           <a:p>
-            <a:r>
-              <a:rPr lang="ko-KR" altLang="en-US" sz="1800" dirty="0">
-                <a:solidFill>
-                  <a:schemeClr val="tx1"/>
-                </a:solidFill>
-              </a:rPr>
-              <a:t>설치 환경 </a:t>
-            </a:r>
-            <a:r>
-              <a:rPr lang="en-US" altLang="ko-KR" sz="1800" dirty="0">
-                <a:solidFill>
-                  <a:schemeClr val="tx1"/>
-                </a:solidFill>
-              </a:rPr>
-              <a:t>: Ubuntu 20.04, Java 17</a:t>
-            </a:r>
-          </a:p>
-          <a:p>
+            <a:pPr marL="114300" indent="0">
+              <a:buNone/>
+            </a:pPr>
             <a:endParaRPr lang="en-US" altLang="ko-KR" sz="1800" dirty="0">
               <a:solidFill>
                 <a:schemeClr val="tx1"/>
@@ -9660,111 +9917,21 @@
           </a:p>
           <a:p>
             <a:r>
+              <a:rPr lang="en-US" altLang="ko-KR" sz="1800" dirty="0">
+                <a:solidFill>
+                  <a:schemeClr val="tx1"/>
+                </a:solidFill>
+              </a:rPr>
+              <a:t>SonarQube</a:t>
+            </a:r>
+            <a:r>
               <a:rPr lang="ko-KR" altLang="en-US" sz="1800" dirty="0">
                 <a:solidFill>
                   <a:schemeClr val="tx1"/>
                 </a:solidFill>
               </a:rPr>
-              <a:t>작업 위치 </a:t>
-            </a:r>
-            <a:r>
-              <a:rPr lang="en-US" altLang="ko-KR" sz="1800" dirty="0">
-                <a:solidFill>
-                  <a:schemeClr val="tx1"/>
-                </a:solidFill>
-              </a:rPr>
-              <a:t>: </a:t>
-            </a:r>
-            <a:r>
-              <a:rPr lang="en-US" altLang="ko-KR" sz="1800" dirty="0" err="1">
-                <a:solidFill>
-                  <a:schemeClr val="tx1"/>
-                </a:solidFill>
-              </a:rPr>
-              <a:t>Github</a:t>
-            </a:r>
-            <a:r>
-              <a:rPr lang="en-US" altLang="ko-KR" sz="1800" dirty="0">
-                <a:solidFill>
-                  <a:schemeClr val="tx1"/>
-                </a:solidFill>
-              </a:rPr>
-              <a:t> flask-</a:t>
-            </a:r>
-            <a:r>
-              <a:rPr lang="en-US" altLang="ko-KR" sz="1800" dirty="0" err="1">
-                <a:solidFill>
-                  <a:schemeClr val="tx1"/>
-                </a:solidFill>
-              </a:rPr>
-              <a:t>cicd</a:t>
-            </a:r>
-            <a:r>
-              <a:rPr lang="en-US" altLang="ko-KR" sz="1800" dirty="0">
-                <a:solidFill>
-                  <a:schemeClr val="tx1"/>
-                </a:solidFill>
-              </a:rPr>
-              <a:t> </a:t>
-            </a:r>
-            <a:r>
-              <a:rPr lang="ko-KR" altLang="en-US" sz="1800" dirty="0" err="1">
-                <a:solidFill>
-                  <a:schemeClr val="tx1"/>
-                </a:solidFill>
-              </a:rPr>
-              <a:t>리포지토리</a:t>
-            </a:r>
-            <a:r>
-              <a:rPr lang="ko-KR" altLang="en-US" sz="1800" dirty="0">
-                <a:solidFill>
-                  <a:schemeClr val="tx1"/>
-                </a:solidFill>
-              </a:rPr>
-              <a:t> </a:t>
-            </a:r>
-            <a:r>
-              <a:rPr lang="en-US" altLang="ko-KR" sz="1800" dirty="0">
-                <a:solidFill>
-                  <a:schemeClr val="tx1"/>
-                </a:solidFill>
-              </a:rPr>
-              <a:t>– Pipeline </a:t>
-            </a:r>
-            <a:r>
-              <a:rPr lang="ko-KR" altLang="en-US" sz="1800" dirty="0">
-                <a:solidFill>
-                  <a:schemeClr val="tx1"/>
-                </a:solidFill>
-              </a:rPr>
-              <a:t>코드</a:t>
-            </a:r>
-            <a:r>
-              <a:rPr lang="en-US" altLang="ko-KR" sz="1800" dirty="0">
-                <a:solidFill>
-                  <a:schemeClr val="tx1"/>
-                </a:solidFill>
-              </a:rPr>
-              <a:t> </a:t>
-            </a:r>
-            <a:r>
-              <a:rPr lang="ko-KR" altLang="en-US" sz="1800" dirty="0">
-                <a:solidFill>
-                  <a:schemeClr val="tx1"/>
-                </a:solidFill>
-              </a:rPr>
-              <a:t>구현</a:t>
-            </a:r>
-            <a:r>
-              <a:rPr lang="en-US" altLang="ko-KR" sz="1800" dirty="0">
-                <a:solidFill>
-                  <a:schemeClr val="tx1"/>
-                </a:solidFill>
-              </a:rPr>
-              <a:t>    </a:t>
-            </a:r>
-          </a:p>
-          <a:p>
+              <a:t>를 활용한 코드 분석 서비스 추가</a:t>
+            </a:r>
             <a:endParaRPr lang="en-US" altLang="ko-KR" sz="1800" dirty="0">
               <a:solidFill>
                 <a:schemeClr val="tx1"/>
@@ -9772,24 +9939,6 @@
             </a:endParaRPr>
           </a:p>
           <a:p>
-            <a:r>
-              <a:rPr lang="ko-KR" altLang="en-US" sz="1800" dirty="0">
-                <a:solidFill>
-                  <a:schemeClr val="tx1"/>
-                </a:solidFill>
-              </a:rPr>
-              <a:t>사용 언어 </a:t>
-            </a:r>
-            <a:r>
-              <a:rPr lang="en-US" altLang="ko-KR" sz="1800" dirty="0">
-                <a:solidFill>
-                  <a:schemeClr val="tx1"/>
-                </a:solidFill>
-              </a:rPr>
-              <a:t>: Groovy, Python</a:t>
-            </a:r>
-          </a:p>
-          <a:p>
             <a:endParaRPr lang="en-US" altLang="ko-KR" sz="1800" dirty="0">
               <a:solidFill>
                 <a:schemeClr val="tx1"/>
@@ -9797,6 +9946,14 @@
             </a:endParaRPr>
           </a:p>
           <a:p>
+            <a:r>
+              <a:rPr lang="ko-KR" altLang="en-US" sz="1800" dirty="0">
+                <a:solidFill>
+                  <a:schemeClr val="tx1"/>
+                </a:solidFill>
+              </a:rPr>
+              <a:t>자동 이메일 알림 시스템 구축</a:t>
+            </a:r>
             <a:endParaRPr lang="en-US" altLang="ko-KR" sz="1800" dirty="0">
               <a:solidFill>
                 <a:schemeClr val="tx1"/>
@@ -9804,28 +9961,48 @@
             </a:endParaRPr>
           </a:p>
           <a:p>
-            <a:endParaRPr lang="en-US" altLang="ko-KR" dirty="0">
+            <a:pPr marL="114300" indent="0">
+              <a:buNone/>
+            </a:pPr>
+            <a:endParaRPr lang="en-US" altLang="ko-KR" sz="1800" dirty="0">
               <a:solidFill>
                 <a:schemeClr val="tx1"/>
               </a:solidFill>
             </a:endParaRPr>
           </a:p>
           <a:p>
-            <a:endParaRPr lang="en-US" altLang="ko-KR" dirty="0">
+            <a:r>
+              <a:rPr lang="ko-KR" altLang="en-US" sz="1800" dirty="0">
+                <a:solidFill>
+                  <a:schemeClr val="tx1"/>
+                </a:solidFill>
+              </a:rPr>
+              <a:t>검증 받은 코드를 압축 파일 형태로 </a:t>
+            </a:r>
+            <a:r>
+              <a:rPr lang="en-US" altLang="ko-KR" sz="1800" dirty="0">
+                <a:solidFill>
+                  <a:schemeClr val="tx1"/>
+                </a:solidFill>
+              </a:rPr>
+              <a:t>Release </a:t>
+            </a:r>
+            <a:r>
+              <a:rPr lang="ko-KR" altLang="en-US" sz="1800" dirty="0">
+                <a:solidFill>
+                  <a:schemeClr val="tx1"/>
+                </a:solidFill>
+              </a:rPr>
+              <a:t>배포</a:t>
+            </a:r>
+            <a:endParaRPr lang="en-US" altLang="ko-KR" sz="1800" dirty="0">
               <a:solidFill>
                 <a:schemeClr val="tx1"/>
               </a:solidFill>
             </a:endParaRPr>
           </a:p>
           <a:p>
-            <a:endParaRPr lang="en-US" altLang="ko-KR" dirty="0">
-              <a:solidFill>
-                <a:schemeClr val="tx1"/>
-              </a:solidFill>
-            </a:endParaRPr>
-          </a:p>
-          <a:p>
-            <a:endParaRPr lang="en-US" altLang="ko-KR" dirty="0">
+            <a:endParaRPr lang="en-US" altLang="ko-KR" sz="1800" dirty="0">
               <a:solidFill>
                 <a:schemeClr val="tx1"/>
               </a:solidFill>
@@ -9846,7 +10023,7 @@
     </p:spTree>
     <p:extLst>
       <p:ext uri="{BB962C8B-B14F-4D97-AF65-F5344CB8AC3E}">
-        <p14:creationId xmlns:p14="http://schemas.microsoft.com/office/powerpoint/2010/main" val="2888895356"/>
+        <p14:creationId xmlns:p14="http://schemas.microsoft.com/office/powerpoint/2010/main" val="2714636715"/>
       </p:ext>
     </p:extLst>
   </p:cSld>
@@ -9878,7 +10055,7 @@
           <p:cNvPr id="2" name="제목 1">
             <a:extLst>
               <a:ext uri="{FF2B5EF4-FFF2-40B4-BE49-F238E27FC236}">
-                <a16:creationId xmlns:a16="http://schemas.microsoft.com/office/drawing/2014/main" id="{46EF2929-9B0A-68FC-9471-EF98ABF2EB7F}"/>
+                <a16:creationId xmlns:a16="http://schemas.microsoft.com/office/drawing/2014/main" id="{45001CA4-ACA0-07F0-0D42-0057D9D45265}"/>
               </a:ext>
             </a:extLst>
           </p:cNvPr>
@@ -9891,7 +10068,7 @@
         </p:nvSpPr>
         <p:spPr>
           <a:xfrm>
-            <a:off x="536331" y="631729"/>
+            <a:off x="507070" y="510124"/>
             <a:ext cx="8222100" cy="767700"/>
           </a:xfrm>
         </p:spPr>
@@ -9904,50 +10081,402 @@
               <a:t>프로젝트 수행 </a:t>
             </a:r>
             <a:r>
-              <a:rPr lang="en-US" altLang="ko-KR" dirty="0"/>
+              <a:rPr lang="en-US" altLang="ko-KR" b="1" dirty="0"/>
               <a:t>– </a:t>
             </a:r>
             <a:r>
               <a:rPr lang="ko-KR" altLang="en-US" sz="2000" dirty="0"/>
-              <a:t>수행 일정</a:t>
-            </a:r>
-          </a:p>
-        </p:txBody>
-      </p:sp>
-      <p:pic>
-        <p:nvPicPr>
-          <p:cNvPr id="4" name="그림 3">
+              <a:t>수행 계획</a:t>
+            </a:r>
+          </a:p>
+        </p:txBody>
+      </p:sp>
+      <p:sp>
+        <p:nvSpPr>
+          <p:cNvPr id="3" name="텍스트 개체 틀 2">
             <a:extLst>
               <a:ext uri="{FF2B5EF4-FFF2-40B4-BE49-F238E27FC236}">
-                <a16:creationId xmlns:a16="http://schemas.microsoft.com/office/drawing/2014/main" id="{5D2DD6CC-CA63-4E46-F070-EB0EF03936AD}"/>
+                <a16:creationId xmlns:a16="http://schemas.microsoft.com/office/drawing/2014/main" id="{968E094E-C1B1-18CF-B8EE-E70C35BB2A59}"/>
               </a:ext>
             </a:extLst>
           </p:cNvPr>
-          <p:cNvPicPr>
-            <a:picLocks noChangeAspect="1"/>
-          </p:cNvPicPr>
-          <p:nvPr/>
-        </p:nvPicPr>
-        <p:blipFill>
-          <a:blip r:embed="rId2"/>
-          <a:stretch>
-            <a:fillRect/>
-          </a:stretch>
-        </p:blipFill>
+          <p:cNvSpPr>
+            <a:spLocks noGrp="1"/>
+          </p:cNvSpPr>
+          <p:nvPr>
+            <p:ph type="body" idx="1"/>
+          </p:nvPr>
+        </p:nvSpPr>
         <p:spPr>
           <a:xfrm>
-            <a:off x="536331" y="1960685"/>
-            <a:ext cx="8171382" cy="2020780"/>
+            <a:off x="383979" y="1727689"/>
+            <a:ext cx="8795190" cy="2655277"/>
           </a:xfrm>
-          <a:prstGeom prst="rect">
-            <a:avLst/>
-          </a:prstGeom>
         </p:spPr>
-      </p:pic>
+        <p:txBody>
+          <a:bodyPr/>
+          <a:lstStyle/>
+          <a:p>
+            <a:r>
+              <a:rPr lang="ko-KR" altLang="en-US" sz="1800" dirty="0">
+                <a:solidFill>
+                  <a:schemeClr val="tx1"/>
+                </a:solidFill>
+              </a:rPr>
+              <a:t>서버 구성 </a:t>
+            </a:r>
+            <a:r>
+              <a:rPr lang="en-US" altLang="ko-KR" sz="1800" dirty="0">
+                <a:solidFill>
+                  <a:schemeClr val="tx1"/>
+                </a:solidFill>
+              </a:rPr>
+              <a:t>: NFS </a:t>
+            </a:r>
+            <a:r>
+              <a:rPr lang="ko-KR" altLang="en-US" sz="1800" dirty="0">
+                <a:solidFill>
+                  <a:schemeClr val="tx1"/>
+                </a:solidFill>
+              </a:rPr>
+              <a:t>서버</a:t>
+            </a:r>
+            <a:r>
+              <a:rPr lang="en-US" altLang="ko-KR" sz="1800" dirty="0">
+                <a:solidFill>
+                  <a:schemeClr val="tx1"/>
+                </a:solidFill>
+              </a:rPr>
+              <a:t>, Jenkins </a:t>
+            </a:r>
+            <a:r>
+              <a:rPr lang="ko-KR" altLang="en-US" sz="1800" dirty="0">
+                <a:solidFill>
+                  <a:schemeClr val="tx1"/>
+                </a:solidFill>
+              </a:rPr>
+              <a:t>서버</a:t>
+            </a:r>
+            <a:r>
+              <a:rPr lang="en-US" altLang="ko-KR" sz="1800" dirty="0">
+                <a:solidFill>
+                  <a:schemeClr val="tx1"/>
+                </a:solidFill>
+              </a:rPr>
+              <a:t>, Docker-registry </a:t>
+            </a:r>
+            <a:r>
+              <a:rPr lang="ko-KR" altLang="en-US" sz="1800" dirty="0">
+                <a:solidFill>
+                  <a:schemeClr val="tx1"/>
+                </a:solidFill>
+              </a:rPr>
+              <a:t>서버</a:t>
+            </a:r>
+            <a:r>
+              <a:rPr lang="en-US" altLang="ko-KR" sz="1800" dirty="0">
+                <a:solidFill>
+                  <a:schemeClr val="tx1"/>
+                </a:solidFill>
+              </a:rPr>
+              <a:t>, </a:t>
+            </a:r>
+            <a:r>
+              <a:rPr lang="en-US" altLang="ko-KR" sz="1800" dirty="0" err="1">
+                <a:solidFill>
+                  <a:schemeClr val="tx1"/>
+                </a:solidFill>
+              </a:rPr>
+              <a:t>Ngrok</a:t>
+            </a:r>
+            <a:r>
+              <a:rPr lang="en-US" altLang="ko-KR" sz="1800" dirty="0">
+                <a:solidFill>
+                  <a:schemeClr val="tx1"/>
+                </a:solidFill>
+              </a:rPr>
+              <a:t> </a:t>
+            </a:r>
+            <a:r>
+              <a:rPr lang="ko-KR" altLang="en-US" sz="1800" dirty="0">
+                <a:solidFill>
+                  <a:schemeClr val="tx1"/>
+                </a:solidFill>
+              </a:rPr>
+              <a:t>서버</a:t>
+            </a:r>
+            <a:r>
+              <a:rPr lang="en-US" altLang="ko-KR" sz="1800" dirty="0">
+                <a:solidFill>
+                  <a:schemeClr val="tx1"/>
+                </a:solidFill>
+              </a:rPr>
+              <a:t>,                      </a:t>
+            </a:r>
+          </a:p>
+          <a:p>
+            <a:pPr marL="114300" indent="0">
+              <a:buNone/>
+            </a:pPr>
+            <a:r>
+              <a:rPr lang="en-US" altLang="ko-KR" sz="1800" dirty="0">
+                <a:solidFill>
+                  <a:schemeClr val="tx1"/>
+                </a:solidFill>
+              </a:rPr>
+              <a:t>                        SonarQube </a:t>
+            </a:r>
+            <a:r>
+              <a:rPr lang="ko-KR" altLang="en-US" sz="1800" dirty="0">
+                <a:solidFill>
+                  <a:schemeClr val="tx1"/>
+                </a:solidFill>
+              </a:rPr>
+              <a:t>서버 총 </a:t>
+            </a:r>
+            <a:r>
+              <a:rPr lang="en-US" altLang="ko-KR" sz="1800" dirty="0">
+                <a:solidFill>
+                  <a:schemeClr val="tx1"/>
+                </a:solidFill>
+              </a:rPr>
+              <a:t>5</a:t>
+            </a:r>
+            <a:r>
+              <a:rPr lang="ko-KR" altLang="en-US" sz="1800" dirty="0">
+                <a:solidFill>
+                  <a:schemeClr val="tx1"/>
+                </a:solidFill>
+              </a:rPr>
+              <a:t>대</a:t>
+            </a:r>
+            <a:endParaRPr lang="en-US" altLang="ko-KR" sz="1800" dirty="0">
+              <a:solidFill>
+                <a:schemeClr val="tx1"/>
+              </a:solidFill>
+            </a:endParaRPr>
+          </a:p>
+          <a:p>
+            <a:endParaRPr lang="en-US" altLang="ko-KR" sz="1800" dirty="0">
+              <a:solidFill>
+                <a:schemeClr val="tx1"/>
+              </a:solidFill>
+            </a:endParaRPr>
+          </a:p>
+          <a:p>
+            <a:r>
+              <a:rPr lang="ko-KR" altLang="en-US" sz="1800" dirty="0">
+                <a:solidFill>
+                  <a:schemeClr val="tx1"/>
+                </a:solidFill>
+              </a:rPr>
+              <a:t>설치 환경 </a:t>
+            </a:r>
+            <a:r>
+              <a:rPr lang="en-US" altLang="ko-KR" sz="1800" dirty="0">
+                <a:solidFill>
+                  <a:schemeClr val="tx1"/>
+                </a:solidFill>
+              </a:rPr>
+              <a:t>: Ubuntu 20.04, Java 17</a:t>
+            </a:r>
+          </a:p>
+          <a:p>
+            <a:endParaRPr lang="en-US" altLang="ko-KR" sz="1800" dirty="0">
+              <a:solidFill>
+                <a:schemeClr val="tx1"/>
+              </a:solidFill>
+            </a:endParaRPr>
+          </a:p>
+          <a:p>
+            <a:r>
+              <a:rPr lang="ko-KR" altLang="en-US" sz="1800" dirty="0">
+                <a:solidFill>
+                  <a:schemeClr val="tx1"/>
+                </a:solidFill>
+              </a:rPr>
+              <a:t>작업 위치 </a:t>
+            </a:r>
+            <a:r>
+              <a:rPr lang="en-US" altLang="ko-KR" sz="1800" dirty="0">
+                <a:solidFill>
+                  <a:schemeClr val="tx1"/>
+                </a:solidFill>
+              </a:rPr>
+              <a:t>: </a:t>
+            </a:r>
+            <a:r>
+              <a:rPr lang="en-US" altLang="ko-KR" sz="1800" dirty="0" err="1">
+                <a:solidFill>
+                  <a:schemeClr val="tx1"/>
+                </a:solidFill>
+              </a:rPr>
+              <a:t>Github</a:t>
+            </a:r>
+            <a:r>
+              <a:rPr lang="en-US" altLang="ko-KR" sz="1800" dirty="0">
+                <a:solidFill>
+                  <a:schemeClr val="tx1"/>
+                </a:solidFill>
+              </a:rPr>
+              <a:t> flask-</a:t>
+            </a:r>
+            <a:r>
+              <a:rPr lang="en-US" altLang="ko-KR" sz="1800" dirty="0" err="1">
+                <a:solidFill>
+                  <a:schemeClr val="tx1"/>
+                </a:solidFill>
+              </a:rPr>
+              <a:t>cicd</a:t>
+            </a:r>
+            <a:r>
+              <a:rPr lang="en-US" altLang="ko-KR" sz="1800" dirty="0">
+                <a:solidFill>
+                  <a:schemeClr val="tx1"/>
+                </a:solidFill>
+              </a:rPr>
+              <a:t> </a:t>
+            </a:r>
+            <a:r>
+              <a:rPr lang="ko-KR" altLang="en-US" sz="1800" dirty="0" err="1">
+                <a:solidFill>
+                  <a:schemeClr val="tx1"/>
+                </a:solidFill>
+              </a:rPr>
+              <a:t>리포지토리</a:t>
+            </a:r>
+            <a:r>
+              <a:rPr lang="ko-KR" altLang="en-US" sz="1800" dirty="0">
+                <a:solidFill>
+                  <a:schemeClr val="tx1"/>
+                </a:solidFill>
+              </a:rPr>
+              <a:t> </a:t>
+            </a:r>
+            <a:r>
+              <a:rPr lang="en-US" altLang="ko-KR" sz="1800" dirty="0">
+                <a:solidFill>
+                  <a:schemeClr val="tx1"/>
+                </a:solidFill>
+              </a:rPr>
+              <a:t>– Pipeline </a:t>
+            </a:r>
+            <a:r>
+              <a:rPr lang="ko-KR" altLang="en-US" sz="1800" dirty="0">
+                <a:solidFill>
+                  <a:schemeClr val="tx1"/>
+                </a:solidFill>
+              </a:rPr>
+              <a:t>코드</a:t>
+            </a:r>
+            <a:r>
+              <a:rPr lang="en-US" altLang="ko-KR" sz="1800" dirty="0">
+                <a:solidFill>
+                  <a:schemeClr val="tx1"/>
+                </a:solidFill>
+              </a:rPr>
+              <a:t> </a:t>
+            </a:r>
+            <a:r>
+              <a:rPr lang="ko-KR" altLang="en-US" sz="1800" dirty="0">
+                <a:solidFill>
+                  <a:schemeClr val="tx1"/>
+                </a:solidFill>
+              </a:rPr>
+              <a:t>구현</a:t>
+            </a:r>
+            <a:r>
+              <a:rPr lang="en-US" altLang="ko-KR" sz="1800" dirty="0">
+                <a:solidFill>
+                  <a:schemeClr val="tx1"/>
+                </a:solidFill>
+              </a:rPr>
+              <a:t>    </a:t>
+            </a:r>
+          </a:p>
+          <a:p>
+            <a:endParaRPr lang="en-US" altLang="ko-KR" sz="1800" dirty="0">
+              <a:solidFill>
+                <a:schemeClr val="tx1"/>
+              </a:solidFill>
+            </a:endParaRPr>
+          </a:p>
+          <a:p>
+            <a:r>
+              <a:rPr lang="ko-KR" altLang="en-US" sz="1800" dirty="0">
+                <a:solidFill>
+                  <a:schemeClr val="tx1"/>
+                </a:solidFill>
+              </a:rPr>
+              <a:t>사용 언어 </a:t>
+            </a:r>
+            <a:r>
+              <a:rPr lang="en-US" altLang="ko-KR" sz="1800" dirty="0">
+                <a:solidFill>
+                  <a:schemeClr val="tx1"/>
+                </a:solidFill>
+              </a:rPr>
+              <a:t>: Groovy, Python</a:t>
+            </a:r>
+          </a:p>
+          <a:p>
+            <a:endParaRPr lang="en-US" altLang="ko-KR" sz="1800" dirty="0">
+              <a:solidFill>
+                <a:schemeClr val="tx1"/>
+              </a:solidFill>
+            </a:endParaRPr>
+          </a:p>
+          <a:p>
+            <a:endParaRPr lang="en-US" altLang="ko-KR" sz="1800" dirty="0">
+              <a:solidFill>
+                <a:schemeClr val="tx1"/>
+              </a:solidFill>
+            </a:endParaRPr>
+          </a:p>
+          <a:p>
+            <a:endParaRPr lang="en-US" altLang="ko-KR" dirty="0">
+              <a:solidFill>
+                <a:schemeClr val="tx1"/>
+              </a:solidFill>
+            </a:endParaRPr>
+          </a:p>
+          <a:p>
+            <a:endParaRPr lang="en-US" altLang="ko-KR" dirty="0">
+              <a:solidFill>
+                <a:schemeClr val="tx1"/>
+              </a:solidFill>
+            </a:endParaRPr>
+          </a:p>
+          <a:p>
+            <a:endParaRPr lang="en-US" altLang="ko-KR" dirty="0">
+              <a:solidFill>
+                <a:schemeClr val="tx1"/>
+              </a:solidFill>
+            </a:endParaRPr>
+          </a:p>
+          <a:p>
+            <a:endParaRPr lang="en-US" altLang="ko-KR" dirty="0">
+              <a:solidFill>
+                <a:schemeClr val="tx1"/>
+              </a:solidFill>
+            </a:endParaRPr>
+          </a:p>
+          <a:p>
+            <a:pPr marL="114300" indent="0">
+              <a:buNone/>
+            </a:pPr>
+            <a:endParaRPr lang="en-US" altLang="ko-KR" dirty="0">
+              <a:solidFill>
+                <a:schemeClr val="tx1"/>
+              </a:solidFill>
+            </a:endParaRPr>
+          </a:p>
+        </p:txBody>
+      </p:sp>
     </p:spTree>
     <p:extLst>
       <p:ext uri="{BB962C8B-B14F-4D97-AF65-F5344CB8AC3E}">
-        <p14:creationId xmlns:p14="http://schemas.microsoft.com/office/powerpoint/2010/main" val="1532860426"/>
+        <p14:creationId xmlns:p14="http://schemas.microsoft.com/office/powerpoint/2010/main" val="2888895356"/>
       </p:ext>
     </p:extLst>
   </p:cSld>
@@ -10010,6 +10539,77 @@
             </a:r>
             <a:r>
               <a:rPr lang="ko-KR" altLang="en-US" sz="2000" dirty="0"/>
+              <a:t>수행 일정</a:t>
+            </a:r>
+          </a:p>
+        </p:txBody>
+      </p:sp>
+    </p:spTree>
+    <p:extLst>
+      <p:ext uri="{BB962C8B-B14F-4D97-AF65-F5344CB8AC3E}">
+        <p14:creationId xmlns:p14="http://schemas.microsoft.com/office/powerpoint/2010/main" val="1532860426"/>
+      </p:ext>
+    </p:extLst>
+  </p:cSld>
+  <p:clrMapOvr>
+    <a:masterClrMapping/>
+  </p:clrMapOvr>
+</p:sld>
+</file>
+
+<file path=ppt/slides/slide8.xml><?xml version="1.0" encoding="utf-8"?>
+<p:sld xmlns:a="http://schemas.openxmlformats.org/drawingml/2006/main" xmlns:r="http://schemas.openxmlformats.org/officeDocument/2006/relationships" xmlns:p="http://schemas.openxmlformats.org/presentationml/2006/main">
+  <p:cSld>
+    <p:spTree>
+      <p:nvGrpSpPr>
+        <p:cNvPr id="1" name=""/>
+        <p:cNvGrpSpPr/>
+        <p:nvPr/>
+      </p:nvGrpSpPr>
+      <p:grpSpPr>
+        <a:xfrm>
+          <a:off x="0" y="0"/>
+          <a:ext cx="0" cy="0"/>
+          <a:chOff x="0" y="0"/>
+          <a:chExt cx="0" cy="0"/>
+        </a:xfrm>
+      </p:grpSpPr>
+      <p:sp>
+        <p:nvSpPr>
+          <p:cNvPr id="2" name="제목 1">
+            <a:extLst>
+              <a:ext uri="{FF2B5EF4-FFF2-40B4-BE49-F238E27FC236}">
+                <a16:creationId xmlns:a16="http://schemas.microsoft.com/office/drawing/2014/main" id="{46EF2929-9B0A-68FC-9471-EF98ABF2EB7F}"/>
+              </a:ext>
+            </a:extLst>
+          </p:cNvPr>
+          <p:cNvSpPr>
+            <a:spLocks noGrp="1"/>
+          </p:cNvSpPr>
+          <p:nvPr>
+            <p:ph type="title"/>
+          </p:nvPr>
+        </p:nvSpPr>
+        <p:spPr>
+          <a:xfrm>
+            <a:off x="536331" y="631729"/>
+            <a:ext cx="8222100" cy="767700"/>
+          </a:xfrm>
+        </p:spPr>
+        <p:txBody>
+          <a:bodyPr/>
+          <a:lstStyle/>
+          <a:p>
+            <a:r>
+              <a:rPr lang="ko-KR" altLang="en-US" b="1" dirty="0"/>
+              <a:t>프로젝트 수행 </a:t>
+            </a:r>
+            <a:r>
+              <a:rPr lang="en-US" altLang="ko-KR" dirty="0"/>
+              <a:t>– </a:t>
+            </a:r>
+            <a:r>
+              <a:rPr lang="ko-KR" altLang="en-US" sz="2000" dirty="0"/>
               <a:t>수행 결과</a:t>
             </a:r>
           </a:p>
@@ -10033,8 +10633,8 @@
         </p:nvSpPr>
         <p:spPr>
           <a:xfrm>
-            <a:off x="74591" y="1732793"/>
-            <a:ext cx="2979081" cy="2703760"/>
+            <a:off x="35024" y="1710811"/>
+            <a:ext cx="3231317" cy="2927130"/>
           </a:xfrm>
         </p:spPr>
         <p:txBody>
@@ -10079,7 +10679,20 @@
                   <a:schemeClr val="tx1"/>
                 </a:solidFill>
               </a:rPr>
-              <a:t>flask CI/CD </a:t>
+              <a:t>flask CI/CD</a:t>
+            </a:r>
+          </a:p>
+          <a:p>
+            <a:pPr marL="114300" indent="0">
+              <a:buNone/>
+            </a:pPr>
+            <a:r>
+              <a:rPr lang="en-US" altLang="ko-KR" sz="1600" dirty="0">
+                <a:solidFill>
+                  <a:schemeClr val="tx1"/>
+                </a:solidFill>
+              </a:rPr>
+              <a:t>      </a:t>
             </a:r>
             <a:r>
               <a:rPr lang="ko-KR" altLang="en-US" sz="1600" dirty="0">
@@ -10133,18 +10746,8 @@
                   <a:schemeClr val="tx1"/>
                 </a:solidFill>
               </a:rPr>
-              <a:t>서버와 연결하여 파일 공유 서비스를 수행</a:t>
-            </a:r>
-            <a:r>
-              <a:rPr lang="en-US" altLang="ko-KR" sz="1600" dirty="0">
-                <a:solidFill>
-                  <a:schemeClr val="tx1"/>
-                </a:solidFill>
-              </a:rPr>
-              <a:t>.</a:t>
-            </a:r>
-          </a:p>
-          <a:p>
+              <a:t>서버와 연결하여 파일 공유</a:t>
+            </a:r>
             <a:endParaRPr lang="en-US" altLang="ko-KR" sz="1600" dirty="0">
               <a:solidFill>
                 <a:schemeClr val="tx1"/>
@@ -10152,13 +10755,16 @@
             </a:endParaRPr>
           </a:p>
           <a:p>
+            <a:pPr marL="114300" indent="0">
+              <a:buNone/>
+            </a:pPr>
             <a:r>
               <a:rPr lang="en-US" altLang="ko-KR" sz="1600" dirty="0">
                 <a:solidFill>
                   <a:schemeClr val="tx1"/>
                 </a:solidFill>
               </a:rPr>
-              <a:t>Email</a:t>
+              <a:t>     </a:t>
             </a:r>
             <a:r>
               <a:rPr lang="ko-KR" altLang="en-US" sz="1600" dirty="0">
@@ -10166,23 +10772,7 @@
                   <a:schemeClr val="tx1"/>
                 </a:solidFill>
               </a:rPr>
-              <a:t>과 </a:t>
-            </a:r>
-            <a:r>
-              <a:rPr lang="en-US" altLang="ko-KR" sz="1600" dirty="0">
-                <a:solidFill>
-                  <a:schemeClr val="tx1"/>
-                </a:solidFill>
-              </a:rPr>
-              <a:t>Release</a:t>
-            </a:r>
-            <a:r>
-              <a:rPr lang="ko-KR" altLang="en-US" sz="1600" dirty="0">
-                <a:solidFill>
-                  <a:schemeClr val="tx1"/>
-                </a:solidFill>
-              </a:rPr>
-              <a:t>를 통한</a:t>
+              <a:t> 서비스를 수행</a:t>
             </a:r>
             <a:endParaRPr lang="en-US" altLang="ko-KR" sz="1600" dirty="0">
               <a:solidFill>
@@ -10191,17 +10781,6 @@
             </a:endParaRPr>
           </a:p>
           <a:p>
-            <a:pPr marL="114300" indent="0">
-              <a:buNone/>
-            </a:pPr>
-            <a:r>
-              <a:rPr lang="ko-KR" altLang="en-US" sz="1600" dirty="0">
-                <a:solidFill>
-                  <a:schemeClr val="tx1"/>
-                </a:solidFill>
-              </a:rPr>
-              <a:t>      편리한 커뮤니케이션 환경</a:t>
-            </a:r>
             <a:endParaRPr lang="en-US" altLang="ko-KR" sz="1600" dirty="0">
               <a:solidFill>
                 <a:schemeClr val="tx1"/>
@@ -10209,16 +10788,13 @@
             </a:endParaRPr>
           </a:p>
           <a:p>
-            <a:pPr marL="114300" indent="0">
-              <a:buNone/>
-            </a:pPr>
             <a:r>
               <a:rPr lang="en-US" altLang="ko-KR" sz="1600" dirty="0">
                 <a:solidFill>
                   <a:schemeClr val="tx1"/>
                 </a:solidFill>
               </a:rPr>
-              <a:t>      </a:t>
+              <a:t>Email</a:t>
             </a:r>
             <a:r>
               <a:rPr lang="ko-KR" altLang="en-US" sz="1600" dirty="0">
@@ -10226,7 +10802,7 @@
                   <a:schemeClr val="tx1"/>
                 </a:solidFill>
               </a:rPr>
-              <a:t>구축</a:t>
+              <a:t>과 </a:t>
             </a:r>
             <a:r>
               <a:rPr lang="en-US" altLang="ko-KR" sz="1600" dirty="0">
@@ -10234,22 +10810,77 @@
                   <a:schemeClr val="tx1"/>
                 </a:solidFill>
               </a:rPr>
-              <a:t>.</a:t>
-            </a:r>
-            <a:endParaRPr lang="ko-KR" altLang="en-US" sz="1600" dirty="0">
+              <a:t>Release</a:t>
+            </a:r>
+            <a:r>
+              <a:rPr lang="ko-KR" altLang="en-US" sz="1600" dirty="0">
+                <a:solidFill>
+                  <a:schemeClr val="tx1"/>
+                </a:solidFill>
+              </a:rPr>
+              <a:t>를 통한</a:t>
+            </a:r>
+            <a:endParaRPr lang="en-US" altLang="ko-KR" sz="1600" dirty="0">
               <a:solidFill>
                 <a:schemeClr val="tx1"/>
               </a:solidFill>
             </a:endParaRPr>
           </a:p>
+          <a:p>
+            <a:pPr marL="114300" indent="0">
+              <a:buNone/>
+            </a:pPr>
+            <a:r>
+              <a:rPr lang="ko-KR" altLang="en-US" sz="1600" dirty="0">
+                <a:solidFill>
+                  <a:schemeClr val="tx1"/>
+                </a:solidFill>
+              </a:rPr>
+              <a:t>      편리한 커뮤니케이션 </a:t>
+            </a:r>
+            <a:endParaRPr lang="en-US" altLang="ko-KR" sz="1600" dirty="0">
+              <a:solidFill>
+                <a:schemeClr val="tx1"/>
+              </a:solidFill>
+            </a:endParaRPr>
+          </a:p>
+          <a:p>
+            <a:pPr marL="114300" indent="0">
+              <a:buNone/>
+            </a:pPr>
+            <a:r>
+              <a:rPr lang="ko-KR" altLang="en-US" sz="1600" dirty="0">
+                <a:solidFill>
+                  <a:schemeClr val="tx1"/>
+                </a:solidFill>
+              </a:rPr>
+              <a:t>      환경</a:t>
+            </a:r>
+            <a:r>
+              <a:rPr lang="en-US" altLang="ko-KR" sz="1600" dirty="0">
+                <a:solidFill>
+                  <a:schemeClr val="tx1"/>
+                </a:solidFill>
+              </a:rPr>
+              <a:t> </a:t>
+            </a:r>
+            <a:r>
+              <a:rPr lang="ko-KR" altLang="en-US" sz="1600" dirty="0">
+                <a:solidFill>
+                  <a:schemeClr val="tx1"/>
+                </a:solidFill>
+              </a:rPr>
+              <a:t>구축</a:t>
+            </a:r>
+          </a:p>
         </p:txBody>
       </p:sp>
       <p:pic>
         <p:nvPicPr>
-          <p:cNvPr id="5" name="그림 4">
+          <p:cNvPr id="6" name="그림 5">
             <a:extLst>
               <a:ext uri="{FF2B5EF4-FFF2-40B4-BE49-F238E27FC236}">
-                <a16:creationId xmlns:a16="http://schemas.microsoft.com/office/drawing/2014/main" id="{646B18B8-C5FE-B9FB-6606-DF4E2CBC1EEE}"/>
+                <a16:creationId xmlns:a16="http://schemas.microsoft.com/office/drawing/2014/main" id="{FEDF37BF-2D6D-3159-26B1-3FD420D0E7E2}"/>
               </a:ext>
             </a:extLst>
           </p:cNvPr>
@@ -10266,8 +10897,8 @@
         </p:blipFill>
         <p:spPr>
           <a:xfrm>
-            <a:off x="3115362" y="1499089"/>
-            <a:ext cx="5914482" cy="3171168"/>
+            <a:off x="3085629" y="1529861"/>
+            <a:ext cx="5983781" cy="3148965"/>
           </a:xfrm>
           <a:prstGeom prst="rect">
             <a:avLst/>
@@ -10287,7 +10918,7 @@
 </p:sld>
 </file>
 
-<file path=ppt/slides/slide8.xml><?xml version="1.0" encoding="utf-8"?>
+<file path=ppt/slides/slide9.xml><?xml version="1.0" encoding="utf-8"?>
 <p:sld xmlns:a="http://schemas.openxmlformats.org/drawingml/2006/main" xmlns:r="http://schemas.openxmlformats.org/officeDocument/2006/relationships" xmlns:p="http://schemas.openxmlformats.org/presentationml/2006/main">
   <p:cSld>
     <p:spTree>
@@ -10441,150 +11072,6 @@
     <p:extLst>
       <p:ext uri="{BB962C8B-B14F-4D97-AF65-F5344CB8AC3E}">
         <p14:creationId xmlns:p14="http://schemas.microsoft.com/office/powerpoint/2010/main" val="1854440406"/>
-      </p:ext>
-    </p:extLst>
-  </p:cSld>
-  <p:clrMapOvr>
-    <a:masterClrMapping/>
-  </p:clrMapOvr>
-</p:sld>
-</file>
-
-<file path=ppt/slides/slide9.xml><?xml version="1.0" encoding="utf-8"?>
-<p:sld xmlns:a="http://schemas.openxmlformats.org/drawingml/2006/main" xmlns:r="http://schemas.openxmlformats.org/officeDocument/2006/relationships" xmlns:p="http://schemas.openxmlformats.org/presentationml/2006/main">
-  <p:cSld>
-    <p:spTree>
-      <p:nvGrpSpPr>
-        <p:cNvPr id="1" name=""/>
-        <p:cNvGrpSpPr/>
-        <p:nvPr/>
-      </p:nvGrpSpPr>
-      <p:grpSpPr>
-        <a:xfrm>
-          <a:off x="0" y="0"/>
-          <a:ext cx="0" cy="0"/>
-          <a:chOff x="0" y="0"/>
-          <a:chExt cx="0" cy="0"/>
-        </a:xfrm>
-      </p:grpSpPr>
-      <p:sp>
-        <p:nvSpPr>
-          <p:cNvPr id="2" name="제목 1">
-            <a:extLst>
-              <a:ext uri="{FF2B5EF4-FFF2-40B4-BE49-F238E27FC236}">
-                <a16:creationId xmlns:a16="http://schemas.microsoft.com/office/drawing/2014/main" id="{A9BDBCF8-810A-9EF2-E7C5-4BF628817D4A}"/>
-              </a:ext>
-            </a:extLst>
-          </p:cNvPr>
-          <p:cNvSpPr>
-            <a:spLocks noGrp="1"/>
-          </p:cNvSpPr>
-          <p:nvPr>
-            <p:ph type="title"/>
-          </p:nvPr>
-        </p:nvSpPr>
-        <p:spPr>
-          <a:xfrm>
-            <a:off x="460950" y="545294"/>
-            <a:ext cx="8222100" cy="767700"/>
-          </a:xfrm>
-        </p:spPr>
-        <p:txBody>
-          <a:bodyPr/>
-          <a:lstStyle/>
-          <a:p>
-            <a:r>
-              <a:rPr lang="ko-KR" altLang="en-US" b="1" dirty="0"/>
-              <a:t>결과 데모 시연</a:t>
-            </a:r>
-          </a:p>
-        </p:txBody>
-      </p:sp>
-      <p:pic>
-        <p:nvPicPr>
-          <p:cNvPr id="10" name="그림 9">
-            <a:extLst>
-              <a:ext uri="{FF2B5EF4-FFF2-40B4-BE49-F238E27FC236}">
-                <a16:creationId xmlns:a16="http://schemas.microsoft.com/office/drawing/2014/main" id="{46585118-0CC2-AFFA-E66D-3F65B9AAD943}"/>
-              </a:ext>
-            </a:extLst>
-          </p:cNvPr>
-          <p:cNvPicPr>
-            <a:picLocks noChangeAspect="1"/>
-          </p:cNvPicPr>
-          <p:nvPr/>
-        </p:nvPicPr>
-        <p:blipFill>
-          <a:blip r:embed="rId2"/>
-          <a:stretch>
-            <a:fillRect/>
-          </a:stretch>
-        </p:blipFill>
-        <p:spPr>
-          <a:xfrm>
-            <a:off x="515862" y="1649274"/>
-            <a:ext cx="7973112" cy="2823811"/>
-          </a:xfrm>
-          <a:prstGeom prst="rect">
-            <a:avLst/>
-          </a:prstGeom>
-        </p:spPr>
-      </p:pic>
-      <p:sp>
-        <p:nvSpPr>
-          <p:cNvPr id="3" name="TextBox 2">
-            <a:extLst>
-              <a:ext uri="{FF2B5EF4-FFF2-40B4-BE49-F238E27FC236}">
-                <a16:creationId xmlns:a16="http://schemas.microsoft.com/office/drawing/2014/main" id="{23EACC57-4912-BBB1-3643-783E7F020D01}"/>
-              </a:ext>
-            </a:extLst>
-          </p:cNvPr>
-          <p:cNvSpPr txBox="1"/>
-          <p:nvPr/>
-        </p:nvSpPr>
-        <p:spPr>
-          <a:xfrm>
-            <a:off x="4280413" y="1965081"/>
-            <a:ext cx="3245802" cy="369332"/>
-          </a:xfrm>
-          <a:prstGeom prst="rect">
-            <a:avLst/>
-          </a:prstGeom>
-          <a:noFill/>
-        </p:spPr>
-        <p:txBody>
-          <a:bodyPr wrap="square" rtlCol="0">
-            <a:spAutoFit/>
-          </a:bodyPr>
-          <a:lstStyle/>
-          <a:p>
-            <a:r>
-              <a:rPr lang="en-US" altLang="ko-KR" dirty="0">
-                <a:solidFill>
-                  <a:schemeClr val="bg2">
-                    <a:lumMod val="75000"/>
-                  </a:schemeClr>
-                </a:solidFill>
-              </a:rPr>
-              <a:t>Jenkins </a:t>
-            </a:r>
-            <a:r>
-              <a:rPr lang="ko-KR" altLang="en-US" dirty="0">
-                <a:solidFill>
-                  <a:schemeClr val="bg2">
-                    <a:lumMod val="75000"/>
-                  </a:schemeClr>
-                </a:solidFill>
-              </a:rPr>
-              <a:t>파이프라인 진행 화면</a:t>
-            </a:r>
-          </a:p>
-        </p:txBody>
-      </p:sp>
-    </p:spTree>
-    <p:extLst>
-      <p:ext uri="{BB962C8B-B14F-4D97-AF65-F5344CB8AC3E}">
-        <p14:creationId xmlns:p14="http://schemas.microsoft.com/office/powerpoint/2010/main" val="1324614293"/>
       </p:ext>
     </p:extLst>
   </p:cSld>

--- a/제출자료/최종 발표 프레젠테이션(김정훈).pptx
+++ b/제출자료/최종 발표 프레젠테이션(김정훈).pptx
@@ -10544,6 +10544,36 @@
           </a:p>
         </p:txBody>
       </p:sp>
+      <p:pic>
+        <p:nvPicPr>
+          <p:cNvPr id="4" name="그림 3">
+            <a:extLst>
+              <a:ext uri="{FF2B5EF4-FFF2-40B4-BE49-F238E27FC236}">
+                <a16:creationId xmlns:a16="http://schemas.microsoft.com/office/drawing/2014/main" id="{30E2B0D7-A0FE-3AC7-BBCC-E2EA2D85037A}"/>
+              </a:ext>
+            </a:extLst>
+          </p:cNvPr>
+          <p:cNvPicPr>
+            <a:picLocks noChangeAspect="1"/>
+          </p:cNvPicPr>
+          <p:nvPr/>
+        </p:nvPicPr>
+        <p:blipFill>
+          <a:blip r:embed="rId2"/>
+          <a:stretch>
+            <a:fillRect/>
+          </a:stretch>
+        </p:blipFill>
+        <p:spPr>
+          <a:xfrm>
+            <a:off x="202809" y="1692520"/>
+            <a:ext cx="8738381" cy="2434158"/>
+          </a:xfrm>
+          <a:prstGeom prst="rect">
+            <a:avLst/>
+          </a:prstGeom>
+        </p:spPr>
+      </p:pic>
     </p:spTree>
     <p:extLst>
       <p:ext uri="{BB962C8B-B14F-4D97-AF65-F5344CB8AC3E}">

--- a/제출자료/최종 발표 프레젠테이션(김정훈).pptx
+++ b/제출자료/최종 발표 프레젠테이션(김정훈).pptx
@@ -1,6 +1,6 @@
 
 <file path=ppt/presentation.xml><?xml version="1.0" encoding="utf-8"?>
-<p:presentation xmlns:a="http://schemas.openxmlformats.org/drawingml/2006/main" xmlns:r="http://schemas.openxmlformats.org/officeDocument/2006/relationships" xmlns:p="http://schemas.openxmlformats.org/presentationml/2006/main" strictFirstAndLastChars="0" embedTrueTypeFonts="1" saveSubsetFonts="1" autoCompressPictures="0">
+<p:presentation xmlns:a="http://schemas.openxmlformats.org/drawingml/2006/main" xmlns:r="http://schemas.openxmlformats.org/officeDocument/2006/relationships" xmlns:p="http://schemas.openxmlformats.org/presentationml/2006/main" strictFirstAndLastChars="0" embedTrueTypeFonts="1" autoCompressPictures="0">
   <p:sldMasterIdLst>
     <p:sldMasterId id="2147483660" r:id="rId1"/>
   </p:sldMasterIdLst>
@@ -9370,7 +9370,7 @@
         </p:blipFill>
         <p:spPr>
           <a:xfrm>
-            <a:off x="5393227" y="1506425"/>
+            <a:off x="5454773" y="1550386"/>
             <a:ext cx="2260477" cy="2260477"/>
           </a:xfrm>
           <a:prstGeom prst="rect">
